--- a/Pneumonia Analysis Presentation.pptx
+++ b/Pneumonia Analysis Presentation.pptx
@@ -5,7 +5,7 @@
     <p:sldMasterId id="2147483659" r:id="rId1"/>
   </p:sldMasterIdLst>
   <p:notesMasterIdLst>
-    <p:notesMasterId r:id="rId14"/>
+    <p:notesMasterId r:id="rId16"/>
   </p:notesMasterIdLst>
   <p:sldIdLst>
     <p:sldId id="256" r:id="rId2"/>
@@ -14,29 +14,31 @@
     <p:sldId id="259" r:id="rId5"/>
     <p:sldId id="267" r:id="rId6"/>
     <p:sldId id="260" r:id="rId7"/>
-    <p:sldId id="261" r:id="rId8"/>
-    <p:sldId id="263" r:id="rId9"/>
-    <p:sldId id="264" r:id="rId10"/>
-    <p:sldId id="265" r:id="rId11"/>
-    <p:sldId id="262" r:id="rId12"/>
-    <p:sldId id="266" r:id="rId13"/>
+    <p:sldId id="268" r:id="rId8"/>
+    <p:sldId id="261" r:id="rId9"/>
+    <p:sldId id="269" r:id="rId10"/>
+    <p:sldId id="263" r:id="rId11"/>
+    <p:sldId id="264" r:id="rId12"/>
+    <p:sldId id="265" r:id="rId13"/>
+    <p:sldId id="262" r:id="rId14"/>
+    <p:sldId id="266" r:id="rId15"/>
   </p:sldIdLst>
   <p:sldSz cx="9144000" cy="5143500" type="screen16x9"/>
   <p:notesSz cx="6858000" cy="9144000"/>
   <p:embeddedFontLst>
     <p:embeddedFont>
       <p:font typeface="Lato" panose="020F0502020204030203" pitchFamily="34" charset="0"/>
-      <p:regular r:id="rId15"/>
-      <p:bold r:id="rId16"/>
-      <p:italic r:id="rId17"/>
-      <p:boldItalic r:id="rId18"/>
+      <p:regular r:id="rId17"/>
+      <p:bold r:id="rId18"/>
+      <p:italic r:id="rId19"/>
+      <p:boldItalic r:id="rId20"/>
     </p:embeddedFont>
     <p:embeddedFont>
       <p:font typeface="Montserrat" panose="00000500000000000000" pitchFamily="2" charset="0"/>
-      <p:regular r:id="rId19"/>
-      <p:bold r:id="rId20"/>
-      <p:italic r:id="rId21"/>
-      <p:boldItalic r:id="rId22"/>
+      <p:regular r:id="rId21"/>
+      <p:bold r:id="rId22"/>
+      <p:italic r:id="rId23"/>
+      <p:boldItalic r:id="rId24"/>
     </p:embeddedFont>
   </p:embeddedFontLst>
   <p:defaultTextStyle>
@@ -288,6 +290,2269 @@
     </p:ext>
   </p:extLst>
 </p:presentation>
+</file>
+
+<file path=ppt/charts/chart1.xml><?xml version="1.0" encoding="utf-8"?>
+<c:chartSpace xmlns:c="http://schemas.openxmlformats.org/drawingml/2006/chart" xmlns:a="http://schemas.openxmlformats.org/drawingml/2006/main" xmlns:r="http://schemas.openxmlformats.org/officeDocument/2006/relationships" xmlns:c16r2="http://schemas.microsoft.com/office/drawing/2015/06/chart">
+  <c:date1904 val="0"/>
+  <c:lang val="en-US"/>
+  <c:roundedCorners val="0"/>
+  <mc:AlternateContent xmlns:mc="http://schemas.openxmlformats.org/markup-compatibility/2006">
+    <mc:Choice xmlns:c14="http://schemas.microsoft.com/office/drawing/2007/8/2/chart" Requires="c14">
+      <c14:style val="102"/>
+    </mc:Choice>
+    <mc:Fallback>
+      <c:style val="2"/>
+    </mc:Fallback>
+  </mc:AlternateContent>
+  <c:chart>
+    <c:title>
+      <c:tx>
+        <c:rich>
+          <a:bodyPr rot="0" spcFirstLastPara="1" vertOverflow="ellipsis" vert="horz" wrap="square" anchor="ctr" anchorCtr="1"/>
+          <a:lstStyle/>
+          <a:p>
+            <a:pPr>
+              <a:defRPr sz="2128" b="1" i="0" u="none" strike="noStrike" kern="1200" spc="100" baseline="0">
+                <a:solidFill>
+                  <a:schemeClr val="lt1">
+                    <a:lumMod val="95000"/>
+                  </a:schemeClr>
+                </a:solidFill>
+                <a:effectLst>
+                  <a:outerShdw blurRad="50800" dist="38100" dir="5400000" algn="t" rotWithShape="0">
+                    <a:prstClr val="black">
+                      <a:alpha val="40000"/>
+                    </a:prstClr>
+                  </a:outerShdw>
+                </a:effectLst>
+                <a:latin typeface="+mn-lt"/>
+                <a:ea typeface="+mn-ea"/>
+                <a:cs typeface="+mn-cs"/>
+              </a:defRPr>
+            </a:pPr>
+            <a:r>
+              <a:rPr lang="en-US" sz="1800" dirty="0"/>
+              <a:t>Scans over 10 year period</a:t>
+            </a:r>
+          </a:p>
+        </c:rich>
+      </c:tx>
+      <c:overlay val="0"/>
+      <c:spPr>
+        <a:noFill/>
+        <a:ln>
+          <a:noFill/>
+        </a:ln>
+        <a:effectLst/>
+      </c:spPr>
+      <c:txPr>
+        <a:bodyPr rot="0" spcFirstLastPara="1" vertOverflow="ellipsis" vert="horz" wrap="square" anchor="ctr" anchorCtr="1"/>
+        <a:lstStyle/>
+        <a:p>
+          <a:pPr>
+            <a:defRPr sz="2128" b="1" i="0" u="none" strike="noStrike" kern="1200" spc="100" baseline="0">
+              <a:solidFill>
+                <a:schemeClr val="lt1">
+                  <a:lumMod val="95000"/>
+                </a:schemeClr>
+              </a:solidFill>
+              <a:effectLst>
+                <a:outerShdw blurRad="50800" dist="38100" dir="5400000" algn="t" rotWithShape="0">
+                  <a:prstClr val="black">
+                    <a:alpha val="40000"/>
+                  </a:prstClr>
+                </a:outerShdw>
+              </a:effectLst>
+              <a:latin typeface="+mn-lt"/>
+              <a:ea typeface="+mn-ea"/>
+              <a:cs typeface="+mn-cs"/>
+            </a:defRPr>
+          </a:pPr>
+          <a:endParaRPr lang="en-US"/>
+        </a:p>
+      </c:txPr>
+    </c:title>
+    <c:autoTitleDeleted val="0"/>
+    <c:plotArea>
+      <c:layout>
+        <c:manualLayout>
+          <c:layoutTarget val="inner"/>
+          <c:xMode val="edge"/>
+          <c:yMode val="edge"/>
+          <c:x val="0.11712558650608504"/>
+          <c:y val="0.13154699803149603"/>
+          <c:w val="0.783298944348921"/>
+          <c:h val="0.70492249015748032"/>
+        </c:manualLayout>
+      </c:layout>
+      <c:barChart>
+        <c:barDir val="col"/>
+        <c:grouping val="clustered"/>
+        <c:varyColors val="0"/>
+        <c:ser>
+          <c:idx val="0"/>
+          <c:order val="0"/>
+          <c:tx>
+            <c:strRef>
+              <c:f>Sheet1!$B$1</c:f>
+              <c:strCache>
+                <c:ptCount val="1"/>
+                <c:pt idx="0">
+                  <c:v>Total number of Images</c:v>
+                </c:pt>
+              </c:strCache>
+            </c:strRef>
+          </c:tx>
+          <c:spPr>
+            <a:gradFill rotWithShape="1">
+              <a:gsLst>
+                <a:gs pos="0">
+                  <a:schemeClr val="accent1">
+                    <a:tint val="100000"/>
+                    <a:shade val="100000"/>
+                    <a:satMod val="130000"/>
+                  </a:schemeClr>
+                </a:gs>
+                <a:gs pos="100000">
+                  <a:schemeClr val="accent1">
+                    <a:tint val="50000"/>
+                    <a:shade val="100000"/>
+                    <a:satMod val="350000"/>
+                  </a:schemeClr>
+                </a:gs>
+              </a:gsLst>
+              <a:lin ang="16200000" scaled="0"/>
+            </a:gradFill>
+            <a:ln>
+              <a:noFill/>
+            </a:ln>
+            <a:effectLst>
+              <a:outerShdw blurRad="40000" dist="23000" dir="5400000" rotWithShape="0">
+                <a:srgbClr val="000000">
+                  <a:alpha val="35000"/>
+                </a:srgbClr>
+              </a:outerShdw>
+            </a:effectLst>
+            <a:scene3d>
+              <a:camera prst="orthographicFront">
+                <a:rot lat="0" lon="0" rev="0"/>
+              </a:camera>
+              <a:lightRig rig="threePt" dir="t">
+                <a:rot lat="0" lon="0" rev="1200000"/>
+              </a:lightRig>
+            </a:scene3d>
+            <a:sp3d>
+              <a:bevelT w="63500" h="25400"/>
+            </a:sp3d>
+          </c:spPr>
+          <c:invertIfNegative val="0"/>
+          <c:cat>
+            <c:numRef>
+              <c:f>Sheet1!$A$2:$A$12</c:f>
+              <c:numCache>
+                <c:formatCode>General</c:formatCode>
+                <c:ptCount val="11"/>
+                <c:pt idx="0">
+                  <c:v>1999</c:v>
+                </c:pt>
+                <c:pt idx="1">
+                  <c:v>2000</c:v>
+                </c:pt>
+                <c:pt idx="2">
+                  <c:v>2001</c:v>
+                </c:pt>
+                <c:pt idx="3">
+                  <c:v>2002</c:v>
+                </c:pt>
+                <c:pt idx="4">
+                  <c:v>2003</c:v>
+                </c:pt>
+                <c:pt idx="5">
+                  <c:v>2004</c:v>
+                </c:pt>
+                <c:pt idx="6">
+                  <c:v>2005</c:v>
+                </c:pt>
+                <c:pt idx="7">
+                  <c:v>2006</c:v>
+                </c:pt>
+                <c:pt idx="8">
+                  <c:v>2007</c:v>
+                </c:pt>
+                <c:pt idx="9">
+                  <c:v>2008</c:v>
+                </c:pt>
+                <c:pt idx="10">
+                  <c:v>2009</c:v>
+                </c:pt>
+              </c:numCache>
+            </c:numRef>
+          </c:cat>
+          <c:val>
+            <c:numRef>
+              <c:f>Sheet1!$B$2:$B$12</c:f>
+              <c:numCache>
+                <c:formatCode>General</c:formatCode>
+                <c:ptCount val="11"/>
+                <c:pt idx="0">
+                  <c:v>75</c:v>
+                </c:pt>
+                <c:pt idx="1">
+                  <c:v>82</c:v>
+                </c:pt>
+                <c:pt idx="2">
+                  <c:v>98</c:v>
+                </c:pt>
+                <c:pt idx="3">
+                  <c:v>110</c:v>
+                </c:pt>
+                <c:pt idx="4">
+                  <c:v>115</c:v>
+                </c:pt>
+                <c:pt idx="5">
+                  <c:v>121</c:v>
+                </c:pt>
+                <c:pt idx="6">
+                  <c:v>122</c:v>
+                </c:pt>
+                <c:pt idx="7">
+                  <c:v>130</c:v>
+                </c:pt>
+                <c:pt idx="8">
+                  <c:v>145</c:v>
+                </c:pt>
+                <c:pt idx="9">
+                  <c:v>150</c:v>
+                </c:pt>
+                <c:pt idx="10">
+                  <c:v>151</c:v>
+                </c:pt>
+              </c:numCache>
+            </c:numRef>
+          </c:val>
+          <c:extLst>
+            <c:ext xmlns:c16="http://schemas.microsoft.com/office/drawing/2014/chart" uri="{C3380CC4-5D6E-409C-BE32-E72D297353CC}">
+              <c16:uniqueId val="{00000000-720D-4616-A940-B67ED24DF9D6}"/>
+            </c:ext>
+          </c:extLst>
+        </c:ser>
+        <c:dLbls>
+          <c:showLegendKey val="0"/>
+          <c:showVal val="0"/>
+          <c:showCatName val="0"/>
+          <c:showSerName val="0"/>
+          <c:showPercent val="0"/>
+          <c:showBubbleSize val="0"/>
+        </c:dLbls>
+        <c:gapWidth val="219"/>
+        <c:axId val="1702750239"/>
+        <c:axId val="1702750655"/>
+      </c:barChart>
+      <c:lineChart>
+        <c:grouping val="standard"/>
+        <c:varyColors val="0"/>
+        <c:ser>
+          <c:idx val="1"/>
+          <c:order val="1"/>
+          <c:tx>
+            <c:strRef>
+              <c:f>Sheet1!$C$1</c:f>
+              <c:strCache>
+                <c:ptCount val="1"/>
+                <c:pt idx="0">
+                  <c:v>Images Interpreted per minute</c:v>
+                </c:pt>
+              </c:strCache>
+            </c:strRef>
+          </c:tx>
+          <c:spPr>
+            <a:ln w="34925" cap="rnd">
+              <a:solidFill>
+                <a:schemeClr val="accent2"/>
+              </a:solidFill>
+              <a:round/>
+            </a:ln>
+            <a:effectLst>
+              <a:outerShdw blurRad="40000" dist="23000" dir="5400000" rotWithShape="0">
+                <a:srgbClr val="000000">
+                  <a:alpha val="35000"/>
+                </a:srgbClr>
+              </a:outerShdw>
+            </a:effectLst>
+          </c:spPr>
+          <c:marker>
+            <c:symbol val="none"/>
+          </c:marker>
+          <c:cat>
+            <c:numRef>
+              <c:f>Sheet1!$A$2:$A$12</c:f>
+              <c:numCache>
+                <c:formatCode>General</c:formatCode>
+                <c:ptCount val="11"/>
+                <c:pt idx="0">
+                  <c:v>1999</c:v>
+                </c:pt>
+                <c:pt idx="1">
+                  <c:v>2000</c:v>
+                </c:pt>
+                <c:pt idx="2">
+                  <c:v>2001</c:v>
+                </c:pt>
+                <c:pt idx="3">
+                  <c:v>2002</c:v>
+                </c:pt>
+                <c:pt idx="4">
+                  <c:v>2003</c:v>
+                </c:pt>
+                <c:pt idx="5">
+                  <c:v>2004</c:v>
+                </c:pt>
+                <c:pt idx="6">
+                  <c:v>2005</c:v>
+                </c:pt>
+                <c:pt idx="7">
+                  <c:v>2006</c:v>
+                </c:pt>
+                <c:pt idx="8">
+                  <c:v>2007</c:v>
+                </c:pt>
+                <c:pt idx="9">
+                  <c:v>2008</c:v>
+                </c:pt>
+                <c:pt idx="10">
+                  <c:v>2009</c:v>
+                </c:pt>
+              </c:numCache>
+            </c:numRef>
+          </c:cat>
+          <c:val>
+            <c:numRef>
+              <c:f>Sheet1!$C$2:$C$12</c:f>
+              <c:numCache>
+                <c:formatCode>General</c:formatCode>
+                <c:ptCount val="11"/>
+                <c:pt idx="0">
+                  <c:v>2.5</c:v>
+                </c:pt>
+                <c:pt idx="1">
+                  <c:v>3</c:v>
+                </c:pt>
+                <c:pt idx="2">
+                  <c:v>3.4</c:v>
+                </c:pt>
+                <c:pt idx="3">
+                  <c:v>4</c:v>
+                </c:pt>
+                <c:pt idx="4">
+                  <c:v>4.5</c:v>
+                </c:pt>
+                <c:pt idx="5">
+                  <c:v>7</c:v>
+                </c:pt>
+                <c:pt idx="6">
+                  <c:v>8</c:v>
+                </c:pt>
+                <c:pt idx="7">
+                  <c:v>9</c:v>
+                </c:pt>
+                <c:pt idx="8">
+                  <c:v>11</c:v>
+                </c:pt>
+                <c:pt idx="9">
+                  <c:v>14</c:v>
+                </c:pt>
+                <c:pt idx="10">
+                  <c:v>15</c:v>
+                </c:pt>
+              </c:numCache>
+            </c:numRef>
+          </c:val>
+          <c:smooth val="0"/>
+          <c:extLst>
+            <c:ext xmlns:c16="http://schemas.microsoft.com/office/drawing/2014/chart" uri="{C3380CC4-5D6E-409C-BE32-E72D297353CC}">
+              <c16:uniqueId val="{00000004-720D-4616-A940-B67ED24DF9D6}"/>
+            </c:ext>
+          </c:extLst>
+        </c:ser>
+        <c:dLbls>
+          <c:showLegendKey val="0"/>
+          <c:showVal val="0"/>
+          <c:showCatName val="0"/>
+          <c:showSerName val="0"/>
+          <c:showPercent val="0"/>
+          <c:showBubbleSize val="0"/>
+        </c:dLbls>
+        <c:marker val="1"/>
+        <c:smooth val="0"/>
+        <c:axId val="97949215"/>
+        <c:axId val="97948799"/>
+      </c:lineChart>
+      <c:catAx>
+        <c:axId val="1702750239"/>
+        <c:scaling>
+          <c:orientation val="minMax"/>
+        </c:scaling>
+        <c:delete val="1"/>
+        <c:axPos val="b"/>
+        <c:numFmt formatCode="General" sourceLinked="1"/>
+        <c:majorTickMark val="none"/>
+        <c:minorTickMark val="none"/>
+        <c:tickLblPos val="nextTo"/>
+        <c:crossAx val="1702750655"/>
+        <c:crosses val="autoZero"/>
+        <c:auto val="1"/>
+        <c:lblAlgn val="ctr"/>
+        <c:lblOffset val="100"/>
+        <c:noMultiLvlLbl val="0"/>
+      </c:catAx>
+      <c:valAx>
+        <c:axId val="1702750655"/>
+        <c:scaling>
+          <c:orientation val="minMax"/>
+          <c:min val="60"/>
+        </c:scaling>
+        <c:delete val="0"/>
+        <c:axPos val="l"/>
+        <c:majorGridlines>
+          <c:spPr>
+            <a:ln w="9525" cap="flat" cmpd="sng" algn="ctr">
+              <a:solidFill>
+                <a:schemeClr val="lt1">
+                  <a:lumMod val="95000"/>
+                  <a:alpha val="10000"/>
+                </a:schemeClr>
+              </a:solidFill>
+              <a:round/>
+            </a:ln>
+            <a:effectLst/>
+          </c:spPr>
+        </c:majorGridlines>
+        <c:title>
+          <c:tx>
+            <c:rich>
+              <a:bodyPr rot="-5400000" spcFirstLastPara="1" vertOverflow="ellipsis" vert="horz" wrap="square" anchor="ctr" anchorCtr="1"/>
+              <a:lstStyle/>
+              <a:p>
+                <a:pPr>
+                  <a:defRPr sz="1197" b="1" i="0" u="none" strike="noStrike" kern="1200" cap="all" baseline="0">
+                    <a:solidFill>
+                      <a:schemeClr val="lt1">
+                        <a:lumMod val="85000"/>
+                      </a:schemeClr>
+                    </a:solidFill>
+                    <a:latin typeface="+mn-lt"/>
+                    <a:ea typeface="+mn-ea"/>
+                    <a:cs typeface="+mn-cs"/>
+                  </a:defRPr>
+                </a:pPr>
+                <a:r>
+                  <a:rPr lang="en-US" dirty="0"/>
+                  <a:t>Images (in Millions)</a:t>
+                </a:r>
+              </a:p>
+            </c:rich>
+          </c:tx>
+          <c:overlay val="0"/>
+          <c:spPr>
+            <a:noFill/>
+            <a:ln>
+              <a:noFill/>
+            </a:ln>
+            <a:effectLst/>
+          </c:spPr>
+          <c:txPr>
+            <a:bodyPr rot="-5400000" spcFirstLastPara="1" vertOverflow="ellipsis" vert="horz" wrap="square" anchor="ctr" anchorCtr="1"/>
+            <a:lstStyle/>
+            <a:p>
+              <a:pPr>
+                <a:defRPr sz="1197" b="1" i="0" u="none" strike="noStrike" kern="1200" cap="all" baseline="0">
+                  <a:solidFill>
+                    <a:schemeClr val="lt1">
+                      <a:lumMod val="85000"/>
+                    </a:schemeClr>
+                  </a:solidFill>
+                  <a:latin typeface="+mn-lt"/>
+                  <a:ea typeface="+mn-ea"/>
+                  <a:cs typeface="+mn-cs"/>
+                </a:defRPr>
+              </a:pPr>
+              <a:endParaRPr lang="en-US"/>
+            </a:p>
+          </c:txPr>
+        </c:title>
+        <c:numFmt formatCode="General" sourceLinked="1"/>
+        <c:majorTickMark val="none"/>
+        <c:minorTickMark val="none"/>
+        <c:tickLblPos val="nextTo"/>
+        <c:spPr>
+          <a:noFill/>
+          <a:ln>
+            <a:noFill/>
+          </a:ln>
+          <a:effectLst/>
+        </c:spPr>
+        <c:txPr>
+          <a:bodyPr rot="-60000000" spcFirstLastPara="1" vertOverflow="ellipsis" vert="horz" wrap="square" anchor="ctr" anchorCtr="1"/>
+          <a:lstStyle/>
+          <a:p>
+            <a:pPr>
+              <a:defRPr sz="1197" b="0" i="0" u="none" strike="noStrike" kern="1200" baseline="0">
+                <a:solidFill>
+                  <a:schemeClr val="lt1">
+                    <a:lumMod val="85000"/>
+                  </a:schemeClr>
+                </a:solidFill>
+                <a:latin typeface="+mn-lt"/>
+                <a:ea typeface="+mn-ea"/>
+                <a:cs typeface="+mn-cs"/>
+              </a:defRPr>
+            </a:pPr>
+            <a:endParaRPr lang="en-US"/>
+          </a:p>
+        </c:txPr>
+        <c:crossAx val="1702750239"/>
+        <c:crosses val="autoZero"/>
+        <c:crossBetween val="between"/>
+      </c:valAx>
+      <c:valAx>
+        <c:axId val="97948799"/>
+        <c:scaling>
+          <c:orientation val="minMax"/>
+        </c:scaling>
+        <c:delete val="0"/>
+        <c:axPos val="r"/>
+        <c:title>
+          <c:tx>
+            <c:rich>
+              <a:bodyPr rot="-5400000" spcFirstLastPara="1" vertOverflow="ellipsis" vert="horz" wrap="square" anchor="ctr" anchorCtr="1"/>
+              <a:lstStyle/>
+              <a:p>
+                <a:pPr>
+                  <a:defRPr sz="1197" b="1" i="0" u="none" strike="noStrike" kern="1200" cap="all" baseline="0">
+                    <a:solidFill>
+                      <a:schemeClr val="lt1">
+                        <a:lumMod val="85000"/>
+                      </a:schemeClr>
+                    </a:solidFill>
+                    <a:latin typeface="+mn-lt"/>
+                    <a:ea typeface="+mn-ea"/>
+                    <a:cs typeface="+mn-cs"/>
+                  </a:defRPr>
+                </a:pPr>
+                <a:r>
+                  <a:rPr lang="en-US" dirty="0"/>
+                  <a:t>Images</a:t>
+                </a:r>
+                <a:r>
+                  <a:rPr lang="en-US" baseline="0" dirty="0"/>
+                  <a:t> Per Minute</a:t>
+                </a:r>
+                <a:endParaRPr lang="en-US" dirty="0"/>
+              </a:p>
+            </c:rich>
+          </c:tx>
+          <c:overlay val="0"/>
+          <c:spPr>
+            <a:noFill/>
+            <a:ln>
+              <a:noFill/>
+            </a:ln>
+            <a:effectLst/>
+          </c:spPr>
+          <c:txPr>
+            <a:bodyPr rot="-5400000" spcFirstLastPara="1" vertOverflow="ellipsis" vert="horz" wrap="square" anchor="ctr" anchorCtr="1"/>
+            <a:lstStyle/>
+            <a:p>
+              <a:pPr>
+                <a:defRPr sz="1197" b="1" i="0" u="none" strike="noStrike" kern="1200" cap="all" baseline="0">
+                  <a:solidFill>
+                    <a:schemeClr val="lt1">
+                      <a:lumMod val="85000"/>
+                    </a:schemeClr>
+                  </a:solidFill>
+                  <a:latin typeface="+mn-lt"/>
+                  <a:ea typeface="+mn-ea"/>
+                  <a:cs typeface="+mn-cs"/>
+                </a:defRPr>
+              </a:pPr>
+              <a:endParaRPr lang="en-US"/>
+            </a:p>
+          </c:txPr>
+        </c:title>
+        <c:numFmt formatCode="General" sourceLinked="1"/>
+        <c:majorTickMark val="out"/>
+        <c:minorTickMark val="none"/>
+        <c:tickLblPos val="nextTo"/>
+        <c:spPr>
+          <a:noFill/>
+          <a:ln>
+            <a:noFill/>
+          </a:ln>
+          <a:effectLst/>
+        </c:spPr>
+        <c:txPr>
+          <a:bodyPr rot="-60000000" spcFirstLastPara="1" vertOverflow="ellipsis" vert="horz" wrap="square" anchor="ctr" anchorCtr="1"/>
+          <a:lstStyle/>
+          <a:p>
+            <a:pPr>
+              <a:defRPr sz="1197" b="0" i="0" u="none" strike="noStrike" kern="1200" baseline="0">
+                <a:solidFill>
+                  <a:schemeClr val="lt1">
+                    <a:lumMod val="85000"/>
+                  </a:schemeClr>
+                </a:solidFill>
+                <a:latin typeface="+mn-lt"/>
+                <a:ea typeface="+mn-ea"/>
+                <a:cs typeface="+mn-cs"/>
+              </a:defRPr>
+            </a:pPr>
+            <a:endParaRPr lang="en-US"/>
+          </a:p>
+        </c:txPr>
+        <c:crossAx val="97949215"/>
+        <c:crosses val="max"/>
+        <c:crossBetween val="between"/>
+      </c:valAx>
+      <c:catAx>
+        <c:axId val="97949215"/>
+        <c:scaling>
+          <c:orientation val="minMax"/>
+        </c:scaling>
+        <c:delete val="1"/>
+        <c:axPos val="b"/>
+        <c:numFmt formatCode="General" sourceLinked="1"/>
+        <c:majorTickMark val="out"/>
+        <c:minorTickMark val="none"/>
+        <c:tickLblPos val="nextTo"/>
+        <c:crossAx val="97948799"/>
+        <c:crosses val="autoZero"/>
+        <c:auto val="1"/>
+        <c:lblAlgn val="ctr"/>
+        <c:lblOffset val="100"/>
+        <c:noMultiLvlLbl val="0"/>
+      </c:catAx>
+      <c:spPr>
+        <a:noFill/>
+        <a:ln>
+          <a:noFill/>
+        </a:ln>
+        <a:effectLst/>
+      </c:spPr>
+    </c:plotArea>
+    <c:legend>
+      <c:legendPos val="b"/>
+      <c:overlay val="0"/>
+      <c:spPr>
+        <a:noFill/>
+        <a:ln>
+          <a:noFill/>
+        </a:ln>
+        <a:effectLst/>
+      </c:spPr>
+      <c:txPr>
+        <a:bodyPr rot="0" spcFirstLastPara="1" vertOverflow="ellipsis" vert="horz" wrap="square" anchor="ctr" anchorCtr="1"/>
+        <a:lstStyle/>
+        <a:p>
+          <a:pPr>
+            <a:defRPr sz="1197" b="0" i="0" u="none" strike="noStrike" kern="1200" baseline="0">
+              <a:solidFill>
+                <a:schemeClr val="lt1">
+                  <a:lumMod val="85000"/>
+                </a:schemeClr>
+              </a:solidFill>
+              <a:latin typeface="+mn-lt"/>
+              <a:ea typeface="+mn-ea"/>
+              <a:cs typeface="+mn-cs"/>
+            </a:defRPr>
+          </a:pPr>
+          <a:endParaRPr lang="en-US"/>
+        </a:p>
+      </c:txPr>
+    </c:legend>
+    <c:plotVisOnly val="1"/>
+    <c:dispBlanksAs val="gap"/>
+    <c:extLst>
+      <c:ext xmlns:c16r3="http://schemas.microsoft.com/office/drawing/2017/03/chart" uri="{56B9EC1D-385E-4148-901F-78D8002777C0}">
+        <c16r3:dataDisplayOptions16>
+          <c16r3:dispNaAsBlank val="1"/>
+        </c16r3:dataDisplayOptions16>
+      </c:ext>
+    </c:extLst>
+    <c:showDLblsOverMax val="0"/>
+  </c:chart>
+  <c:spPr>
+    <a:gradFill flip="none" rotWithShape="1">
+      <a:gsLst>
+        <a:gs pos="0">
+          <a:schemeClr val="dk1">
+            <a:lumMod val="65000"/>
+            <a:lumOff val="35000"/>
+          </a:schemeClr>
+        </a:gs>
+        <a:gs pos="100000">
+          <a:schemeClr val="dk1">
+            <a:lumMod val="85000"/>
+            <a:lumOff val="15000"/>
+          </a:schemeClr>
+        </a:gs>
+      </a:gsLst>
+      <a:path path="circle">
+        <a:fillToRect l="50000" t="50000" r="50000" b="50000"/>
+      </a:path>
+      <a:tileRect/>
+    </a:gradFill>
+    <a:ln>
+      <a:noFill/>
+    </a:ln>
+    <a:effectLst/>
+  </c:spPr>
+  <c:txPr>
+    <a:bodyPr/>
+    <a:lstStyle/>
+    <a:p>
+      <a:pPr>
+        <a:defRPr/>
+      </a:pPr>
+      <a:endParaRPr lang="en-US"/>
+    </a:p>
+  </c:txPr>
+  <c:externalData r:id="rId3">
+    <c:autoUpdate val="0"/>
+  </c:externalData>
+</c:chartSpace>
+</file>
+
+<file path=ppt/charts/chart2.xml><?xml version="1.0" encoding="utf-8"?>
+<c:chartSpace xmlns:c="http://schemas.openxmlformats.org/drawingml/2006/chart" xmlns:a="http://schemas.openxmlformats.org/drawingml/2006/main" xmlns:r="http://schemas.openxmlformats.org/officeDocument/2006/relationships" xmlns:c16r2="http://schemas.microsoft.com/office/drawing/2015/06/chart">
+  <c:date1904 val="0"/>
+  <c:lang val="en-US"/>
+  <c:roundedCorners val="0"/>
+  <mc:AlternateContent xmlns:mc="http://schemas.openxmlformats.org/markup-compatibility/2006">
+    <mc:Choice xmlns:c14="http://schemas.microsoft.com/office/drawing/2007/8/2/chart" Requires="c14">
+      <c14:style val="102"/>
+    </mc:Choice>
+    <mc:Fallback>
+      <c:style val="2"/>
+    </mc:Fallback>
+  </mc:AlternateContent>
+  <c:chart>
+    <c:autoTitleDeleted val="1"/>
+    <c:view3D>
+      <c:rotX val="15"/>
+      <c:rotY val="20"/>
+      <c:depthPercent val="100"/>
+      <c:rAngAx val="1"/>
+    </c:view3D>
+    <c:floor>
+      <c:thickness val="0"/>
+      <c:spPr>
+        <a:noFill/>
+        <a:ln>
+          <a:noFill/>
+        </a:ln>
+        <a:effectLst/>
+        <a:sp3d/>
+      </c:spPr>
+    </c:floor>
+    <c:sideWall>
+      <c:thickness val="0"/>
+      <c:spPr>
+        <a:noFill/>
+        <a:ln>
+          <a:noFill/>
+        </a:ln>
+        <a:effectLst/>
+        <a:sp3d/>
+      </c:spPr>
+    </c:sideWall>
+    <c:backWall>
+      <c:thickness val="0"/>
+      <c:spPr>
+        <a:noFill/>
+        <a:ln>
+          <a:noFill/>
+        </a:ln>
+        <a:effectLst/>
+        <a:sp3d/>
+      </c:spPr>
+    </c:backWall>
+    <c:plotArea>
+      <c:layout/>
+      <c:bar3DChart>
+        <c:barDir val="col"/>
+        <c:grouping val="stacked"/>
+        <c:varyColors val="0"/>
+        <c:ser>
+          <c:idx val="0"/>
+          <c:order val="0"/>
+          <c:tx>
+            <c:strRef>
+              <c:f>Sheet1!$B$1</c:f>
+              <c:strCache>
+                <c:ptCount val="1"/>
+                <c:pt idx="0">
+                  <c:v>Guangzhou</c:v>
+                </c:pt>
+              </c:strCache>
+            </c:strRef>
+          </c:tx>
+          <c:spPr>
+            <a:solidFill>
+              <a:schemeClr val="accent1"/>
+            </a:solidFill>
+            <a:ln>
+              <a:noFill/>
+            </a:ln>
+            <a:effectLst/>
+            <a:sp3d/>
+          </c:spPr>
+          <c:invertIfNegative val="0"/>
+          <c:cat>
+            <c:strRef>
+              <c:f>Sheet1!$A$2:$A$4</c:f>
+              <c:strCache>
+                <c:ptCount val="3"/>
+                <c:pt idx="0">
+                  <c:v>Pneumonia</c:v>
+                </c:pt>
+                <c:pt idx="1">
+                  <c:v>Normal</c:v>
+                </c:pt>
+                <c:pt idx="2">
+                  <c:v>Other</c:v>
+                </c:pt>
+              </c:strCache>
+              <c:extLst/>
+            </c:strRef>
+          </c:cat>
+          <c:val>
+            <c:numRef>
+              <c:f>Sheet1!$B$2:$B$5</c:f>
+              <c:numCache>
+                <c:formatCode>General</c:formatCode>
+                <c:ptCount val="3"/>
+                <c:pt idx="0">
+                  <c:v>4273</c:v>
+                </c:pt>
+                <c:pt idx="1">
+                  <c:v>1583</c:v>
+                </c:pt>
+                <c:pt idx="2">
+                  <c:v>0</c:v>
+                </c:pt>
+              </c:numCache>
+              <c:extLst/>
+            </c:numRef>
+          </c:val>
+          <c:extLst>
+            <c:ext xmlns:c16="http://schemas.microsoft.com/office/drawing/2014/chart" uri="{C3380CC4-5D6E-409C-BE32-E72D297353CC}">
+              <c16:uniqueId val="{00000000-81E6-4F14-82F7-E134C11573E9}"/>
+            </c:ext>
+          </c:extLst>
+        </c:ser>
+        <c:ser>
+          <c:idx val="1"/>
+          <c:order val="1"/>
+          <c:tx>
+            <c:strRef>
+              <c:f>Sheet1!$C$1</c:f>
+              <c:strCache>
+                <c:ptCount val="1"/>
+                <c:pt idx="0">
+                  <c:v>NIH</c:v>
+                </c:pt>
+              </c:strCache>
+            </c:strRef>
+          </c:tx>
+          <c:spPr>
+            <a:solidFill>
+              <a:schemeClr val="accent2"/>
+            </a:solidFill>
+            <a:ln>
+              <a:noFill/>
+            </a:ln>
+            <a:effectLst/>
+            <a:sp3d/>
+          </c:spPr>
+          <c:invertIfNegative val="0"/>
+          <c:cat>
+            <c:strRef>
+              <c:f>Sheet1!$A$2:$A$4</c:f>
+              <c:strCache>
+                <c:ptCount val="3"/>
+                <c:pt idx="0">
+                  <c:v>Pneumonia</c:v>
+                </c:pt>
+                <c:pt idx="1">
+                  <c:v>Normal</c:v>
+                </c:pt>
+                <c:pt idx="2">
+                  <c:v>Other</c:v>
+                </c:pt>
+              </c:strCache>
+              <c:extLst/>
+            </c:strRef>
+          </c:cat>
+          <c:val>
+            <c:numRef>
+              <c:f>Sheet1!$C$2:$C$4</c:f>
+              <c:numCache>
+                <c:formatCode>General</c:formatCode>
+                <c:ptCount val="3"/>
+                <c:pt idx="0">
+                  <c:v>322</c:v>
+                </c:pt>
+                <c:pt idx="1">
+                  <c:v>60361</c:v>
+                </c:pt>
+                <c:pt idx="2">
+                  <c:v>51437</c:v>
+                </c:pt>
+              </c:numCache>
+              <c:extLst/>
+            </c:numRef>
+          </c:val>
+          <c:extLst>
+            <c:ext xmlns:c16="http://schemas.microsoft.com/office/drawing/2014/chart" uri="{C3380CC4-5D6E-409C-BE32-E72D297353CC}">
+              <c16:uniqueId val="{00000001-81E6-4F14-82F7-E134C11573E9}"/>
+            </c:ext>
+          </c:extLst>
+        </c:ser>
+        <c:dLbls>
+          <c:showLegendKey val="0"/>
+          <c:showVal val="0"/>
+          <c:showCatName val="0"/>
+          <c:showSerName val="0"/>
+          <c:showPercent val="0"/>
+          <c:showBubbleSize val="0"/>
+        </c:dLbls>
+        <c:gapWidth val="150"/>
+        <c:shape val="box"/>
+        <c:axId val="88519407"/>
+        <c:axId val="88520239"/>
+        <c:axId val="0"/>
+        <c:extLst>
+          <c:ext xmlns:c15="http://schemas.microsoft.com/office/drawing/2012/chart" uri="{02D57815-91ED-43cb-92C2-25804820EDAC}">
+            <c15:filteredBarSeries>
+              <c15:ser>
+                <c:idx val="2"/>
+                <c:order val="2"/>
+                <c:tx>
+                  <c:strRef>
+                    <c:extLst>
+                      <c:ext uri="{02D57815-91ED-43cb-92C2-25804820EDAC}">
+                        <c15:formulaRef>
+                          <c15:sqref>Sheet1!$D$1</c15:sqref>
+                        </c15:formulaRef>
+                      </c:ext>
+                    </c:extLst>
+                    <c:strCache>
+                      <c:ptCount val="1"/>
+                    </c:strCache>
+                  </c:strRef>
+                </c:tx>
+                <c:spPr>
+                  <a:solidFill>
+                    <a:schemeClr val="accent3"/>
+                  </a:solidFill>
+                  <a:ln>
+                    <a:noFill/>
+                  </a:ln>
+                  <a:effectLst/>
+                  <a:sp3d/>
+                </c:spPr>
+                <c:invertIfNegative val="0"/>
+                <c:cat>
+                  <c:strRef>
+                    <c:extLst>
+                      <c:ext uri="{02D57815-91ED-43cb-92C2-25804820EDAC}">
+                        <c15:formulaRef>
+                          <c15:sqref>Sheet1!$A$2:$A$4</c15:sqref>
+                        </c15:formulaRef>
+                      </c:ext>
+                    </c:extLst>
+                    <c:strCache>
+                      <c:ptCount val="3"/>
+                      <c:pt idx="0">
+                        <c:v>Pneumonia</c:v>
+                      </c:pt>
+                      <c:pt idx="1">
+                        <c:v>Normal</c:v>
+                      </c:pt>
+                      <c:pt idx="2">
+                        <c:v>Other</c:v>
+                      </c:pt>
+                    </c:strCache>
+                  </c:strRef>
+                </c:cat>
+                <c:val>
+                  <c:numRef>
+                    <c:extLst>
+                      <c:ext uri="{02D57815-91ED-43cb-92C2-25804820EDAC}">
+                        <c15:formulaRef>
+                          <c15:sqref>Sheet1!$D$2:$D$5</c15:sqref>
+                        </c15:formulaRef>
+                      </c:ext>
+                    </c:extLst>
+                    <c:numCache>
+                      <c:formatCode>General</c:formatCode>
+                      <c:ptCount val="3"/>
+                    </c:numCache>
+                  </c:numRef>
+                </c:val>
+                <c:extLst>
+                  <c:ext xmlns:c16="http://schemas.microsoft.com/office/drawing/2014/chart" uri="{C3380CC4-5D6E-409C-BE32-E72D297353CC}">
+                    <c16:uniqueId val="{00000002-81E6-4F14-82F7-E134C11573E9}"/>
+                  </c:ext>
+                </c:extLst>
+              </c15:ser>
+            </c15:filteredBarSeries>
+          </c:ext>
+        </c:extLst>
+      </c:bar3DChart>
+      <c:catAx>
+        <c:axId val="88519407"/>
+        <c:scaling>
+          <c:orientation val="minMax"/>
+        </c:scaling>
+        <c:delete val="0"/>
+        <c:axPos val="b"/>
+        <c:numFmt formatCode="General" sourceLinked="1"/>
+        <c:majorTickMark val="none"/>
+        <c:minorTickMark val="none"/>
+        <c:tickLblPos val="nextTo"/>
+        <c:spPr>
+          <a:noFill/>
+          <a:ln>
+            <a:noFill/>
+          </a:ln>
+          <a:effectLst/>
+        </c:spPr>
+        <c:txPr>
+          <a:bodyPr rot="-60000000" spcFirstLastPara="1" vertOverflow="ellipsis" vert="horz" wrap="square" anchor="ctr" anchorCtr="1"/>
+          <a:lstStyle/>
+          <a:p>
+            <a:pPr>
+              <a:defRPr sz="1197" b="0" i="0" u="none" strike="noStrike" kern="1200" baseline="0">
+                <a:solidFill>
+                  <a:schemeClr val="tx1">
+                    <a:lumMod val="65000"/>
+                    <a:lumOff val="35000"/>
+                  </a:schemeClr>
+                </a:solidFill>
+                <a:latin typeface="+mn-lt"/>
+                <a:ea typeface="+mn-ea"/>
+                <a:cs typeface="+mn-cs"/>
+              </a:defRPr>
+            </a:pPr>
+            <a:endParaRPr lang="en-US"/>
+          </a:p>
+        </c:txPr>
+        <c:crossAx val="88520239"/>
+        <c:crosses val="autoZero"/>
+        <c:auto val="1"/>
+        <c:lblAlgn val="ctr"/>
+        <c:lblOffset val="100"/>
+        <c:noMultiLvlLbl val="0"/>
+      </c:catAx>
+      <c:valAx>
+        <c:axId val="88520239"/>
+        <c:scaling>
+          <c:orientation val="minMax"/>
+        </c:scaling>
+        <c:delete val="0"/>
+        <c:axPos val="l"/>
+        <c:majorGridlines>
+          <c:spPr>
+            <a:ln w="9525" cap="flat" cmpd="sng" algn="ctr">
+              <a:solidFill>
+                <a:schemeClr val="tx1">
+                  <a:lumMod val="15000"/>
+                  <a:lumOff val="85000"/>
+                </a:schemeClr>
+              </a:solidFill>
+              <a:round/>
+            </a:ln>
+            <a:effectLst/>
+          </c:spPr>
+        </c:majorGridlines>
+        <c:numFmt formatCode="General" sourceLinked="1"/>
+        <c:majorTickMark val="none"/>
+        <c:minorTickMark val="none"/>
+        <c:tickLblPos val="nextTo"/>
+        <c:spPr>
+          <a:noFill/>
+          <a:ln>
+            <a:noFill/>
+          </a:ln>
+          <a:effectLst/>
+        </c:spPr>
+        <c:txPr>
+          <a:bodyPr rot="-60000000" spcFirstLastPara="1" vertOverflow="ellipsis" vert="horz" wrap="square" anchor="ctr" anchorCtr="1"/>
+          <a:lstStyle/>
+          <a:p>
+            <a:pPr>
+              <a:defRPr sz="1197" b="0" i="0" u="none" strike="noStrike" kern="1200" baseline="0">
+                <a:solidFill>
+                  <a:schemeClr val="tx1">
+                    <a:lumMod val="65000"/>
+                    <a:lumOff val="35000"/>
+                  </a:schemeClr>
+                </a:solidFill>
+                <a:latin typeface="+mn-lt"/>
+                <a:ea typeface="+mn-ea"/>
+                <a:cs typeface="+mn-cs"/>
+              </a:defRPr>
+            </a:pPr>
+            <a:endParaRPr lang="en-US"/>
+          </a:p>
+        </c:txPr>
+        <c:crossAx val="88519407"/>
+        <c:crosses val="autoZero"/>
+        <c:crossBetween val="between"/>
+      </c:valAx>
+      <c:spPr>
+        <a:noFill/>
+        <a:ln>
+          <a:noFill/>
+        </a:ln>
+        <a:effectLst/>
+      </c:spPr>
+    </c:plotArea>
+    <c:legend>
+      <c:legendPos val="b"/>
+      <c:overlay val="0"/>
+      <c:spPr>
+        <a:noFill/>
+        <a:ln>
+          <a:noFill/>
+        </a:ln>
+        <a:effectLst/>
+      </c:spPr>
+      <c:txPr>
+        <a:bodyPr rot="0" spcFirstLastPara="1" vertOverflow="ellipsis" vert="horz" wrap="square" anchor="ctr" anchorCtr="1"/>
+        <a:lstStyle/>
+        <a:p>
+          <a:pPr>
+            <a:defRPr sz="1197" b="0" i="0" u="none" strike="noStrike" kern="1200" baseline="0">
+              <a:solidFill>
+                <a:schemeClr val="tx1">
+                  <a:lumMod val="65000"/>
+                  <a:lumOff val="35000"/>
+                </a:schemeClr>
+              </a:solidFill>
+              <a:latin typeface="+mn-lt"/>
+              <a:ea typeface="+mn-ea"/>
+              <a:cs typeface="+mn-cs"/>
+            </a:defRPr>
+          </a:pPr>
+          <a:endParaRPr lang="en-US"/>
+        </a:p>
+      </c:txPr>
+    </c:legend>
+    <c:plotVisOnly val="1"/>
+    <c:dispBlanksAs val="gap"/>
+    <c:extLst>
+      <c:ext xmlns:c16r3="http://schemas.microsoft.com/office/drawing/2017/03/chart" uri="{56B9EC1D-385E-4148-901F-78D8002777C0}">
+        <c16r3:dataDisplayOptions16>
+          <c16r3:dispNaAsBlank val="1"/>
+        </c16r3:dataDisplayOptions16>
+      </c:ext>
+    </c:extLst>
+    <c:showDLblsOverMax val="0"/>
+  </c:chart>
+  <c:spPr>
+    <a:noFill/>
+    <a:ln>
+      <a:noFill/>
+    </a:ln>
+    <a:effectLst/>
+  </c:spPr>
+  <c:txPr>
+    <a:bodyPr/>
+    <a:lstStyle/>
+    <a:p>
+      <a:pPr>
+        <a:defRPr/>
+      </a:pPr>
+      <a:endParaRPr lang="en-US"/>
+    </a:p>
+  </c:txPr>
+  <c:externalData r:id="rId3">
+    <c:autoUpdate val="0"/>
+  </c:externalData>
+</c:chartSpace>
+</file>
+
+<file path=ppt/charts/colors1.xml><?xml version="1.0" encoding="utf-8"?>
+<cs:colorStyle xmlns:cs="http://schemas.microsoft.com/office/drawing/2012/chartStyle" xmlns:a="http://schemas.openxmlformats.org/drawingml/2006/main" meth="cycle" id="10">
+  <a:schemeClr val="accent1"/>
+  <a:schemeClr val="accent2"/>
+  <a:schemeClr val="accent3"/>
+  <a:schemeClr val="accent4"/>
+  <a:schemeClr val="accent5"/>
+  <a:schemeClr val="accent6"/>
+  <cs:variation/>
+  <cs:variation>
+    <a:lumMod val="60000"/>
+  </cs:variation>
+  <cs:variation>
+    <a:lumMod val="80000"/>
+    <a:lumOff val="20000"/>
+  </cs:variation>
+  <cs:variation>
+    <a:lumMod val="80000"/>
+  </cs:variation>
+  <cs:variation>
+    <a:lumMod val="60000"/>
+    <a:lumOff val="40000"/>
+  </cs:variation>
+  <cs:variation>
+    <a:lumMod val="50000"/>
+  </cs:variation>
+  <cs:variation>
+    <a:lumMod val="70000"/>
+    <a:lumOff val="30000"/>
+  </cs:variation>
+  <cs:variation>
+    <a:lumMod val="70000"/>
+  </cs:variation>
+  <cs:variation>
+    <a:lumMod val="50000"/>
+    <a:lumOff val="50000"/>
+  </cs:variation>
+</cs:colorStyle>
+</file>
+
+<file path=ppt/charts/colors2.xml><?xml version="1.0" encoding="utf-8"?>
+<cs:colorStyle xmlns:cs="http://schemas.microsoft.com/office/drawing/2012/chartStyle" xmlns:a="http://schemas.openxmlformats.org/drawingml/2006/main" meth="cycle" id="10">
+  <a:schemeClr val="accent1"/>
+  <a:schemeClr val="accent2"/>
+  <a:schemeClr val="accent3"/>
+  <a:schemeClr val="accent4"/>
+  <a:schemeClr val="accent5"/>
+  <a:schemeClr val="accent6"/>
+  <cs:variation/>
+  <cs:variation>
+    <a:lumMod val="60000"/>
+  </cs:variation>
+  <cs:variation>
+    <a:lumMod val="80000"/>
+    <a:lumOff val="20000"/>
+  </cs:variation>
+  <cs:variation>
+    <a:lumMod val="80000"/>
+  </cs:variation>
+  <cs:variation>
+    <a:lumMod val="60000"/>
+    <a:lumOff val="40000"/>
+  </cs:variation>
+  <cs:variation>
+    <a:lumMod val="50000"/>
+  </cs:variation>
+  <cs:variation>
+    <a:lumMod val="70000"/>
+    <a:lumOff val="30000"/>
+  </cs:variation>
+  <cs:variation>
+    <a:lumMod val="70000"/>
+  </cs:variation>
+  <cs:variation>
+    <a:lumMod val="50000"/>
+    <a:lumOff val="50000"/>
+  </cs:variation>
+</cs:colorStyle>
+</file>
+
+<file path=ppt/charts/style1.xml><?xml version="1.0" encoding="utf-8"?>
+<cs:chartStyle xmlns:cs="http://schemas.microsoft.com/office/drawing/2012/chartStyle" xmlns:a="http://schemas.openxmlformats.org/drawingml/2006/main" id="233">
+  <cs:axisTitle>
+    <cs:lnRef idx="0"/>
+    <cs:fillRef idx="0"/>
+    <cs:effectRef idx="0"/>
+    <cs:fontRef idx="minor">
+      <a:schemeClr val="lt1">
+        <a:lumMod val="85000"/>
+      </a:schemeClr>
+    </cs:fontRef>
+    <cs:defRPr sz="1197" b="1" kern="1200" cap="all"/>
+  </cs:axisTitle>
+  <cs:categoryAxis>
+    <cs:lnRef idx="0"/>
+    <cs:fillRef idx="0"/>
+    <cs:effectRef idx="0"/>
+    <cs:fontRef idx="minor">
+      <a:schemeClr val="lt1">
+        <a:lumMod val="85000"/>
+      </a:schemeClr>
+    </cs:fontRef>
+    <cs:spPr>
+      <a:ln w="9525" cap="flat" cmpd="sng" algn="ctr">
+        <a:solidFill>
+          <a:schemeClr val="lt1">
+            <a:lumMod val="95000"/>
+            <a:alpha val="10000"/>
+          </a:schemeClr>
+        </a:solidFill>
+        <a:round/>
+      </a:ln>
+    </cs:spPr>
+    <cs:defRPr sz="1197" kern="1200"/>
+  </cs:categoryAxis>
+  <cs:chartArea>
+    <cs:lnRef idx="0"/>
+    <cs:fillRef idx="0"/>
+    <cs:effectRef idx="0"/>
+    <cs:fontRef idx="minor">
+      <a:schemeClr val="dk1"/>
+    </cs:fontRef>
+    <cs:spPr>
+      <a:gradFill flip="none" rotWithShape="1">
+        <a:gsLst>
+          <a:gs pos="0">
+            <a:schemeClr val="dk1">
+              <a:lumMod val="65000"/>
+              <a:lumOff val="35000"/>
+            </a:schemeClr>
+          </a:gs>
+          <a:gs pos="100000">
+            <a:schemeClr val="dk1">
+              <a:lumMod val="85000"/>
+              <a:lumOff val="15000"/>
+            </a:schemeClr>
+          </a:gs>
+        </a:gsLst>
+        <a:path path="circle">
+          <a:fillToRect l="50000" t="50000" r="50000" b="50000"/>
+        </a:path>
+        <a:tileRect/>
+      </a:gradFill>
+    </cs:spPr>
+    <cs:defRPr sz="1330" kern="1200"/>
+  </cs:chartArea>
+  <cs:dataLabel>
+    <cs:lnRef idx="0"/>
+    <cs:fillRef idx="0"/>
+    <cs:effectRef idx="0"/>
+    <cs:fontRef idx="minor">
+      <a:schemeClr val="lt1">
+        <a:lumMod val="85000"/>
+      </a:schemeClr>
+    </cs:fontRef>
+    <cs:defRPr sz="1197" kern="1200"/>
+  </cs:dataLabel>
+  <cs:dataLabelCallout>
+    <cs:lnRef idx="0"/>
+    <cs:fillRef idx="0"/>
+    <cs:effectRef idx="0"/>
+    <cs:fontRef idx="minor">
+      <a:schemeClr val="dk1">
+        <a:lumMod val="65000"/>
+        <a:lumOff val="35000"/>
+      </a:schemeClr>
+    </cs:fontRef>
+    <cs:spPr>
+      <a:solidFill>
+        <a:schemeClr val="lt1"/>
+      </a:solidFill>
+    </cs:spPr>
+    <cs:defRPr sz="1197" kern="1200"/>
+    <cs:bodyPr rot="0" spcFirstLastPara="1" vertOverflow="clip" horzOverflow="clip" vert="horz" wrap="square" lIns="36576" tIns="18288" rIns="36576" bIns="18288" anchor="ctr" anchorCtr="1">
+      <a:spAutoFit/>
+    </cs:bodyPr>
+  </cs:dataLabelCallout>
+  <cs:dataPoint>
+    <cs:lnRef idx="0"/>
+    <cs:fillRef idx="3">
+      <cs:styleClr val="auto"/>
+    </cs:fillRef>
+    <cs:effectRef idx="3"/>
+    <cs:fontRef idx="minor">
+      <a:schemeClr val="tx1"/>
+    </cs:fontRef>
+  </cs:dataPoint>
+  <cs:dataPoint3D>
+    <cs:lnRef idx="0"/>
+    <cs:fillRef idx="3">
+      <cs:styleClr val="auto"/>
+    </cs:fillRef>
+    <cs:effectRef idx="3"/>
+    <cs:fontRef idx="minor">
+      <a:schemeClr val="tx1"/>
+    </cs:fontRef>
+  </cs:dataPoint3D>
+  <cs:dataPointLine>
+    <cs:lnRef idx="0">
+      <cs:styleClr val="auto"/>
+    </cs:lnRef>
+    <cs:fillRef idx="3"/>
+    <cs:effectRef idx="3"/>
+    <cs:fontRef idx="minor">
+      <a:schemeClr val="tx1"/>
+    </cs:fontRef>
+    <cs:spPr>
+      <a:ln w="34925" cap="rnd">
+        <a:solidFill>
+          <a:schemeClr val="phClr"/>
+        </a:solidFill>
+        <a:round/>
+      </a:ln>
+    </cs:spPr>
+  </cs:dataPointLine>
+  <cs:dataPointMarker>
+    <cs:lnRef idx="0">
+      <cs:styleClr val="auto"/>
+    </cs:lnRef>
+    <cs:fillRef idx="3">
+      <cs:styleClr val="auto"/>
+    </cs:fillRef>
+    <cs:effectRef idx="3"/>
+    <cs:fontRef idx="minor">
+      <a:schemeClr val="tx1"/>
+    </cs:fontRef>
+    <cs:spPr>
+      <a:ln w="9525">
+        <a:solidFill>
+          <a:schemeClr val="phClr"/>
+        </a:solidFill>
+        <a:round/>
+      </a:ln>
+    </cs:spPr>
+  </cs:dataPointMarker>
+  <cs:dataPointMarkerLayout symbol="circle" size="6"/>
+  <cs:dataPointWireframe>
+    <cs:lnRef idx="0">
+      <cs:styleClr val="auto"/>
+    </cs:lnRef>
+    <cs:fillRef idx="3"/>
+    <cs:effectRef idx="3"/>
+    <cs:fontRef idx="minor">
+      <a:schemeClr val="tx1"/>
+    </cs:fontRef>
+    <cs:spPr>
+      <a:ln w="9525" cap="rnd">
+        <a:solidFill>
+          <a:schemeClr val="phClr"/>
+        </a:solidFill>
+        <a:round/>
+      </a:ln>
+    </cs:spPr>
+  </cs:dataPointWireframe>
+  <cs:dataTable>
+    <cs:lnRef idx="0"/>
+    <cs:fillRef idx="0"/>
+    <cs:effectRef idx="0"/>
+    <cs:fontRef idx="minor">
+      <a:schemeClr val="lt1">
+        <a:lumMod val="85000"/>
+      </a:schemeClr>
+    </cs:fontRef>
+    <cs:spPr>
+      <a:ln w="9525">
+        <a:solidFill>
+          <a:schemeClr val="lt1">
+            <a:lumMod val="95000"/>
+            <a:alpha val="54000"/>
+          </a:schemeClr>
+        </a:solidFill>
+      </a:ln>
+    </cs:spPr>
+    <cs:defRPr sz="1197" kern="1200"/>
+  </cs:dataTable>
+  <cs:downBar>
+    <cs:lnRef idx="0"/>
+    <cs:fillRef idx="0"/>
+    <cs:effectRef idx="0"/>
+    <cs:fontRef idx="minor">
+      <a:schemeClr val="tx1"/>
+    </cs:fontRef>
+    <cs:spPr>
+      <a:solidFill>
+        <a:schemeClr val="dk1">
+          <a:lumMod val="75000"/>
+          <a:lumOff val="25000"/>
+        </a:schemeClr>
+      </a:solidFill>
+      <a:ln w="9525">
+        <a:solidFill>
+          <a:schemeClr val="lt1">
+            <a:lumMod val="95000"/>
+            <a:alpha val="54000"/>
+          </a:schemeClr>
+        </a:solidFill>
+      </a:ln>
+    </cs:spPr>
+  </cs:downBar>
+  <cs:dropLine>
+    <cs:lnRef idx="0"/>
+    <cs:fillRef idx="0"/>
+    <cs:effectRef idx="0"/>
+    <cs:fontRef idx="minor">
+      <a:schemeClr val="tx1"/>
+    </cs:fontRef>
+    <cs:spPr>
+      <a:ln w="9525">
+        <a:solidFill>
+          <a:schemeClr val="lt1">
+            <a:lumMod val="95000"/>
+            <a:alpha val="54000"/>
+          </a:schemeClr>
+        </a:solidFill>
+        <a:prstDash val="dash"/>
+      </a:ln>
+    </cs:spPr>
+  </cs:dropLine>
+  <cs:errorBar>
+    <cs:lnRef idx="0"/>
+    <cs:fillRef idx="0"/>
+    <cs:effectRef idx="0"/>
+    <cs:fontRef idx="minor">
+      <a:schemeClr val="tx1"/>
+    </cs:fontRef>
+    <cs:spPr>
+      <a:ln w="9525" cap="flat" cmpd="sng" algn="ctr">
+        <a:solidFill>
+          <a:schemeClr val="lt1">
+            <a:lumMod val="95000"/>
+          </a:schemeClr>
+        </a:solidFill>
+        <a:round/>
+      </a:ln>
+    </cs:spPr>
+  </cs:errorBar>
+  <cs:floor>
+    <cs:lnRef idx="0"/>
+    <cs:fillRef idx="0"/>
+    <cs:effectRef idx="0"/>
+    <cs:fontRef idx="minor">
+      <a:schemeClr val="tx1"/>
+    </cs:fontRef>
+  </cs:floor>
+  <cs:gridlineMajor>
+    <cs:lnRef idx="0"/>
+    <cs:fillRef idx="0"/>
+    <cs:effectRef idx="0"/>
+    <cs:fontRef idx="minor">
+      <a:schemeClr val="tx1"/>
+    </cs:fontRef>
+    <cs:spPr>
+      <a:ln w="9525" cap="flat" cmpd="sng" algn="ctr">
+        <a:solidFill>
+          <a:schemeClr val="lt1">
+            <a:lumMod val="95000"/>
+            <a:alpha val="10000"/>
+          </a:schemeClr>
+        </a:solidFill>
+        <a:round/>
+      </a:ln>
+    </cs:spPr>
+  </cs:gridlineMajor>
+  <cs:gridlineMinor>
+    <cs:lnRef idx="0"/>
+    <cs:fillRef idx="0"/>
+    <cs:effectRef idx="0"/>
+    <cs:fontRef idx="minor">
+      <a:schemeClr val="tx1"/>
+    </cs:fontRef>
+    <cs:spPr>
+      <a:ln>
+        <a:solidFill>
+          <a:schemeClr val="lt1">
+            <a:lumMod val="95000"/>
+            <a:alpha val="5000"/>
+          </a:schemeClr>
+        </a:solidFill>
+      </a:ln>
+    </cs:spPr>
+  </cs:gridlineMinor>
+  <cs:hiLoLine>
+    <cs:lnRef idx="0"/>
+    <cs:fillRef idx="0"/>
+    <cs:effectRef idx="0"/>
+    <cs:fontRef idx="minor">
+      <a:schemeClr val="tx1"/>
+    </cs:fontRef>
+    <cs:spPr>
+      <a:ln w="9525">
+        <a:solidFill>
+          <a:schemeClr val="lt1">
+            <a:lumMod val="95000"/>
+            <a:alpha val="54000"/>
+          </a:schemeClr>
+        </a:solidFill>
+        <a:prstDash val="dash"/>
+      </a:ln>
+    </cs:spPr>
+  </cs:hiLoLine>
+  <cs:leaderLine>
+    <cs:lnRef idx="0"/>
+    <cs:fillRef idx="0"/>
+    <cs:effectRef idx="0"/>
+    <cs:fontRef idx="minor">
+      <a:schemeClr val="tx1"/>
+    </cs:fontRef>
+    <cs:spPr>
+      <a:ln w="9525">
+        <a:solidFill>
+          <a:schemeClr val="lt1">
+            <a:lumMod val="95000"/>
+            <a:alpha val="54000"/>
+          </a:schemeClr>
+        </a:solidFill>
+      </a:ln>
+    </cs:spPr>
+  </cs:leaderLine>
+  <cs:legend>
+    <cs:lnRef idx="0"/>
+    <cs:fillRef idx="0"/>
+    <cs:effectRef idx="0"/>
+    <cs:fontRef idx="minor">
+      <a:schemeClr val="lt1">
+        <a:lumMod val="85000"/>
+      </a:schemeClr>
+    </cs:fontRef>
+    <cs:defRPr sz="1197" kern="1200"/>
+  </cs:legend>
+  <cs:plotArea>
+    <cs:lnRef idx="0"/>
+    <cs:fillRef idx="0"/>
+    <cs:effectRef idx="0"/>
+    <cs:fontRef idx="minor">
+      <a:schemeClr val="tx1"/>
+    </cs:fontRef>
+  </cs:plotArea>
+  <cs:plotArea3D>
+    <cs:lnRef idx="0"/>
+    <cs:fillRef idx="0"/>
+    <cs:effectRef idx="0"/>
+    <cs:fontRef idx="minor">
+      <a:schemeClr val="tx1"/>
+    </cs:fontRef>
+  </cs:plotArea3D>
+  <cs:seriesAxis>
+    <cs:lnRef idx="0"/>
+    <cs:fillRef idx="0"/>
+    <cs:effectRef idx="0"/>
+    <cs:fontRef idx="minor">
+      <a:schemeClr val="lt1">
+        <a:lumMod val="85000"/>
+      </a:schemeClr>
+    </cs:fontRef>
+    <cs:spPr>
+      <a:ln w="12700" cap="flat" cmpd="sng" algn="ctr">
+        <a:solidFill>
+          <a:schemeClr val="lt1">
+            <a:lumMod val="95000"/>
+            <a:alpha val="54000"/>
+          </a:schemeClr>
+        </a:solidFill>
+        <a:round/>
+      </a:ln>
+    </cs:spPr>
+    <cs:defRPr sz="1197" kern="1200"/>
+  </cs:seriesAxis>
+  <cs:seriesLine>
+    <cs:lnRef idx="0"/>
+    <cs:fillRef idx="0"/>
+    <cs:effectRef idx="0"/>
+    <cs:fontRef idx="minor">
+      <a:schemeClr val="lt1"/>
+    </cs:fontRef>
+    <cs:spPr>
+      <a:ln w="9525" cap="flat" cmpd="sng" algn="ctr">
+        <a:solidFill>
+          <a:schemeClr val="lt1">
+            <a:lumMod val="95000"/>
+            <a:alpha val="54000"/>
+          </a:schemeClr>
+        </a:solidFill>
+        <a:round/>
+      </a:ln>
+    </cs:spPr>
+  </cs:seriesLine>
+  <cs:title>
+    <cs:lnRef idx="0"/>
+    <cs:fillRef idx="0"/>
+    <cs:effectRef idx="0"/>
+    <cs:fontRef idx="minor">
+      <a:schemeClr val="lt1">
+        <a:lumMod val="95000"/>
+      </a:schemeClr>
+    </cs:fontRef>
+    <cs:defRPr sz="2128" b="1" kern="1200" spc="100" baseline="0">
+      <a:effectLst>
+        <a:outerShdw blurRad="50800" dist="38100" dir="5400000" algn="t" rotWithShape="0">
+          <a:prstClr val="black">
+            <a:alpha val="40000"/>
+          </a:prstClr>
+        </a:outerShdw>
+      </a:effectLst>
+    </cs:defRPr>
+  </cs:title>
+  <cs:trendline>
+    <cs:lnRef idx="0">
+      <cs:styleClr val="auto"/>
+    </cs:lnRef>
+    <cs:fillRef idx="0"/>
+    <cs:effectRef idx="0"/>
+    <cs:fontRef idx="minor">
+      <a:schemeClr val="tx1"/>
+    </cs:fontRef>
+    <cs:spPr>
+      <a:ln w="19050" cap="rnd">
+        <a:solidFill>
+          <a:schemeClr val="phClr"/>
+        </a:solidFill>
+      </a:ln>
+    </cs:spPr>
+  </cs:trendline>
+  <cs:trendlineLabel>
+    <cs:lnRef idx="0"/>
+    <cs:fillRef idx="0"/>
+    <cs:effectRef idx="0"/>
+    <cs:fontRef idx="minor">
+      <a:schemeClr val="lt1">
+        <a:lumMod val="85000"/>
+      </a:schemeClr>
+    </cs:fontRef>
+    <cs:defRPr sz="1197" kern="1200"/>
+  </cs:trendlineLabel>
+  <cs:upBar>
+    <cs:lnRef idx="0"/>
+    <cs:fillRef idx="0"/>
+    <cs:effectRef idx="0"/>
+    <cs:fontRef idx="minor">
+      <a:schemeClr val="tx1"/>
+    </cs:fontRef>
+    <cs:spPr>
+      <a:solidFill>
+        <a:schemeClr val="lt1"/>
+      </a:solidFill>
+      <a:ln w="9525">
+        <a:solidFill>
+          <a:schemeClr val="lt1">
+            <a:lumMod val="95000"/>
+            <a:alpha val="54000"/>
+          </a:schemeClr>
+        </a:solidFill>
+      </a:ln>
+    </cs:spPr>
+  </cs:upBar>
+  <cs:valueAxis>
+    <cs:lnRef idx="0"/>
+    <cs:fillRef idx="0"/>
+    <cs:effectRef idx="0"/>
+    <cs:fontRef idx="minor">
+      <a:schemeClr val="lt1">
+        <a:lumMod val="85000"/>
+      </a:schemeClr>
+    </cs:fontRef>
+    <cs:defRPr sz="1197" kern="1200"/>
+  </cs:valueAxis>
+  <cs:wall>
+    <cs:lnRef idx="0"/>
+    <cs:fillRef idx="0"/>
+    <cs:effectRef idx="0"/>
+    <cs:fontRef idx="minor">
+      <a:schemeClr val="tx1"/>
+    </cs:fontRef>
+  </cs:wall>
+</cs:chartStyle>
+</file>
+
+<file path=ppt/charts/style2.xml><?xml version="1.0" encoding="utf-8"?>
+<cs:chartStyle xmlns:cs="http://schemas.microsoft.com/office/drawing/2012/chartStyle" xmlns:a="http://schemas.openxmlformats.org/drawingml/2006/main" id="286">
+  <cs:axisTitle>
+    <cs:lnRef idx="0"/>
+    <cs:fillRef idx="0"/>
+    <cs:effectRef idx="0"/>
+    <cs:fontRef idx="minor">
+      <a:schemeClr val="tx1">
+        <a:lumMod val="65000"/>
+        <a:lumOff val="35000"/>
+      </a:schemeClr>
+    </cs:fontRef>
+    <cs:defRPr sz="1330" kern="1200"/>
+  </cs:axisTitle>
+  <cs:categoryAxis>
+    <cs:lnRef idx="0"/>
+    <cs:fillRef idx="0"/>
+    <cs:effectRef idx="0"/>
+    <cs:fontRef idx="minor">
+      <a:schemeClr val="tx1">
+        <a:lumMod val="65000"/>
+        <a:lumOff val="35000"/>
+      </a:schemeClr>
+    </cs:fontRef>
+    <cs:defRPr sz="1197" kern="1200"/>
+  </cs:categoryAxis>
+  <cs:chartArea mods="allowNoFillOverride allowNoLineOverride">
+    <cs:lnRef idx="0"/>
+    <cs:fillRef idx="0"/>
+    <cs:effectRef idx="0"/>
+    <cs:fontRef idx="minor">
+      <a:schemeClr val="tx1"/>
+    </cs:fontRef>
+    <cs:spPr>
+      <a:solidFill>
+        <a:schemeClr val="bg1"/>
+      </a:solidFill>
+      <a:ln w="9525" cap="flat" cmpd="sng" algn="ctr">
+        <a:solidFill>
+          <a:schemeClr val="tx1">
+            <a:lumMod val="15000"/>
+            <a:lumOff val="85000"/>
+          </a:schemeClr>
+        </a:solidFill>
+        <a:round/>
+      </a:ln>
+    </cs:spPr>
+    <cs:defRPr sz="1330" kern="1200"/>
+  </cs:chartArea>
+  <cs:dataLabel>
+    <cs:lnRef idx="0"/>
+    <cs:fillRef idx="0"/>
+    <cs:effectRef idx="0"/>
+    <cs:fontRef idx="minor">
+      <a:schemeClr val="tx1">
+        <a:lumMod val="75000"/>
+        <a:lumOff val="25000"/>
+      </a:schemeClr>
+    </cs:fontRef>
+    <cs:defRPr sz="1197" kern="1200"/>
+  </cs:dataLabel>
+  <cs:dataLabelCallout>
+    <cs:lnRef idx="0"/>
+    <cs:fillRef idx="0"/>
+    <cs:effectRef idx="0"/>
+    <cs:fontRef idx="minor">
+      <a:schemeClr val="dk1">
+        <a:lumMod val="65000"/>
+        <a:lumOff val="35000"/>
+      </a:schemeClr>
+    </cs:fontRef>
+    <cs:spPr>
+      <a:solidFill>
+        <a:schemeClr val="lt1"/>
+      </a:solidFill>
+      <a:ln>
+        <a:solidFill>
+          <a:schemeClr val="dk1">
+            <a:lumMod val="25000"/>
+            <a:lumOff val="75000"/>
+          </a:schemeClr>
+        </a:solidFill>
+      </a:ln>
+    </cs:spPr>
+    <cs:defRPr sz="1197" kern="1200"/>
+    <cs:bodyPr rot="0" spcFirstLastPara="1" vertOverflow="clip" horzOverflow="clip" vert="horz" wrap="square" lIns="36576" tIns="18288" rIns="36576" bIns="18288" anchor="ctr" anchorCtr="1">
+      <a:spAutoFit/>
+    </cs:bodyPr>
+  </cs:dataLabelCallout>
+  <cs:dataPoint>
+    <cs:lnRef idx="0"/>
+    <cs:fillRef idx="1">
+      <cs:styleClr val="auto"/>
+    </cs:fillRef>
+    <cs:effectRef idx="0"/>
+    <cs:fontRef idx="minor">
+      <a:schemeClr val="tx1"/>
+    </cs:fontRef>
+  </cs:dataPoint>
+  <cs:dataPoint3D>
+    <cs:lnRef idx="0"/>
+    <cs:fillRef idx="1">
+      <cs:styleClr val="auto"/>
+    </cs:fillRef>
+    <cs:effectRef idx="0"/>
+    <cs:fontRef idx="minor">
+      <a:schemeClr val="tx1"/>
+    </cs:fontRef>
+  </cs:dataPoint3D>
+  <cs:dataPointLine>
+    <cs:lnRef idx="0">
+      <cs:styleClr val="auto"/>
+    </cs:lnRef>
+    <cs:fillRef idx="1"/>
+    <cs:effectRef idx="0"/>
+    <cs:fontRef idx="minor">
+      <a:schemeClr val="tx1"/>
+    </cs:fontRef>
+    <cs:spPr>
+      <a:ln w="28575" cap="rnd">
+        <a:solidFill>
+          <a:schemeClr val="phClr"/>
+        </a:solidFill>
+        <a:round/>
+      </a:ln>
+    </cs:spPr>
+  </cs:dataPointLine>
+  <cs:dataPointMarker>
+    <cs:lnRef idx="0">
+      <cs:styleClr val="auto"/>
+    </cs:lnRef>
+    <cs:fillRef idx="1">
+      <cs:styleClr val="auto"/>
+    </cs:fillRef>
+    <cs:effectRef idx="0"/>
+    <cs:fontRef idx="minor">
+      <a:schemeClr val="tx1"/>
+    </cs:fontRef>
+    <cs:spPr>
+      <a:ln w="9525">
+        <a:solidFill>
+          <a:schemeClr val="phClr"/>
+        </a:solidFill>
+      </a:ln>
+    </cs:spPr>
+  </cs:dataPointMarker>
+  <cs:dataPointMarkerLayout symbol="circle" size="5"/>
+  <cs:dataPointWireframe>
+    <cs:lnRef idx="0">
+      <cs:styleClr val="auto"/>
+    </cs:lnRef>
+    <cs:fillRef idx="1"/>
+    <cs:effectRef idx="0"/>
+    <cs:fontRef idx="minor">
+      <a:schemeClr val="tx1"/>
+    </cs:fontRef>
+    <cs:spPr>
+      <a:ln w="9525" cap="rnd">
+        <a:solidFill>
+          <a:schemeClr val="phClr"/>
+        </a:solidFill>
+        <a:round/>
+      </a:ln>
+    </cs:spPr>
+  </cs:dataPointWireframe>
+  <cs:dataTable>
+    <cs:lnRef idx="0"/>
+    <cs:fillRef idx="0"/>
+    <cs:effectRef idx="0"/>
+    <cs:fontRef idx="minor">
+      <a:schemeClr val="tx1">
+        <a:lumMod val="65000"/>
+        <a:lumOff val="35000"/>
+      </a:schemeClr>
+    </cs:fontRef>
+    <cs:spPr>
+      <a:noFill/>
+      <a:ln w="9525" cap="flat" cmpd="sng" algn="ctr">
+        <a:solidFill>
+          <a:schemeClr val="tx1">
+            <a:lumMod val="15000"/>
+            <a:lumOff val="85000"/>
+          </a:schemeClr>
+        </a:solidFill>
+        <a:round/>
+      </a:ln>
+    </cs:spPr>
+    <cs:defRPr sz="1197" kern="1200"/>
+  </cs:dataTable>
+  <cs:downBar>
+    <cs:lnRef idx="0"/>
+    <cs:fillRef idx="0"/>
+    <cs:effectRef idx="0"/>
+    <cs:fontRef idx="minor">
+      <a:schemeClr val="tx1"/>
+    </cs:fontRef>
+    <cs:spPr>
+      <a:solidFill>
+        <a:schemeClr val="dk1">
+          <a:lumMod val="75000"/>
+          <a:lumOff val="25000"/>
+        </a:schemeClr>
+      </a:solidFill>
+      <a:ln w="9525" cap="flat" cmpd="sng" algn="ctr">
+        <a:solidFill>
+          <a:schemeClr val="tx1">
+            <a:lumMod val="65000"/>
+            <a:lumOff val="35000"/>
+          </a:schemeClr>
+        </a:solidFill>
+        <a:round/>
+      </a:ln>
+    </cs:spPr>
+  </cs:downBar>
+  <cs:dropLine>
+    <cs:lnRef idx="0"/>
+    <cs:fillRef idx="0"/>
+    <cs:effectRef idx="0"/>
+    <cs:fontRef idx="minor">
+      <a:schemeClr val="tx1"/>
+    </cs:fontRef>
+    <cs:spPr>
+      <a:ln w="9525" cap="flat" cmpd="sng" algn="ctr">
+        <a:solidFill>
+          <a:schemeClr val="tx1">
+            <a:lumMod val="35000"/>
+            <a:lumOff val="65000"/>
+          </a:schemeClr>
+        </a:solidFill>
+        <a:round/>
+      </a:ln>
+    </cs:spPr>
+  </cs:dropLine>
+  <cs:errorBar>
+    <cs:lnRef idx="0"/>
+    <cs:fillRef idx="0"/>
+    <cs:effectRef idx="0"/>
+    <cs:fontRef idx="minor">
+      <a:schemeClr val="tx1"/>
+    </cs:fontRef>
+    <cs:spPr>
+      <a:ln w="9525" cap="flat" cmpd="sng" algn="ctr">
+        <a:solidFill>
+          <a:schemeClr val="tx1">
+            <a:lumMod val="65000"/>
+            <a:lumOff val="35000"/>
+          </a:schemeClr>
+        </a:solidFill>
+        <a:round/>
+      </a:ln>
+    </cs:spPr>
+  </cs:errorBar>
+  <cs:floor>
+    <cs:lnRef idx="0"/>
+    <cs:fillRef idx="0"/>
+    <cs:effectRef idx="0"/>
+    <cs:fontRef idx="minor">
+      <a:schemeClr val="tx1"/>
+    </cs:fontRef>
+    <cs:spPr>
+      <a:noFill/>
+      <a:ln>
+        <a:noFill/>
+      </a:ln>
+    </cs:spPr>
+  </cs:floor>
+  <cs:gridlineMajor>
+    <cs:lnRef idx="0"/>
+    <cs:fillRef idx="0"/>
+    <cs:effectRef idx="0"/>
+    <cs:fontRef idx="minor">
+      <a:schemeClr val="tx1"/>
+    </cs:fontRef>
+    <cs:spPr>
+      <a:ln w="9525" cap="flat" cmpd="sng" algn="ctr">
+        <a:solidFill>
+          <a:schemeClr val="tx1">
+            <a:lumMod val="15000"/>
+            <a:lumOff val="85000"/>
+          </a:schemeClr>
+        </a:solidFill>
+        <a:round/>
+      </a:ln>
+    </cs:spPr>
+  </cs:gridlineMajor>
+  <cs:gridlineMinor>
+    <cs:lnRef idx="0"/>
+    <cs:fillRef idx="0"/>
+    <cs:effectRef idx="0"/>
+    <cs:fontRef idx="minor">
+      <a:schemeClr val="tx1"/>
+    </cs:fontRef>
+    <cs:spPr>
+      <a:ln w="9525" cap="flat" cmpd="sng" algn="ctr">
+        <a:solidFill>
+          <a:schemeClr val="tx1">
+            <a:lumMod val="5000"/>
+            <a:lumOff val="95000"/>
+          </a:schemeClr>
+        </a:solidFill>
+        <a:round/>
+      </a:ln>
+    </cs:spPr>
+  </cs:gridlineMinor>
+  <cs:hiLoLine>
+    <cs:lnRef idx="0"/>
+    <cs:fillRef idx="0"/>
+    <cs:effectRef idx="0"/>
+    <cs:fontRef idx="minor">
+      <a:schemeClr val="tx1"/>
+    </cs:fontRef>
+    <cs:spPr>
+      <a:ln w="9525" cap="flat" cmpd="sng" algn="ctr">
+        <a:solidFill>
+          <a:schemeClr val="tx1">
+            <a:lumMod val="50000"/>
+            <a:lumOff val="50000"/>
+          </a:schemeClr>
+        </a:solidFill>
+        <a:round/>
+      </a:ln>
+    </cs:spPr>
+  </cs:hiLoLine>
+  <cs:leaderLine>
+    <cs:lnRef idx="0"/>
+    <cs:fillRef idx="0"/>
+    <cs:effectRef idx="0"/>
+    <cs:fontRef idx="minor">
+      <a:schemeClr val="tx1"/>
+    </cs:fontRef>
+    <cs:spPr>
+      <a:ln w="9525" cap="flat" cmpd="sng" algn="ctr">
+        <a:solidFill>
+          <a:schemeClr val="tx1">
+            <a:lumMod val="35000"/>
+            <a:lumOff val="65000"/>
+          </a:schemeClr>
+        </a:solidFill>
+        <a:round/>
+      </a:ln>
+    </cs:spPr>
+  </cs:leaderLine>
+  <cs:legend>
+    <cs:lnRef idx="0"/>
+    <cs:fillRef idx="0"/>
+    <cs:effectRef idx="0"/>
+    <cs:fontRef idx="minor">
+      <a:schemeClr val="tx1">
+        <a:lumMod val="65000"/>
+        <a:lumOff val="35000"/>
+      </a:schemeClr>
+    </cs:fontRef>
+    <cs:defRPr sz="1197" kern="1200"/>
+  </cs:legend>
+  <cs:plotArea mods="allowNoFillOverride allowNoLineOverride">
+    <cs:lnRef idx="0"/>
+    <cs:fillRef idx="0"/>
+    <cs:effectRef idx="0"/>
+    <cs:fontRef idx="minor">
+      <a:schemeClr val="tx1"/>
+    </cs:fontRef>
+  </cs:plotArea>
+  <cs:plotArea3D mods="allowNoFillOverride allowNoLineOverride">
+    <cs:lnRef idx="0"/>
+    <cs:fillRef idx="0"/>
+    <cs:effectRef idx="0"/>
+    <cs:fontRef idx="minor">
+      <a:schemeClr val="tx1"/>
+    </cs:fontRef>
+  </cs:plotArea3D>
+  <cs:seriesAxis>
+    <cs:lnRef idx="0"/>
+    <cs:fillRef idx="0"/>
+    <cs:effectRef idx="0"/>
+    <cs:fontRef idx="minor">
+      <a:schemeClr val="tx1">
+        <a:lumMod val="65000"/>
+        <a:lumOff val="35000"/>
+      </a:schemeClr>
+    </cs:fontRef>
+    <cs:defRPr sz="1197" kern="1200"/>
+  </cs:seriesAxis>
+  <cs:seriesLine>
+    <cs:lnRef idx="0"/>
+    <cs:fillRef idx="0"/>
+    <cs:effectRef idx="0"/>
+    <cs:fontRef idx="minor">
+      <a:schemeClr val="tx1"/>
+    </cs:fontRef>
+    <cs:spPr>
+      <a:ln w="9525" cap="flat" cmpd="sng" algn="ctr">
+        <a:solidFill>
+          <a:schemeClr val="tx1">
+            <a:lumMod val="35000"/>
+            <a:lumOff val="65000"/>
+          </a:schemeClr>
+        </a:solidFill>
+        <a:round/>
+      </a:ln>
+    </cs:spPr>
+  </cs:seriesLine>
+  <cs:title>
+    <cs:lnRef idx="0"/>
+    <cs:fillRef idx="0"/>
+    <cs:effectRef idx="0"/>
+    <cs:fontRef idx="minor">
+      <a:schemeClr val="tx1">
+        <a:lumMod val="65000"/>
+        <a:lumOff val="35000"/>
+      </a:schemeClr>
+    </cs:fontRef>
+    <cs:defRPr sz="1862" b="0" kern="1200" spc="0" baseline="0"/>
+  </cs:title>
+  <cs:trendline>
+    <cs:lnRef idx="0">
+      <cs:styleClr val="auto"/>
+    </cs:lnRef>
+    <cs:fillRef idx="0"/>
+    <cs:effectRef idx="0"/>
+    <cs:fontRef idx="minor">
+      <a:schemeClr val="tx1"/>
+    </cs:fontRef>
+    <cs:spPr>
+      <a:ln w="19050" cap="rnd">
+        <a:solidFill>
+          <a:schemeClr val="phClr"/>
+        </a:solidFill>
+        <a:prstDash val="sysDot"/>
+      </a:ln>
+    </cs:spPr>
+  </cs:trendline>
+  <cs:trendlineLabel>
+    <cs:lnRef idx="0"/>
+    <cs:fillRef idx="0"/>
+    <cs:effectRef idx="0"/>
+    <cs:fontRef idx="minor">
+      <a:schemeClr val="tx1">
+        <a:lumMod val="65000"/>
+        <a:lumOff val="35000"/>
+      </a:schemeClr>
+    </cs:fontRef>
+    <cs:defRPr sz="1197" kern="1200"/>
+  </cs:trendlineLabel>
+  <cs:upBar>
+    <cs:lnRef idx="0"/>
+    <cs:fillRef idx="0"/>
+    <cs:effectRef idx="0"/>
+    <cs:fontRef idx="minor">
+      <a:schemeClr val="tx1"/>
+    </cs:fontRef>
+    <cs:spPr>
+      <a:solidFill>
+        <a:schemeClr val="lt1"/>
+      </a:solidFill>
+      <a:ln w="9525" cap="flat" cmpd="sng" algn="ctr">
+        <a:solidFill>
+          <a:schemeClr val="tx1">
+            <a:lumMod val="65000"/>
+            <a:lumOff val="35000"/>
+          </a:schemeClr>
+        </a:solidFill>
+        <a:round/>
+      </a:ln>
+    </cs:spPr>
+  </cs:upBar>
+  <cs:valueAxis>
+    <cs:lnRef idx="0"/>
+    <cs:fillRef idx="0"/>
+    <cs:effectRef idx="0"/>
+    <cs:fontRef idx="minor">
+      <a:schemeClr val="tx1">
+        <a:lumMod val="65000"/>
+        <a:lumOff val="35000"/>
+      </a:schemeClr>
+    </cs:fontRef>
+    <cs:defRPr sz="1197" kern="1200"/>
+  </cs:valueAxis>
+  <cs:wall>
+    <cs:lnRef idx="0"/>
+    <cs:fillRef idx="0"/>
+    <cs:effectRef idx="0"/>
+    <cs:fontRef idx="minor">
+      <a:schemeClr val="tx1"/>
+    </cs:fontRef>
+    <cs:spPr>
+      <a:noFill/>
+      <a:ln>
+        <a:noFill/>
+      </a:ln>
+    </cs:spPr>
+  </cs:wall>
+</cs:chartStyle>
 </file>
 
 <file path=ppt/notesMasters/notesMaster1.xml><?xml version="1.0" encoding="utf-8"?>
@@ -835,6 +3100,293 @@
 </p:notes>
 </file>
 
+<file path=ppt/notesSlides/notesSlide10.xml><?xml version="1.0" encoding="utf-8"?>
+<p:notes xmlns:a="http://schemas.openxmlformats.org/drawingml/2006/main" xmlns:r="http://schemas.openxmlformats.org/officeDocument/2006/relationships" xmlns:p="http://schemas.openxmlformats.org/presentationml/2006/main">
+  <p:cSld>
+    <p:spTree>
+      <p:nvGrpSpPr>
+        <p:cNvPr id="1" name=""/>
+        <p:cNvGrpSpPr/>
+        <p:nvPr/>
+      </p:nvGrpSpPr>
+      <p:grpSpPr>
+        <a:xfrm>
+          <a:off x="0" y="0"/>
+          <a:ext cx="0" cy="0"/>
+          <a:chOff x="0" y="0"/>
+          <a:chExt cx="0" cy="0"/>
+        </a:xfrm>
+      </p:grpSpPr>
+      <p:sp>
+        <p:nvSpPr>
+          <p:cNvPr id="2" name="Slide Image Placeholder 1"/>
+          <p:cNvSpPr>
+            <a:spLocks noGrp="1" noRot="1" noChangeAspect="1"/>
+          </p:cNvSpPr>
+          <p:nvPr>
+            <p:ph type="sldImg"/>
+          </p:nvPr>
+        </p:nvSpPr>
+        <p:spPr>
+          <a:xfrm>
+            <a:off x="381000" y="685800"/>
+            <a:ext cx="6096000" cy="3429000"/>
+          </a:xfrm>
+        </p:spPr>
+      </p:sp>
+      <p:sp>
+        <p:nvSpPr>
+          <p:cNvPr id="3" name="Notes Placeholder 2"/>
+          <p:cNvSpPr>
+            <a:spLocks noGrp="1"/>
+          </p:cNvSpPr>
+          <p:nvPr>
+            <p:ph type="body" idx="1"/>
+          </p:nvPr>
+        </p:nvSpPr>
+        <p:spPr/>
+        <p:txBody>
+          <a:bodyPr/>
+          <a:lstStyle/>
+          <a:p>
+            <a:r>
+              <a:rPr lang="en-US" dirty="0"/>
+              <a:t>One of the biggest concerns was image bias and accuracy</a:t>
+            </a:r>
+          </a:p>
+          <a:p>
+            <a:pPr lvl="1"/>
+            <a:r>
+              <a:rPr lang="en-US" dirty="0"/>
+              <a:t>Recognized early on that there were some limitations to our basic model – it doesn’t take into account images that may be uploaded that have other Diseases or issues</a:t>
+            </a:r>
+          </a:p>
+          <a:p>
+            <a:endParaRPr lang="en-US" dirty="0"/>
+          </a:p>
+          <a:p>
+            <a:r>
+              <a:rPr lang="en-US" dirty="0"/>
+              <a:t>Worked on building several different Model variations to determine what level of accuracy we could get with different dataset builds</a:t>
+            </a:r>
+          </a:p>
+          <a:p>
+            <a:pPr lvl="1"/>
+            <a:r>
+              <a:rPr lang="en-US" dirty="0"/>
+              <a:t>Basic model is strictly Pneumonia vs Normal</a:t>
+            </a:r>
+          </a:p>
+          <a:p>
+            <a:pPr lvl="1"/>
+            <a:r>
+              <a:rPr lang="en-US" dirty="0"/>
+              <a:t>Pneumonia vs Non-Pneumonia which tried to combine Normal images with Diseases other than Pneumonia</a:t>
+            </a:r>
+          </a:p>
+          <a:p>
+            <a:pPr lvl="1"/>
+            <a:r>
+              <a:rPr lang="en-US" dirty="0"/>
+              <a:t>2 model which first compared images as “Normal vs Other” and if the result was “other” it was pushed through a second model for “Pneumonia vs Other Diseases”   </a:t>
+            </a:r>
+          </a:p>
+          <a:p>
+            <a:pPr lvl="1"/>
+            <a:endParaRPr lang="en-US" dirty="0"/>
+          </a:p>
+          <a:p>
+            <a:pPr marL="457200" lvl="0" indent="-298450"/>
+            <a:r>
+              <a:rPr lang="en-US" dirty="0"/>
+              <a:t>While our more advanced models showed promise, we ultimately opted to keep the initial model of Pneumonia vs Normal due to time limitations</a:t>
+            </a:r>
+          </a:p>
+        </p:txBody>
+      </p:sp>
+    </p:spTree>
+    <p:extLst>
+      <p:ext uri="{BB962C8B-B14F-4D97-AF65-F5344CB8AC3E}">
+        <p14:creationId xmlns:p14="http://schemas.microsoft.com/office/powerpoint/2010/main" val="3125516806"/>
+      </p:ext>
+    </p:extLst>
+  </p:cSld>
+  <p:clrMapOvr>
+    <a:masterClrMapping/>
+  </p:clrMapOvr>
+</p:notes>
+</file>
+
+<file path=ppt/notesSlides/notesSlide11.xml><?xml version="1.0" encoding="utf-8"?>
+<p:notes xmlns:a="http://schemas.openxmlformats.org/drawingml/2006/main" xmlns:r="http://schemas.openxmlformats.org/officeDocument/2006/relationships" xmlns:p="http://schemas.openxmlformats.org/presentationml/2006/main">
+  <p:cSld>
+    <p:spTree>
+      <p:nvGrpSpPr>
+        <p:cNvPr id="1" name=""/>
+        <p:cNvGrpSpPr/>
+        <p:nvPr/>
+      </p:nvGrpSpPr>
+      <p:grpSpPr>
+        <a:xfrm>
+          <a:off x="0" y="0"/>
+          <a:ext cx="0" cy="0"/>
+          <a:chOff x="0" y="0"/>
+          <a:chExt cx="0" cy="0"/>
+        </a:xfrm>
+      </p:grpSpPr>
+      <p:sp>
+        <p:nvSpPr>
+          <p:cNvPr id="2" name="Slide Image Placeholder 1"/>
+          <p:cNvSpPr>
+            <a:spLocks noGrp="1" noRot="1" noChangeAspect="1"/>
+          </p:cNvSpPr>
+          <p:nvPr>
+            <p:ph type="sldImg"/>
+          </p:nvPr>
+        </p:nvSpPr>
+        <p:spPr>
+          <a:xfrm>
+            <a:off x="381000" y="685800"/>
+            <a:ext cx="6096000" cy="3429000"/>
+          </a:xfrm>
+        </p:spPr>
+      </p:sp>
+      <p:sp>
+        <p:nvSpPr>
+          <p:cNvPr id="3" name="Notes Placeholder 2"/>
+          <p:cNvSpPr>
+            <a:spLocks noGrp="1"/>
+          </p:cNvSpPr>
+          <p:nvPr>
+            <p:ph type="body" idx="1"/>
+          </p:nvPr>
+        </p:nvSpPr>
+        <p:spPr/>
+        <p:txBody>
+          <a:bodyPr/>
+          <a:lstStyle/>
+          <a:p>
+            <a:endParaRPr lang="en-US" dirty="0"/>
+          </a:p>
+        </p:txBody>
+      </p:sp>
+    </p:spTree>
+    <p:extLst>
+      <p:ext uri="{BB962C8B-B14F-4D97-AF65-F5344CB8AC3E}">
+        <p14:creationId xmlns:p14="http://schemas.microsoft.com/office/powerpoint/2010/main" val="1540490473"/>
+      </p:ext>
+    </p:extLst>
+  </p:cSld>
+  <p:clrMapOvr>
+    <a:masterClrMapping/>
+  </p:clrMapOvr>
+</p:notes>
+</file>
+
+<file path=ppt/notesSlides/notesSlide12.xml><?xml version="1.0" encoding="utf-8"?>
+<p:notes xmlns:a="http://schemas.openxmlformats.org/drawingml/2006/main" xmlns:r="http://schemas.openxmlformats.org/officeDocument/2006/relationships" xmlns:p="http://schemas.openxmlformats.org/presentationml/2006/main" showMasterSp="0" showMasterPhAnim="0">
+  <p:cSld>
+    <p:spTree>
+      <p:nvGrpSpPr>
+        <p:cNvPr id="1" name="Shape 167"/>
+        <p:cNvGrpSpPr/>
+        <p:nvPr/>
+      </p:nvGrpSpPr>
+      <p:grpSpPr>
+        <a:xfrm>
+          <a:off x="0" y="0"/>
+          <a:ext cx="0" cy="0"/>
+          <a:chOff x="0" y="0"/>
+          <a:chExt cx="0" cy="0"/>
+        </a:xfrm>
+      </p:grpSpPr>
+      <p:sp>
+        <p:nvSpPr>
+          <p:cNvPr id="168" name="Google Shape;168;gfce27dc116_0_145:notes"/>
+          <p:cNvSpPr>
+            <a:spLocks noGrp="1" noRot="1" noChangeAspect="1"/>
+          </p:cNvSpPr>
+          <p:nvPr>
+            <p:ph type="sldImg" idx="2"/>
+          </p:nvPr>
+        </p:nvSpPr>
+        <p:spPr>
+          <a:xfrm>
+            <a:off x="381000" y="685800"/>
+            <a:ext cx="6096000" cy="3429000"/>
+          </a:xfrm>
+          <a:custGeom>
+            <a:avLst/>
+            <a:gdLst/>
+            <a:ahLst/>
+            <a:cxnLst/>
+            <a:rect l="l" t="t" r="r" b="b"/>
+            <a:pathLst>
+              <a:path w="120000" h="120000" extrusionOk="0">
+                <a:moveTo>
+                  <a:pt x="0" y="0"/>
+                </a:moveTo>
+                <a:lnTo>
+                  <a:pt x="120000" y="0"/>
+                </a:lnTo>
+                <a:lnTo>
+                  <a:pt x="120000" y="120000"/>
+                </a:lnTo>
+                <a:lnTo>
+                  <a:pt x="0" y="120000"/>
+                </a:lnTo>
+                <a:close/>
+              </a:path>
+            </a:pathLst>
+          </a:custGeom>
+        </p:spPr>
+      </p:sp>
+      <p:sp>
+        <p:nvSpPr>
+          <p:cNvPr id="169" name="Google Shape;169;gfce27dc116_0_145:notes"/>
+          <p:cNvSpPr txBox="1">
+            <a:spLocks noGrp="1"/>
+          </p:cNvSpPr>
+          <p:nvPr>
+            <p:ph type="body" idx="1"/>
+          </p:nvPr>
+        </p:nvSpPr>
+        <p:spPr>
+          <a:xfrm>
+            <a:off x="685800" y="4343400"/>
+            <a:ext cx="5486400" cy="4114800"/>
+          </a:xfrm>
+          <a:prstGeom prst="rect">
+            <a:avLst/>
+          </a:prstGeom>
+        </p:spPr>
+        <p:txBody>
+          <a:bodyPr spcFirstLastPara="1" wrap="square" lIns="91425" tIns="91425" rIns="91425" bIns="91425" anchor="t" anchorCtr="0">
+            <a:noAutofit/>
+          </a:bodyPr>
+          <a:lstStyle/>
+          <a:p>
+            <a:pPr marL="0" lvl="0" indent="0" algn="l" rtl="0">
+              <a:spcBef>
+                <a:spcPts val="0"/>
+              </a:spcBef>
+              <a:spcAft>
+                <a:spcPts val="0"/>
+              </a:spcAft>
+              <a:buNone/>
+            </a:pPr>
+            <a:endParaRPr dirty="0"/>
+          </a:p>
+        </p:txBody>
+      </p:sp>
+    </p:spTree>
+  </p:cSld>
+  <p:clrMapOvr>
+    <a:masterClrMapping/>
+  </p:clrMapOvr>
+</p:notes>
+</file>
+
 <file path=ppt/notesSlides/notesSlide2.xml><?xml version="1.0" encoding="utf-8"?>
 <p:notes xmlns:a="http://schemas.openxmlformats.org/drawingml/2006/main" xmlns:r="http://schemas.openxmlformats.org/officeDocument/2006/relationships" xmlns:p="http://schemas.openxmlformats.org/presentationml/2006/main" showMasterSp="0" showMasterPhAnim="0">
   <p:cSld>
@@ -1109,93 +3661,6 @@
             </a:r>
           </a:p>
           <a:p>
-            <a:pPr algn="l"/>
-            <a:endParaRPr lang="en-US" b="1" i="0" dirty="0">
-              <a:solidFill>
-                <a:srgbClr val="24292F"/>
-              </a:solidFill>
-              <a:effectLst/>
-              <a:latin typeface="-apple-system"/>
-            </a:endParaRPr>
-          </a:p>
-          <a:p>
-            <a:pPr algn="l"/>
-            <a:r>
-              <a:rPr lang="en-US" b="1" i="0" dirty="0">
-                <a:solidFill>
-                  <a:srgbClr val="24292F"/>
-                </a:solidFill>
-                <a:effectLst/>
-                <a:latin typeface="-apple-system"/>
-              </a:rPr>
-              <a:t>Questions to Answer</a:t>
-            </a:r>
-          </a:p>
-          <a:p>
-            <a:pPr algn="l">
-              <a:buFont typeface="Arial" panose="020B0604020202020204" pitchFamily="34" charset="0"/>
-              <a:buChar char="•"/>
-            </a:pPr>
-            <a:r>
-              <a:rPr lang="en-US" b="0" i="0" dirty="0">
-                <a:solidFill>
-                  <a:srgbClr val="24292F"/>
-                </a:solidFill>
-                <a:effectLst/>
-                <a:latin typeface="-apple-system"/>
-              </a:rPr>
-              <a:t>Can a machine learning model find distinct differences in chest x-ray images and accurately classify them as pneumonia, normal, or other?</a:t>
-            </a:r>
-          </a:p>
-          <a:p>
-            <a:pPr algn="l">
-              <a:buFont typeface="Arial" panose="020B0604020202020204" pitchFamily="34" charset="0"/>
-              <a:buChar char="•"/>
-            </a:pPr>
-            <a:r>
-              <a:rPr lang="en-US" b="0" i="0" dirty="0">
-                <a:solidFill>
-                  <a:srgbClr val="24292F"/>
-                </a:solidFill>
-                <a:effectLst/>
-                <a:latin typeface="-apple-system"/>
-              </a:rPr>
-              <a:t>What level of accuracy can be achieved by this model? Can it be considered a reliable resource for individuals who are diagnosing patients?</a:t>
-            </a:r>
-          </a:p>
-          <a:p>
-            <a:pPr algn="l">
-              <a:buFont typeface="Arial" panose="020B0604020202020204" pitchFamily="34" charset="0"/>
-              <a:buChar char="•"/>
-            </a:pPr>
-            <a:r>
-              <a:rPr lang="en-US" b="0" i="0" dirty="0">
-                <a:solidFill>
-                  <a:srgbClr val="24292F"/>
-                </a:solidFill>
-                <a:effectLst/>
-                <a:latin typeface="-apple-system"/>
-              </a:rPr>
-              <a:t>Long term, how can this model be applied to classifying other diagnoses based on x-ray image analysis?</a:t>
-            </a:r>
-          </a:p>
-          <a:p>
-            <a:pPr algn="l">
-              <a:buFont typeface="Arial" panose="020B0604020202020204" pitchFamily="34" charset="0"/>
-              <a:buChar char="•"/>
-            </a:pPr>
-            <a:r>
-              <a:rPr lang="en-US" b="0" i="0" dirty="0">
-                <a:solidFill>
-                  <a:srgbClr val="24292F"/>
-                </a:solidFill>
-                <a:effectLst/>
-                <a:latin typeface="-apple-system"/>
-              </a:rPr>
-              <a:t>Can this model be generated without introducing bias?</a:t>
-            </a:r>
-          </a:p>
-          <a:p>
             <a:pPr marL="0" lvl="0" indent="0" algn="l" rtl="0">
               <a:spcBef>
                 <a:spcPts val="0"/>
@@ -1309,10 +3774,136 @@
               </a:spcAft>
               <a:buNone/>
             </a:pPr>
+            <a:endParaRPr lang="en-US" dirty="0"/>
+          </a:p>
+          <a:p>
+            <a:pPr marL="0" lvl="0" indent="0" algn="l" rtl="0">
+              <a:spcBef>
+                <a:spcPts val="0"/>
+              </a:spcBef>
+              <a:spcAft>
+                <a:spcPts val="0"/>
+              </a:spcAft>
+              <a:buNone/>
+            </a:pPr>
             <a:r>
               <a:rPr lang="en-US" dirty="0"/>
-              <a:t>Is this just the US?</a:t>
+              <a:t>Global Cases:</a:t>
             </a:r>
+          </a:p>
+          <a:p>
+            <a:pPr marL="0" lvl="0" indent="0" algn="l" rtl="0">
+              <a:spcBef>
+                <a:spcPts val="0"/>
+              </a:spcBef>
+              <a:spcAft>
+                <a:spcPts val="0"/>
+              </a:spcAft>
+              <a:buNone/>
+            </a:pPr>
+            <a:r>
+              <a:rPr lang="en-US" dirty="0"/>
+              <a:t>https://ourworldindata.org/pneumonia</a:t>
+            </a:r>
+          </a:p>
+          <a:p>
+            <a:pPr marL="0" lvl="0" indent="0" algn="l" rtl="0">
+              <a:spcBef>
+                <a:spcPts val="0"/>
+              </a:spcBef>
+              <a:spcAft>
+                <a:spcPts val="0"/>
+              </a:spcAft>
+              <a:buNone/>
+            </a:pPr>
+            <a:endParaRPr lang="en-US" dirty="0"/>
+          </a:p>
+          <a:p>
+            <a:pPr marL="0" lvl="0" indent="0" algn="l" rtl="0">
+              <a:spcBef>
+                <a:spcPts val="0"/>
+              </a:spcBef>
+              <a:spcAft>
+                <a:spcPts val="0"/>
+              </a:spcAft>
+              <a:buNone/>
+            </a:pPr>
+            <a:r>
+              <a:rPr lang="en-US" dirty="0"/>
+              <a:t>US cases:</a:t>
+            </a:r>
+          </a:p>
+          <a:p>
+            <a:pPr marL="0" lvl="0" indent="0" algn="l" rtl="0">
+              <a:spcBef>
+                <a:spcPts val="0"/>
+              </a:spcBef>
+              <a:spcAft>
+                <a:spcPts val="0"/>
+              </a:spcAft>
+              <a:buNone/>
+            </a:pPr>
+            <a:r>
+              <a:rPr lang="en-US" dirty="0"/>
+              <a:t>2018 Data</a:t>
+            </a:r>
+          </a:p>
+          <a:p>
+            <a:pPr marL="0" lvl="0" indent="0" algn="l" rtl="0">
+              <a:spcBef>
+                <a:spcPts val="0"/>
+              </a:spcBef>
+              <a:spcAft>
+                <a:spcPts val="0"/>
+              </a:spcAft>
+              <a:buNone/>
+            </a:pPr>
+            <a:r>
+              <a:rPr lang="en-US" dirty="0"/>
+              <a:t>https://www.cdc.gov/nchs/data/nhamcs/web_tables/2018-ed-web-tables-508.pdf</a:t>
+            </a:r>
+          </a:p>
+          <a:p>
+            <a:pPr marL="0" lvl="0" indent="0" algn="l" rtl="0">
+              <a:spcBef>
+                <a:spcPts val="0"/>
+              </a:spcBef>
+              <a:spcAft>
+                <a:spcPts val="0"/>
+              </a:spcAft>
+              <a:buNone/>
+            </a:pPr>
+            <a:r>
+              <a:rPr lang="en-US" dirty="0"/>
+              <a:t>1,485,000 ER visits for Pneumonia (out of 129,959,000 total)</a:t>
+            </a:r>
+          </a:p>
+          <a:p>
+            <a:pPr marL="0" lvl="0" indent="0" algn="l" rtl="0">
+              <a:spcBef>
+                <a:spcPts val="0"/>
+              </a:spcBef>
+              <a:spcAft>
+                <a:spcPts val="0"/>
+              </a:spcAft>
+              <a:buNone/>
+            </a:pPr>
+            <a:r>
+              <a:rPr lang="en-US" dirty="0"/>
+              <a:t>40,000 Deaths (Most preventable)</a:t>
+            </a:r>
+          </a:p>
+          <a:p>
+            <a:pPr marL="0" lvl="0" indent="0" algn="l" rtl="0">
+              <a:spcBef>
+                <a:spcPts val="0"/>
+              </a:spcBef>
+              <a:spcAft>
+                <a:spcPts val="0"/>
+              </a:spcAft>
+              <a:buNone/>
+            </a:pPr>
+            <a:endParaRPr lang="en-US" dirty="0"/>
           </a:p>
           <a:p>
             <a:pPr marL="0" lvl="0" indent="0" algn="l" rtl="0">
@@ -1387,14 +3978,78 @@
           <a:p>
             <a:r>
               <a:rPr lang="en-US" dirty="0"/>
+              <a:t>Chest X-Ray is the one of the primary Diagnostic Tools for Pneumonia Identification and treatment</a:t>
+            </a:r>
+          </a:p>
+          <a:p>
+            <a:r>
+              <a:rPr lang="en-US" dirty="0"/>
+              <a:t>However, Radiologists are tasked with analyzing X-Ray, MRIs, and CT scans for all types of diseases and other medical diagnoses </a:t>
+            </a:r>
+          </a:p>
+          <a:p>
+            <a:r>
+              <a:rPr lang="en-US" dirty="0"/>
+              <a:t>According to a 2016 study, over 539,210,581 images analyzed at the Mayo Clinic alone between 1999 and 2010</a:t>
+            </a:r>
+          </a:p>
+          <a:p>
+            <a:r>
+              <a:rPr lang="en-US" dirty="0"/>
+              <a:t>The number of scans radiologists have to analyze has gone from 1 every 20 seconds to 1 every 4 seconds</a:t>
+            </a:r>
+          </a:p>
+          <a:p>
+            <a:pPr marL="158750" indent="0">
+              <a:buNone/>
+            </a:pPr>
+            <a:endParaRPr lang="en-US" dirty="0"/>
+          </a:p>
+          <a:p>
+            <a:r>
+              <a:rPr lang="en-US" dirty="0"/>
+              <a:t>Conclusions</a:t>
+            </a:r>
+          </a:p>
+          <a:p>
+            <a:r>
+              <a:rPr lang="en-US" dirty="0"/>
+              <a:t>Imaging volumes have grown at a disproportionate rate to imaging utilization increases at our institution. The average radiologist interpreting CT or MRI examinations must now interpret one image every 3–4 seconds in an 8-hour workday to meet workload demands.</a:t>
+            </a:r>
+          </a:p>
+          <a:p>
+            <a:endParaRPr lang="en-US" dirty="0"/>
+          </a:p>
+          <a:p>
+            <a:endParaRPr lang="en-US" dirty="0"/>
+          </a:p>
+          <a:p>
+            <a:pPr marL="457200" marR="0" lvl="0" indent="-298450" algn="l" defTabSz="914400" rtl="0" eaLnBrk="1" fontAlgn="auto" latinLnBrk="0" hangingPunct="1">
+              <a:lnSpc>
+                <a:spcPct val="100000"/>
+              </a:lnSpc>
+              <a:spcBef>
+                <a:spcPts val="0"/>
+              </a:spcBef>
+              <a:spcAft>
+                <a:spcPts val="0"/>
+              </a:spcAft>
+              <a:buClr>
+                <a:srgbClr val="000000"/>
+              </a:buClr>
+              <a:buSzPts val="1100"/>
+              <a:buFont typeface="Arial"/>
+              <a:buChar char="●"/>
+              <a:tabLst/>
+              <a:defRPr/>
+            </a:pPr>
+            <a:r>
+              <a:rPr lang="en-US" dirty="0"/>
               <a:t>https://appliedradiology.com/articles/the-radiologist-s-gerbil-wheel-interpreting-images-every-3-4-seconds-eight-hours-a-day-at-mayo-clinic</a:t>
             </a:r>
           </a:p>
           <a:p>
-            <a:r>
-              <a:rPr lang="en-US" dirty="0"/>
-              <a:t>https://www.academicradiology.org/article/S1076-6332(15)00245-7/fulltext</a:t>
-            </a:r>
+            <a:endParaRPr lang="en-US" dirty="0"/>
           </a:p>
         </p:txBody>
       </p:sp>
@@ -1503,7 +4158,118 @@
               </a:spcAft>
               <a:buNone/>
             </a:pPr>
-            <a:endParaRPr/>
+            <a:r>
+              <a:rPr lang="en-US" dirty="0"/>
+              <a:t>Model Data:</a:t>
+            </a:r>
+          </a:p>
+          <a:p>
+            <a:pPr marL="0" lvl="0" indent="0" algn="l" rtl="0">
+              <a:spcBef>
+                <a:spcPts val="0"/>
+              </a:spcBef>
+              <a:spcAft>
+                <a:spcPts val="0"/>
+              </a:spcAft>
+              <a:buNone/>
+            </a:pPr>
+            <a:r>
+              <a:rPr lang="en-US" dirty="0"/>
+              <a:t>Found a large number of sites utilizing Chest Xray images for Pneumonia, Covid and other diseases, particularly on Kaggle</a:t>
+            </a:r>
+          </a:p>
+          <a:p>
+            <a:pPr marL="0" lvl="0" indent="0" algn="l" rtl="0">
+              <a:spcBef>
+                <a:spcPts val="0"/>
+              </a:spcBef>
+              <a:spcAft>
+                <a:spcPts val="0"/>
+              </a:spcAft>
+              <a:buNone/>
+            </a:pPr>
+            <a:endParaRPr lang="en-US" dirty="0"/>
+          </a:p>
+          <a:p>
+            <a:pPr marL="0" lvl="0" indent="0" algn="l" rtl="0">
+              <a:spcBef>
+                <a:spcPts val="0"/>
+              </a:spcBef>
+              <a:spcAft>
+                <a:spcPts val="0"/>
+              </a:spcAft>
+              <a:buNone/>
+            </a:pPr>
+            <a:r>
+              <a:rPr lang="en-US" dirty="0"/>
+              <a:t>When reviewing source data for each site, discovered that most sites were pulling their images from 4 different Datasets</a:t>
+            </a:r>
+          </a:p>
+          <a:p>
+            <a:pPr marL="0" lvl="0" indent="0" algn="l" rtl="0">
+              <a:spcBef>
+                <a:spcPts val="0"/>
+              </a:spcBef>
+              <a:spcAft>
+                <a:spcPts val="0"/>
+              </a:spcAft>
+              <a:buNone/>
+            </a:pPr>
+            <a:endParaRPr lang="en-US" dirty="0"/>
+          </a:p>
+          <a:p>
+            <a:pPr marL="0" lvl="0" indent="0" algn="l" rtl="0">
+              <a:spcBef>
+                <a:spcPts val="0"/>
+              </a:spcBef>
+              <a:spcAft>
+                <a:spcPts val="0"/>
+              </a:spcAft>
+              <a:buNone/>
+            </a:pPr>
+            <a:r>
+              <a:rPr lang="en-US" dirty="0"/>
+              <a:t>After analyzing the 4 source datasets, narrowed the scope to two sets where we could verify the origins of the images and confirm that the images had been reviewed by Radiologists</a:t>
+            </a:r>
+          </a:p>
+          <a:p>
+            <a:pPr marL="0" lvl="0" indent="0" algn="l" rtl="0">
+              <a:spcBef>
+                <a:spcPts val="0"/>
+              </a:spcBef>
+              <a:spcAft>
+                <a:spcPts val="0"/>
+              </a:spcAft>
+              <a:buNone/>
+            </a:pPr>
+            <a:endParaRPr lang="en-US" dirty="0"/>
+          </a:p>
+          <a:p>
+            <a:pPr marL="0" lvl="0" indent="0" algn="l" rtl="0">
+              <a:spcBef>
+                <a:spcPts val="0"/>
+              </a:spcBef>
+              <a:spcAft>
+                <a:spcPts val="0"/>
+              </a:spcAft>
+              <a:buNone/>
+            </a:pPr>
+            <a:r>
+              <a:rPr lang="en-US" dirty="0"/>
+              <a:t>Based on the datasets, we asked ourselves whether we could expand the scope of the project to include an “other” category for images that were Not Pneumonia but also Not Normal</a:t>
+            </a:r>
+          </a:p>
+          <a:p>
+            <a:pPr marL="0" lvl="0" indent="0" algn="l" rtl="0">
+              <a:spcBef>
+                <a:spcPts val="0"/>
+              </a:spcBef>
+              <a:spcAft>
+                <a:spcPts val="0"/>
+              </a:spcAft>
+              <a:buNone/>
+            </a:pPr>
+            <a:endParaRPr dirty="0"/>
           </a:p>
         </p:txBody>
       </p:sp>
@@ -1516,6 +4282,266 @@
 </file>
 
 <file path=ppt/notesSlides/notesSlide7.xml><?xml version="1.0" encoding="utf-8"?>
+<p:notes xmlns:a="http://schemas.openxmlformats.org/drawingml/2006/main" xmlns:r="http://schemas.openxmlformats.org/officeDocument/2006/relationships" xmlns:p="http://schemas.openxmlformats.org/presentationml/2006/main">
+  <p:cSld>
+    <p:spTree>
+      <p:nvGrpSpPr>
+        <p:cNvPr id="1" name=""/>
+        <p:cNvGrpSpPr/>
+        <p:nvPr/>
+      </p:nvGrpSpPr>
+      <p:grpSpPr>
+        <a:xfrm>
+          <a:off x="0" y="0"/>
+          <a:ext cx="0" cy="0"/>
+          <a:chOff x="0" y="0"/>
+          <a:chExt cx="0" cy="0"/>
+        </a:xfrm>
+      </p:grpSpPr>
+      <p:sp>
+        <p:nvSpPr>
+          <p:cNvPr id="2" name="Slide Image Placeholder 1"/>
+          <p:cNvSpPr>
+            <a:spLocks noGrp="1" noRot="1" noChangeAspect="1"/>
+          </p:cNvSpPr>
+          <p:nvPr>
+            <p:ph type="sldImg"/>
+          </p:nvPr>
+        </p:nvSpPr>
+        <p:spPr>
+          <a:xfrm>
+            <a:off x="381000" y="685800"/>
+            <a:ext cx="6096000" cy="3429000"/>
+          </a:xfrm>
+        </p:spPr>
+      </p:sp>
+      <p:sp>
+        <p:nvSpPr>
+          <p:cNvPr id="3" name="Notes Placeholder 2"/>
+          <p:cNvSpPr>
+            <a:spLocks noGrp="1"/>
+          </p:cNvSpPr>
+          <p:nvPr>
+            <p:ph type="body" idx="1"/>
+          </p:nvPr>
+        </p:nvSpPr>
+        <p:spPr/>
+        <p:txBody>
+          <a:bodyPr/>
+          <a:lstStyle/>
+          <a:p>
+            <a:pPr marL="0" marR="0" lvl="0" indent="0" algn="l" defTabSz="914400" rtl="0" eaLnBrk="1" fontAlgn="auto" latinLnBrk="0" hangingPunct="1">
+              <a:lnSpc>
+                <a:spcPct val="100000"/>
+              </a:lnSpc>
+              <a:spcBef>
+                <a:spcPts val="0"/>
+              </a:spcBef>
+              <a:spcAft>
+                <a:spcPts val="0"/>
+              </a:spcAft>
+              <a:buClr>
+                <a:srgbClr val="000000"/>
+              </a:buClr>
+              <a:buSzPts val="1100"/>
+              <a:buFont typeface="Arial"/>
+              <a:buNone/>
+              <a:tabLst/>
+              <a:defRPr/>
+            </a:pPr>
+            <a:r>
+              <a:rPr lang="en-US" dirty="0"/>
+              <a:t>General Pneumonia Statistics:</a:t>
+            </a:r>
+          </a:p>
+          <a:p>
+            <a:pPr marL="0" marR="0" lvl="0" indent="0" algn="l" defTabSz="914400" rtl="0" eaLnBrk="1" fontAlgn="auto" latinLnBrk="0" hangingPunct="1">
+              <a:lnSpc>
+                <a:spcPct val="100000"/>
+              </a:lnSpc>
+              <a:spcBef>
+                <a:spcPts val="0"/>
+              </a:spcBef>
+              <a:spcAft>
+                <a:spcPts val="0"/>
+              </a:spcAft>
+              <a:buClr>
+                <a:srgbClr val="000000"/>
+              </a:buClr>
+              <a:buSzPts val="1100"/>
+              <a:buFont typeface="Arial"/>
+              <a:buNone/>
+              <a:tabLst/>
+              <a:defRPr/>
+            </a:pPr>
+            <a:endParaRPr lang="en-US" dirty="0"/>
+          </a:p>
+          <a:p>
+            <a:pPr marL="0" marR="0" lvl="0" indent="0" algn="l" defTabSz="914400" rtl="0" eaLnBrk="1" fontAlgn="auto" latinLnBrk="0" hangingPunct="1">
+              <a:lnSpc>
+                <a:spcPct val="100000"/>
+              </a:lnSpc>
+              <a:spcBef>
+                <a:spcPts val="0"/>
+              </a:spcBef>
+              <a:spcAft>
+                <a:spcPts val="0"/>
+              </a:spcAft>
+              <a:buClr>
+                <a:srgbClr val="000000"/>
+              </a:buClr>
+              <a:buSzPts val="1100"/>
+              <a:buFont typeface="Arial"/>
+              <a:buNone/>
+              <a:tabLst/>
+              <a:defRPr/>
+            </a:pPr>
+            <a:r>
+              <a:rPr lang="en-US" dirty="0"/>
+              <a:t>To help underscore the importance of Pneumonia detection, we compiled global data from WHO, UNICEF and ourworldindata.org as well as US data from the CDC </a:t>
+            </a:r>
+          </a:p>
+          <a:p>
+            <a:pPr marL="0" marR="0" lvl="0" indent="0" algn="l" defTabSz="914400" rtl="0" eaLnBrk="1" fontAlgn="auto" latinLnBrk="0" hangingPunct="1">
+              <a:lnSpc>
+                <a:spcPct val="100000"/>
+              </a:lnSpc>
+              <a:spcBef>
+                <a:spcPts val="0"/>
+              </a:spcBef>
+              <a:spcAft>
+                <a:spcPts val="0"/>
+              </a:spcAft>
+              <a:buClr>
+                <a:srgbClr val="000000"/>
+              </a:buClr>
+              <a:buSzPts val="1100"/>
+              <a:buFont typeface="Arial"/>
+              <a:buNone/>
+              <a:tabLst/>
+              <a:defRPr/>
+            </a:pPr>
+            <a:endParaRPr lang="en-US" dirty="0"/>
+          </a:p>
+          <a:p>
+            <a:pPr marL="0" marR="0" lvl="0" indent="0" algn="l" defTabSz="914400" rtl="0" eaLnBrk="1" fontAlgn="auto" latinLnBrk="0" hangingPunct="1">
+              <a:lnSpc>
+                <a:spcPct val="100000"/>
+              </a:lnSpc>
+              <a:spcBef>
+                <a:spcPts val="0"/>
+              </a:spcBef>
+              <a:spcAft>
+                <a:spcPts val="0"/>
+              </a:spcAft>
+              <a:buClr>
+                <a:srgbClr val="000000"/>
+              </a:buClr>
+              <a:buSzPts val="1100"/>
+              <a:buFont typeface="Arial"/>
+              <a:buNone/>
+              <a:tabLst/>
+              <a:defRPr/>
+            </a:pPr>
+            <a:r>
+              <a:rPr lang="en-US" dirty="0"/>
+              <a:t>https://www.who.int/health-topics/pneumonia#tab=tab_1</a:t>
+            </a:r>
+          </a:p>
+          <a:p>
+            <a:pPr marL="0" marR="0" lvl="0" indent="0" algn="l" defTabSz="914400" rtl="0" eaLnBrk="1" fontAlgn="auto" latinLnBrk="0" hangingPunct="1">
+              <a:lnSpc>
+                <a:spcPct val="100000"/>
+              </a:lnSpc>
+              <a:spcBef>
+                <a:spcPts val="0"/>
+              </a:spcBef>
+              <a:spcAft>
+                <a:spcPts val="0"/>
+              </a:spcAft>
+              <a:buClr>
+                <a:srgbClr val="000000"/>
+              </a:buClr>
+              <a:buSzPts val="1100"/>
+              <a:buFont typeface="Arial"/>
+              <a:buNone/>
+              <a:tabLst/>
+              <a:defRPr/>
+            </a:pPr>
+            <a:r>
+              <a:rPr lang="en-US" dirty="0"/>
+              <a:t>https://data.unicef.org/topic/child-health/pneumonia/</a:t>
+            </a:r>
+          </a:p>
+          <a:p>
+            <a:pPr marL="0" marR="0" lvl="0" indent="0" algn="l" defTabSz="914400" rtl="0" eaLnBrk="1" fontAlgn="auto" latinLnBrk="0" hangingPunct="1">
+              <a:lnSpc>
+                <a:spcPct val="100000"/>
+              </a:lnSpc>
+              <a:spcBef>
+                <a:spcPts val="0"/>
+              </a:spcBef>
+              <a:spcAft>
+                <a:spcPts val="0"/>
+              </a:spcAft>
+              <a:buClr>
+                <a:srgbClr val="000000"/>
+              </a:buClr>
+              <a:buSzPts val="1100"/>
+              <a:buFont typeface="Arial"/>
+              <a:buNone/>
+              <a:tabLst/>
+              <a:defRPr/>
+            </a:pPr>
+            <a:r>
+              <a:rPr lang="en-US" dirty="0"/>
+              <a:t>https://ourworldindata.org/pneumonia</a:t>
+            </a:r>
+          </a:p>
+          <a:p>
+            <a:pPr marL="0" marR="0" lvl="0" indent="0" algn="l" defTabSz="914400" rtl="0" eaLnBrk="1" fontAlgn="auto" latinLnBrk="0" hangingPunct="1">
+              <a:lnSpc>
+                <a:spcPct val="100000"/>
+              </a:lnSpc>
+              <a:spcBef>
+                <a:spcPts val="0"/>
+              </a:spcBef>
+              <a:spcAft>
+                <a:spcPts val="0"/>
+              </a:spcAft>
+              <a:buClr>
+                <a:srgbClr val="000000"/>
+              </a:buClr>
+              <a:buSzPts val="1100"/>
+              <a:buFont typeface="Arial"/>
+              <a:buNone/>
+              <a:tabLst/>
+              <a:defRPr/>
+            </a:pPr>
+            <a:r>
+              <a:rPr lang="en-US" dirty="0"/>
+              <a:t>https://www.cdc.gov/dotw/pneumonia/index.html</a:t>
+            </a:r>
+          </a:p>
+          <a:p>
+            <a:endParaRPr lang="en-US" dirty="0"/>
+          </a:p>
+        </p:txBody>
+      </p:sp>
+    </p:spTree>
+    <p:extLst>
+      <p:ext uri="{BB962C8B-B14F-4D97-AF65-F5344CB8AC3E}">
+        <p14:creationId xmlns:p14="http://schemas.microsoft.com/office/powerpoint/2010/main" val="3344436303"/>
+      </p:ext>
+    </p:extLst>
+  </p:cSld>
+  <p:clrMapOvr>
+    <a:masterClrMapping/>
+  </p:clrMapOvr>
+</p:notes>
+</file>
+
+<file path=ppt/notesSlides/notesSlide8.xml><?xml version="1.0" encoding="utf-8"?>
 <p:notes xmlns:a="http://schemas.openxmlformats.org/drawingml/2006/main" xmlns:r="http://schemas.openxmlformats.org/officeDocument/2006/relationships" xmlns:p="http://schemas.openxmlformats.org/presentationml/2006/main" showMasterSp="0" showMasterPhAnim="0">
   <p:cSld>
     <p:spTree>
@@ -1598,16 +4624,92 @@
           </a:bodyPr>
           <a:lstStyle/>
           <a:p>
-            <a:pPr marL="0" lvl="0" indent="0" algn="l" rtl="0">
-              <a:spcBef>
-                <a:spcPts val="0"/>
-              </a:spcBef>
-              <a:spcAft>
-                <a:spcPts val="0"/>
-              </a:spcAft>
-              <a:buNone/>
+            <a:pPr marL="0" marR="0" lvl="0" indent="0" algn="l" defTabSz="914400" rtl="0" eaLnBrk="1" fontAlgn="auto" latinLnBrk="0" hangingPunct="1">
+              <a:lnSpc>
+                <a:spcPct val="100000"/>
+              </a:lnSpc>
+              <a:spcBef>
+                <a:spcPts val="0"/>
+              </a:spcBef>
+              <a:spcAft>
+                <a:spcPts val="0"/>
+              </a:spcAft>
+              <a:buClr>
+                <a:srgbClr val="000000"/>
+              </a:buClr>
+              <a:buSzPts val="1100"/>
+              <a:buFont typeface="Arial"/>
+              <a:buNone/>
+              <a:tabLst/>
+              <a:defRPr/>
             </a:pPr>
-            <a:endParaRPr/>
+            <a:endParaRPr lang="en-US" dirty="0"/>
+          </a:p>
+          <a:p>
+            <a:pPr marL="0" marR="0" lvl="0" indent="0" algn="l" defTabSz="914400" rtl="0" eaLnBrk="1" fontAlgn="auto" latinLnBrk="0" hangingPunct="1">
+              <a:lnSpc>
+                <a:spcPct val="100000"/>
+              </a:lnSpc>
+              <a:spcBef>
+                <a:spcPts val="0"/>
+              </a:spcBef>
+              <a:spcAft>
+                <a:spcPts val="0"/>
+              </a:spcAft>
+              <a:buClr>
+                <a:srgbClr val="000000"/>
+              </a:buClr>
+              <a:buSzPts val="1100"/>
+              <a:buFont typeface="Arial"/>
+              <a:buNone/>
+              <a:tabLst/>
+              <a:defRPr/>
+            </a:pPr>
+            <a:endParaRPr lang="en-US" dirty="0"/>
+          </a:p>
+          <a:p>
+            <a:pPr marL="0" marR="0" lvl="0" indent="0" algn="l" defTabSz="914400" rtl="0" eaLnBrk="1" fontAlgn="auto" latinLnBrk="0" hangingPunct="1">
+              <a:lnSpc>
+                <a:spcPct val="100000"/>
+              </a:lnSpc>
+              <a:spcBef>
+                <a:spcPts val="0"/>
+              </a:spcBef>
+              <a:spcAft>
+                <a:spcPts val="0"/>
+              </a:spcAft>
+              <a:buClr>
+                <a:srgbClr val="000000"/>
+              </a:buClr>
+              <a:buSzPts val="1100"/>
+              <a:buFont typeface="Arial"/>
+              <a:buNone/>
+              <a:tabLst/>
+              <a:defRPr/>
+            </a:pPr>
+            <a:endParaRPr lang="en-US" dirty="0"/>
+          </a:p>
+          <a:p>
+            <a:pPr marL="0" marR="0" lvl="0" indent="0" algn="l" defTabSz="914400" rtl="0" eaLnBrk="1" fontAlgn="auto" latinLnBrk="0" hangingPunct="1">
+              <a:lnSpc>
+                <a:spcPct val="100000"/>
+              </a:lnSpc>
+              <a:spcBef>
+                <a:spcPts val="0"/>
+              </a:spcBef>
+              <a:spcAft>
+                <a:spcPts val="0"/>
+              </a:spcAft>
+              <a:buClr>
+                <a:srgbClr val="000000"/>
+              </a:buClr>
+              <a:buSzPts val="1100"/>
+              <a:buFont typeface="Arial"/>
+              <a:buNone/>
+              <a:tabLst/>
+              <a:defRPr/>
+            </a:pPr>
+            <a:endParaRPr lang="en-US" dirty="0"/>
           </a:p>
         </p:txBody>
       </p:sp>
@@ -1619,7 +4721,7 @@
 </p:notes>
 </file>
 
-<file path=ppt/notesSlides/notesSlide8.xml><?xml version="1.0" encoding="utf-8"?>
+<file path=ppt/notesSlides/notesSlide9.xml><?xml version="1.0" encoding="utf-8"?>
 <p:notes xmlns:a="http://schemas.openxmlformats.org/drawingml/2006/main" xmlns:r="http://schemas.openxmlformats.org/officeDocument/2006/relationships" xmlns:p="http://schemas.openxmlformats.org/presentationml/2006/main">
   <p:cSld>
     <p:spTree>
@@ -1646,7 +4748,12 @@
             <p:ph type="sldImg"/>
           </p:nvPr>
         </p:nvSpPr>
-        <p:spPr/>
+        <p:spPr>
+          <a:xfrm>
+            <a:off x="381000" y="685800"/>
+            <a:ext cx="6096000" cy="3429000"/>
+          </a:xfrm>
+        </p:spPr>
       </p:sp>
       <p:sp>
         <p:nvSpPr>
@@ -1663,6 +4770,17 @@
           <a:bodyPr/>
           <a:lstStyle/>
           <a:p>
+            <a:pPr marL="158750" indent="0">
+              <a:buNone/>
+            </a:pPr>
+            <a:r>
+              <a:rPr lang="en-US" dirty="0"/>
+              <a:t>Just US or </a:t>
+            </a:r>
+            <a:r>
+              <a:rPr lang="en-US"/>
+              <a:t>also Global? </a:t>
+            </a:r>
             <a:endParaRPr lang="en-US" dirty="0"/>
           </a:p>
         </p:txBody>
@@ -1670,113 +4788,9 @@
     </p:spTree>
     <p:extLst>
       <p:ext uri="{BB962C8B-B14F-4D97-AF65-F5344CB8AC3E}">
-        <p14:creationId xmlns:p14="http://schemas.microsoft.com/office/powerpoint/2010/main" val="1540490473"/>
+        <p14:creationId xmlns:p14="http://schemas.microsoft.com/office/powerpoint/2010/main" val="3410568046"/>
       </p:ext>
     </p:extLst>
-  </p:cSld>
-  <p:clrMapOvr>
-    <a:masterClrMapping/>
-  </p:clrMapOvr>
-</p:notes>
-</file>
-
-<file path=ppt/notesSlides/notesSlide9.xml><?xml version="1.0" encoding="utf-8"?>
-<p:notes xmlns:a="http://schemas.openxmlformats.org/drawingml/2006/main" xmlns:r="http://schemas.openxmlformats.org/officeDocument/2006/relationships" xmlns:p="http://schemas.openxmlformats.org/presentationml/2006/main" showMasterSp="0" showMasterPhAnim="0">
-  <p:cSld>
-    <p:spTree>
-      <p:nvGrpSpPr>
-        <p:cNvPr id="1" name="Shape 167"/>
-        <p:cNvGrpSpPr/>
-        <p:nvPr/>
-      </p:nvGrpSpPr>
-      <p:grpSpPr>
-        <a:xfrm>
-          <a:off x="0" y="0"/>
-          <a:ext cx="0" cy="0"/>
-          <a:chOff x="0" y="0"/>
-          <a:chExt cx="0" cy="0"/>
-        </a:xfrm>
-      </p:grpSpPr>
-      <p:sp>
-        <p:nvSpPr>
-          <p:cNvPr id="168" name="Google Shape;168;gfce27dc116_0_145:notes"/>
-          <p:cNvSpPr>
-            <a:spLocks noGrp="1" noRot="1" noChangeAspect="1"/>
-          </p:cNvSpPr>
-          <p:nvPr>
-            <p:ph type="sldImg" idx="2"/>
-          </p:nvPr>
-        </p:nvSpPr>
-        <p:spPr>
-          <a:xfrm>
-            <a:off x="381000" y="685800"/>
-            <a:ext cx="6096000" cy="3429000"/>
-          </a:xfrm>
-          <a:custGeom>
-            <a:avLst/>
-            <a:gdLst/>
-            <a:ahLst/>
-            <a:cxnLst/>
-            <a:rect l="l" t="t" r="r" b="b"/>
-            <a:pathLst>
-              <a:path w="120000" h="120000" extrusionOk="0">
-                <a:moveTo>
-                  <a:pt x="0" y="0"/>
-                </a:moveTo>
-                <a:lnTo>
-                  <a:pt x="120000" y="0"/>
-                </a:lnTo>
-                <a:lnTo>
-                  <a:pt x="120000" y="120000"/>
-                </a:lnTo>
-                <a:lnTo>
-                  <a:pt x="0" y="120000"/>
-                </a:lnTo>
-                <a:close/>
-              </a:path>
-            </a:pathLst>
-          </a:custGeom>
-        </p:spPr>
-      </p:sp>
-      <p:sp>
-        <p:nvSpPr>
-          <p:cNvPr id="169" name="Google Shape;169;gfce27dc116_0_145:notes"/>
-          <p:cNvSpPr txBox="1">
-            <a:spLocks noGrp="1"/>
-          </p:cNvSpPr>
-          <p:nvPr>
-            <p:ph type="body" idx="1"/>
-          </p:nvPr>
-        </p:nvSpPr>
-        <p:spPr>
-          <a:xfrm>
-            <a:off x="685800" y="4343400"/>
-            <a:ext cx="5486400" cy="4114800"/>
-          </a:xfrm>
-          <a:prstGeom prst="rect">
-            <a:avLst/>
-          </a:prstGeom>
-        </p:spPr>
-        <p:txBody>
-          <a:bodyPr spcFirstLastPara="1" wrap="square" lIns="91425" tIns="91425" rIns="91425" bIns="91425" anchor="t" anchorCtr="0">
-            <a:noAutofit/>
-          </a:bodyPr>
-          <a:lstStyle/>
-          <a:p>
-            <a:pPr marL="0" lvl="0" indent="0" algn="l" rtl="0">
-              <a:spcBef>
-                <a:spcPts val="0"/>
-              </a:spcBef>
-              <a:spcAft>
-                <a:spcPts val="0"/>
-              </a:spcAft>
-              <a:buNone/>
-            </a:pPr>
-            <a:endParaRPr/>
-          </a:p>
-        </p:txBody>
-      </p:sp>
-    </p:spTree>
   </p:cSld>
   <p:clrMapOvr>
     <a:masterClrMapping/>
@@ -10092,7 +13106,7 @@
         <p:spPr>
           <a:xfrm>
             <a:off x="60143" y="2320853"/>
-            <a:ext cx="4068104" cy="2977708"/>
+            <a:ext cx="4068104" cy="3139291"/>
           </a:xfrm>
           <a:prstGeom prst="rect">
             <a:avLst/>
@@ -10189,15 +13203,33 @@
                 <a:solidFill>
                   <a:schemeClr val="bg1"/>
                 </a:solidFill>
-                <a:effectLst/>
                 <a:latin typeface="+mn-lt"/>
                 <a:ea typeface="Calibri" panose="020F0502020204030204" pitchFamily="34" charset="0"/>
                 <a:cs typeface="Times New Roman" panose="02020603050405020304" pitchFamily="18" charset="0"/>
               </a:rPr>
-              <a:t>1 - Selected topic</a:t>
+              <a:t>1 – Title Slide</a:t>
             </a:r>
           </a:p>
           <a:p>
+            <a:pPr marL="0" marR="0">
+              <a:spcBef>
+                <a:spcPts val="0"/>
+              </a:spcBef>
+              <a:spcAft>
+                <a:spcPts val="0"/>
+              </a:spcAft>
+            </a:pPr>
+            <a:r>
+              <a:rPr lang="en-US" sz="1050" dirty="0">
+                <a:solidFill>
+                  <a:schemeClr val="bg1"/>
+                </a:solidFill>
+                <a:latin typeface="+mn-lt"/>
+                <a:ea typeface="Calibri" panose="020F0502020204030204" pitchFamily="34" charset="0"/>
+                <a:cs typeface="Times New Roman" panose="02020603050405020304" pitchFamily="18" charset="0"/>
+              </a:rPr>
+              <a:t>2</a:t>
+            </a:r>
             <a:r>
               <a:rPr lang="en-US" sz="1050" dirty="0">
                 <a:solidFill>
@@ -10208,7 +13240,65 @@
                 <a:ea typeface="Calibri" panose="020F0502020204030204" pitchFamily="34" charset="0"/>
                 <a:cs typeface="Times New Roman" panose="02020603050405020304" pitchFamily="18" charset="0"/>
               </a:rPr>
-              <a:t>1 - Questions the team hopes to answer with the data</a:t>
+              <a:t> - Selected topic</a:t>
+            </a:r>
+          </a:p>
+          <a:p>
+            <a:r>
+              <a:rPr lang="en-US" sz="1050" dirty="0">
+                <a:solidFill>
+                  <a:schemeClr val="bg1"/>
+                </a:solidFill>
+                <a:latin typeface="+mn-lt"/>
+                <a:ea typeface="Calibri" panose="020F0502020204030204" pitchFamily="34" charset="0"/>
+                <a:cs typeface="Times New Roman" panose="02020603050405020304" pitchFamily="18" charset="0"/>
+              </a:rPr>
+              <a:t>2</a:t>
+            </a:r>
+            <a:r>
+              <a:rPr lang="en-US" sz="1050" dirty="0">
+                <a:solidFill>
+                  <a:schemeClr val="bg1"/>
+                </a:solidFill>
+                <a:effectLst/>
+                <a:latin typeface="+mn-lt"/>
+                <a:ea typeface="Calibri" panose="020F0502020204030204" pitchFamily="34" charset="0"/>
+                <a:cs typeface="Times New Roman" panose="02020603050405020304" pitchFamily="18" charset="0"/>
+              </a:rPr>
+              <a:t> - Questions the team hopes to answer with the data</a:t>
+            </a:r>
+          </a:p>
+          <a:p>
+            <a:pPr marL="0" marR="0">
+              <a:spcBef>
+                <a:spcPts val="0"/>
+              </a:spcBef>
+              <a:spcAft>
+                <a:spcPts val="0"/>
+              </a:spcAft>
+            </a:pPr>
+            <a:r>
+              <a:rPr lang="en-US" sz="1050" dirty="0">
+                <a:solidFill>
+                  <a:schemeClr val="bg1"/>
+                </a:solidFill>
+                <a:latin typeface="+mn-lt"/>
+                <a:ea typeface="Calibri" panose="020F0502020204030204" pitchFamily="34" charset="0"/>
+                <a:cs typeface="Times New Roman" panose="02020603050405020304" pitchFamily="18" charset="0"/>
+              </a:rPr>
+              <a:t>3</a:t>
+            </a:r>
+            <a:r>
+              <a:rPr lang="en-US" sz="1050" dirty="0">
+                <a:solidFill>
+                  <a:schemeClr val="bg1"/>
+                </a:solidFill>
+                <a:effectLst/>
+                <a:latin typeface="+mn-lt"/>
+                <a:ea typeface="Calibri" panose="020F0502020204030204" pitchFamily="34" charset="0"/>
+                <a:cs typeface="Times New Roman" panose="02020603050405020304" pitchFamily="18" charset="0"/>
+              </a:rPr>
+              <a:t>-4 - Reason the topic was selected</a:t>
             </a:r>
           </a:p>
           <a:p>
@@ -10230,7 +13320,7 @@
                 <a:ea typeface="Calibri" panose="020F0502020204030204" pitchFamily="34" charset="0"/>
                 <a:cs typeface="Times New Roman" panose="02020603050405020304" pitchFamily="18" charset="0"/>
               </a:rPr>
-              <a:t>2 - Reason the topic was selected</a:t>
+              <a:t>5- Description of the source of data</a:t>
             </a:r>
           </a:p>
           <a:p>
@@ -10252,7 +13342,7 @@
                 <a:ea typeface="Calibri" panose="020F0502020204030204" pitchFamily="34" charset="0"/>
                 <a:cs typeface="Times New Roman" panose="02020603050405020304" pitchFamily="18" charset="0"/>
               </a:rPr>
-              <a:t>3 - Description of the source of data</a:t>
+              <a:t>6 - Description of the data exploration phase of the project</a:t>
             </a:r>
           </a:p>
           <a:p>
@@ -10274,7 +13364,7 @@
                 <a:ea typeface="Calibri" panose="020F0502020204030204" pitchFamily="34" charset="0"/>
                 <a:cs typeface="Times New Roman" panose="02020603050405020304" pitchFamily="18" charset="0"/>
               </a:rPr>
-              <a:t>4 - Description of the data exploration phase of the project</a:t>
+              <a:t>7 - Description of the analysis phase of the project</a:t>
             </a:r>
           </a:p>
           <a:p>
@@ -10296,7 +13386,7 @@
                 <a:ea typeface="Calibri" panose="020F0502020204030204" pitchFamily="34" charset="0"/>
                 <a:cs typeface="Times New Roman" panose="02020603050405020304" pitchFamily="18" charset="0"/>
               </a:rPr>
-              <a:t>5 - Description of the analysis phase of the project</a:t>
+              <a:t>8 - Technologies, languages, tools, and algorithms used throughout the project</a:t>
             </a:r>
           </a:p>
           <a:p>
@@ -10308,6 +13398,17 @@
                 <a:spcPts val="0"/>
               </a:spcAft>
             </a:pPr>
+            <a:r>
+              <a:rPr lang="en-US" sz="1050" dirty="0">
+                <a:solidFill>
+                  <a:schemeClr val="bg1"/>
+                </a:solidFill>
+                <a:latin typeface="+mn-lt"/>
+                <a:ea typeface="Calibri" panose="020F0502020204030204" pitchFamily="34" charset="0"/>
+                <a:cs typeface="Times New Roman" panose="02020603050405020304" pitchFamily="18" charset="0"/>
+              </a:rPr>
+              <a:t>9</a:t>
+            </a:r>
             <a:r>
               <a:rPr lang="en-US" sz="1050" dirty="0">
                 <a:solidFill>
@@ -10318,7 +13419,7 @@
                 <a:ea typeface="Calibri" panose="020F0502020204030204" pitchFamily="34" charset="0"/>
                 <a:cs typeface="Times New Roman" panose="02020603050405020304" pitchFamily="18" charset="0"/>
               </a:rPr>
-              <a:t>6 - Technologies, languages, tools, and algorithms used throughout the project</a:t>
+              <a:t> - Result of analysis</a:t>
             </a:r>
           </a:p>
           <a:p>
@@ -10330,6 +13431,17 @@
                 <a:spcPts val="0"/>
               </a:spcAft>
             </a:pPr>
+            <a:r>
+              <a:rPr lang="en-US" sz="1050" dirty="0">
+                <a:solidFill>
+                  <a:schemeClr val="bg1"/>
+                </a:solidFill>
+                <a:latin typeface="+mn-lt"/>
+                <a:ea typeface="Calibri" panose="020F0502020204030204" pitchFamily="34" charset="0"/>
+                <a:cs typeface="Times New Roman" panose="02020603050405020304" pitchFamily="18" charset="0"/>
+              </a:rPr>
+              <a:t>10</a:t>
+            </a:r>
             <a:r>
               <a:rPr lang="en-US" sz="1050" dirty="0">
                 <a:solidFill>
@@ -10340,7 +13452,7 @@
                 <a:ea typeface="Calibri" panose="020F0502020204030204" pitchFamily="34" charset="0"/>
                 <a:cs typeface="Times New Roman" panose="02020603050405020304" pitchFamily="18" charset="0"/>
               </a:rPr>
-              <a:t>7 - Result of analysis</a:t>
+              <a:t> - Recommendation for future analysis</a:t>
             </a:r>
           </a:p>
           <a:p>
@@ -10352,6 +13464,17 @@
                 <a:spcPts val="0"/>
               </a:spcAft>
             </a:pPr>
+            <a:r>
+              <a:rPr lang="en-US" sz="1050" dirty="0">
+                <a:solidFill>
+                  <a:schemeClr val="bg1"/>
+                </a:solidFill>
+                <a:latin typeface="+mn-lt"/>
+                <a:ea typeface="Calibri" panose="020F0502020204030204" pitchFamily="34" charset="0"/>
+                <a:cs typeface="Times New Roman" panose="02020603050405020304" pitchFamily="18" charset="0"/>
+              </a:rPr>
+              <a:t>11</a:t>
+            </a:r>
             <a:r>
               <a:rPr lang="en-US" sz="1050" dirty="0">
                 <a:solidFill>
@@ -10362,29 +13485,7 @@
                 <a:ea typeface="Calibri" panose="020F0502020204030204" pitchFamily="34" charset="0"/>
                 <a:cs typeface="Times New Roman" panose="02020603050405020304" pitchFamily="18" charset="0"/>
               </a:rPr>
-              <a:t>8 - Recommendation for future analysis</a:t>
-            </a:r>
-          </a:p>
-          <a:p>
-            <a:pPr marL="0" marR="0">
-              <a:spcBef>
-                <a:spcPts val="0"/>
-              </a:spcBef>
-              <a:spcAft>
-                <a:spcPts val="0"/>
-              </a:spcAft>
-            </a:pPr>
-            <a:r>
-              <a:rPr lang="en-US" sz="1050" dirty="0">
-                <a:solidFill>
-                  <a:schemeClr val="bg1"/>
-                </a:solidFill>
-                <a:effectLst/>
-                <a:latin typeface="+mn-lt"/>
-                <a:ea typeface="Calibri" panose="020F0502020204030204" pitchFamily="34" charset="0"/>
-                <a:cs typeface="Times New Roman" panose="02020603050405020304" pitchFamily="18" charset="0"/>
-              </a:rPr>
-              <a:t>9 - Anything the team would have done differently</a:t>
+              <a:t> - Anything the team would have done differently</a:t>
             </a:r>
           </a:p>
           <a:p>
@@ -10579,6 +13680,575 @@
 </file>
 
 <file path=ppt/slides/slide10.xml><?xml version="1.0" encoding="utf-8"?>
+<p:sld xmlns:a="http://schemas.openxmlformats.org/drawingml/2006/main" xmlns:r="http://schemas.openxmlformats.org/officeDocument/2006/relationships" xmlns:p="http://schemas.openxmlformats.org/presentationml/2006/main">
+  <p:cSld>
+    <p:spTree>
+      <p:nvGrpSpPr>
+        <p:cNvPr id="1" name=""/>
+        <p:cNvGrpSpPr/>
+        <p:nvPr/>
+      </p:nvGrpSpPr>
+      <p:grpSpPr>
+        <a:xfrm>
+          <a:off x="0" y="0"/>
+          <a:ext cx="0" cy="0"/>
+          <a:chOff x="0" y="0"/>
+          <a:chExt cx="0" cy="0"/>
+        </a:xfrm>
+      </p:grpSpPr>
+      <p:sp>
+        <p:nvSpPr>
+          <p:cNvPr id="2" name="Title 1">
+            <a:extLst>
+              <a:ext uri="{FF2B5EF4-FFF2-40B4-BE49-F238E27FC236}">
+                <a16:creationId xmlns:a16="http://schemas.microsoft.com/office/drawing/2014/main" id="{6A272A53-9024-45B7-9774-90F7F403D730}"/>
+              </a:ext>
+            </a:extLst>
+          </p:cNvPr>
+          <p:cNvSpPr>
+            <a:spLocks noGrp="1"/>
+          </p:cNvSpPr>
+          <p:nvPr>
+            <p:ph type="title"/>
+          </p:nvPr>
+        </p:nvSpPr>
+        <p:spPr/>
+        <p:txBody>
+          <a:bodyPr/>
+          <a:lstStyle/>
+          <a:p>
+            <a:endParaRPr lang="en-US"/>
+          </a:p>
+        </p:txBody>
+      </p:sp>
+      <p:sp>
+        <p:nvSpPr>
+          <p:cNvPr id="3" name="Text Placeholder 2">
+            <a:extLst>
+              <a:ext uri="{FF2B5EF4-FFF2-40B4-BE49-F238E27FC236}">
+                <a16:creationId xmlns:a16="http://schemas.microsoft.com/office/drawing/2014/main" id="{EB5FE695-0256-4476-908E-39A1D4CB930D}"/>
+              </a:ext>
+            </a:extLst>
+          </p:cNvPr>
+          <p:cNvSpPr>
+            <a:spLocks noGrp="1"/>
+          </p:cNvSpPr>
+          <p:nvPr>
+            <p:ph type="body" idx="1"/>
+          </p:nvPr>
+        </p:nvSpPr>
+        <p:spPr>
+          <a:xfrm>
+            <a:off x="1431061" y="1525978"/>
+            <a:ext cx="6771778" cy="2091544"/>
+          </a:xfrm>
+        </p:spPr>
+        <p:txBody>
+          <a:bodyPr/>
+          <a:lstStyle/>
+          <a:p>
+            <a:r>
+              <a:rPr lang="en-US" sz="1400" dirty="0">
+                <a:solidFill>
+                  <a:schemeClr val="bg1"/>
+                </a:solidFill>
+                <a:effectLst/>
+                <a:highlight>
+                  <a:srgbClr val="00FFFF"/>
+                </a:highlight>
+                <a:latin typeface="+mn-lt"/>
+                <a:ea typeface="Calibri" panose="020F0502020204030204" pitchFamily="34" charset="0"/>
+                <a:cs typeface="Times New Roman" panose="02020603050405020304" pitchFamily="18" charset="0"/>
+              </a:rPr>
+              <a:t>5 - Description of the analysis phase of the project</a:t>
+            </a:r>
+          </a:p>
+          <a:p>
+            <a:endParaRPr lang="en-US" dirty="0"/>
+          </a:p>
+        </p:txBody>
+      </p:sp>
+      <p:pic>
+        <p:nvPicPr>
+          <p:cNvPr id="1026" name="Picture 2">
+            <a:extLst>
+              <a:ext uri="{FF2B5EF4-FFF2-40B4-BE49-F238E27FC236}">
+                <a16:creationId xmlns:a16="http://schemas.microsoft.com/office/drawing/2014/main" id="{0C313D41-433F-4D59-A27F-F09CC7BBA048}"/>
+              </a:ext>
+            </a:extLst>
+          </p:cNvPr>
+          <p:cNvPicPr>
+            <a:picLocks noChangeAspect="1" noChangeArrowheads="1"/>
+          </p:cNvPicPr>
+          <p:nvPr/>
+        </p:nvPicPr>
+        <p:blipFill>
+          <a:blip r:embed="rId3">
+            <a:extLst>
+              <a:ext uri="{28A0092B-C50C-407E-A947-70E740481C1C}">
+                <a14:useLocalDpi xmlns:a14="http://schemas.microsoft.com/office/drawing/2010/main" val="0"/>
+              </a:ext>
+            </a:extLst>
+          </a:blip>
+          <a:srcRect/>
+          <a:stretch>
+            <a:fillRect/>
+          </a:stretch>
+        </p:blipFill>
+        <p:spPr bwMode="auto">
+          <a:xfrm>
+            <a:off x="1726723" y="2020738"/>
+            <a:ext cx="5690553" cy="3014802"/>
+          </a:xfrm>
+          <a:prstGeom prst="rect">
+            <a:avLst/>
+          </a:prstGeom>
+          <a:noFill/>
+          <a:extLst>
+            <a:ext uri="{909E8E84-426E-40DD-AFC4-6F175D3DCCD1}">
+              <a14:hiddenFill xmlns:a14="http://schemas.microsoft.com/office/drawing/2010/main">
+                <a:solidFill>
+                  <a:srgbClr val="FFFFFF"/>
+                </a:solidFill>
+              </a14:hiddenFill>
+            </a:ext>
+          </a:extLst>
+        </p:spPr>
+      </p:pic>
+    </p:spTree>
+    <p:extLst>
+      <p:ext uri="{BB962C8B-B14F-4D97-AF65-F5344CB8AC3E}">
+        <p14:creationId xmlns:p14="http://schemas.microsoft.com/office/powerpoint/2010/main" val="2332666801"/>
+      </p:ext>
+    </p:extLst>
+  </p:cSld>
+  <p:clrMapOvr>
+    <a:masterClrMapping/>
+  </p:clrMapOvr>
+</p:sld>
+</file>
+
+<file path=ppt/slides/slide11.xml><?xml version="1.0" encoding="utf-8"?>
+<p:sld xmlns:a="http://schemas.openxmlformats.org/drawingml/2006/main" xmlns:r="http://schemas.openxmlformats.org/officeDocument/2006/relationships" xmlns:p="http://schemas.openxmlformats.org/presentationml/2006/main">
+  <p:cSld>
+    <p:spTree>
+      <p:nvGrpSpPr>
+        <p:cNvPr id="1" name=""/>
+        <p:cNvGrpSpPr/>
+        <p:nvPr/>
+      </p:nvGrpSpPr>
+      <p:grpSpPr>
+        <a:xfrm>
+          <a:off x="0" y="0"/>
+          <a:ext cx="0" cy="0"/>
+          <a:chOff x="0" y="0"/>
+          <a:chExt cx="0" cy="0"/>
+        </a:xfrm>
+      </p:grpSpPr>
+      <p:sp>
+        <p:nvSpPr>
+          <p:cNvPr id="2" name="Title 1">
+            <a:extLst>
+              <a:ext uri="{FF2B5EF4-FFF2-40B4-BE49-F238E27FC236}">
+                <a16:creationId xmlns:a16="http://schemas.microsoft.com/office/drawing/2014/main" id="{EFAEDF6C-B940-4DBC-9CB3-7CF58FD1D127}"/>
+              </a:ext>
+            </a:extLst>
+          </p:cNvPr>
+          <p:cNvSpPr>
+            <a:spLocks noGrp="1"/>
+          </p:cNvSpPr>
+          <p:nvPr>
+            <p:ph type="title"/>
+          </p:nvPr>
+        </p:nvSpPr>
+        <p:spPr/>
+        <p:txBody>
+          <a:bodyPr/>
+          <a:lstStyle/>
+          <a:p>
+            <a:r>
+              <a:rPr lang="en-US" dirty="0"/>
+              <a:t>Technology</a:t>
+            </a:r>
+          </a:p>
+        </p:txBody>
+      </p:sp>
+      <p:sp>
+        <p:nvSpPr>
+          <p:cNvPr id="3" name="Text Placeholder 2">
+            <a:extLst>
+              <a:ext uri="{FF2B5EF4-FFF2-40B4-BE49-F238E27FC236}">
+                <a16:creationId xmlns:a16="http://schemas.microsoft.com/office/drawing/2014/main" id="{3DADFA7F-D26A-4821-8E37-7CF4E63374D1}"/>
+              </a:ext>
+            </a:extLst>
+          </p:cNvPr>
+          <p:cNvSpPr>
+            <a:spLocks noGrp="1"/>
+          </p:cNvSpPr>
+          <p:nvPr>
+            <p:ph type="body" idx="1"/>
+          </p:nvPr>
+        </p:nvSpPr>
+        <p:spPr>
+          <a:xfrm>
+            <a:off x="1297500" y="1567550"/>
+            <a:ext cx="7038900" cy="3182200"/>
+          </a:xfrm>
+        </p:spPr>
+        <p:txBody>
+          <a:bodyPr>
+            <a:normAutofit fontScale="92500" lnSpcReduction="20000"/>
+          </a:bodyPr>
+          <a:lstStyle/>
+          <a:p>
+            <a:r>
+              <a:rPr lang="en-US" sz="1400" dirty="0">
+                <a:solidFill>
+                  <a:schemeClr val="bg1"/>
+                </a:solidFill>
+                <a:effectLst/>
+                <a:highlight>
+                  <a:srgbClr val="00FFFF"/>
+                </a:highlight>
+                <a:latin typeface="+mn-lt"/>
+                <a:ea typeface="Calibri" panose="020F0502020204030204" pitchFamily="34" charset="0"/>
+                <a:cs typeface="Times New Roman" panose="02020603050405020304" pitchFamily="18" charset="0"/>
+              </a:rPr>
+              <a:t>6 - Technologies, languages, tools, and algorithms used throughout the project</a:t>
+            </a:r>
+          </a:p>
+          <a:p>
+            <a:endParaRPr lang="en-US" sz="1400" dirty="0">
+              <a:solidFill>
+                <a:schemeClr val="bg1"/>
+              </a:solidFill>
+              <a:highlight>
+                <a:srgbClr val="00FFFF"/>
+              </a:highlight>
+              <a:latin typeface="+mn-lt"/>
+              <a:ea typeface="Calibri" panose="020F0502020204030204" pitchFamily="34" charset="0"/>
+              <a:cs typeface="Times New Roman" panose="02020603050405020304" pitchFamily="18" charset="0"/>
+            </a:endParaRPr>
+          </a:p>
+          <a:p>
+            <a:pPr marL="146050" indent="0">
+              <a:buNone/>
+            </a:pPr>
+            <a:r>
+              <a:rPr lang="en-US" sz="1400" dirty="0">
+                <a:solidFill>
+                  <a:schemeClr val="bg1"/>
+                </a:solidFill>
+                <a:effectLst/>
+                <a:latin typeface="+mn-lt"/>
+                <a:ea typeface="Calibri" panose="020F0502020204030204" pitchFamily="34" charset="0"/>
+                <a:cs typeface="Times New Roman" panose="02020603050405020304" pitchFamily="18" charset="0"/>
+              </a:rPr>
+              <a:t>Database</a:t>
+            </a:r>
+          </a:p>
+          <a:p>
+            <a:pPr lvl="1"/>
+            <a:r>
+              <a:rPr lang="en-US" sz="1200" dirty="0">
+                <a:solidFill>
+                  <a:schemeClr val="bg1"/>
+                </a:solidFill>
+                <a:effectLst/>
+                <a:latin typeface="+mn-lt"/>
+                <a:ea typeface="Calibri" panose="020F0502020204030204" pitchFamily="34" charset="0"/>
+                <a:cs typeface="Times New Roman" panose="02020603050405020304" pitchFamily="18" charset="0"/>
+              </a:rPr>
+              <a:t>AWS for data storage</a:t>
+            </a:r>
+          </a:p>
+          <a:p>
+            <a:pPr lvl="1"/>
+            <a:r>
+              <a:rPr lang="en-US" sz="1200" dirty="0" err="1">
+                <a:solidFill>
+                  <a:schemeClr val="bg1"/>
+                </a:solidFill>
+                <a:effectLst/>
+                <a:latin typeface="+mn-lt"/>
+                <a:ea typeface="Calibri" panose="020F0502020204030204" pitchFamily="34" charset="0"/>
+                <a:cs typeface="Times New Roman" panose="02020603050405020304" pitchFamily="18" charset="0"/>
+              </a:rPr>
+              <a:t>PGAdmin</a:t>
+            </a:r>
+            <a:r>
+              <a:rPr lang="en-US" sz="1200" dirty="0">
+                <a:solidFill>
+                  <a:schemeClr val="bg1"/>
+                </a:solidFill>
+                <a:effectLst/>
+                <a:latin typeface="+mn-lt"/>
+                <a:ea typeface="Calibri" panose="020F0502020204030204" pitchFamily="34" charset="0"/>
+                <a:cs typeface="Times New Roman" panose="02020603050405020304" pitchFamily="18" charset="0"/>
+              </a:rPr>
+              <a:t> and PostgreSQL for data table generation and manipulation</a:t>
+            </a:r>
+          </a:p>
+          <a:p>
+            <a:pPr lvl="1"/>
+            <a:r>
+              <a:rPr lang="en-US" sz="1200" dirty="0">
+                <a:solidFill>
+                  <a:schemeClr val="bg1"/>
+                </a:solidFill>
+                <a:effectLst/>
+                <a:latin typeface="+mn-lt"/>
+                <a:ea typeface="Calibri" panose="020F0502020204030204" pitchFamily="34" charset="0"/>
+                <a:cs typeface="Times New Roman" panose="02020603050405020304" pitchFamily="18" charset="0"/>
+              </a:rPr>
+              <a:t>Google Collab Notebooks for cloud database connection</a:t>
+            </a:r>
+          </a:p>
+          <a:p>
+            <a:pPr marL="146050" indent="0">
+              <a:buNone/>
+            </a:pPr>
+            <a:r>
+              <a:rPr lang="en-US" sz="1400" dirty="0">
+                <a:solidFill>
+                  <a:schemeClr val="bg1"/>
+                </a:solidFill>
+                <a:effectLst/>
+                <a:latin typeface="+mn-lt"/>
+                <a:ea typeface="Calibri" panose="020F0502020204030204" pitchFamily="34" charset="0"/>
+                <a:cs typeface="Times New Roman" panose="02020603050405020304" pitchFamily="18" charset="0"/>
+              </a:rPr>
+              <a:t>Machine Learning</a:t>
+            </a:r>
+          </a:p>
+          <a:p>
+            <a:pPr lvl="1"/>
+            <a:r>
+              <a:rPr lang="en-US" sz="1200" dirty="0">
+                <a:solidFill>
+                  <a:schemeClr val="bg1"/>
+                </a:solidFill>
+                <a:effectLst/>
+                <a:latin typeface="+mn-lt"/>
+                <a:ea typeface="Calibri" panose="020F0502020204030204" pitchFamily="34" charset="0"/>
+                <a:cs typeface="Times New Roman" panose="02020603050405020304" pitchFamily="18" charset="0"/>
+              </a:rPr>
+              <a:t>Google Collab for machine learning model generation</a:t>
+            </a:r>
+          </a:p>
+          <a:p>
+            <a:pPr lvl="1"/>
+            <a:r>
+              <a:rPr lang="en-US" sz="1200" dirty="0">
+                <a:solidFill>
+                  <a:schemeClr val="bg1"/>
+                </a:solidFill>
+                <a:effectLst/>
+                <a:latin typeface="+mn-lt"/>
+                <a:ea typeface="Calibri" panose="020F0502020204030204" pitchFamily="34" charset="0"/>
+                <a:cs typeface="Times New Roman" panose="02020603050405020304" pitchFamily="18" charset="0"/>
+              </a:rPr>
+              <a:t>cv2 package for image analysis and preparation</a:t>
+            </a:r>
+          </a:p>
+          <a:p>
+            <a:pPr lvl="1"/>
+            <a:r>
+              <a:rPr lang="en-US" sz="1200" dirty="0">
+                <a:solidFill>
+                  <a:schemeClr val="bg1"/>
+                </a:solidFill>
+                <a:effectLst/>
+                <a:latin typeface="+mn-lt"/>
+                <a:ea typeface="Calibri" panose="020F0502020204030204" pitchFamily="34" charset="0"/>
+                <a:cs typeface="Times New Roman" panose="02020603050405020304" pitchFamily="18" charset="0"/>
+              </a:rPr>
+              <a:t>TensorFlow package for machine learning model generation</a:t>
+            </a:r>
+          </a:p>
+          <a:p>
+            <a:pPr marL="146050" indent="0">
+              <a:buNone/>
+            </a:pPr>
+            <a:r>
+              <a:rPr lang="en-US" sz="1400" dirty="0">
+                <a:solidFill>
+                  <a:schemeClr val="bg1"/>
+                </a:solidFill>
+                <a:effectLst/>
+                <a:latin typeface="+mn-lt"/>
+                <a:ea typeface="Calibri" panose="020F0502020204030204" pitchFamily="34" charset="0"/>
+                <a:cs typeface="Times New Roman" panose="02020603050405020304" pitchFamily="18" charset="0"/>
+              </a:rPr>
+              <a:t>Visualization Technologies</a:t>
+            </a:r>
+          </a:p>
+          <a:p>
+            <a:pPr lvl="1"/>
+            <a:r>
+              <a:rPr lang="en-US" sz="1200" dirty="0" err="1">
+                <a:solidFill>
+                  <a:schemeClr val="bg1"/>
+                </a:solidFill>
+                <a:effectLst/>
+                <a:latin typeface="+mn-lt"/>
+                <a:ea typeface="Calibri" panose="020F0502020204030204" pitchFamily="34" charset="0"/>
+                <a:cs typeface="Times New Roman" panose="02020603050405020304" pitchFamily="18" charset="0"/>
+              </a:rPr>
+              <a:t>hvplot</a:t>
+            </a:r>
+            <a:r>
+              <a:rPr lang="en-US" sz="1200" dirty="0">
+                <a:solidFill>
+                  <a:schemeClr val="bg1"/>
+                </a:solidFill>
+                <a:effectLst/>
+                <a:latin typeface="+mn-lt"/>
+                <a:ea typeface="Calibri" panose="020F0502020204030204" pitchFamily="34" charset="0"/>
+                <a:cs typeface="Times New Roman" panose="02020603050405020304" pitchFamily="18" charset="0"/>
+              </a:rPr>
+              <a:t>/</a:t>
+            </a:r>
+            <a:r>
+              <a:rPr lang="en-US" sz="1200" dirty="0" err="1">
+                <a:solidFill>
+                  <a:schemeClr val="bg1"/>
+                </a:solidFill>
+                <a:effectLst/>
+                <a:latin typeface="+mn-lt"/>
+                <a:ea typeface="Calibri" panose="020F0502020204030204" pitchFamily="34" charset="0"/>
+                <a:cs typeface="Times New Roman" panose="02020603050405020304" pitchFamily="18" charset="0"/>
+              </a:rPr>
+              <a:t>plotly</a:t>
+            </a:r>
+            <a:r>
+              <a:rPr lang="en-US" sz="1200" dirty="0">
+                <a:solidFill>
+                  <a:schemeClr val="bg1"/>
+                </a:solidFill>
+                <a:effectLst/>
+                <a:latin typeface="+mn-lt"/>
+                <a:ea typeface="Calibri" panose="020F0502020204030204" pitchFamily="34" charset="0"/>
+                <a:cs typeface="Times New Roman" panose="02020603050405020304" pitchFamily="18" charset="0"/>
+              </a:rPr>
+              <a:t> for visualizing the outputs of our classification model and results of our model</a:t>
+            </a:r>
+          </a:p>
+          <a:p>
+            <a:pPr lvl="1"/>
+            <a:r>
+              <a:rPr lang="en-US" sz="1200" dirty="0">
+                <a:solidFill>
+                  <a:schemeClr val="bg1"/>
+                </a:solidFill>
+                <a:effectLst/>
+                <a:latin typeface="+mn-lt"/>
+                <a:ea typeface="Calibri" panose="020F0502020204030204" pitchFamily="34" charset="0"/>
+                <a:cs typeface="Times New Roman" panose="02020603050405020304" pitchFamily="18" charset="0"/>
+              </a:rPr>
+              <a:t>Tableau Public for additional visualization support</a:t>
+            </a:r>
+          </a:p>
+          <a:p>
+            <a:pPr lvl="1"/>
+            <a:r>
+              <a:rPr lang="en-US" sz="1200" dirty="0">
+                <a:solidFill>
+                  <a:schemeClr val="bg1"/>
+                </a:solidFill>
+                <a:effectLst/>
+                <a:latin typeface="+mn-lt"/>
+                <a:ea typeface="Calibri" panose="020F0502020204030204" pitchFamily="34" charset="0"/>
+                <a:cs typeface="Times New Roman" panose="02020603050405020304" pitchFamily="18" charset="0"/>
+              </a:rPr>
+              <a:t>Heroku for hosting visualizations</a:t>
+            </a:r>
+          </a:p>
+          <a:p>
+            <a:pPr marL="146050" indent="0">
+              <a:buNone/>
+            </a:pPr>
+            <a:r>
+              <a:rPr lang="en-US" sz="1400" dirty="0">
+                <a:solidFill>
+                  <a:schemeClr val="bg1"/>
+                </a:solidFill>
+                <a:latin typeface="+mn-lt"/>
+                <a:ea typeface="Calibri" panose="020F0502020204030204" pitchFamily="34" charset="0"/>
+                <a:cs typeface="Times New Roman" panose="02020603050405020304" pitchFamily="18" charset="0"/>
+              </a:rPr>
+              <a:t>Other</a:t>
+            </a:r>
+          </a:p>
+          <a:p>
+            <a:pPr lvl="1"/>
+            <a:r>
+              <a:rPr lang="en-US" sz="1200" dirty="0">
+                <a:solidFill>
+                  <a:schemeClr val="bg1"/>
+                </a:solidFill>
+                <a:effectLst/>
+                <a:latin typeface="+mn-lt"/>
+                <a:ea typeface="Calibri" panose="020F0502020204030204" pitchFamily="34" charset="0"/>
+                <a:cs typeface="Times New Roman" panose="02020603050405020304" pitchFamily="18" charset="0"/>
+              </a:rPr>
+              <a:t>Flask for website Development</a:t>
+            </a:r>
+          </a:p>
+          <a:p>
+            <a:pPr lvl="1"/>
+            <a:r>
+              <a:rPr lang="en-US" sz="1200" dirty="0">
+                <a:solidFill>
+                  <a:schemeClr val="bg1"/>
+                </a:solidFill>
+                <a:latin typeface="+mn-lt"/>
+                <a:ea typeface="Calibri" panose="020F0502020204030204" pitchFamily="34" charset="0"/>
+                <a:cs typeface="Times New Roman" panose="02020603050405020304" pitchFamily="18" charset="0"/>
+              </a:rPr>
+              <a:t>VS Code and Spyder for coding</a:t>
+            </a:r>
+            <a:endParaRPr lang="en-US" sz="1200" dirty="0">
+              <a:solidFill>
+                <a:schemeClr val="bg1"/>
+              </a:solidFill>
+              <a:effectLst/>
+              <a:latin typeface="+mn-lt"/>
+              <a:ea typeface="Calibri" panose="020F0502020204030204" pitchFamily="34" charset="0"/>
+              <a:cs typeface="Times New Roman" panose="02020603050405020304" pitchFamily="18" charset="0"/>
+            </a:endParaRPr>
+          </a:p>
+          <a:p>
+            <a:pPr lvl="1"/>
+            <a:endParaRPr lang="en-US" sz="1200" dirty="0">
+              <a:solidFill>
+                <a:schemeClr val="bg1"/>
+              </a:solidFill>
+              <a:effectLst/>
+              <a:latin typeface="+mn-lt"/>
+              <a:ea typeface="Calibri" panose="020F0502020204030204" pitchFamily="34" charset="0"/>
+              <a:cs typeface="Times New Roman" panose="02020603050405020304" pitchFamily="18" charset="0"/>
+            </a:endParaRPr>
+          </a:p>
+          <a:p>
+            <a:endParaRPr lang="en-US" dirty="0"/>
+          </a:p>
+        </p:txBody>
+      </p:sp>
+    </p:spTree>
+    <p:extLst>
+      <p:ext uri="{BB962C8B-B14F-4D97-AF65-F5344CB8AC3E}">
+        <p14:creationId xmlns:p14="http://schemas.microsoft.com/office/powerpoint/2010/main" val="556788932"/>
+      </p:ext>
+    </p:extLst>
+  </p:cSld>
+  <p:clrMapOvr>
+    <a:masterClrMapping/>
+  </p:clrMapOvr>
+</p:sld>
+</file>
+
+<file path=ppt/slides/slide12.xml><?xml version="1.0" encoding="utf-8"?>
 <p:sld xmlns:a="http://schemas.openxmlformats.org/drawingml/2006/main" xmlns:r="http://schemas.openxmlformats.org/officeDocument/2006/relationships" xmlns:p="http://schemas.openxmlformats.org/presentationml/2006/main">
   <p:cSld>
     <p:spTree>
@@ -10616,7 +14286,10 @@
           <a:bodyPr/>
           <a:lstStyle/>
           <a:p>
-            <a:endParaRPr lang="en-US"/>
+            <a:r>
+              <a:rPr lang="en-US" dirty="0"/>
+              <a:t>Results</a:t>
+            </a:r>
           </a:p>
         </p:txBody>
       </p:sp>
@@ -10647,17 +14320,73 @@
                   <a:schemeClr val="bg1"/>
                 </a:solidFill>
                 <a:effectLst/>
-                <a:highlight>
-                  <a:srgbClr val="00FFFF"/>
-                </a:highlight>
                 <a:latin typeface="+mn-lt"/>
                 <a:ea typeface="Calibri" panose="020F0502020204030204" pitchFamily="34" charset="0"/>
                 <a:cs typeface="Times New Roman" panose="02020603050405020304" pitchFamily="18" charset="0"/>
               </a:rPr>
-              <a:t>7 - Result of analysis</a:t>
+              <a:t>Model accuracy: (insert Model charts here)</a:t>
             </a:r>
           </a:p>
           <a:p>
+            <a:pPr marL="146050" indent="0">
+              <a:buNone/>
+            </a:pPr>
+            <a:endParaRPr lang="en-US" sz="1400" dirty="0">
+              <a:solidFill>
+                <a:schemeClr val="bg1"/>
+              </a:solidFill>
+              <a:effectLst/>
+              <a:latin typeface="+mn-lt"/>
+              <a:ea typeface="Calibri" panose="020F0502020204030204" pitchFamily="34" charset="0"/>
+              <a:cs typeface="Times New Roman" panose="02020603050405020304" pitchFamily="18" charset="0"/>
+            </a:endParaRPr>
+          </a:p>
+          <a:p>
+            <a:endParaRPr lang="en-US" sz="1400" dirty="0">
+              <a:solidFill>
+                <a:schemeClr val="bg1"/>
+              </a:solidFill>
+              <a:latin typeface="+mn-lt"/>
+              <a:ea typeface="Calibri" panose="020F0502020204030204" pitchFamily="34" charset="0"/>
+              <a:cs typeface="Times New Roman" panose="02020603050405020304" pitchFamily="18" charset="0"/>
+            </a:endParaRPr>
+          </a:p>
+          <a:p>
+            <a:r>
+              <a:rPr lang="en-US" sz="1400" dirty="0">
+                <a:solidFill>
+                  <a:schemeClr val="bg1"/>
+                </a:solidFill>
+                <a:effectLst/>
+                <a:latin typeface="+mn-lt"/>
+                <a:ea typeface="Calibri" panose="020F0502020204030204" pitchFamily="34" charset="0"/>
+                <a:cs typeface="Times New Roman" panose="02020603050405020304" pitchFamily="18" charset="0"/>
+              </a:rPr>
+              <a:t>Website Demo: </a:t>
+            </a:r>
+            <a:r>
+              <a:rPr lang="en-US" sz="1400" dirty="0">
+                <a:solidFill>
+                  <a:schemeClr val="bg1"/>
+                </a:solidFill>
+                <a:latin typeface="+mn-lt"/>
+                <a:ea typeface="Calibri" panose="020F0502020204030204" pitchFamily="34" charset="0"/>
+                <a:cs typeface="Times New Roman" panose="02020603050405020304" pitchFamily="18" charset="0"/>
+              </a:rPr>
+              <a:t>(</a:t>
+            </a:r>
+            <a:r>
+              <a:rPr lang="en-US" sz="1400" dirty="0">
+                <a:solidFill>
+                  <a:schemeClr val="bg1"/>
+                </a:solidFill>
+                <a:effectLst/>
+                <a:latin typeface="+mn-lt"/>
+                <a:ea typeface="Calibri" panose="020F0502020204030204" pitchFamily="34" charset="0"/>
+                <a:cs typeface="Times New Roman" panose="02020603050405020304" pitchFamily="18" charset="0"/>
+              </a:rPr>
+              <a:t>insert link here)</a:t>
+            </a:r>
             <a:endParaRPr lang="en-US" dirty="0"/>
           </a:p>
         </p:txBody>
@@ -10675,7 +14404,7 @@
 </p:sld>
 </file>
 
-<file path=ppt/slides/slide11.xml><?xml version="1.0" encoding="utf-8"?>
+<file path=ppt/slides/slide13.xml><?xml version="1.0" encoding="utf-8"?>
 <p:sld xmlns:a="http://schemas.openxmlformats.org/drawingml/2006/main" xmlns:r="http://schemas.openxmlformats.org/officeDocument/2006/relationships" xmlns:p="http://schemas.openxmlformats.org/presentationml/2006/main">
   <p:cSld>
     <p:spTree>
@@ -10835,6 +14564,29 @@
               <a:rPr lang="en" dirty="0"/>
               <a:t>Building the ability to upload and analyze multi images at a time</a:t>
             </a:r>
+          </a:p>
+          <a:p>
+            <a:pPr marL="0" lvl="0" indent="0" algn="l" rtl="0">
+              <a:spcBef>
+                <a:spcPts val="1200"/>
+              </a:spcBef>
+              <a:spcAft>
+                <a:spcPts val="1200"/>
+              </a:spcAft>
+              <a:buNone/>
+            </a:pPr>
+            <a:endParaRPr lang="en" dirty="0"/>
+          </a:p>
+          <a:p>
+            <a:pPr marL="0" lvl="0" indent="0" algn="l" rtl="0">
+              <a:spcBef>
+                <a:spcPts val="1200"/>
+              </a:spcBef>
+              <a:spcAft>
+                <a:spcPts val="1200"/>
+              </a:spcAft>
+              <a:buNone/>
+            </a:pPr>
             <a:endParaRPr dirty="0"/>
           </a:p>
         </p:txBody>
@@ -10847,7 +14599,7 @@
 </p:sld>
 </file>
 
-<file path=ppt/slides/slide12.xml><?xml version="1.0" encoding="utf-8"?>
+<file path=ppt/slides/slide14.xml><?xml version="1.0" encoding="utf-8"?>
 <p:sld xmlns:a="http://schemas.openxmlformats.org/drawingml/2006/main" xmlns:r="http://schemas.openxmlformats.org/officeDocument/2006/relationships" xmlns:p="http://schemas.openxmlformats.org/presentationml/2006/main">
   <p:cSld>
     <p:spTree>
@@ -10996,10 +14748,10 @@
               <a:buNone/>
             </a:pPr>
             <a:r>
-              <a:rPr lang="en"/>
-              <a:t>Pneumonia </a:t>
+              <a:rPr lang="en" dirty="0"/>
+              <a:t>Pneumonia Image </a:t>
             </a:r>
-            <a:endParaRPr/>
+            <a:endParaRPr dirty="0"/>
           </a:p>
           <a:p>
             <a:pPr marL="0" lvl="0" indent="0" algn="l" rtl="0">
@@ -11012,10 +14764,10 @@
               <a:buNone/>
             </a:pPr>
             <a:r>
-              <a:rPr lang="en"/>
+              <a:rPr lang="en" dirty="0"/>
               <a:t>				Analysis</a:t>
             </a:r>
-            <a:endParaRPr/>
+            <a:endParaRPr dirty="0"/>
           </a:p>
         </p:txBody>
       </p:sp>
@@ -11031,8 +14783,8 @@
         </p:nvSpPr>
         <p:spPr>
           <a:xfrm>
-            <a:off x="5083950" y="3924925"/>
-            <a:ext cx="3470700" cy="506100"/>
+            <a:off x="5083950" y="3924924"/>
+            <a:ext cx="3470700" cy="883049"/>
           </a:xfrm>
           <a:prstGeom prst="rect">
             <a:avLst/>
@@ -11054,10 +14806,45 @@
               <a:buNone/>
             </a:pPr>
             <a:r>
-              <a:rPr lang="en"/>
-              <a:t>To sneeze or not to sneeze</a:t>
+              <a:rPr lang="en" dirty="0"/>
+              <a:t>To sneeze or not to Sneeze</a:t>
             </a:r>
-            <a:endParaRPr/>
+          </a:p>
+          <a:p>
+            <a:pPr marL="0" lvl="0" indent="0" algn="l" rtl="0">
+              <a:spcBef>
+                <a:spcPts val="0"/>
+              </a:spcBef>
+              <a:spcAft>
+                <a:spcPts val="0"/>
+              </a:spcAft>
+              <a:buNone/>
+            </a:pPr>
+            <a:endParaRPr lang="en" dirty="0"/>
+          </a:p>
+          <a:p>
+            <a:pPr marL="0" lvl="0" indent="0" algn="l" rtl="0">
+              <a:spcBef>
+                <a:spcPts val="0"/>
+              </a:spcBef>
+              <a:spcAft>
+                <a:spcPts val="0"/>
+              </a:spcAft>
+              <a:buNone/>
+            </a:pPr>
+            <a:r>
+              <a:rPr lang="en" dirty="0"/>
+              <a:t>Nothi</a:t>
+            </a:r>
+            <a:r>
+              <a:rPr lang="en-US" dirty="0"/>
+              <a:t>ng</a:t>
+            </a:r>
+            <a:r>
+              <a:rPr lang="en" dirty="0"/>
+              <a:t> to Sneeze at</a:t>
+            </a:r>
+            <a:endParaRPr dirty="0"/>
           </a:p>
         </p:txBody>
       </p:sp>
@@ -11122,7 +14909,7 @@
             </a:pPr>
             <a:r>
               <a:rPr lang="en" dirty="0"/>
-              <a:t>Overview</a:t>
+              <a:t>Overview: Pneumonia Image Analysis</a:t>
             </a:r>
             <a:endParaRPr dirty="0"/>
           </a:p>
@@ -11140,8 +14927,8 @@
         </p:nvSpPr>
         <p:spPr>
           <a:xfrm>
-            <a:off x="1297500" y="1567550"/>
-            <a:ext cx="7038900" cy="2911200"/>
+            <a:off x="299884" y="1518388"/>
+            <a:ext cx="8544232" cy="3505895"/>
           </a:xfrm>
           <a:prstGeom prst="rect">
             <a:avLst/>
@@ -11153,46 +14940,146 @@
           </a:bodyPr>
           <a:lstStyle/>
           <a:p>
-            <a:pPr marL="0" marR="0">
-              <a:spcBef>
-                <a:spcPts val="0"/>
-              </a:spcBef>
-              <a:spcAft>
-                <a:spcPts val="0"/>
-              </a:spcAft>
+            <a:pPr marL="146050" indent="0" algn="l">
+              <a:buNone/>
             </a:pPr>
             <a:r>
-              <a:rPr lang="en-US" sz="1400" dirty="0">
+              <a:rPr lang="en-US" sz="2000" b="0" i="0" dirty="0">
                 <a:solidFill>
                   <a:schemeClr val="bg1"/>
                 </a:solidFill>
                 <a:effectLst/>
-                <a:highlight>
-                  <a:srgbClr val="00FFFF"/>
-                </a:highlight>
                 <a:latin typeface="+mn-lt"/>
-                <a:ea typeface="Calibri" panose="020F0502020204030204" pitchFamily="34" charset="0"/>
-                <a:cs typeface="Times New Roman" panose="02020603050405020304" pitchFamily="18" charset="0"/>
               </a:rPr>
-              <a:t>1 - Selected topic</a:t>
+              <a:t>Goals:</a:t>
             </a:r>
           </a:p>
           <a:p>
+            <a:pPr marL="146050" indent="0" algn="l">
+              <a:buNone/>
+            </a:pPr>
+            <a:endParaRPr lang="en-US" sz="1600" b="0" i="0" dirty="0">
+              <a:solidFill>
+                <a:schemeClr val="bg1"/>
+              </a:solidFill>
+              <a:effectLst/>
+              <a:latin typeface="+mn-lt"/>
+            </a:endParaRPr>
+          </a:p>
+          <a:p>
+            <a:pPr algn="l">
+              <a:buFont typeface="Arial" panose="020B0604020202020204" pitchFamily="34" charset="0"/>
+              <a:buChar char="•"/>
+            </a:pPr>
             <a:r>
-              <a:rPr lang="en-US" sz="1400" dirty="0">
+              <a:rPr lang="en-US" sz="1600" b="0" i="0" dirty="0">
                 <a:solidFill>
                   <a:schemeClr val="bg1"/>
                 </a:solidFill>
                 <a:effectLst/>
-                <a:highlight>
-                  <a:srgbClr val="00FFFF"/>
-                </a:highlight>
                 <a:latin typeface="+mn-lt"/>
-                <a:ea typeface="Calibri" panose="020F0502020204030204" pitchFamily="34" charset="0"/>
-                <a:cs typeface="Times New Roman" panose="02020603050405020304" pitchFamily="18" charset="0"/>
               </a:rPr>
-              <a:t>1 - Questions the team hopes to answer with the data</a:t>
+              <a:t>Build a machine learning model to find distinct differences in chest x-ray images and accurately classify them as pneumonia or normal</a:t>
             </a:r>
+            <a:endParaRPr lang="en-US" sz="1600" dirty="0">
+              <a:solidFill>
+                <a:schemeClr val="bg1"/>
+              </a:solidFill>
+              <a:latin typeface="+mn-lt"/>
+            </a:endParaRPr>
+          </a:p>
+          <a:p>
+            <a:pPr>
+              <a:buFont typeface="Arial" panose="020B0604020202020204" pitchFamily="34" charset="0"/>
+              <a:buChar char="•"/>
+            </a:pPr>
+            <a:endParaRPr lang="en-US" sz="1600" dirty="0">
+              <a:solidFill>
+                <a:schemeClr val="bg1"/>
+              </a:solidFill>
+              <a:latin typeface="+mn-lt"/>
+            </a:endParaRPr>
+          </a:p>
+          <a:p>
+            <a:pPr>
+              <a:buFont typeface="Arial" panose="020B0604020202020204" pitchFamily="34" charset="0"/>
+              <a:buChar char="•"/>
+            </a:pPr>
+            <a:r>
+              <a:rPr lang="en-US" sz="1600" dirty="0">
+                <a:solidFill>
+                  <a:schemeClr val="bg1"/>
+                </a:solidFill>
+                <a:latin typeface="+mn-lt"/>
+              </a:rPr>
+              <a:t>Build a site where images can be uploaded and processed by our model and the results displayed for users to review</a:t>
+            </a:r>
+          </a:p>
+          <a:p>
+            <a:pPr marL="146050" indent="0">
+              <a:buNone/>
+            </a:pPr>
+            <a:endParaRPr lang="en-US" sz="1600" dirty="0">
+              <a:solidFill>
+                <a:schemeClr val="bg1"/>
+              </a:solidFill>
+              <a:latin typeface="+mn-lt"/>
+            </a:endParaRPr>
+          </a:p>
+          <a:p>
+            <a:pPr>
+              <a:buFont typeface="Arial" panose="020B0604020202020204" pitchFamily="34" charset="0"/>
+              <a:buChar char="•"/>
+            </a:pPr>
+            <a:r>
+              <a:rPr lang="en-US" sz="1600" dirty="0">
+                <a:solidFill>
+                  <a:schemeClr val="bg1"/>
+                </a:solidFill>
+                <a:latin typeface="+mn-lt"/>
+              </a:rPr>
+              <a:t>Provide a resource for doctors to speed up the interpretation of x-ray images</a:t>
+            </a:r>
+          </a:p>
+          <a:p>
+            <a:pPr>
+              <a:buFont typeface="Arial" panose="020B0604020202020204" pitchFamily="34" charset="0"/>
+              <a:buChar char="•"/>
+            </a:pPr>
+            <a:endParaRPr lang="en-US" sz="1600" dirty="0">
+              <a:solidFill>
+                <a:schemeClr val="bg1"/>
+              </a:solidFill>
+              <a:latin typeface="+mn-lt"/>
+            </a:endParaRPr>
+          </a:p>
+          <a:p>
+            <a:pPr>
+              <a:buFont typeface="Arial" panose="020B0604020202020204" pitchFamily="34" charset="0"/>
+              <a:buChar char="•"/>
+            </a:pPr>
+            <a:r>
+              <a:rPr lang="en-US" sz="1600" dirty="0">
+                <a:solidFill>
+                  <a:schemeClr val="bg1"/>
+                </a:solidFill>
+                <a:latin typeface="+mn-lt"/>
+              </a:rPr>
+              <a:t>Provide additional background information and context around the impact of Pneumonia </a:t>
+            </a:r>
+          </a:p>
+          <a:p>
+            <a:pPr algn="l">
+              <a:buFont typeface="Arial" panose="020B0604020202020204" pitchFamily="34" charset="0"/>
+              <a:buChar char="•"/>
+            </a:pPr>
+            <a:endParaRPr lang="en-US" sz="1600" b="0" i="0" dirty="0">
+              <a:solidFill>
+                <a:schemeClr val="bg1"/>
+              </a:solidFill>
+              <a:effectLst/>
+              <a:latin typeface="+mn-lt"/>
+            </a:endParaRPr>
           </a:p>
           <a:p>
             <a:pPr marL="0" lvl="0" indent="0" algn="l" rtl="0">
@@ -11269,69 +15156,8 @@
             </a:pPr>
             <a:r>
               <a:rPr lang="en" dirty="0"/>
-              <a:t>Pneumonia Statistics</a:t>
+              <a:t>Why Pneumonia – Global Statistics</a:t>
             </a:r>
-            <a:endParaRPr dirty="0"/>
-          </a:p>
-        </p:txBody>
-      </p:sp>
-      <p:sp>
-        <p:nvSpPr>
-          <p:cNvPr id="154" name="Google Shape;154;p16"/>
-          <p:cNvSpPr txBox="1">
-            <a:spLocks noGrp="1"/>
-          </p:cNvSpPr>
-          <p:nvPr>
-            <p:ph type="body" idx="1"/>
-          </p:nvPr>
-        </p:nvSpPr>
-        <p:spPr>
-          <a:xfrm>
-            <a:off x="1297500" y="924451"/>
-            <a:ext cx="7038900" cy="2911200"/>
-          </a:xfrm>
-          <a:prstGeom prst="rect">
-            <a:avLst/>
-          </a:prstGeom>
-        </p:spPr>
-        <p:txBody>
-          <a:bodyPr spcFirstLastPara="1" wrap="square" lIns="91425" tIns="91425" rIns="91425" bIns="91425" anchor="t" anchorCtr="0">
-            <a:normAutofit/>
-          </a:bodyPr>
-          <a:lstStyle/>
-          <a:p>
-            <a:pPr marL="0" indent="0">
-              <a:spcAft>
-                <a:spcPts val="1200"/>
-              </a:spcAft>
-              <a:buNone/>
-            </a:pPr>
-            <a:r>
-              <a:rPr lang="en-US" sz="1400" dirty="0">
-                <a:solidFill>
-                  <a:schemeClr val="bg1"/>
-                </a:solidFill>
-                <a:effectLst/>
-                <a:highlight>
-                  <a:srgbClr val="00FFFF"/>
-                </a:highlight>
-                <a:latin typeface="+mn-lt"/>
-                <a:ea typeface="Calibri" panose="020F0502020204030204" pitchFamily="34" charset="0"/>
-                <a:cs typeface="Times New Roman" panose="02020603050405020304" pitchFamily="18" charset="0"/>
-              </a:rPr>
-              <a:t>2 - Reason the topic was selected</a:t>
-            </a:r>
-          </a:p>
-          <a:p>
-            <a:pPr marL="0" lvl="0" indent="0" algn="l" rtl="0">
-              <a:spcBef>
-                <a:spcPts val="0"/>
-              </a:spcBef>
-              <a:spcAft>
-                <a:spcPts val="1200"/>
-              </a:spcAft>
-              <a:buNone/>
-            </a:pPr>
             <a:endParaRPr dirty="0"/>
           </a:p>
         </p:txBody>
@@ -11358,14 +15184,109 @@
         </p:blipFill>
         <p:spPr>
           <a:xfrm>
-            <a:off x="1116107" y="1392880"/>
-            <a:ext cx="7362264" cy="3480343"/>
+            <a:off x="2979174" y="1628855"/>
+            <a:ext cx="5538526" cy="2618212"/>
           </a:xfrm>
           <a:prstGeom prst="rect">
             <a:avLst/>
           </a:prstGeom>
         </p:spPr>
       </p:pic>
+      <p:sp>
+        <p:nvSpPr>
+          <p:cNvPr id="9" name="TextBox 8">
+            <a:extLst>
+              <a:ext uri="{FF2B5EF4-FFF2-40B4-BE49-F238E27FC236}">
+                <a16:creationId xmlns:a16="http://schemas.microsoft.com/office/drawing/2014/main" id="{0E844957-F0C2-40EA-8F94-C0D0FB513402}"/>
+              </a:ext>
+            </a:extLst>
+          </p:cNvPr>
+          <p:cNvSpPr txBox="1"/>
+          <p:nvPr/>
+        </p:nvSpPr>
+        <p:spPr>
+          <a:xfrm>
+            <a:off x="447367" y="1700357"/>
+            <a:ext cx="1991033" cy="2246769"/>
+          </a:xfrm>
+          <a:prstGeom prst="rect">
+            <a:avLst/>
+          </a:prstGeom>
+          <a:noFill/>
+        </p:spPr>
+        <p:txBody>
+          <a:bodyPr wrap="square">
+            <a:spAutoFit/>
+          </a:bodyPr>
+          <a:lstStyle/>
+          <a:p>
+            <a:r>
+              <a:rPr lang="en-US" dirty="0">
+                <a:solidFill>
+                  <a:schemeClr val="bg1"/>
+                </a:solidFill>
+              </a:rPr>
+              <a:t>Globally, Pneumonia accounts for more than 15% of all deaths of Children under 5</a:t>
+            </a:r>
+          </a:p>
+          <a:p>
+            <a:endParaRPr lang="en-US" dirty="0">
+              <a:solidFill>
+                <a:schemeClr val="bg1"/>
+              </a:solidFill>
+            </a:endParaRPr>
+          </a:p>
+          <a:p>
+            <a:r>
+              <a:rPr lang="en-US" dirty="0">
+                <a:solidFill>
+                  <a:schemeClr val="bg1"/>
+                </a:solidFill>
+              </a:rPr>
+              <a:t>Kills more children younger than 5 years old each year than any other infectious disease</a:t>
+            </a:r>
+          </a:p>
+        </p:txBody>
+      </p:sp>
+      <p:sp>
+        <p:nvSpPr>
+          <p:cNvPr id="7" name="TextBox 6">
+            <a:extLst>
+              <a:ext uri="{FF2B5EF4-FFF2-40B4-BE49-F238E27FC236}">
+                <a16:creationId xmlns:a16="http://schemas.microsoft.com/office/drawing/2014/main" id="{5B0EB738-2FFF-4078-899B-4E9BCE783A18}"/>
+              </a:ext>
+            </a:extLst>
+          </p:cNvPr>
+          <p:cNvSpPr txBox="1"/>
+          <p:nvPr/>
+        </p:nvSpPr>
+        <p:spPr>
+          <a:xfrm>
+            <a:off x="3913239" y="4463845"/>
+            <a:ext cx="4423161" cy="307777"/>
+          </a:xfrm>
+          <a:prstGeom prst="rect">
+            <a:avLst/>
+          </a:prstGeom>
+          <a:noFill/>
+        </p:spPr>
+        <p:txBody>
+          <a:bodyPr wrap="square" rtlCol="0">
+            <a:spAutoFit/>
+          </a:bodyPr>
+          <a:lstStyle/>
+          <a:p>
+            <a:r>
+              <a:rPr lang="en-US" dirty="0">
+                <a:highlight>
+                  <a:srgbClr val="00FFFF"/>
+                </a:highlight>
+              </a:rPr>
+              <a:t>Replace this chart with global chart once created</a:t>
+            </a:r>
+          </a:p>
+        </p:txBody>
+      </p:sp>
     </p:spTree>
   </p:cSld>
   <p:clrMapOvr>
@@ -11391,12 +15312,160 @@
           <a:chExt cx="0" cy="0"/>
         </a:xfrm>
       </p:grpSpPr>
+      <p:graphicFrame>
+        <p:nvGraphicFramePr>
+          <p:cNvPr id="6" name="Chart 5">
+            <a:extLst>
+              <a:ext uri="{FF2B5EF4-FFF2-40B4-BE49-F238E27FC236}">
+                <a16:creationId xmlns:a16="http://schemas.microsoft.com/office/drawing/2014/main" id="{11C4C547-5C6A-46DF-95EB-BE124D116672}"/>
+              </a:ext>
+            </a:extLst>
+          </p:cNvPr>
+          <p:cNvGraphicFramePr/>
+          <p:nvPr>
+            <p:extLst>
+              <p:ext uri="{D42A27DB-BD31-4B8C-83A1-F6EECF244321}">
+                <p14:modId xmlns:p14="http://schemas.microsoft.com/office/powerpoint/2010/main" val="2589108185"/>
+              </p:ext>
+            </p:extLst>
+          </p:nvPr>
+        </p:nvGraphicFramePr>
+        <p:xfrm>
+          <a:off x="245806" y="1682179"/>
+          <a:ext cx="6263149" cy="2794615"/>
+        </p:xfrm>
+        <a:graphic>
+          <a:graphicData uri="http://schemas.openxmlformats.org/drawingml/2006/chart">
+            <c:chart xmlns:c="http://schemas.openxmlformats.org/drawingml/2006/chart" xmlns:r="http://schemas.openxmlformats.org/officeDocument/2006/relationships" r:id="rId3"/>
+          </a:graphicData>
+        </a:graphic>
+      </p:graphicFrame>
       <p:sp>
         <p:nvSpPr>
-          <p:cNvPr id="2" name="Title 1">
+          <p:cNvPr id="7" name="TextBox 6">
             <a:extLst>
               <a:ext uri="{FF2B5EF4-FFF2-40B4-BE49-F238E27FC236}">
-                <a16:creationId xmlns:a16="http://schemas.microsoft.com/office/drawing/2014/main" id="{82197849-92E3-4B31-A638-50AD8E86E507}"/>
+                <a16:creationId xmlns:a16="http://schemas.microsoft.com/office/drawing/2014/main" id="{19E50DD5-FB8C-4F70-AAE5-4F0283D3E713}"/>
+              </a:ext>
+            </a:extLst>
+          </p:cNvPr>
+          <p:cNvSpPr txBox="1"/>
+          <p:nvPr/>
+        </p:nvSpPr>
+        <p:spPr>
+          <a:xfrm>
+            <a:off x="1296644" y="1074520"/>
+            <a:ext cx="7678994" cy="523220"/>
+          </a:xfrm>
+          <a:prstGeom prst="rect">
+            <a:avLst/>
+          </a:prstGeom>
+          <a:noFill/>
+        </p:spPr>
+        <p:txBody>
+          <a:bodyPr wrap="square" rtlCol="0">
+            <a:spAutoFit/>
+          </a:bodyPr>
+          <a:lstStyle/>
+          <a:p>
+            <a:r>
+              <a:rPr lang="en-US" dirty="0">
+                <a:solidFill>
+                  <a:schemeClr val="bg1"/>
+                </a:solidFill>
+              </a:rPr>
+              <a:t>2016 Mayo Clinic study* published in Academic Radiology outlines the increase in workload for radiologists</a:t>
+            </a:r>
+          </a:p>
+        </p:txBody>
+      </p:sp>
+      <p:sp>
+        <p:nvSpPr>
+          <p:cNvPr id="9" name="TextBox 8">
+            <a:extLst>
+              <a:ext uri="{FF2B5EF4-FFF2-40B4-BE49-F238E27FC236}">
+                <a16:creationId xmlns:a16="http://schemas.microsoft.com/office/drawing/2014/main" id="{C72A3CAF-4BCD-439D-8AB7-FB2B77D612CB}"/>
+              </a:ext>
+            </a:extLst>
+          </p:cNvPr>
+          <p:cNvSpPr txBox="1"/>
+          <p:nvPr/>
+        </p:nvSpPr>
+        <p:spPr>
+          <a:xfrm>
+            <a:off x="6656439" y="2198475"/>
+            <a:ext cx="2241755" cy="1600438"/>
+          </a:xfrm>
+          <a:prstGeom prst="rect">
+            <a:avLst/>
+          </a:prstGeom>
+          <a:noFill/>
+        </p:spPr>
+        <p:txBody>
+          <a:bodyPr wrap="square" rtlCol="0">
+            <a:spAutoFit/>
+          </a:bodyPr>
+          <a:lstStyle/>
+          <a:p>
+            <a:r>
+              <a:rPr lang="en-US" sz="1050" dirty="0">
+                <a:solidFill>
+                  <a:schemeClr val="bg1"/>
+                </a:solidFill>
+              </a:rPr>
+              <a:t>“Imaging volumes have grown at a disproportionate rate to imaging utilization increases at our institution. The average radiologist …must now interpret one image every 3–4 seconds in an 8-hour workday to meet workload demands.”</a:t>
+            </a:r>
+          </a:p>
+          <a:p>
+            <a:endParaRPr lang="en-US" dirty="0"/>
+          </a:p>
+        </p:txBody>
+      </p:sp>
+      <p:sp>
+        <p:nvSpPr>
+          <p:cNvPr id="11" name="TextBox 10">
+            <a:extLst>
+              <a:ext uri="{FF2B5EF4-FFF2-40B4-BE49-F238E27FC236}">
+                <a16:creationId xmlns:a16="http://schemas.microsoft.com/office/drawing/2014/main" id="{DA800A14-6A7E-4998-ABC2-AADB587D9E52}"/>
+              </a:ext>
+            </a:extLst>
+          </p:cNvPr>
+          <p:cNvSpPr txBox="1"/>
+          <p:nvPr/>
+        </p:nvSpPr>
+        <p:spPr>
+          <a:xfrm>
+            <a:off x="339213" y="4645672"/>
+            <a:ext cx="7841226" cy="253916"/>
+          </a:xfrm>
+          <a:prstGeom prst="rect">
+            <a:avLst/>
+          </a:prstGeom>
+          <a:noFill/>
+        </p:spPr>
+        <p:txBody>
+          <a:bodyPr wrap="square">
+            <a:spAutoFit/>
+          </a:bodyPr>
+          <a:lstStyle/>
+          <a:p>
+            <a:r>
+              <a:rPr lang="en-US" sz="1050" dirty="0">
+                <a:solidFill>
+                  <a:schemeClr val="bg1"/>
+                </a:solidFill>
+              </a:rPr>
+              <a:t>*https://www.academicradiology.org/article/S1076-6332(15)00245-7/fulltext</a:t>
+            </a:r>
+          </a:p>
+        </p:txBody>
+      </p:sp>
+      <p:sp>
+        <p:nvSpPr>
+          <p:cNvPr id="12" name="Title 11">
+            <a:extLst>
+              <a:ext uri="{FF2B5EF4-FFF2-40B4-BE49-F238E27FC236}">
+                <a16:creationId xmlns:a16="http://schemas.microsoft.com/office/drawing/2014/main" id="{A3A18A3E-4199-493F-8BB8-7FAA1C68EE6F}"/>
               </a:ext>
             </a:extLst>
           </p:cNvPr>
@@ -11409,51 +15478,14 @@
         </p:nvSpPr>
         <p:spPr/>
         <p:txBody>
-          <a:bodyPr/>
-          <a:lstStyle/>
-          <a:p>
-            <a:endParaRPr lang="en-US" dirty="0"/>
-          </a:p>
-        </p:txBody>
-      </p:sp>
-      <p:sp>
-        <p:nvSpPr>
-          <p:cNvPr id="3" name="Text Placeholder 2">
-            <a:extLst>
-              <a:ext uri="{FF2B5EF4-FFF2-40B4-BE49-F238E27FC236}">
-                <a16:creationId xmlns:a16="http://schemas.microsoft.com/office/drawing/2014/main" id="{0BD1119B-D5D6-416D-A967-2226ED390A44}"/>
-              </a:ext>
-            </a:extLst>
-          </p:cNvPr>
-          <p:cNvSpPr>
-            <a:spLocks noGrp="1"/>
-          </p:cNvSpPr>
-          <p:nvPr>
-            <p:ph type="body" idx="1"/>
-          </p:nvPr>
-        </p:nvSpPr>
-        <p:spPr/>
-        <p:txBody>
           <a:bodyPr>
-            <a:normAutofit fontScale="92500" lnSpcReduction="10000"/>
+            <a:normAutofit fontScale="90000"/>
           </a:bodyPr>
           <a:lstStyle/>
           <a:p>
             <a:r>
               <a:rPr lang="en-US" dirty="0"/>
-              <a:t>From 1999 to 2010, a total of 1,517,149 cross-sectional imaging studies (CT = 994,471; MRI = 522,678) comprising 539,210,581 images (CT = 339,830,947; MRI = 199,379,634) were evaluated at our institution. Total annual cross-sectional studies steadily increased from 84,409 in 1999 to 147,336 in 2010, representing a twofold increase in workload (Q = 6465/year, Z = 4.2, P &lt; .0001). Concomitantly, the number of annual departmental cross-sectional images interpreted increased from 9,294,140 in 1990 to 94,271,551 in 2010, representing a 10-fold increase (Q = 8707876/year, Z = 4.5, P &lt; .0001). Adjusting for staffing changes, the number of images requiring interpretation per minute of every workday per staff radiologist increased from 2.9 in 1999 to 16.1 in 2010 (Q = 1.7/year, Z = 4.3, P &lt; .0001).</a:t>
-            </a:r>
-          </a:p>
-          <a:p>
-            <a:r>
-              <a:rPr lang="en-US" dirty="0"/>
-              <a:t>Conclusions</a:t>
-            </a:r>
-          </a:p>
-          <a:p>
-            <a:r>
-              <a:rPr lang="en-US" dirty="0"/>
-              <a:t>Imaging volumes have grown at a disproportionate rate to imaging utilization increases at our institution. The average radiologist interpreting CT or MRI examinations must now interpret one image every 3–4 seconds in an 8-hour workday to meet workload demands.</a:t>
+              <a:t>Imaging Demands Outpace Radiologist Supply</a:t>
             </a:r>
           </a:p>
         </p:txBody>
@@ -11524,7 +15556,7 @@
             </a:pPr>
             <a:r>
               <a:rPr lang="en" dirty="0"/>
-              <a:t>Data Sources</a:t>
+              <a:t>Data Sources – Machine Learning Model</a:t>
             </a:r>
             <a:endParaRPr dirty="0"/>
           </a:p>
@@ -11542,8 +15574,8 @@
         </p:nvSpPr>
         <p:spPr>
           <a:xfrm>
-            <a:off x="485104" y="2679201"/>
-            <a:ext cx="2585014" cy="2606372"/>
+            <a:off x="17332" y="2670869"/>
+            <a:ext cx="2215633" cy="2606372"/>
           </a:xfrm>
           <a:prstGeom prst="rect">
             <a:avLst/>
@@ -11657,7 +15689,7 @@
         </p:blipFill>
         <p:spPr>
           <a:xfrm>
-            <a:off x="1211705" y="1775446"/>
+            <a:off x="813556" y="1724811"/>
             <a:ext cx="914100" cy="914100"/>
           </a:xfrm>
           <a:prstGeom prst="rect">
@@ -11694,7 +15726,7 @@
         </p:blipFill>
         <p:spPr bwMode="auto">
           <a:xfrm>
-            <a:off x="6542040" y="1890840"/>
+            <a:off x="7162344" y="1724811"/>
             <a:ext cx="780029" cy="780029"/>
           </a:xfrm>
           <a:prstGeom prst="rect">
@@ -11728,8 +15760,8 @@
         </p:nvSpPr>
         <p:spPr>
           <a:xfrm>
-            <a:off x="5724492" y="2679201"/>
-            <a:ext cx="2585014" cy="2606372"/>
+            <a:off x="6512560" y="2670869"/>
+            <a:ext cx="2347880" cy="2606372"/>
           </a:xfrm>
           <a:prstGeom prst="rect">
             <a:avLst/>
@@ -12052,8 +16084,8 @@
         </p:nvSpPr>
         <p:spPr>
           <a:xfrm>
-            <a:off x="3318164" y="1489364"/>
-            <a:ext cx="2105891" cy="1384995"/>
+            <a:off x="2712720" y="1489364"/>
+            <a:ext cx="3464560" cy="954107"/>
           </a:xfrm>
           <a:prstGeom prst="rect">
             <a:avLst/>
@@ -12094,6 +16126,34 @@
           </a:p>
         </p:txBody>
       </p:sp>
+      <p:graphicFrame>
+        <p:nvGraphicFramePr>
+          <p:cNvPr id="5" name="Chart 4">
+            <a:extLst>
+              <a:ext uri="{FF2B5EF4-FFF2-40B4-BE49-F238E27FC236}">
+                <a16:creationId xmlns:a16="http://schemas.microsoft.com/office/drawing/2014/main" id="{3E7AD6E1-C574-4E17-8E5E-8C90B68F875F}"/>
+              </a:ext>
+            </a:extLst>
+          </p:cNvPr>
+          <p:cNvGraphicFramePr/>
+          <p:nvPr>
+            <p:extLst>
+              <p:ext uri="{D42A27DB-BD31-4B8C-83A1-F6EECF244321}">
+                <p14:modId xmlns:p14="http://schemas.microsoft.com/office/powerpoint/2010/main" val="3575282029"/>
+              </p:ext>
+            </p:extLst>
+          </p:nvPr>
+        </p:nvGraphicFramePr>
+        <p:xfrm>
+          <a:off x="2232965" y="2503304"/>
+          <a:ext cx="4176443" cy="2606372"/>
+        </p:xfrm>
+        <a:graphic>
+          <a:graphicData uri="http://schemas.openxmlformats.org/drawingml/2006/chart">
+            <c:chart xmlns:c="http://schemas.openxmlformats.org/drawingml/2006/chart" xmlns:r="http://schemas.openxmlformats.org/officeDocument/2006/relationships" r:id="rId6"/>
+          </a:graphicData>
+        </a:graphic>
+      </p:graphicFrame>
     </p:spTree>
   </p:cSld>
   <p:clrMapOvr>
@@ -12103,6 +16163,89 @@
 </file>
 
 <file path=ppt/slides/slide7.xml><?xml version="1.0" encoding="utf-8"?>
+<p:sld xmlns:a="http://schemas.openxmlformats.org/drawingml/2006/main" xmlns:r="http://schemas.openxmlformats.org/officeDocument/2006/relationships" xmlns:p="http://schemas.openxmlformats.org/presentationml/2006/main">
+  <p:cSld>
+    <p:spTree>
+      <p:nvGrpSpPr>
+        <p:cNvPr id="1" name=""/>
+        <p:cNvGrpSpPr/>
+        <p:nvPr/>
+      </p:nvGrpSpPr>
+      <p:grpSpPr>
+        <a:xfrm>
+          <a:off x="0" y="0"/>
+          <a:ext cx="0" cy="0"/>
+          <a:chOff x="0" y="0"/>
+          <a:chExt cx="0" cy="0"/>
+        </a:xfrm>
+      </p:grpSpPr>
+      <p:sp>
+        <p:nvSpPr>
+          <p:cNvPr id="2" name="Title 1">
+            <a:extLst>
+              <a:ext uri="{FF2B5EF4-FFF2-40B4-BE49-F238E27FC236}">
+                <a16:creationId xmlns:a16="http://schemas.microsoft.com/office/drawing/2014/main" id="{A381E117-43EE-42BC-A2BD-117B7268AD33}"/>
+              </a:ext>
+            </a:extLst>
+          </p:cNvPr>
+          <p:cNvSpPr>
+            <a:spLocks noGrp="1"/>
+          </p:cNvSpPr>
+          <p:nvPr>
+            <p:ph type="title"/>
+          </p:nvPr>
+        </p:nvSpPr>
+        <p:spPr/>
+        <p:txBody>
+          <a:bodyPr/>
+          <a:lstStyle/>
+          <a:p>
+            <a:r>
+              <a:rPr lang="en-US" dirty="0"/>
+              <a:t>Data Sources – Pneumonia Statistics</a:t>
+            </a:r>
+          </a:p>
+        </p:txBody>
+      </p:sp>
+      <p:sp>
+        <p:nvSpPr>
+          <p:cNvPr id="3" name="Text Placeholder 2">
+            <a:extLst>
+              <a:ext uri="{FF2B5EF4-FFF2-40B4-BE49-F238E27FC236}">
+                <a16:creationId xmlns:a16="http://schemas.microsoft.com/office/drawing/2014/main" id="{03F85998-C576-4928-9DE1-0B0C97F64B40}"/>
+              </a:ext>
+            </a:extLst>
+          </p:cNvPr>
+          <p:cNvSpPr>
+            <a:spLocks noGrp="1"/>
+          </p:cNvSpPr>
+          <p:nvPr>
+            <p:ph type="body" idx="1"/>
+          </p:nvPr>
+        </p:nvSpPr>
+        <p:spPr/>
+        <p:txBody>
+          <a:bodyPr/>
+          <a:lstStyle/>
+          <a:p>
+            <a:endParaRPr lang="en-US" dirty="0"/>
+          </a:p>
+        </p:txBody>
+      </p:sp>
+    </p:spTree>
+    <p:extLst>
+      <p:ext uri="{BB962C8B-B14F-4D97-AF65-F5344CB8AC3E}">
+        <p14:creationId xmlns:p14="http://schemas.microsoft.com/office/powerpoint/2010/main" val="2394316844"/>
+      </p:ext>
+    </p:extLst>
+  </p:cSld>
+  <p:clrMapOvr>
+    <a:masterClrMapping/>
+  </p:clrMapOvr>
+</p:sld>
+</file>
+
+<file path=ppt/slides/slide8.xml><?xml version="1.0" encoding="utf-8"?>
 <p:sld xmlns:a="http://schemas.openxmlformats.org/drawingml/2006/main" xmlns:r="http://schemas.openxmlformats.org/officeDocument/2006/relationships" xmlns:p="http://schemas.openxmlformats.org/presentationml/2006/main">
   <p:cSld>
     <p:spTree>
@@ -12153,6 +16296,10 @@
               </a:spcAft>
               <a:buNone/>
             </a:pPr>
+            <a:r>
+              <a:rPr lang="en-US" dirty="0"/>
+              <a:t>Data exploration Phase – Model Data</a:t>
+            </a:r>
             <a:endParaRPr dirty="0"/>
           </a:p>
         </p:txBody>
@@ -12170,7 +16317,7 @@
         <p:spPr>
           <a:xfrm>
             <a:off x="1297500" y="1567550"/>
-            <a:ext cx="7038900" cy="2911200"/>
+            <a:ext cx="7038900" cy="2841890"/>
           </a:xfrm>
           <a:prstGeom prst="rect">
             <a:avLst/>
@@ -12214,108 +16361,120 @@
               </a:spcAft>
               <a:buNone/>
             </a:pPr>
+            <a:r>
+              <a:rPr lang="en-US" dirty="0"/>
+              <a:t>NEED TO UPDATE Table structure images</a:t>
+            </a:r>
+          </a:p>
+          <a:p>
+            <a:pPr marL="0" lvl="0" indent="0" algn="l" rtl="0">
+              <a:spcBef>
+                <a:spcPts val="0"/>
+              </a:spcBef>
+              <a:spcAft>
+                <a:spcPts val="1200"/>
+              </a:spcAft>
+              <a:buNone/>
+            </a:pPr>
             <a:endParaRPr dirty="0"/>
           </a:p>
         </p:txBody>
       </p:sp>
-    </p:spTree>
-  </p:cSld>
-  <p:clrMapOvr>
-    <a:masterClrMapping/>
-  </p:clrMapOvr>
-</p:sld>
-</file>
-
-<file path=ppt/slides/slide8.xml><?xml version="1.0" encoding="utf-8"?>
-<p:sld xmlns:a="http://schemas.openxmlformats.org/drawingml/2006/main" xmlns:r="http://schemas.openxmlformats.org/officeDocument/2006/relationships" xmlns:p="http://schemas.openxmlformats.org/presentationml/2006/main">
-  <p:cSld>
-    <p:spTree>
-      <p:nvGrpSpPr>
-        <p:cNvPr id="1" name=""/>
-        <p:cNvGrpSpPr/>
-        <p:nvPr/>
-      </p:nvGrpSpPr>
-      <p:grpSpPr>
-        <a:xfrm>
-          <a:off x="0" y="0"/>
-          <a:ext cx="0" cy="0"/>
-          <a:chOff x="0" y="0"/>
-          <a:chExt cx="0" cy="0"/>
-        </a:xfrm>
-      </p:grpSpPr>
-      <p:sp>
-        <p:nvSpPr>
-          <p:cNvPr id="2" name="Title 1">
+      <p:pic>
+        <p:nvPicPr>
+          <p:cNvPr id="2050" name="Picture 2">
             <a:extLst>
               <a:ext uri="{FF2B5EF4-FFF2-40B4-BE49-F238E27FC236}">
-                <a16:creationId xmlns:a16="http://schemas.microsoft.com/office/drawing/2014/main" id="{6A272A53-9024-45B7-9774-90F7F403D730}"/>
+                <a16:creationId xmlns:a16="http://schemas.microsoft.com/office/drawing/2014/main" id="{616BBFE8-5AC2-4592-B5E7-61B84F19EFCB}"/>
               </a:ext>
             </a:extLst>
           </p:cNvPr>
-          <p:cNvSpPr>
-            <a:spLocks noGrp="1"/>
-          </p:cNvSpPr>
-          <p:nvPr>
-            <p:ph type="title"/>
-          </p:nvPr>
-        </p:nvSpPr>
-        <p:spPr/>
-        <p:txBody>
-          <a:bodyPr/>
-          <a:lstStyle/>
-          <a:p>
-            <a:endParaRPr lang="en-US"/>
-          </a:p>
-        </p:txBody>
-      </p:sp>
-      <p:sp>
-        <p:nvSpPr>
-          <p:cNvPr id="3" name="Text Placeholder 2">
+          <p:cNvPicPr>
+            <a:picLocks noChangeAspect="1" noChangeArrowheads="1"/>
+          </p:cNvPicPr>
+          <p:nvPr/>
+        </p:nvPicPr>
+        <p:blipFill>
+          <a:blip r:embed="rId3">
+            <a:extLst>
+              <a:ext uri="{28A0092B-C50C-407E-A947-70E740481C1C}">
+                <a14:useLocalDpi xmlns:a14="http://schemas.microsoft.com/office/drawing/2010/main" val="0"/>
+              </a:ext>
+            </a:extLst>
+          </a:blip>
+          <a:srcRect/>
+          <a:stretch>
+            <a:fillRect/>
+          </a:stretch>
+        </p:blipFill>
+        <p:spPr bwMode="auto">
+          <a:xfrm>
+            <a:off x="1297500" y="2375878"/>
+            <a:ext cx="5471596" cy="1225231"/>
+          </a:xfrm>
+          <a:prstGeom prst="rect">
+            <a:avLst/>
+          </a:prstGeom>
+          <a:noFill/>
+          <a:extLst>
+            <a:ext uri="{909E8E84-426E-40DD-AFC4-6F175D3DCCD1}">
+              <a14:hiddenFill xmlns:a14="http://schemas.microsoft.com/office/drawing/2010/main">
+                <a:solidFill>
+                  <a:srgbClr val="FFFFFF"/>
+                </a:solidFill>
+              </a14:hiddenFill>
+            </a:ext>
+          </a:extLst>
+        </p:spPr>
+      </p:pic>
+      <p:pic>
+        <p:nvPicPr>
+          <p:cNvPr id="2052" name="Picture 4">
             <a:extLst>
               <a:ext uri="{FF2B5EF4-FFF2-40B4-BE49-F238E27FC236}">
-                <a16:creationId xmlns:a16="http://schemas.microsoft.com/office/drawing/2014/main" id="{EB5FE695-0256-4476-908E-39A1D4CB930D}"/>
+                <a16:creationId xmlns:a16="http://schemas.microsoft.com/office/drawing/2014/main" id="{EE0880A5-9582-4D3D-BB64-3AE8A7630E14}"/>
               </a:ext>
             </a:extLst>
           </p:cNvPr>
-          <p:cNvSpPr>
-            <a:spLocks noGrp="1"/>
-          </p:cNvSpPr>
-          <p:nvPr>
-            <p:ph type="body" idx="1"/>
-          </p:nvPr>
-        </p:nvSpPr>
-        <p:spPr/>
-        <p:txBody>
-          <a:bodyPr/>
-          <a:lstStyle/>
-          <a:p>
-            <a:r>
-              <a:rPr lang="en-US" sz="1400" dirty="0">
+          <p:cNvPicPr>
+            <a:picLocks noChangeAspect="1" noChangeArrowheads="1"/>
+          </p:cNvPicPr>
+          <p:nvPr/>
+        </p:nvPicPr>
+        <p:blipFill>
+          <a:blip r:embed="rId4">
+            <a:extLst>
+              <a:ext uri="{28A0092B-C50C-407E-A947-70E740481C1C}">
+                <a14:useLocalDpi xmlns:a14="http://schemas.microsoft.com/office/drawing/2010/main" val="0"/>
+              </a:ext>
+            </a:extLst>
+          </a:blip>
+          <a:srcRect/>
+          <a:stretch>
+            <a:fillRect/>
+          </a:stretch>
+        </p:blipFill>
+        <p:spPr bwMode="auto">
+          <a:xfrm>
+            <a:off x="2020155" y="3601109"/>
+            <a:ext cx="2653445" cy="1185919"/>
+          </a:xfrm>
+          <a:prstGeom prst="rect">
+            <a:avLst/>
+          </a:prstGeom>
+          <a:noFill/>
+          <a:extLst>
+            <a:ext uri="{909E8E84-426E-40DD-AFC4-6F175D3DCCD1}">
+              <a14:hiddenFill xmlns:a14="http://schemas.microsoft.com/office/drawing/2010/main">
                 <a:solidFill>
-                  <a:schemeClr val="bg1"/>
+                  <a:srgbClr val="FFFFFF"/>
                 </a:solidFill>
-                <a:effectLst/>
-                <a:highlight>
-                  <a:srgbClr val="00FFFF"/>
-                </a:highlight>
-                <a:latin typeface="+mn-lt"/>
-                <a:ea typeface="Calibri" panose="020F0502020204030204" pitchFamily="34" charset="0"/>
-                <a:cs typeface="Times New Roman" panose="02020603050405020304" pitchFamily="18" charset="0"/>
-              </a:rPr>
-              <a:t>5 - Description of the analysis phase of the project</a:t>
-            </a:r>
-          </a:p>
-          <a:p>
-            <a:endParaRPr lang="en-US" dirty="0"/>
-          </a:p>
-        </p:txBody>
-      </p:sp>
+              </a14:hiddenFill>
+            </a:ext>
+          </a:extLst>
+        </p:spPr>
+      </p:pic>
     </p:spTree>
-    <p:extLst>
-      <p:ext uri="{BB962C8B-B14F-4D97-AF65-F5344CB8AC3E}">
-        <p14:creationId xmlns:p14="http://schemas.microsoft.com/office/powerpoint/2010/main" val="2332666801"/>
-      </p:ext>
-    </p:extLst>
   </p:cSld>
   <p:clrMapOvr>
     <a:masterClrMapping/>
@@ -12345,7 +16504,7 @@
           <p:cNvPr id="2" name="Title 1">
             <a:extLst>
               <a:ext uri="{FF2B5EF4-FFF2-40B4-BE49-F238E27FC236}">
-                <a16:creationId xmlns:a16="http://schemas.microsoft.com/office/drawing/2014/main" id="{EFAEDF6C-B940-4DBC-9CB3-7CF58FD1D127}"/>
+                <a16:creationId xmlns:a16="http://schemas.microsoft.com/office/drawing/2014/main" id="{B43AC37B-00CF-41AB-8001-6F7173135356}"/>
               </a:ext>
             </a:extLst>
           </p:cNvPr>
@@ -12356,318 +16515,57 @@
             <p:ph type="title"/>
           </p:nvPr>
         </p:nvSpPr>
-        <p:spPr/>
+        <p:spPr>
+          <a:xfrm>
+            <a:off x="1327980" y="403910"/>
+            <a:ext cx="7038900" cy="914100"/>
+          </a:xfrm>
+        </p:spPr>
         <p:txBody>
           <a:bodyPr/>
           <a:lstStyle/>
           <a:p>
-            <a:endParaRPr lang="en-US"/>
+            <a:r>
+              <a:rPr lang="en-US" dirty="0"/>
+              <a:t>Data Exploration Phase - Statistics</a:t>
+            </a:r>
           </a:p>
         </p:txBody>
       </p:sp>
-      <p:sp>
-        <p:nvSpPr>
-          <p:cNvPr id="3" name="Text Placeholder 2">
+      <p:pic>
+        <p:nvPicPr>
+          <p:cNvPr id="4" name="Picture 3">
             <a:extLst>
               <a:ext uri="{FF2B5EF4-FFF2-40B4-BE49-F238E27FC236}">
-                <a16:creationId xmlns:a16="http://schemas.microsoft.com/office/drawing/2014/main" id="{3DADFA7F-D26A-4821-8E37-7CF4E63374D1}"/>
+                <a16:creationId xmlns:a16="http://schemas.microsoft.com/office/drawing/2014/main" id="{3D8DCD5C-E966-4CB3-995D-62183F4A2C36}"/>
               </a:ext>
             </a:extLst>
           </p:cNvPr>
-          <p:cNvSpPr>
-            <a:spLocks noGrp="1"/>
-          </p:cNvSpPr>
-          <p:nvPr>
-            <p:ph type="body" idx="1"/>
-          </p:nvPr>
-        </p:nvSpPr>
-        <p:spPr/>
-        <p:txBody>
-          <a:bodyPr>
-            <a:normAutofit fontScale="85000" lnSpcReduction="20000"/>
-          </a:bodyPr>
-          <a:lstStyle/>
-          <a:p>
-            <a:r>
-              <a:rPr lang="en-US" sz="1400" dirty="0">
-                <a:solidFill>
-                  <a:schemeClr val="bg1"/>
-                </a:solidFill>
-                <a:effectLst/>
-                <a:highlight>
-                  <a:srgbClr val="00FFFF"/>
-                </a:highlight>
-                <a:latin typeface="+mn-lt"/>
-                <a:ea typeface="Calibri" panose="020F0502020204030204" pitchFamily="34" charset="0"/>
-                <a:cs typeface="Times New Roman" panose="02020603050405020304" pitchFamily="18" charset="0"/>
-              </a:rPr>
-              <a:t>6 - Technologies, languages, tools, and algorithms used throughout the project</a:t>
-            </a:r>
-          </a:p>
-          <a:p>
-            <a:endParaRPr lang="en-US" sz="1400" dirty="0">
-              <a:solidFill>
-                <a:schemeClr val="bg1"/>
-              </a:solidFill>
-              <a:highlight>
-                <a:srgbClr val="00FFFF"/>
-              </a:highlight>
-              <a:latin typeface="+mn-lt"/>
-              <a:ea typeface="Calibri" panose="020F0502020204030204" pitchFamily="34" charset="0"/>
-              <a:cs typeface="Times New Roman" panose="02020603050405020304" pitchFamily="18" charset="0"/>
-            </a:endParaRPr>
-          </a:p>
-          <a:p>
-            <a:r>
-              <a:rPr lang="en-US" sz="1400" dirty="0" err="1">
-                <a:solidFill>
-                  <a:schemeClr val="bg1"/>
-                </a:solidFill>
-                <a:effectLst/>
-                <a:latin typeface="+mn-lt"/>
-                <a:ea typeface="Calibri" panose="020F0502020204030204" pitchFamily="34" charset="0"/>
-                <a:cs typeface="Times New Roman" panose="02020603050405020304" pitchFamily="18" charset="0"/>
-              </a:rPr>
-              <a:t>tTechnologies</a:t>
-            </a:r>
-            <a:r>
-              <a:rPr lang="en-US" sz="1400" dirty="0">
-                <a:solidFill>
-                  <a:schemeClr val="bg1"/>
-                </a:solidFill>
-                <a:effectLst/>
-                <a:latin typeface="+mn-lt"/>
-                <a:ea typeface="Calibri" panose="020F0502020204030204" pitchFamily="34" charset="0"/>
-                <a:cs typeface="Times New Roman" panose="02020603050405020304" pitchFamily="18" charset="0"/>
-              </a:rPr>
-              <a:t> Used</a:t>
-            </a:r>
-          </a:p>
-          <a:p>
-            <a:r>
-              <a:rPr lang="en-US" sz="1400" dirty="0">
-                <a:solidFill>
-                  <a:schemeClr val="bg1"/>
-                </a:solidFill>
-                <a:effectLst/>
-                <a:latin typeface="+mn-lt"/>
-                <a:ea typeface="Calibri" panose="020F0502020204030204" pitchFamily="34" charset="0"/>
-                <a:cs typeface="Times New Roman" panose="02020603050405020304" pitchFamily="18" charset="0"/>
-              </a:rPr>
-              <a:t>Database Technologies</a:t>
-            </a:r>
-          </a:p>
-          <a:p>
-            <a:r>
-              <a:rPr lang="en-US" sz="1400" dirty="0">
-                <a:solidFill>
-                  <a:schemeClr val="bg1"/>
-                </a:solidFill>
-                <a:effectLst/>
-                <a:latin typeface="+mn-lt"/>
-                <a:ea typeface="Calibri" panose="020F0502020204030204" pitchFamily="34" charset="0"/>
-                <a:cs typeface="Times New Roman" panose="02020603050405020304" pitchFamily="18" charset="0"/>
-              </a:rPr>
-              <a:t>AWS for data storage</a:t>
-            </a:r>
-          </a:p>
-          <a:p>
-            <a:r>
-              <a:rPr lang="en-US" sz="1400" dirty="0" err="1">
-                <a:solidFill>
-                  <a:schemeClr val="bg1"/>
-                </a:solidFill>
-                <a:effectLst/>
-                <a:latin typeface="+mn-lt"/>
-                <a:ea typeface="Calibri" panose="020F0502020204030204" pitchFamily="34" charset="0"/>
-                <a:cs typeface="Times New Roman" panose="02020603050405020304" pitchFamily="18" charset="0"/>
-              </a:rPr>
-              <a:t>PGAdmin</a:t>
-            </a:r>
-            <a:r>
-              <a:rPr lang="en-US" sz="1400" dirty="0">
-                <a:solidFill>
-                  <a:schemeClr val="bg1"/>
-                </a:solidFill>
-                <a:effectLst/>
-                <a:latin typeface="+mn-lt"/>
-                <a:ea typeface="Calibri" panose="020F0502020204030204" pitchFamily="34" charset="0"/>
-                <a:cs typeface="Times New Roman" panose="02020603050405020304" pitchFamily="18" charset="0"/>
-              </a:rPr>
-              <a:t> and PostgreSQL for data table generation and manipulation</a:t>
-            </a:r>
-          </a:p>
-          <a:p>
-            <a:r>
-              <a:rPr lang="en-US" sz="1400" dirty="0">
-                <a:solidFill>
-                  <a:schemeClr val="bg1"/>
-                </a:solidFill>
-                <a:effectLst/>
-                <a:latin typeface="+mn-lt"/>
-                <a:ea typeface="Calibri" panose="020F0502020204030204" pitchFamily="34" charset="0"/>
-                <a:cs typeface="Times New Roman" panose="02020603050405020304" pitchFamily="18" charset="0"/>
-              </a:rPr>
-              <a:t>Google Collab Notebooks for cloud database connection</a:t>
-            </a:r>
-          </a:p>
-          <a:p>
-            <a:r>
-              <a:rPr lang="en-US" sz="1400" dirty="0">
-                <a:solidFill>
-                  <a:schemeClr val="bg1"/>
-                </a:solidFill>
-                <a:effectLst/>
-                <a:latin typeface="+mn-lt"/>
-                <a:ea typeface="Calibri" panose="020F0502020204030204" pitchFamily="34" charset="0"/>
-                <a:cs typeface="Times New Roman" panose="02020603050405020304" pitchFamily="18" charset="0"/>
-              </a:rPr>
-              <a:t>Machine Learning Technologies</a:t>
-            </a:r>
-          </a:p>
-          <a:p>
-            <a:r>
-              <a:rPr lang="en-US" sz="1400" dirty="0">
-                <a:solidFill>
-                  <a:schemeClr val="bg1"/>
-                </a:solidFill>
-                <a:effectLst/>
-                <a:latin typeface="+mn-lt"/>
-                <a:ea typeface="Calibri" panose="020F0502020204030204" pitchFamily="34" charset="0"/>
-                <a:cs typeface="Times New Roman" panose="02020603050405020304" pitchFamily="18" charset="0"/>
-              </a:rPr>
-              <a:t>Google Collab for machine learning model generation</a:t>
-            </a:r>
-          </a:p>
-          <a:p>
-            <a:r>
-              <a:rPr lang="en-US" sz="1400" dirty="0">
-                <a:solidFill>
-                  <a:schemeClr val="bg1"/>
-                </a:solidFill>
-                <a:effectLst/>
-                <a:latin typeface="+mn-lt"/>
-                <a:ea typeface="Calibri" panose="020F0502020204030204" pitchFamily="34" charset="0"/>
-                <a:cs typeface="Times New Roman" panose="02020603050405020304" pitchFamily="18" charset="0"/>
-              </a:rPr>
-              <a:t>cv2 package for image analysis and preparation</a:t>
-            </a:r>
-          </a:p>
-          <a:p>
-            <a:r>
-              <a:rPr lang="en-US" sz="1400" dirty="0">
-                <a:solidFill>
-                  <a:schemeClr val="bg1"/>
-                </a:solidFill>
-                <a:effectLst/>
-                <a:latin typeface="+mn-lt"/>
-                <a:ea typeface="Calibri" panose="020F0502020204030204" pitchFamily="34" charset="0"/>
-                <a:cs typeface="Times New Roman" panose="02020603050405020304" pitchFamily="18" charset="0"/>
-              </a:rPr>
-              <a:t>TensorFlow package for machine learning model generation</a:t>
-            </a:r>
-          </a:p>
-          <a:p>
-            <a:r>
-              <a:rPr lang="en-US" sz="1400" dirty="0">
-                <a:solidFill>
-                  <a:schemeClr val="bg1"/>
-                </a:solidFill>
-                <a:effectLst/>
-                <a:latin typeface="+mn-lt"/>
-                <a:ea typeface="Calibri" panose="020F0502020204030204" pitchFamily="34" charset="0"/>
-                <a:cs typeface="Times New Roman" panose="02020603050405020304" pitchFamily="18" charset="0"/>
-              </a:rPr>
-              <a:t>Visualization Technologies</a:t>
-            </a:r>
-          </a:p>
-          <a:p>
-            <a:r>
-              <a:rPr lang="en-US" sz="1400" dirty="0" err="1">
-                <a:solidFill>
-                  <a:schemeClr val="bg1"/>
-                </a:solidFill>
-                <a:effectLst/>
-                <a:latin typeface="+mn-lt"/>
-                <a:ea typeface="Calibri" panose="020F0502020204030204" pitchFamily="34" charset="0"/>
-                <a:cs typeface="Times New Roman" panose="02020603050405020304" pitchFamily="18" charset="0"/>
-              </a:rPr>
-              <a:t>hvplot</a:t>
-            </a:r>
-            <a:r>
-              <a:rPr lang="en-US" sz="1400" dirty="0">
-                <a:solidFill>
-                  <a:schemeClr val="bg1"/>
-                </a:solidFill>
-                <a:effectLst/>
-                <a:latin typeface="+mn-lt"/>
-                <a:ea typeface="Calibri" panose="020F0502020204030204" pitchFamily="34" charset="0"/>
-                <a:cs typeface="Times New Roman" panose="02020603050405020304" pitchFamily="18" charset="0"/>
-              </a:rPr>
-              <a:t>/</a:t>
-            </a:r>
-            <a:r>
-              <a:rPr lang="en-US" sz="1400" dirty="0" err="1">
-                <a:solidFill>
-                  <a:schemeClr val="bg1"/>
-                </a:solidFill>
-                <a:effectLst/>
-                <a:latin typeface="+mn-lt"/>
-                <a:ea typeface="Calibri" panose="020F0502020204030204" pitchFamily="34" charset="0"/>
-                <a:cs typeface="Times New Roman" panose="02020603050405020304" pitchFamily="18" charset="0"/>
-              </a:rPr>
-              <a:t>plotly</a:t>
-            </a:r>
-            <a:r>
-              <a:rPr lang="en-US" sz="1400" dirty="0">
-                <a:solidFill>
-                  <a:schemeClr val="bg1"/>
-                </a:solidFill>
-                <a:effectLst/>
-                <a:latin typeface="+mn-lt"/>
-                <a:ea typeface="Calibri" panose="020F0502020204030204" pitchFamily="34" charset="0"/>
-                <a:cs typeface="Times New Roman" panose="02020603050405020304" pitchFamily="18" charset="0"/>
-              </a:rPr>
-              <a:t> for visualizing the outputs of our classification model and results of our model</a:t>
-            </a:r>
-          </a:p>
-          <a:p>
-            <a:r>
-              <a:rPr lang="en-US" sz="1400" dirty="0">
-                <a:solidFill>
-                  <a:schemeClr val="bg1"/>
-                </a:solidFill>
-                <a:effectLst/>
-                <a:latin typeface="+mn-lt"/>
-                <a:ea typeface="Calibri" panose="020F0502020204030204" pitchFamily="34" charset="0"/>
-                <a:cs typeface="Times New Roman" panose="02020603050405020304" pitchFamily="18" charset="0"/>
-              </a:rPr>
-              <a:t>Tableau Public for additional visualization support</a:t>
-            </a:r>
-          </a:p>
-          <a:p>
-            <a:r>
-              <a:rPr lang="en-US" sz="1400" dirty="0">
-                <a:solidFill>
-                  <a:schemeClr val="bg1"/>
-                </a:solidFill>
-                <a:effectLst/>
-                <a:latin typeface="+mn-lt"/>
-                <a:ea typeface="Calibri" panose="020F0502020204030204" pitchFamily="34" charset="0"/>
-                <a:cs typeface="Times New Roman" panose="02020603050405020304" pitchFamily="18" charset="0"/>
-              </a:rPr>
-              <a:t>Heroku for hosting visualizations</a:t>
-            </a:r>
-          </a:p>
-          <a:p>
-            <a:endParaRPr lang="en-US" dirty="0"/>
-          </a:p>
-        </p:txBody>
-      </p:sp>
+          <p:cNvPicPr>
+            <a:picLocks noChangeAspect="1"/>
+          </p:cNvPicPr>
+          <p:nvPr/>
+        </p:nvPicPr>
+        <p:blipFill>
+          <a:blip r:embed="rId3"/>
+          <a:stretch>
+            <a:fillRect/>
+          </a:stretch>
+        </p:blipFill>
+        <p:spPr>
+          <a:xfrm>
+            <a:off x="1489423" y="1715365"/>
+            <a:ext cx="6002593" cy="2911201"/>
+          </a:xfrm>
+          <a:prstGeom prst="rect">
+            <a:avLst/>
+          </a:prstGeom>
+        </p:spPr>
+      </p:pic>
     </p:spTree>
     <p:extLst>
       <p:ext uri="{BB962C8B-B14F-4D97-AF65-F5344CB8AC3E}">
-        <p14:creationId xmlns:p14="http://schemas.microsoft.com/office/powerpoint/2010/main" val="556788932"/>
+        <p14:creationId xmlns:p14="http://schemas.microsoft.com/office/powerpoint/2010/main" val="14328004"/>
       </p:ext>
     </p:extLst>
   </p:cSld>

--- a/Pneumonia Analysis Presentation.pptx
+++ b/Pneumonia Analysis Presentation.pptx
@@ -5,7 +5,7 @@
     <p:sldMasterId id="2147483659" r:id="rId1"/>
   </p:sldMasterIdLst>
   <p:notesMasterIdLst>
-    <p:notesMasterId r:id="rId16"/>
+    <p:notesMasterId r:id="rId18"/>
   </p:notesMasterIdLst>
   <p:sldIdLst>
     <p:sldId id="256" r:id="rId2"/>
@@ -13,32 +13,34 @@
     <p:sldId id="258" r:id="rId4"/>
     <p:sldId id="259" r:id="rId5"/>
     <p:sldId id="267" r:id="rId6"/>
-    <p:sldId id="260" r:id="rId7"/>
-    <p:sldId id="268" r:id="rId8"/>
-    <p:sldId id="261" r:id="rId9"/>
+    <p:sldId id="271" r:id="rId7"/>
+    <p:sldId id="270" r:id="rId8"/>
+    <p:sldId id="268" r:id="rId9"/>
     <p:sldId id="269" r:id="rId10"/>
-    <p:sldId id="263" r:id="rId11"/>
-    <p:sldId id="264" r:id="rId12"/>
-    <p:sldId id="265" r:id="rId13"/>
-    <p:sldId id="262" r:id="rId14"/>
-    <p:sldId id="266" r:id="rId15"/>
+    <p:sldId id="260" r:id="rId11"/>
+    <p:sldId id="261" r:id="rId12"/>
+    <p:sldId id="263" r:id="rId13"/>
+    <p:sldId id="264" r:id="rId14"/>
+    <p:sldId id="265" r:id="rId15"/>
+    <p:sldId id="262" r:id="rId16"/>
+    <p:sldId id="266" r:id="rId17"/>
   </p:sldIdLst>
   <p:sldSz cx="9144000" cy="5143500" type="screen16x9"/>
   <p:notesSz cx="6858000" cy="9144000"/>
   <p:embeddedFontLst>
     <p:embeddedFont>
       <p:font typeface="Lato" panose="020F0502020204030203" pitchFamily="34" charset="0"/>
-      <p:regular r:id="rId17"/>
-      <p:bold r:id="rId18"/>
-      <p:italic r:id="rId19"/>
-      <p:boldItalic r:id="rId20"/>
+      <p:regular r:id="rId19"/>
+      <p:bold r:id="rId20"/>
+      <p:italic r:id="rId21"/>
+      <p:boldItalic r:id="rId22"/>
     </p:embeddedFont>
     <p:embeddedFont>
       <p:font typeface="Montserrat" panose="00000500000000000000" pitchFamily="2" charset="0"/>
-      <p:regular r:id="rId21"/>
-      <p:bold r:id="rId22"/>
-      <p:italic r:id="rId23"/>
-      <p:boldItalic r:id="rId24"/>
+      <p:regular r:id="rId23"/>
+      <p:bold r:id="rId24"/>
+      <p:italic r:id="rId25"/>
+      <p:boldItalic r:id="rId26"/>
     </p:embeddedFont>
   </p:embeddedFontLst>
   <p:defaultTextStyle>
@@ -3101,11 +3103,11 @@
 </file>
 
 <file path=ppt/notesSlides/notesSlide10.xml><?xml version="1.0" encoding="utf-8"?>
-<p:notes xmlns:a="http://schemas.openxmlformats.org/drawingml/2006/main" xmlns:r="http://schemas.openxmlformats.org/officeDocument/2006/relationships" xmlns:p="http://schemas.openxmlformats.org/presentationml/2006/main">
+<p:notes xmlns:a="http://schemas.openxmlformats.org/drawingml/2006/main" xmlns:r="http://schemas.openxmlformats.org/officeDocument/2006/relationships" xmlns:p="http://schemas.openxmlformats.org/presentationml/2006/main" showMasterSp="0" showMasterPhAnim="0">
   <p:cSld>
     <p:spTree>
       <p:nvGrpSpPr>
-        <p:cNvPr id="1" name=""/>
+        <p:cNvPr id="1" name="Shape 161"/>
         <p:cNvGrpSpPr/>
         <p:nvPr/>
       </p:nvGrpSpPr>
@@ -3119,12 +3121,12 @@
       </p:grpSpPr>
       <p:sp>
         <p:nvSpPr>
-          <p:cNvPr id="2" name="Slide Image Placeholder 1"/>
+          <p:cNvPr id="162" name="Google Shape;162;gfce27dc116_0_140:notes"/>
           <p:cNvSpPr>
             <a:spLocks noGrp="1" noRot="1" noChangeAspect="1"/>
           </p:cNvSpPr>
           <p:nvPr>
-            <p:ph type="sldImg"/>
+            <p:ph type="sldImg" idx="2"/>
           </p:nvPr>
         </p:nvSpPr>
         <p:spPr>
@@ -3132,84 +3134,147 @@
             <a:off x="381000" y="685800"/>
             <a:ext cx="6096000" cy="3429000"/>
           </a:xfrm>
+          <a:custGeom>
+            <a:avLst/>
+            <a:gdLst/>
+            <a:ahLst/>
+            <a:cxnLst/>
+            <a:rect l="l" t="t" r="r" b="b"/>
+            <a:pathLst>
+              <a:path w="120000" h="120000" extrusionOk="0">
+                <a:moveTo>
+                  <a:pt x="0" y="0"/>
+                </a:moveTo>
+                <a:lnTo>
+                  <a:pt x="120000" y="0"/>
+                </a:lnTo>
+                <a:lnTo>
+                  <a:pt x="120000" y="120000"/>
+                </a:lnTo>
+                <a:lnTo>
+                  <a:pt x="0" y="120000"/>
+                </a:lnTo>
+                <a:close/>
+              </a:path>
+            </a:pathLst>
+          </a:custGeom>
         </p:spPr>
       </p:sp>
       <p:sp>
         <p:nvSpPr>
-          <p:cNvPr id="3" name="Notes Placeholder 2"/>
-          <p:cNvSpPr>
+          <p:cNvPr id="163" name="Google Shape;163;gfce27dc116_0_140:notes"/>
+          <p:cNvSpPr txBox="1">
             <a:spLocks noGrp="1"/>
           </p:cNvSpPr>
           <p:nvPr>
             <p:ph type="body" idx="1"/>
           </p:nvPr>
         </p:nvSpPr>
-        <p:spPr/>
+        <p:spPr>
+          <a:xfrm>
+            <a:off x="685800" y="4343400"/>
+            <a:ext cx="5486400" cy="4114800"/>
+          </a:xfrm>
+          <a:prstGeom prst="rect">
+            <a:avLst/>
+          </a:prstGeom>
+        </p:spPr>
         <p:txBody>
-          <a:bodyPr/>
+          <a:bodyPr spcFirstLastPara="1" wrap="square" lIns="91425" tIns="91425" rIns="91425" bIns="91425" anchor="t" anchorCtr="0">
+            <a:noAutofit/>
+          </a:bodyPr>
           <a:lstStyle/>
           <a:p>
-            <a:r>
-              <a:rPr lang="en-US" dirty="0"/>
-              <a:t>One of the biggest concerns was image bias and accuracy</a:t>
-            </a:r>
-          </a:p>
-          <a:p>
-            <a:pPr lvl="1"/>
-            <a:r>
-              <a:rPr lang="en-US" dirty="0"/>
-              <a:t>Recognized early on that there were some limitations to our basic model – it doesn’t take into account images that may be uploaded that have other Diseases or issues</a:t>
-            </a:r>
-          </a:p>
-          <a:p>
+            <a:pPr marL="0" marR="0" lvl="0" indent="0" algn="l" defTabSz="914400" rtl="0" eaLnBrk="1" fontAlgn="auto" latinLnBrk="0" hangingPunct="1">
+              <a:lnSpc>
+                <a:spcPct val="100000"/>
+              </a:lnSpc>
+              <a:spcBef>
+                <a:spcPts val="0"/>
+              </a:spcBef>
+              <a:spcAft>
+                <a:spcPts val="0"/>
+              </a:spcAft>
+              <a:buClr>
+                <a:srgbClr val="000000"/>
+              </a:buClr>
+              <a:buSzPts val="1100"/>
+              <a:buFont typeface="Arial"/>
+              <a:buNone/>
+              <a:tabLst/>
+              <a:defRPr/>
+            </a:pPr>
             <a:endParaRPr lang="en-US" dirty="0"/>
           </a:p>
           <a:p>
-            <a:r>
-              <a:rPr lang="en-US" dirty="0"/>
-              <a:t>Worked on building several different Model variations to determine what level of accuracy we could get with different dataset builds</a:t>
-            </a:r>
-          </a:p>
-          <a:p>
-            <a:pPr lvl="1"/>
-            <a:r>
-              <a:rPr lang="en-US" dirty="0"/>
-              <a:t>Basic model is strictly Pneumonia vs Normal</a:t>
-            </a:r>
-          </a:p>
-          <a:p>
-            <a:pPr lvl="1"/>
-            <a:r>
-              <a:rPr lang="en-US" dirty="0"/>
-              <a:t>Pneumonia vs Non-Pneumonia which tried to combine Normal images with Diseases other than Pneumonia</a:t>
-            </a:r>
-          </a:p>
-          <a:p>
-            <a:pPr lvl="1"/>
-            <a:r>
-              <a:rPr lang="en-US" dirty="0"/>
-              <a:t>2 model which first compared images as “Normal vs Other” and if the result was “other” it was pushed through a second model for “Pneumonia vs Other Diseases”   </a:t>
-            </a:r>
-          </a:p>
-          <a:p>
-            <a:pPr lvl="1"/>
+            <a:pPr marL="0" marR="0" lvl="0" indent="0" algn="l" defTabSz="914400" rtl="0" eaLnBrk="1" fontAlgn="auto" latinLnBrk="0" hangingPunct="1">
+              <a:lnSpc>
+                <a:spcPct val="100000"/>
+              </a:lnSpc>
+              <a:spcBef>
+                <a:spcPts val="0"/>
+              </a:spcBef>
+              <a:spcAft>
+                <a:spcPts val="0"/>
+              </a:spcAft>
+              <a:buClr>
+                <a:srgbClr val="000000"/>
+              </a:buClr>
+              <a:buSzPts val="1100"/>
+              <a:buFont typeface="Arial"/>
+              <a:buNone/>
+              <a:tabLst/>
+              <a:defRPr/>
+            </a:pPr>
             <a:endParaRPr lang="en-US" dirty="0"/>
           </a:p>
           <a:p>
-            <a:pPr marL="457200" lvl="0" indent="-298450"/>
-            <a:r>
-              <a:rPr lang="en-US" dirty="0"/>
-              <a:t>While our more advanced models showed promise, we ultimately opted to keep the initial model of Pneumonia vs Normal due to time limitations</a:t>
-            </a:r>
+            <a:pPr marL="0" marR="0" lvl="0" indent="0" algn="l" defTabSz="914400" rtl="0" eaLnBrk="1" fontAlgn="auto" latinLnBrk="0" hangingPunct="1">
+              <a:lnSpc>
+                <a:spcPct val="100000"/>
+              </a:lnSpc>
+              <a:spcBef>
+                <a:spcPts val="0"/>
+              </a:spcBef>
+              <a:spcAft>
+                <a:spcPts val="0"/>
+              </a:spcAft>
+              <a:buClr>
+                <a:srgbClr val="000000"/>
+              </a:buClr>
+              <a:buSzPts val="1100"/>
+              <a:buFont typeface="Arial"/>
+              <a:buNone/>
+              <a:tabLst/>
+              <a:defRPr/>
+            </a:pPr>
+            <a:endParaRPr lang="en-US" dirty="0"/>
+          </a:p>
+          <a:p>
+            <a:pPr marL="0" marR="0" lvl="0" indent="0" algn="l" defTabSz="914400" rtl="0" eaLnBrk="1" fontAlgn="auto" latinLnBrk="0" hangingPunct="1">
+              <a:lnSpc>
+                <a:spcPct val="100000"/>
+              </a:lnSpc>
+              <a:spcBef>
+                <a:spcPts val="0"/>
+              </a:spcBef>
+              <a:spcAft>
+                <a:spcPts val="0"/>
+              </a:spcAft>
+              <a:buClr>
+                <a:srgbClr val="000000"/>
+              </a:buClr>
+              <a:buSzPts val="1100"/>
+              <a:buFont typeface="Arial"/>
+              <a:buNone/>
+              <a:tabLst/>
+              <a:defRPr/>
+            </a:pPr>
+            <a:endParaRPr lang="en-US" dirty="0"/>
           </a:p>
         </p:txBody>
       </p:sp>
     </p:spTree>
-    <p:extLst>
-      <p:ext uri="{BB962C8B-B14F-4D97-AF65-F5344CB8AC3E}">
-        <p14:creationId xmlns:p14="http://schemas.microsoft.com/office/powerpoint/2010/main" val="3125516806"/>
-      </p:ext>
-    </p:extLst>
   </p:cSld>
   <p:clrMapOvr>
     <a:masterClrMapping/>
@@ -3266,6 +3331,123 @@
           <a:bodyPr/>
           <a:lstStyle/>
           <a:p>
+            <a:r>
+              <a:rPr lang="en-US" dirty="0"/>
+              <a:t>One of the biggest concerns was image bias and accuracy</a:t>
+            </a:r>
+          </a:p>
+          <a:p>
+            <a:pPr lvl="1"/>
+            <a:r>
+              <a:rPr lang="en-US" dirty="0"/>
+              <a:t>Recognized early on that there were some limitations to our basic model – it doesn’t take into account images that may be uploaded that have other Diseases or issues</a:t>
+            </a:r>
+          </a:p>
+          <a:p>
+            <a:endParaRPr lang="en-US" dirty="0"/>
+          </a:p>
+          <a:p>
+            <a:r>
+              <a:rPr lang="en-US" dirty="0"/>
+              <a:t>Worked on building several different Model variations to determine what level of accuracy we could get with different dataset builds</a:t>
+            </a:r>
+          </a:p>
+          <a:p>
+            <a:pPr lvl="1"/>
+            <a:r>
+              <a:rPr lang="en-US" dirty="0"/>
+              <a:t>Basic model is strictly Pneumonia vs Normal</a:t>
+            </a:r>
+          </a:p>
+          <a:p>
+            <a:pPr lvl="1"/>
+            <a:r>
+              <a:rPr lang="en-US" dirty="0"/>
+              <a:t>Pneumonia vs Non-Pneumonia which tried to combine Normal images with Diseases other than Pneumonia</a:t>
+            </a:r>
+          </a:p>
+          <a:p>
+            <a:pPr lvl="1"/>
+            <a:r>
+              <a:rPr lang="en-US" dirty="0"/>
+              <a:t>2 model which first compared images as “Normal vs Other” and if the result was “other” it was pushed through a second model for “Pneumonia vs Other Diseases”   </a:t>
+            </a:r>
+          </a:p>
+          <a:p>
+            <a:pPr lvl="1"/>
+            <a:endParaRPr lang="en-US" dirty="0"/>
+          </a:p>
+          <a:p>
+            <a:pPr marL="457200" lvl="0" indent="-298450"/>
+            <a:r>
+              <a:rPr lang="en-US" dirty="0"/>
+              <a:t>While our more advanced models showed promise, we ultimately opted to keep the initial model of Pneumonia vs Normal due to time limitations</a:t>
+            </a:r>
+          </a:p>
+        </p:txBody>
+      </p:sp>
+    </p:spTree>
+    <p:extLst>
+      <p:ext uri="{BB962C8B-B14F-4D97-AF65-F5344CB8AC3E}">
+        <p14:creationId xmlns:p14="http://schemas.microsoft.com/office/powerpoint/2010/main" val="3125516806"/>
+      </p:ext>
+    </p:extLst>
+  </p:cSld>
+  <p:clrMapOvr>
+    <a:masterClrMapping/>
+  </p:clrMapOvr>
+</p:notes>
+</file>
+
+<file path=ppt/notesSlides/notesSlide12.xml><?xml version="1.0" encoding="utf-8"?>
+<p:notes xmlns:a="http://schemas.openxmlformats.org/drawingml/2006/main" xmlns:r="http://schemas.openxmlformats.org/officeDocument/2006/relationships" xmlns:p="http://schemas.openxmlformats.org/presentationml/2006/main">
+  <p:cSld>
+    <p:spTree>
+      <p:nvGrpSpPr>
+        <p:cNvPr id="1" name=""/>
+        <p:cNvGrpSpPr/>
+        <p:nvPr/>
+      </p:nvGrpSpPr>
+      <p:grpSpPr>
+        <a:xfrm>
+          <a:off x="0" y="0"/>
+          <a:ext cx="0" cy="0"/>
+          <a:chOff x="0" y="0"/>
+          <a:chExt cx="0" cy="0"/>
+        </a:xfrm>
+      </p:grpSpPr>
+      <p:sp>
+        <p:nvSpPr>
+          <p:cNvPr id="2" name="Slide Image Placeholder 1"/>
+          <p:cNvSpPr>
+            <a:spLocks noGrp="1" noRot="1" noChangeAspect="1"/>
+          </p:cNvSpPr>
+          <p:nvPr>
+            <p:ph type="sldImg"/>
+          </p:nvPr>
+        </p:nvSpPr>
+        <p:spPr>
+          <a:xfrm>
+            <a:off x="381000" y="685800"/>
+            <a:ext cx="6096000" cy="3429000"/>
+          </a:xfrm>
+        </p:spPr>
+      </p:sp>
+      <p:sp>
+        <p:nvSpPr>
+          <p:cNvPr id="3" name="Notes Placeholder 2"/>
+          <p:cNvSpPr>
+            <a:spLocks noGrp="1"/>
+          </p:cNvSpPr>
+          <p:nvPr>
+            <p:ph type="body" idx="1"/>
+          </p:nvPr>
+        </p:nvSpPr>
+        <p:spPr/>
+        <p:txBody>
+          <a:bodyPr/>
+          <a:lstStyle/>
+          <a:p>
             <a:endParaRPr lang="en-US" dirty="0"/>
           </a:p>
         </p:txBody>
@@ -3283,7 +3465,73 @@
 </p:notes>
 </file>
 
-<file path=ppt/notesSlides/notesSlide12.xml><?xml version="1.0" encoding="utf-8"?>
+<file path=ppt/notesSlides/notesSlide13.xml><?xml version="1.0" encoding="utf-8"?>
+<p:notes xmlns:a="http://schemas.openxmlformats.org/drawingml/2006/main" xmlns:r="http://schemas.openxmlformats.org/officeDocument/2006/relationships" xmlns:p="http://schemas.openxmlformats.org/presentationml/2006/main">
+  <p:cSld>
+    <p:spTree>
+      <p:nvGrpSpPr>
+        <p:cNvPr id="1" name=""/>
+        <p:cNvGrpSpPr/>
+        <p:nvPr/>
+      </p:nvGrpSpPr>
+      <p:grpSpPr>
+        <a:xfrm>
+          <a:off x="0" y="0"/>
+          <a:ext cx="0" cy="0"/>
+          <a:chOff x="0" y="0"/>
+          <a:chExt cx="0" cy="0"/>
+        </a:xfrm>
+      </p:grpSpPr>
+      <p:sp>
+        <p:nvSpPr>
+          <p:cNvPr id="2" name="Slide Image Placeholder 1"/>
+          <p:cNvSpPr>
+            <a:spLocks noGrp="1" noRot="1" noChangeAspect="1"/>
+          </p:cNvSpPr>
+          <p:nvPr>
+            <p:ph type="sldImg"/>
+          </p:nvPr>
+        </p:nvSpPr>
+        <p:spPr>
+          <a:xfrm>
+            <a:off x="381000" y="685800"/>
+            <a:ext cx="6096000" cy="3429000"/>
+          </a:xfrm>
+        </p:spPr>
+      </p:sp>
+      <p:sp>
+        <p:nvSpPr>
+          <p:cNvPr id="3" name="Notes Placeholder 2"/>
+          <p:cNvSpPr>
+            <a:spLocks noGrp="1"/>
+          </p:cNvSpPr>
+          <p:nvPr>
+            <p:ph type="body" idx="1"/>
+          </p:nvPr>
+        </p:nvSpPr>
+        <p:spPr/>
+        <p:txBody>
+          <a:bodyPr/>
+          <a:lstStyle/>
+          <a:p>
+            <a:endParaRPr lang="en-US" dirty="0"/>
+          </a:p>
+        </p:txBody>
+      </p:sp>
+    </p:spTree>
+    <p:extLst>
+      <p:ext uri="{BB962C8B-B14F-4D97-AF65-F5344CB8AC3E}">
+        <p14:creationId xmlns:p14="http://schemas.microsoft.com/office/powerpoint/2010/main" val="2334487795"/>
+      </p:ext>
+    </p:extLst>
+  </p:cSld>
+  <p:clrMapOvr>
+    <a:masterClrMapping/>
+  </p:clrMapOvr>
+</p:notes>
+</file>
+
+<file path=ppt/notesSlides/notesSlide14.xml><?xml version="1.0" encoding="utf-8"?>
 <p:notes xmlns:a="http://schemas.openxmlformats.org/drawingml/2006/main" xmlns:r="http://schemas.openxmlformats.org/officeDocument/2006/relationships" xmlns:p="http://schemas.openxmlformats.org/presentationml/2006/main" showMasterSp="0" showMasterPhAnim="0">
   <p:cSld>
     <p:spTree>
@@ -4067,6 +4315,447 @@
 </file>
 
 <file path=ppt/notesSlides/notesSlide6.xml><?xml version="1.0" encoding="utf-8"?>
+<p:notes xmlns:a="http://schemas.openxmlformats.org/drawingml/2006/main" xmlns:r="http://schemas.openxmlformats.org/officeDocument/2006/relationships" xmlns:p="http://schemas.openxmlformats.org/presentationml/2006/main">
+  <p:cSld>
+    <p:spTree>
+      <p:nvGrpSpPr>
+        <p:cNvPr id="1" name=""/>
+        <p:cNvGrpSpPr/>
+        <p:nvPr/>
+      </p:nvGrpSpPr>
+      <p:grpSpPr>
+        <a:xfrm>
+          <a:off x="0" y="0"/>
+          <a:ext cx="0" cy="0"/>
+          <a:chOff x="0" y="0"/>
+          <a:chExt cx="0" cy="0"/>
+        </a:xfrm>
+      </p:grpSpPr>
+      <p:sp>
+        <p:nvSpPr>
+          <p:cNvPr id="2" name="Slide Image Placeholder 1"/>
+          <p:cNvSpPr>
+            <a:spLocks noGrp="1" noRot="1" noChangeAspect="1"/>
+          </p:cNvSpPr>
+          <p:nvPr>
+            <p:ph type="sldImg"/>
+          </p:nvPr>
+        </p:nvSpPr>
+        <p:spPr>
+          <a:xfrm>
+            <a:off x="381000" y="685800"/>
+            <a:ext cx="6096000" cy="3429000"/>
+          </a:xfrm>
+        </p:spPr>
+      </p:sp>
+      <p:sp>
+        <p:nvSpPr>
+          <p:cNvPr id="3" name="Notes Placeholder 2"/>
+          <p:cNvSpPr>
+            <a:spLocks noGrp="1"/>
+          </p:cNvSpPr>
+          <p:nvPr>
+            <p:ph type="body" idx="1"/>
+          </p:nvPr>
+        </p:nvSpPr>
+        <p:spPr/>
+        <p:txBody>
+          <a:bodyPr/>
+          <a:lstStyle/>
+          <a:p>
+            <a:r>
+              <a:rPr lang="en-US" dirty="0"/>
+              <a:t>Click on title during presentation to start the game</a:t>
+            </a:r>
+          </a:p>
+          <a:p>
+            <a:r>
+              <a:rPr lang="en-US" dirty="0"/>
+              <a:t>6 images will appear one at a time</a:t>
+            </a:r>
+          </a:p>
+          <a:p>
+            <a:r>
+              <a:rPr lang="en-US" dirty="0"/>
+              <a:t>3 seconds per image</a:t>
+            </a:r>
+          </a:p>
+          <a:p>
+            <a:r>
+              <a:rPr lang="en-US" dirty="0"/>
+              <a:t>Survey to determine </a:t>
+            </a:r>
+            <a:r>
+              <a:rPr lang="en-US" dirty="0" err="1"/>
+              <a:t>everyone’e</a:t>
+            </a:r>
+            <a:r>
+              <a:rPr lang="en-US" dirty="0"/>
+              <a:t> guess</a:t>
+            </a:r>
+          </a:p>
+          <a:p>
+            <a:endParaRPr lang="en-US" dirty="0"/>
+          </a:p>
+          <a:p>
+            <a:r>
+              <a:rPr lang="en-US" dirty="0"/>
+              <a:t>Answer: Image 1</a:t>
+            </a:r>
+          </a:p>
+          <a:p>
+            <a:endParaRPr lang="en-US" dirty="0"/>
+          </a:p>
+        </p:txBody>
+      </p:sp>
+    </p:spTree>
+    <p:extLst>
+      <p:ext uri="{BB962C8B-B14F-4D97-AF65-F5344CB8AC3E}">
+        <p14:creationId xmlns:p14="http://schemas.microsoft.com/office/powerpoint/2010/main" val="3806946785"/>
+      </p:ext>
+    </p:extLst>
+  </p:cSld>
+  <p:clrMapOvr>
+    <a:masterClrMapping/>
+  </p:clrMapOvr>
+</p:notes>
+</file>
+
+<file path=ppt/notesSlides/notesSlide7.xml><?xml version="1.0" encoding="utf-8"?>
+<p:notes xmlns:a="http://schemas.openxmlformats.org/drawingml/2006/main" xmlns:r="http://schemas.openxmlformats.org/officeDocument/2006/relationships" xmlns:p="http://schemas.openxmlformats.org/presentationml/2006/main">
+  <p:cSld>
+    <p:spTree>
+      <p:nvGrpSpPr>
+        <p:cNvPr id="1" name=""/>
+        <p:cNvGrpSpPr/>
+        <p:nvPr/>
+      </p:nvGrpSpPr>
+      <p:grpSpPr>
+        <a:xfrm>
+          <a:off x="0" y="0"/>
+          <a:ext cx="0" cy="0"/>
+          <a:chOff x="0" y="0"/>
+          <a:chExt cx="0" cy="0"/>
+        </a:xfrm>
+      </p:grpSpPr>
+      <p:sp>
+        <p:nvSpPr>
+          <p:cNvPr id="2" name="Slide Image Placeholder 1"/>
+          <p:cNvSpPr>
+            <a:spLocks noGrp="1" noRot="1" noChangeAspect="1"/>
+          </p:cNvSpPr>
+          <p:nvPr>
+            <p:ph type="sldImg"/>
+          </p:nvPr>
+        </p:nvSpPr>
+        <p:spPr>
+          <a:xfrm>
+            <a:off x="381000" y="685800"/>
+            <a:ext cx="6096000" cy="3429000"/>
+          </a:xfrm>
+        </p:spPr>
+      </p:sp>
+      <p:sp>
+        <p:nvSpPr>
+          <p:cNvPr id="3" name="Notes Placeholder 2"/>
+          <p:cNvSpPr>
+            <a:spLocks noGrp="1"/>
+          </p:cNvSpPr>
+          <p:nvPr>
+            <p:ph type="body" idx="1"/>
+          </p:nvPr>
+        </p:nvSpPr>
+        <p:spPr/>
+        <p:txBody>
+          <a:bodyPr/>
+          <a:lstStyle/>
+          <a:p>
+            <a:pPr marL="0" marR="0" lvl="0" indent="0" algn="l" defTabSz="914400" rtl="0" eaLnBrk="1" fontAlgn="auto" latinLnBrk="0" hangingPunct="1">
+              <a:lnSpc>
+                <a:spcPct val="100000"/>
+              </a:lnSpc>
+              <a:spcBef>
+                <a:spcPts val="0"/>
+              </a:spcBef>
+              <a:spcAft>
+                <a:spcPts val="0"/>
+              </a:spcAft>
+              <a:buClr>
+                <a:srgbClr val="000000"/>
+              </a:buClr>
+              <a:buSzPts val="1100"/>
+              <a:buFont typeface="Arial"/>
+              <a:buNone/>
+              <a:tabLst/>
+              <a:defRPr/>
+            </a:pPr>
+            <a:r>
+              <a:rPr lang="en-US" dirty="0"/>
+              <a:t>General Pneumonia Statistics:</a:t>
+            </a:r>
+          </a:p>
+          <a:p>
+            <a:pPr marL="0" marR="0" lvl="0" indent="0" algn="l" defTabSz="914400" rtl="0" eaLnBrk="1" fontAlgn="auto" latinLnBrk="0" hangingPunct="1">
+              <a:lnSpc>
+                <a:spcPct val="100000"/>
+              </a:lnSpc>
+              <a:spcBef>
+                <a:spcPts val="0"/>
+              </a:spcBef>
+              <a:spcAft>
+                <a:spcPts val="0"/>
+              </a:spcAft>
+              <a:buClr>
+                <a:srgbClr val="000000"/>
+              </a:buClr>
+              <a:buSzPts val="1100"/>
+              <a:buFont typeface="Arial"/>
+              <a:buNone/>
+              <a:tabLst/>
+              <a:defRPr/>
+            </a:pPr>
+            <a:endParaRPr lang="en-US" dirty="0"/>
+          </a:p>
+          <a:p>
+            <a:pPr marL="0" marR="0" lvl="0" indent="0" algn="l" defTabSz="914400" rtl="0" eaLnBrk="1" fontAlgn="auto" latinLnBrk="0" hangingPunct="1">
+              <a:lnSpc>
+                <a:spcPct val="100000"/>
+              </a:lnSpc>
+              <a:spcBef>
+                <a:spcPts val="0"/>
+              </a:spcBef>
+              <a:spcAft>
+                <a:spcPts val="0"/>
+              </a:spcAft>
+              <a:buClr>
+                <a:srgbClr val="000000"/>
+              </a:buClr>
+              <a:buSzPts val="1100"/>
+              <a:buFont typeface="Arial"/>
+              <a:buNone/>
+              <a:tabLst/>
+              <a:defRPr/>
+            </a:pPr>
+            <a:r>
+              <a:rPr lang="en-US" dirty="0"/>
+              <a:t>To help underscore the importance of Pneumonia detection, we compiled global data from WHO, UNICEF and ourworldindata.org as well as US data from the CDC </a:t>
+            </a:r>
+          </a:p>
+          <a:p>
+            <a:pPr marL="0" marR="0" lvl="0" indent="0" algn="l" defTabSz="914400" rtl="0" eaLnBrk="1" fontAlgn="auto" latinLnBrk="0" hangingPunct="1">
+              <a:lnSpc>
+                <a:spcPct val="100000"/>
+              </a:lnSpc>
+              <a:spcBef>
+                <a:spcPts val="0"/>
+              </a:spcBef>
+              <a:spcAft>
+                <a:spcPts val="0"/>
+              </a:spcAft>
+              <a:buClr>
+                <a:srgbClr val="000000"/>
+              </a:buClr>
+              <a:buSzPts val="1100"/>
+              <a:buFont typeface="Arial"/>
+              <a:buNone/>
+              <a:tabLst/>
+              <a:defRPr/>
+            </a:pPr>
+            <a:endParaRPr lang="en-US" dirty="0"/>
+          </a:p>
+          <a:p>
+            <a:pPr marL="0" marR="0" lvl="0" indent="0" algn="l" defTabSz="914400" rtl="0" eaLnBrk="1" fontAlgn="auto" latinLnBrk="0" hangingPunct="1">
+              <a:lnSpc>
+                <a:spcPct val="100000"/>
+              </a:lnSpc>
+              <a:spcBef>
+                <a:spcPts val="0"/>
+              </a:spcBef>
+              <a:spcAft>
+                <a:spcPts val="0"/>
+              </a:spcAft>
+              <a:buClr>
+                <a:srgbClr val="000000"/>
+              </a:buClr>
+              <a:buSzPts val="1100"/>
+              <a:buFont typeface="Arial"/>
+              <a:buNone/>
+              <a:tabLst/>
+              <a:defRPr/>
+            </a:pPr>
+            <a:r>
+              <a:rPr lang="en-US" dirty="0"/>
+              <a:t>https://www.who.int/health-topics/pneumonia#tab=tab_1</a:t>
+            </a:r>
+          </a:p>
+          <a:p>
+            <a:pPr marL="0" marR="0" lvl="0" indent="0" algn="l" defTabSz="914400" rtl="0" eaLnBrk="1" fontAlgn="auto" latinLnBrk="0" hangingPunct="1">
+              <a:lnSpc>
+                <a:spcPct val="100000"/>
+              </a:lnSpc>
+              <a:spcBef>
+                <a:spcPts val="0"/>
+              </a:spcBef>
+              <a:spcAft>
+                <a:spcPts val="0"/>
+              </a:spcAft>
+              <a:buClr>
+                <a:srgbClr val="000000"/>
+              </a:buClr>
+              <a:buSzPts val="1100"/>
+              <a:buFont typeface="Arial"/>
+              <a:buNone/>
+              <a:tabLst/>
+              <a:defRPr/>
+            </a:pPr>
+            <a:r>
+              <a:rPr lang="en-US" dirty="0"/>
+              <a:t>https://ourworldindata.org/pneumonia</a:t>
+            </a:r>
+          </a:p>
+          <a:p>
+            <a:pPr marL="0" marR="0" lvl="0" indent="0" algn="l" defTabSz="914400" rtl="0" eaLnBrk="1" fontAlgn="auto" latinLnBrk="0" hangingPunct="1">
+              <a:lnSpc>
+                <a:spcPct val="100000"/>
+              </a:lnSpc>
+              <a:spcBef>
+                <a:spcPts val="0"/>
+              </a:spcBef>
+              <a:spcAft>
+                <a:spcPts val="0"/>
+              </a:spcAft>
+              <a:buClr>
+                <a:srgbClr val="000000"/>
+              </a:buClr>
+              <a:buSzPts val="1100"/>
+              <a:buFont typeface="Arial"/>
+              <a:buNone/>
+              <a:tabLst/>
+              <a:defRPr/>
+            </a:pPr>
+            <a:r>
+              <a:rPr lang="en-US" dirty="0"/>
+              <a:t>https://www.cdc.gov/dotw/pneumonia/index.html</a:t>
+            </a:r>
+          </a:p>
+          <a:p>
+            <a:pPr marL="0" marR="0" lvl="0" indent="0" algn="l" defTabSz="914400" rtl="0" eaLnBrk="1" fontAlgn="auto" latinLnBrk="0" hangingPunct="1">
+              <a:lnSpc>
+                <a:spcPct val="100000"/>
+              </a:lnSpc>
+              <a:spcBef>
+                <a:spcPts val="0"/>
+              </a:spcBef>
+              <a:spcAft>
+                <a:spcPts val="0"/>
+              </a:spcAft>
+              <a:buClr>
+                <a:srgbClr val="000000"/>
+              </a:buClr>
+              <a:buSzPts val="1100"/>
+              <a:buFont typeface="Arial"/>
+              <a:buNone/>
+              <a:tabLst/>
+              <a:defRPr/>
+            </a:pPr>
+            <a:r>
+              <a:rPr lang="en-US" b="0" i="0" u="sng" dirty="0">
+                <a:effectLst/>
+                <a:latin typeface="Slack-Lato"/>
+                <a:hlinkClick r:id="rId3"/>
+              </a:rPr>
+              <a:t>https://wonder.cdc.gov/controller/datarequest/D76;jsessionid=303DD855FA935405980D61135452</a:t>
+            </a:r>
+            <a:endParaRPr lang="en-US" dirty="0"/>
+          </a:p>
+          <a:p>
+            <a:endParaRPr lang="en-US" dirty="0"/>
+          </a:p>
+        </p:txBody>
+      </p:sp>
+    </p:spTree>
+    <p:extLst>
+      <p:ext uri="{BB962C8B-B14F-4D97-AF65-F5344CB8AC3E}">
+        <p14:creationId xmlns:p14="http://schemas.microsoft.com/office/powerpoint/2010/main" val="3344436303"/>
+      </p:ext>
+    </p:extLst>
+  </p:cSld>
+  <p:clrMapOvr>
+    <a:masterClrMapping/>
+  </p:clrMapOvr>
+</p:notes>
+</file>
+
+<file path=ppt/notesSlides/notesSlide8.xml><?xml version="1.0" encoding="utf-8"?>
+<p:notes xmlns:a="http://schemas.openxmlformats.org/drawingml/2006/main" xmlns:r="http://schemas.openxmlformats.org/officeDocument/2006/relationships" xmlns:p="http://schemas.openxmlformats.org/presentationml/2006/main">
+  <p:cSld>
+    <p:spTree>
+      <p:nvGrpSpPr>
+        <p:cNvPr id="1" name=""/>
+        <p:cNvGrpSpPr/>
+        <p:nvPr/>
+      </p:nvGrpSpPr>
+      <p:grpSpPr>
+        <a:xfrm>
+          <a:off x="0" y="0"/>
+          <a:ext cx="0" cy="0"/>
+          <a:chOff x="0" y="0"/>
+          <a:chExt cx="0" cy="0"/>
+        </a:xfrm>
+      </p:grpSpPr>
+      <p:sp>
+        <p:nvSpPr>
+          <p:cNvPr id="2" name="Slide Image Placeholder 1"/>
+          <p:cNvSpPr>
+            <a:spLocks noGrp="1" noRot="1" noChangeAspect="1"/>
+          </p:cNvSpPr>
+          <p:nvPr>
+            <p:ph type="sldImg"/>
+          </p:nvPr>
+        </p:nvSpPr>
+        <p:spPr>
+          <a:xfrm>
+            <a:off x="381000" y="685800"/>
+            <a:ext cx="6096000" cy="3429000"/>
+          </a:xfrm>
+        </p:spPr>
+      </p:sp>
+      <p:sp>
+        <p:nvSpPr>
+          <p:cNvPr id="3" name="Notes Placeholder 2"/>
+          <p:cNvSpPr>
+            <a:spLocks noGrp="1"/>
+          </p:cNvSpPr>
+          <p:nvPr>
+            <p:ph type="body" idx="1"/>
+          </p:nvPr>
+        </p:nvSpPr>
+        <p:spPr/>
+        <p:txBody>
+          <a:bodyPr/>
+          <a:lstStyle/>
+          <a:p>
+            <a:pPr marL="158750" indent="0">
+              <a:buNone/>
+            </a:pPr>
+            <a:endParaRPr lang="en-US" dirty="0"/>
+          </a:p>
+        </p:txBody>
+      </p:sp>
+    </p:spTree>
+    <p:extLst>
+      <p:ext uri="{BB962C8B-B14F-4D97-AF65-F5344CB8AC3E}">
+        <p14:creationId xmlns:p14="http://schemas.microsoft.com/office/powerpoint/2010/main" val="3410568046"/>
+      </p:ext>
+    </p:extLst>
+  </p:cSld>
+  <p:clrMapOvr>
+    <a:masterClrMapping/>
+  </p:clrMapOvr>
+</p:notes>
+</file>
+
+<file path=ppt/notesSlides/notesSlide9.xml><?xml version="1.0" encoding="utf-8"?>
 <p:notes xmlns:a="http://schemas.openxmlformats.org/drawingml/2006/main" xmlns:r="http://schemas.openxmlformats.org/officeDocument/2006/relationships" xmlns:p="http://schemas.openxmlformats.org/presentationml/2006/main" showMasterSp="0" showMasterPhAnim="0">
   <p:cSld>
     <p:spTree>
@@ -4274,523 +4963,6 @@
         </p:txBody>
       </p:sp>
     </p:spTree>
-  </p:cSld>
-  <p:clrMapOvr>
-    <a:masterClrMapping/>
-  </p:clrMapOvr>
-</p:notes>
-</file>
-
-<file path=ppt/notesSlides/notesSlide7.xml><?xml version="1.0" encoding="utf-8"?>
-<p:notes xmlns:a="http://schemas.openxmlformats.org/drawingml/2006/main" xmlns:r="http://schemas.openxmlformats.org/officeDocument/2006/relationships" xmlns:p="http://schemas.openxmlformats.org/presentationml/2006/main">
-  <p:cSld>
-    <p:spTree>
-      <p:nvGrpSpPr>
-        <p:cNvPr id="1" name=""/>
-        <p:cNvGrpSpPr/>
-        <p:nvPr/>
-      </p:nvGrpSpPr>
-      <p:grpSpPr>
-        <a:xfrm>
-          <a:off x="0" y="0"/>
-          <a:ext cx="0" cy="0"/>
-          <a:chOff x="0" y="0"/>
-          <a:chExt cx="0" cy="0"/>
-        </a:xfrm>
-      </p:grpSpPr>
-      <p:sp>
-        <p:nvSpPr>
-          <p:cNvPr id="2" name="Slide Image Placeholder 1"/>
-          <p:cNvSpPr>
-            <a:spLocks noGrp="1" noRot="1" noChangeAspect="1"/>
-          </p:cNvSpPr>
-          <p:nvPr>
-            <p:ph type="sldImg"/>
-          </p:nvPr>
-        </p:nvSpPr>
-        <p:spPr>
-          <a:xfrm>
-            <a:off x="381000" y="685800"/>
-            <a:ext cx="6096000" cy="3429000"/>
-          </a:xfrm>
-        </p:spPr>
-      </p:sp>
-      <p:sp>
-        <p:nvSpPr>
-          <p:cNvPr id="3" name="Notes Placeholder 2"/>
-          <p:cNvSpPr>
-            <a:spLocks noGrp="1"/>
-          </p:cNvSpPr>
-          <p:nvPr>
-            <p:ph type="body" idx="1"/>
-          </p:nvPr>
-        </p:nvSpPr>
-        <p:spPr/>
-        <p:txBody>
-          <a:bodyPr/>
-          <a:lstStyle/>
-          <a:p>
-            <a:pPr marL="0" marR="0" lvl="0" indent="0" algn="l" defTabSz="914400" rtl="0" eaLnBrk="1" fontAlgn="auto" latinLnBrk="0" hangingPunct="1">
-              <a:lnSpc>
-                <a:spcPct val="100000"/>
-              </a:lnSpc>
-              <a:spcBef>
-                <a:spcPts val="0"/>
-              </a:spcBef>
-              <a:spcAft>
-                <a:spcPts val="0"/>
-              </a:spcAft>
-              <a:buClr>
-                <a:srgbClr val="000000"/>
-              </a:buClr>
-              <a:buSzPts val="1100"/>
-              <a:buFont typeface="Arial"/>
-              <a:buNone/>
-              <a:tabLst/>
-              <a:defRPr/>
-            </a:pPr>
-            <a:r>
-              <a:rPr lang="en-US" dirty="0"/>
-              <a:t>General Pneumonia Statistics:</a:t>
-            </a:r>
-          </a:p>
-          <a:p>
-            <a:pPr marL="0" marR="0" lvl="0" indent="0" algn="l" defTabSz="914400" rtl="0" eaLnBrk="1" fontAlgn="auto" latinLnBrk="0" hangingPunct="1">
-              <a:lnSpc>
-                <a:spcPct val="100000"/>
-              </a:lnSpc>
-              <a:spcBef>
-                <a:spcPts val="0"/>
-              </a:spcBef>
-              <a:spcAft>
-                <a:spcPts val="0"/>
-              </a:spcAft>
-              <a:buClr>
-                <a:srgbClr val="000000"/>
-              </a:buClr>
-              <a:buSzPts val="1100"/>
-              <a:buFont typeface="Arial"/>
-              <a:buNone/>
-              <a:tabLst/>
-              <a:defRPr/>
-            </a:pPr>
-            <a:endParaRPr lang="en-US" dirty="0"/>
-          </a:p>
-          <a:p>
-            <a:pPr marL="0" marR="0" lvl="0" indent="0" algn="l" defTabSz="914400" rtl="0" eaLnBrk="1" fontAlgn="auto" latinLnBrk="0" hangingPunct="1">
-              <a:lnSpc>
-                <a:spcPct val="100000"/>
-              </a:lnSpc>
-              <a:spcBef>
-                <a:spcPts val="0"/>
-              </a:spcBef>
-              <a:spcAft>
-                <a:spcPts val="0"/>
-              </a:spcAft>
-              <a:buClr>
-                <a:srgbClr val="000000"/>
-              </a:buClr>
-              <a:buSzPts val="1100"/>
-              <a:buFont typeface="Arial"/>
-              <a:buNone/>
-              <a:tabLst/>
-              <a:defRPr/>
-            </a:pPr>
-            <a:r>
-              <a:rPr lang="en-US" dirty="0"/>
-              <a:t>To help underscore the importance of Pneumonia detection, we compiled global data from WHO, UNICEF and ourworldindata.org as well as US data from the CDC </a:t>
-            </a:r>
-          </a:p>
-          <a:p>
-            <a:pPr marL="0" marR="0" lvl="0" indent="0" algn="l" defTabSz="914400" rtl="0" eaLnBrk="1" fontAlgn="auto" latinLnBrk="0" hangingPunct="1">
-              <a:lnSpc>
-                <a:spcPct val="100000"/>
-              </a:lnSpc>
-              <a:spcBef>
-                <a:spcPts val="0"/>
-              </a:spcBef>
-              <a:spcAft>
-                <a:spcPts val="0"/>
-              </a:spcAft>
-              <a:buClr>
-                <a:srgbClr val="000000"/>
-              </a:buClr>
-              <a:buSzPts val="1100"/>
-              <a:buFont typeface="Arial"/>
-              <a:buNone/>
-              <a:tabLst/>
-              <a:defRPr/>
-            </a:pPr>
-            <a:endParaRPr lang="en-US" dirty="0"/>
-          </a:p>
-          <a:p>
-            <a:pPr marL="0" marR="0" lvl="0" indent="0" algn="l" defTabSz="914400" rtl="0" eaLnBrk="1" fontAlgn="auto" latinLnBrk="0" hangingPunct="1">
-              <a:lnSpc>
-                <a:spcPct val="100000"/>
-              </a:lnSpc>
-              <a:spcBef>
-                <a:spcPts val="0"/>
-              </a:spcBef>
-              <a:spcAft>
-                <a:spcPts val="0"/>
-              </a:spcAft>
-              <a:buClr>
-                <a:srgbClr val="000000"/>
-              </a:buClr>
-              <a:buSzPts val="1100"/>
-              <a:buFont typeface="Arial"/>
-              <a:buNone/>
-              <a:tabLst/>
-              <a:defRPr/>
-            </a:pPr>
-            <a:r>
-              <a:rPr lang="en-US" dirty="0"/>
-              <a:t>https://www.who.int/health-topics/pneumonia#tab=tab_1</a:t>
-            </a:r>
-          </a:p>
-          <a:p>
-            <a:pPr marL="0" marR="0" lvl="0" indent="0" algn="l" defTabSz="914400" rtl="0" eaLnBrk="1" fontAlgn="auto" latinLnBrk="0" hangingPunct="1">
-              <a:lnSpc>
-                <a:spcPct val="100000"/>
-              </a:lnSpc>
-              <a:spcBef>
-                <a:spcPts val="0"/>
-              </a:spcBef>
-              <a:spcAft>
-                <a:spcPts val="0"/>
-              </a:spcAft>
-              <a:buClr>
-                <a:srgbClr val="000000"/>
-              </a:buClr>
-              <a:buSzPts val="1100"/>
-              <a:buFont typeface="Arial"/>
-              <a:buNone/>
-              <a:tabLst/>
-              <a:defRPr/>
-            </a:pPr>
-            <a:r>
-              <a:rPr lang="en-US" dirty="0"/>
-              <a:t>https://data.unicef.org/topic/child-health/pneumonia/</a:t>
-            </a:r>
-          </a:p>
-          <a:p>
-            <a:pPr marL="0" marR="0" lvl="0" indent="0" algn="l" defTabSz="914400" rtl="0" eaLnBrk="1" fontAlgn="auto" latinLnBrk="0" hangingPunct="1">
-              <a:lnSpc>
-                <a:spcPct val="100000"/>
-              </a:lnSpc>
-              <a:spcBef>
-                <a:spcPts val="0"/>
-              </a:spcBef>
-              <a:spcAft>
-                <a:spcPts val="0"/>
-              </a:spcAft>
-              <a:buClr>
-                <a:srgbClr val="000000"/>
-              </a:buClr>
-              <a:buSzPts val="1100"/>
-              <a:buFont typeface="Arial"/>
-              <a:buNone/>
-              <a:tabLst/>
-              <a:defRPr/>
-            </a:pPr>
-            <a:r>
-              <a:rPr lang="en-US" dirty="0"/>
-              <a:t>https://ourworldindata.org/pneumonia</a:t>
-            </a:r>
-          </a:p>
-          <a:p>
-            <a:pPr marL="0" marR="0" lvl="0" indent="0" algn="l" defTabSz="914400" rtl="0" eaLnBrk="1" fontAlgn="auto" latinLnBrk="0" hangingPunct="1">
-              <a:lnSpc>
-                <a:spcPct val="100000"/>
-              </a:lnSpc>
-              <a:spcBef>
-                <a:spcPts val="0"/>
-              </a:spcBef>
-              <a:spcAft>
-                <a:spcPts val="0"/>
-              </a:spcAft>
-              <a:buClr>
-                <a:srgbClr val="000000"/>
-              </a:buClr>
-              <a:buSzPts val="1100"/>
-              <a:buFont typeface="Arial"/>
-              <a:buNone/>
-              <a:tabLst/>
-              <a:defRPr/>
-            </a:pPr>
-            <a:r>
-              <a:rPr lang="en-US" dirty="0"/>
-              <a:t>https://www.cdc.gov/dotw/pneumonia/index.html</a:t>
-            </a:r>
-          </a:p>
-          <a:p>
-            <a:endParaRPr lang="en-US" dirty="0"/>
-          </a:p>
-        </p:txBody>
-      </p:sp>
-    </p:spTree>
-    <p:extLst>
-      <p:ext uri="{BB962C8B-B14F-4D97-AF65-F5344CB8AC3E}">
-        <p14:creationId xmlns:p14="http://schemas.microsoft.com/office/powerpoint/2010/main" val="3344436303"/>
-      </p:ext>
-    </p:extLst>
-  </p:cSld>
-  <p:clrMapOvr>
-    <a:masterClrMapping/>
-  </p:clrMapOvr>
-</p:notes>
-</file>
-
-<file path=ppt/notesSlides/notesSlide8.xml><?xml version="1.0" encoding="utf-8"?>
-<p:notes xmlns:a="http://schemas.openxmlformats.org/drawingml/2006/main" xmlns:r="http://schemas.openxmlformats.org/officeDocument/2006/relationships" xmlns:p="http://schemas.openxmlformats.org/presentationml/2006/main" showMasterSp="0" showMasterPhAnim="0">
-  <p:cSld>
-    <p:spTree>
-      <p:nvGrpSpPr>
-        <p:cNvPr id="1" name="Shape 161"/>
-        <p:cNvGrpSpPr/>
-        <p:nvPr/>
-      </p:nvGrpSpPr>
-      <p:grpSpPr>
-        <a:xfrm>
-          <a:off x="0" y="0"/>
-          <a:ext cx="0" cy="0"/>
-          <a:chOff x="0" y="0"/>
-          <a:chExt cx="0" cy="0"/>
-        </a:xfrm>
-      </p:grpSpPr>
-      <p:sp>
-        <p:nvSpPr>
-          <p:cNvPr id="162" name="Google Shape;162;gfce27dc116_0_140:notes"/>
-          <p:cNvSpPr>
-            <a:spLocks noGrp="1" noRot="1" noChangeAspect="1"/>
-          </p:cNvSpPr>
-          <p:nvPr>
-            <p:ph type="sldImg" idx="2"/>
-          </p:nvPr>
-        </p:nvSpPr>
-        <p:spPr>
-          <a:xfrm>
-            <a:off x="381000" y="685800"/>
-            <a:ext cx="6096000" cy="3429000"/>
-          </a:xfrm>
-          <a:custGeom>
-            <a:avLst/>
-            <a:gdLst/>
-            <a:ahLst/>
-            <a:cxnLst/>
-            <a:rect l="l" t="t" r="r" b="b"/>
-            <a:pathLst>
-              <a:path w="120000" h="120000" extrusionOk="0">
-                <a:moveTo>
-                  <a:pt x="0" y="0"/>
-                </a:moveTo>
-                <a:lnTo>
-                  <a:pt x="120000" y="0"/>
-                </a:lnTo>
-                <a:lnTo>
-                  <a:pt x="120000" y="120000"/>
-                </a:lnTo>
-                <a:lnTo>
-                  <a:pt x="0" y="120000"/>
-                </a:lnTo>
-                <a:close/>
-              </a:path>
-            </a:pathLst>
-          </a:custGeom>
-        </p:spPr>
-      </p:sp>
-      <p:sp>
-        <p:nvSpPr>
-          <p:cNvPr id="163" name="Google Shape;163;gfce27dc116_0_140:notes"/>
-          <p:cNvSpPr txBox="1">
-            <a:spLocks noGrp="1"/>
-          </p:cNvSpPr>
-          <p:nvPr>
-            <p:ph type="body" idx="1"/>
-          </p:nvPr>
-        </p:nvSpPr>
-        <p:spPr>
-          <a:xfrm>
-            <a:off x="685800" y="4343400"/>
-            <a:ext cx="5486400" cy="4114800"/>
-          </a:xfrm>
-          <a:prstGeom prst="rect">
-            <a:avLst/>
-          </a:prstGeom>
-        </p:spPr>
-        <p:txBody>
-          <a:bodyPr spcFirstLastPara="1" wrap="square" lIns="91425" tIns="91425" rIns="91425" bIns="91425" anchor="t" anchorCtr="0">
-            <a:noAutofit/>
-          </a:bodyPr>
-          <a:lstStyle/>
-          <a:p>
-            <a:pPr marL="0" marR="0" lvl="0" indent="0" algn="l" defTabSz="914400" rtl="0" eaLnBrk="1" fontAlgn="auto" latinLnBrk="0" hangingPunct="1">
-              <a:lnSpc>
-                <a:spcPct val="100000"/>
-              </a:lnSpc>
-              <a:spcBef>
-                <a:spcPts val="0"/>
-              </a:spcBef>
-              <a:spcAft>
-                <a:spcPts val="0"/>
-              </a:spcAft>
-              <a:buClr>
-                <a:srgbClr val="000000"/>
-              </a:buClr>
-              <a:buSzPts val="1100"/>
-              <a:buFont typeface="Arial"/>
-              <a:buNone/>
-              <a:tabLst/>
-              <a:defRPr/>
-            </a:pPr>
-            <a:endParaRPr lang="en-US" dirty="0"/>
-          </a:p>
-          <a:p>
-            <a:pPr marL="0" marR="0" lvl="0" indent="0" algn="l" defTabSz="914400" rtl="0" eaLnBrk="1" fontAlgn="auto" latinLnBrk="0" hangingPunct="1">
-              <a:lnSpc>
-                <a:spcPct val="100000"/>
-              </a:lnSpc>
-              <a:spcBef>
-                <a:spcPts val="0"/>
-              </a:spcBef>
-              <a:spcAft>
-                <a:spcPts val="0"/>
-              </a:spcAft>
-              <a:buClr>
-                <a:srgbClr val="000000"/>
-              </a:buClr>
-              <a:buSzPts val="1100"/>
-              <a:buFont typeface="Arial"/>
-              <a:buNone/>
-              <a:tabLst/>
-              <a:defRPr/>
-            </a:pPr>
-            <a:endParaRPr lang="en-US" dirty="0"/>
-          </a:p>
-          <a:p>
-            <a:pPr marL="0" marR="0" lvl="0" indent="0" algn="l" defTabSz="914400" rtl="0" eaLnBrk="1" fontAlgn="auto" latinLnBrk="0" hangingPunct="1">
-              <a:lnSpc>
-                <a:spcPct val="100000"/>
-              </a:lnSpc>
-              <a:spcBef>
-                <a:spcPts val="0"/>
-              </a:spcBef>
-              <a:spcAft>
-                <a:spcPts val="0"/>
-              </a:spcAft>
-              <a:buClr>
-                <a:srgbClr val="000000"/>
-              </a:buClr>
-              <a:buSzPts val="1100"/>
-              <a:buFont typeface="Arial"/>
-              <a:buNone/>
-              <a:tabLst/>
-              <a:defRPr/>
-            </a:pPr>
-            <a:endParaRPr lang="en-US" dirty="0"/>
-          </a:p>
-          <a:p>
-            <a:pPr marL="0" marR="0" lvl="0" indent="0" algn="l" defTabSz="914400" rtl="0" eaLnBrk="1" fontAlgn="auto" latinLnBrk="0" hangingPunct="1">
-              <a:lnSpc>
-                <a:spcPct val="100000"/>
-              </a:lnSpc>
-              <a:spcBef>
-                <a:spcPts val="0"/>
-              </a:spcBef>
-              <a:spcAft>
-                <a:spcPts val="0"/>
-              </a:spcAft>
-              <a:buClr>
-                <a:srgbClr val="000000"/>
-              </a:buClr>
-              <a:buSzPts val="1100"/>
-              <a:buFont typeface="Arial"/>
-              <a:buNone/>
-              <a:tabLst/>
-              <a:defRPr/>
-            </a:pPr>
-            <a:endParaRPr lang="en-US" dirty="0"/>
-          </a:p>
-        </p:txBody>
-      </p:sp>
-    </p:spTree>
-  </p:cSld>
-  <p:clrMapOvr>
-    <a:masterClrMapping/>
-  </p:clrMapOvr>
-</p:notes>
-</file>
-
-<file path=ppt/notesSlides/notesSlide9.xml><?xml version="1.0" encoding="utf-8"?>
-<p:notes xmlns:a="http://schemas.openxmlformats.org/drawingml/2006/main" xmlns:r="http://schemas.openxmlformats.org/officeDocument/2006/relationships" xmlns:p="http://schemas.openxmlformats.org/presentationml/2006/main">
-  <p:cSld>
-    <p:spTree>
-      <p:nvGrpSpPr>
-        <p:cNvPr id="1" name=""/>
-        <p:cNvGrpSpPr/>
-        <p:nvPr/>
-      </p:nvGrpSpPr>
-      <p:grpSpPr>
-        <a:xfrm>
-          <a:off x="0" y="0"/>
-          <a:ext cx="0" cy="0"/>
-          <a:chOff x="0" y="0"/>
-          <a:chExt cx="0" cy="0"/>
-        </a:xfrm>
-      </p:grpSpPr>
-      <p:sp>
-        <p:nvSpPr>
-          <p:cNvPr id="2" name="Slide Image Placeholder 1"/>
-          <p:cNvSpPr>
-            <a:spLocks noGrp="1" noRot="1" noChangeAspect="1"/>
-          </p:cNvSpPr>
-          <p:nvPr>
-            <p:ph type="sldImg"/>
-          </p:nvPr>
-        </p:nvSpPr>
-        <p:spPr>
-          <a:xfrm>
-            <a:off x="381000" y="685800"/>
-            <a:ext cx="6096000" cy="3429000"/>
-          </a:xfrm>
-        </p:spPr>
-      </p:sp>
-      <p:sp>
-        <p:nvSpPr>
-          <p:cNvPr id="3" name="Notes Placeholder 2"/>
-          <p:cNvSpPr>
-            <a:spLocks noGrp="1"/>
-          </p:cNvSpPr>
-          <p:nvPr>
-            <p:ph type="body" idx="1"/>
-          </p:nvPr>
-        </p:nvSpPr>
-        <p:spPr/>
-        <p:txBody>
-          <a:bodyPr/>
-          <a:lstStyle/>
-          <a:p>
-            <a:pPr marL="158750" indent="0">
-              <a:buNone/>
-            </a:pPr>
-            <a:r>
-              <a:rPr lang="en-US" dirty="0"/>
-              <a:t>Just US or </a:t>
-            </a:r>
-            <a:r>
-              <a:rPr lang="en-US"/>
-              <a:t>also Global? </a:t>
-            </a:r>
-            <a:endParaRPr lang="en-US" dirty="0"/>
-          </a:p>
-        </p:txBody>
-      </p:sp>
-    </p:spTree>
-    <p:extLst>
-      <p:ext uri="{BB962C8B-B14F-4D97-AF65-F5344CB8AC3E}">
-        <p14:creationId xmlns:p14="http://schemas.microsoft.com/office/powerpoint/2010/main" val="3410568046"/>
-      </p:ext>
-    </p:extLst>
   </p:cSld>
   <p:clrMapOvr>
     <a:masterClrMapping/>
@@ -13684,1830 +13856,6 @@
   <p:cSld>
     <p:spTree>
       <p:nvGrpSpPr>
-        <p:cNvPr id="1" name=""/>
-        <p:cNvGrpSpPr/>
-        <p:nvPr/>
-      </p:nvGrpSpPr>
-      <p:grpSpPr>
-        <a:xfrm>
-          <a:off x="0" y="0"/>
-          <a:ext cx="0" cy="0"/>
-          <a:chOff x="0" y="0"/>
-          <a:chExt cx="0" cy="0"/>
-        </a:xfrm>
-      </p:grpSpPr>
-      <p:sp>
-        <p:nvSpPr>
-          <p:cNvPr id="2" name="Title 1">
-            <a:extLst>
-              <a:ext uri="{FF2B5EF4-FFF2-40B4-BE49-F238E27FC236}">
-                <a16:creationId xmlns:a16="http://schemas.microsoft.com/office/drawing/2014/main" id="{6A272A53-9024-45B7-9774-90F7F403D730}"/>
-              </a:ext>
-            </a:extLst>
-          </p:cNvPr>
-          <p:cNvSpPr>
-            <a:spLocks noGrp="1"/>
-          </p:cNvSpPr>
-          <p:nvPr>
-            <p:ph type="title"/>
-          </p:nvPr>
-        </p:nvSpPr>
-        <p:spPr/>
-        <p:txBody>
-          <a:bodyPr/>
-          <a:lstStyle/>
-          <a:p>
-            <a:endParaRPr lang="en-US"/>
-          </a:p>
-        </p:txBody>
-      </p:sp>
-      <p:sp>
-        <p:nvSpPr>
-          <p:cNvPr id="3" name="Text Placeholder 2">
-            <a:extLst>
-              <a:ext uri="{FF2B5EF4-FFF2-40B4-BE49-F238E27FC236}">
-                <a16:creationId xmlns:a16="http://schemas.microsoft.com/office/drawing/2014/main" id="{EB5FE695-0256-4476-908E-39A1D4CB930D}"/>
-              </a:ext>
-            </a:extLst>
-          </p:cNvPr>
-          <p:cNvSpPr>
-            <a:spLocks noGrp="1"/>
-          </p:cNvSpPr>
-          <p:nvPr>
-            <p:ph type="body" idx="1"/>
-          </p:nvPr>
-        </p:nvSpPr>
-        <p:spPr>
-          <a:xfrm>
-            <a:off x="1431061" y="1525978"/>
-            <a:ext cx="6771778" cy="2091544"/>
-          </a:xfrm>
-        </p:spPr>
-        <p:txBody>
-          <a:bodyPr/>
-          <a:lstStyle/>
-          <a:p>
-            <a:r>
-              <a:rPr lang="en-US" sz="1400" dirty="0">
-                <a:solidFill>
-                  <a:schemeClr val="bg1"/>
-                </a:solidFill>
-                <a:effectLst/>
-                <a:highlight>
-                  <a:srgbClr val="00FFFF"/>
-                </a:highlight>
-                <a:latin typeface="+mn-lt"/>
-                <a:ea typeface="Calibri" panose="020F0502020204030204" pitchFamily="34" charset="0"/>
-                <a:cs typeface="Times New Roman" panose="02020603050405020304" pitchFamily="18" charset="0"/>
-              </a:rPr>
-              <a:t>5 - Description of the analysis phase of the project</a:t>
-            </a:r>
-          </a:p>
-          <a:p>
-            <a:endParaRPr lang="en-US" dirty="0"/>
-          </a:p>
-        </p:txBody>
-      </p:sp>
-      <p:pic>
-        <p:nvPicPr>
-          <p:cNvPr id="1026" name="Picture 2">
-            <a:extLst>
-              <a:ext uri="{FF2B5EF4-FFF2-40B4-BE49-F238E27FC236}">
-                <a16:creationId xmlns:a16="http://schemas.microsoft.com/office/drawing/2014/main" id="{0C313D41-433F-4D59-A27F-F09CC7BBA048}"/>
-              </a:ext>
-            </a:extLst>
-          </p:cNvPr>
-          <p:cNvPicPr>
-            <a:picLocks noChangeAspect="1" noChangeArrowheads="1"/>
-          </p:cNvPicPr>
-          <p:nvPr/>
-        </p:nvPicPr>
-        <p:blipFill>
-          <a:blip r:embed="rId3">
-            <a:extLst>
-              <a:ext uri="{28A0092B-C50C-407E-A947-70E740481C1C}">
-                <a14:useLocalDpi xmlns:a14="http://schemas.microsoft.com/office/drawing/2010/main" val="0"/>
-              </a:ext>
-            </a:extLst>
-          </a:blip>
-          <a:srcRect/>
-          <a:stretch>
-            <a:fillRect/>
-          </a:stretch>
-        </p:blipFill>
-        <p:spPr bwMode="auto">
-          <a:xfrm>
-            <a:off x="1726723" y="2020738"/>
-            <a:ext cx="5690553" cy="3014802"/>
-          </a:xfrm>
-          <a:prstGeom prst="rect">
-            <a:avLst/>
-          </a:prstGeom>
-          <a:noFill/>
-          <a:extLst>
-            <a:ext uri="{909E8E84-426E-40DD-AFC4-6F175D3DCCD1}">
-              <a14:hiddenFill xmlns:a14="http://schemas.microsoft.com/office/drawing/2010/main">
-                <a:solidFill>
-                  <a:srgbClr val="FFFFFF"/>
-                </a:solidFill>
-              </a14:hiddenFill>
-            </a:ext>
-          </a:extLst>
-        </p:spPr>
-      </p:pic>
-    </p:spTree>
-    <p:extLst>
-      <p:ext uri="{BB962C8B-B14F-4D97-AF65-F5344CB8AC3E}">
-        <p14:creationId xmlns:p14="http://schemas.microsoft.com/office/powerpoint/2010/main" val="2332666801"/>
-      </p:ext>
-    </p:extLst>
-  </p:cSld>
-  <p:clrMapOvr>
-    <a:masterClrMapping/>
-  </p:clrMapOvr>
-</p:sld>
-</file>
-
-<file path=ppt/slides/slide11.xml><?xml version="1.0" encoding="utf-8"?>
-<p:sld xmlns:a="http://schemas.openxmlformats.org/drawingml/2006/main" xmlns:r="http://schemas.openxmlformats.org/officeDocument/2006/relationships" xmlns:p="http://schemas.openxmlformats.org/presentationml/2006/main">
-  <p:cSld>
-    <p:spTree>
-      <p:nvGrpSpPr>
-        <p:cNvPr id="1" name=""/>
-        <p:cNvGrpSpPr/>
-        <p:nvPr/>
-      </p:nvGrpSpPr>
-      <p:grpSpPr>
-        <a:xfrm>
-          <a:off x="0" y="0"/>
-          <a:ext cx="0" cy="0"/>
-          <a:chOff x="0" y="0"/>
-          <a:chExt cx="0" cy="0"/>
-        </a:xfrm>
-      </p:grpSpPr>
-      <p:sp>
-        <p:nvSpPr>
-          <p:cNvPr id="2" name="Title 1">
-            <a:extLst>
-              <a:ext uri="{FF2B5EF4-FFF2-40B4-BE49-F238E27FC236}">
-                <a16:creationId xmlns:a16="http://schemas.microsoft.com/office/drawing/2014/main" id="{EFAEDF6C-B940-4DBC-9CB3-7CF58FD1D127}"/>
-              </a:ext>
-            </a:extLst>
-          </p:cNvPr>
-          <p:cNvSpPr>
-            <a:spLocks noGrp="1"/>
-          </p:cNvSpPr>
-          <p:nvPr>
-            <p:ph type="title"/>
-          </p:nvPr>
-        </p:nvSpPr>
-        <p:spPr/>
-        <p:txBody>
-          <a:bodyPr/>
-          <a:lstStyle/>
-          <a:p>
-            <a:r>
-              <a:rPr lang="en-US" dirty="0"/>
-              <a:t>Technology</a:t>
-            </a:r>
-          </a:p>
-        </p:txBody>
-      </p:sp>
-      <p:sp>
-        <p:nvSpPr>
-          <p:cNvPr id="3" name="Text Placeholder 2">
-            <a:extLst>
-              <a:ext uri="{FF2B5EF4-FFF2-40B4-BE49-F238E27FC236}">
-                <a16:creationId xmlns:a16="http://schemas.microsoft.com/office/drawing/2014/main" id="{3DADFA7F-D26A-4821-8E37-7CF4E63374D1}"/>
-              </a:ext>
-            </a:extLst>
-          </p:cNvPr>
-          <p:cNvSpPr>
-            <a:spLocks noGrp="1"/>
-          </p:cNvSpPr>
-          <p:nvPr>
-            <p:ph type="body" idx="1"/>
-          </p:nvPr>
-        </p:nvSpPr>
-        <p:spPr>
-          <a:xfrm>
-            <a:off x="1297500" y="1567550"/>
-            <a:ext cx="7038900" cy="3182200"/>
-          </a:xfrm>
-        </p:spPr>
-        <p:txBody>
-          <a:bodyPr>
-            <a:normAutofit fontScale="92500" lnSpcReduction="20000"/>
-          </a:bodyPr>
-          <a:lstStyle/>
-          <a:p>
-            <a:r>
-              <a:rPr lang="en-US" sz="1400" dirty="0">
-                <a:solidFill>
-                  <a:schemeClr val="bg1"/>
-                </a:solidFill>
-                <a:effectLst/>
-                <a:highlight>
-                  <a:srgbClr val="00FFFF"/>
-                </a:highlight>
-                <a:latin typeface="+mn-lt"/>
-                <a:ea typeface="Calibri" panose="020F0502020204030204" pitchFamily="34" charset="0"/>
-                <a:cs typeface="Times New Roman" panose="02020603050405020304" pitchFamily="18" charset="0"/>
-              </a:rPr>
-              <a:t>6 - Technologies, languages, tools, and algorithms used throughout the project</a:t>
-            </a:r>
-          </a:p>
-          <a:p>
-            <a:endParaRPr lang="en-US" sz="1400" dirty="0">
-              <a:solidFill>
-                <a:schemeClr val="bg1"/>
-              </a:solidFill>
-              <a:highlight>
-                <a:srgbClr val="00FFFF"/>
-              </a:highlight>
-              <a:latin typeface="+mn-lt"/>
-              <a:ea typeface="Calibri" panose="020F0502020204030204" pitchFamily="34" charset="0"/>
-              <a:cs typeface="Times New Roman" panose="02020603050405020304" pitchFamily="18" charset="0"/>
-            </a:endParaRPr>
-          </a:p>
-          <a:p>
-            <a:pPr marL="146050" indent="0">
-              <a:buNone/>
-            </a:pPr>
-            <a:r>
-              <a:rPr lang="en-US" sz="1400" dirty="0">
-                <a:solidFill>
-                  <a:schemeClr val="bg1"/>
-                </a:solidFill>
-                <a:effectLst/>
-                <a:latin typeface="+mn-lt"/>
-                <a:ea typeface="Calibri" panose="020F0502020204030204" pitchFamily="34" charset="0"/>
-                <a:cs typeface="Times New Roman" panose="02020603050405020304" pitchFamily="18" charset="0"/>
-              </a:rPr>
-              <a:t>Database</a:t>
-            </a:r>
-          </a:p>
-          <a:p>
-            <a:pPr lvl="1"/>
-            <a:r>
-              <a:rPr lang="en-US" sz="1200" dirty="0">
-                <a:solidFill>
-                  <a:schemeClr val="bg1"/>
-                </a:solidFill>
-                <a:effectLst/>
-                <a:latin typeface="+mn-lt"/>
-                <a:ea typeface="Calibri" panose="020F0502020204030204" pitchFamily="34" charset="0"/>
-                <a:cs typeface="Times New Roman" panose="02020603050405020304" pitchFamily="18" charset="0"/>
-              </a:rPr>
-              <a:t>AWS for data storage</a:t>
-            </a:r>
-          </a:p>
-          <a:p>
-            <a:pPr lvl="1"/>
-            <a:r>
-              <a:rPr lang="en-US" sz="1200" dirty="0" err="1">
-                <a:solidFill>
-                  <a:schemeClr val="bg1"/>
-                </a:solidFill>
-                <a:effectLst/>
-                <a:latin typeface="+mn-lt"/>
-                <a:ea typeface="Calibri" panose="020F0502020204030204" pitchFamily="34" charset="0"/>
-                <a:cs typeface="Times New Roman" panose="02020603050405020304" pitchFamily="18" charset="0"/>
-              </a:rPr>
-              <a:t>PGAdmin</a:t>
-            </a:r>
-            <a:r>
-              <a:rPr lang="en-US" sz="1200" dirty="0">
-                <a:solidFill>
-                  <a:schemeClr val="bg1"/>
-                </a:solidFill>
-                <a:effectLst/>
-                <a:latin typeface="+mn-lt"/>
-                <a:ea typeface="Calibri" panose="020F0502020204030204" pitchFamily="34" charset="0"/>
-                <a:cs typeface="Times New Roman" panose="02020603050405020304" pitchFamily="18" charset="0"/>
-              </a:rPr>
-              <a:t> and PostgreSQL for data table generation and manipulation</a:t>
-            </a:r>
-          </a:p>
-          <a:p>
-            <a:pPr lvl="1"/>
-            <a:r>
-              <a:rPr lang="en-US" sz="1200" dirty="0">
-                <a:solidFill>
-                  <a:schemeClr val="bg1"/>
-                </a:solidFill>
-                <a:effectLst/>
-                <a:latin typeface="+mn-lt"/>
-                <a:ea typeface="Calibri" panose="020F0502020204030204" pitchFamily="34" charset="0"/>
-                <a:cs typeface="Times New Roman" panose="02020603050405020304" pitchFamily="18" charset="0"/>
-              </a:rPr>
-              <a:t>Google Collab Notebooks for cloud database connection</a:t>
-            </a:r>
-          </a:p>
-          <a:p>
-            <a:pPr marL="146050" indent="0">
-              <a:buNone/>
-            </a:pPr>
-            <a:r>
-              <a:rPr lang="en-US" sz="1400" dirty="0">
-                <a:solidFill>
-                  <a:schemeClr val="bg1"/>
-                </a:solidFill>
-                <a:effectLst/>
-                <a:latin typeface="+mn-lt"/>
-                <a:ea typeface="Calibri" panose="020F0502020204030204" pitchFamily="34" charset="0"/>
-                <a:cs typeface="Times New Roman" panose="02020603050405020304" pitchFamily="18" charset="0"/>
-              </a:rPr>
-              <a:t>Machine Learning</a:t>
-            </a:r>
-          </a:p>
-          <a:p>
-            <a:pPr lvl="1"/>
-            <a:r>
-              <a:rPr lang="en-US" sz="1200" dirty="0">
-                <a:solidFill>
-                  <a:schemeClr val="bg1"/>
-                </a:solidFill>
-                <a:effectLst/>
-                <a:latin typeface="+mn-lt"/>
-                <a:ea typeface="Calibri" panose="020F0502020204030204" pitchFamily="34" charset="0"/>
-                <a:cs typeface="Times New Roman" panose="02020603050405020304" pitchFamily="18" charset="0"/>
-              </a:rPr>
-              <a:t>Google Collab for machine learning model generation</a:t>
-            </a:r>
-          </a:p>
-          <a:p>
-            <a:pPr lvl="1"/>
-            <a:r>
-              <a:rPr lang="en-US" sz="1200" dirty="0">
-                <a:solidFill>
-                  <a:schemeClr val="bg1"/>
-                </a:solidFill>
-                <a:effectLst/>
-                <a:latin typeface="+mn-lt"/>
-                <a:ea typeface="Calibri" panose="020F0502020204030204" pitchFamily="34" charset="0"/>
-                <a:cs typeface="Times New Roman" panose="02020603050405020304" pitchFamily="18" charset="0"/>
-              </a:rPr>
-              <a:t>cv2 package for image analysis and preparation</a:t>
-            </a:r>
-          </a:p>
-          <a:p>
-            <a:pPr lvl="1"/>
-            <a:r>
-              <a:rPr lang="en-US" sz="1200" dirty="0">
-                <a:solidFill>
-                  <a:schemeClr val="bg1"/>
-                </a:solidFill>
-                <a:effectLst/>
-                <a:latin typeface="+mn-lt"/>
-                <a:ea typeface="Calibri" panose="020F0502020204030204" pitchFamily="34" charset="0"/>
-                <a:cs typeface="Times New Roman" panose="02020603050405020304" pitchFamily="18" charset="0"/>
-              </a:rPr>
-              <a:t>TensorFlow package for machine learning model generation</a:t>
-            </a:r>
-          </a:p>
-          <a:p>
-            <a:pPr marL="146050" indent="0">
-              <a:buNone/>
-            </a:pPr>
-            <a:r>
-              <a:rPr lang="en-US" sz="1400" dirty="0">
-                <a:solidFill>
-                  <a:schemeClr val="bg1"/>
-                </a:solidFill>
-                <a:effectLst/>
-                <a:latin typeface="+mn-lt"/>
-                <a:ea typeface="Calibri" panose="020F0502020204030204" pitchFamily="34" charset="0"/>
-                <a:cs typeface="Times New Roman" panose="02020603050405020304" pitchFamily="18" charset="0"/>
-              </a:rPr>
-              <a:t>Visualization Technologies</a:t>
-            </a:r>
-          </a:p>
-          <a:p>
-            <a:pPr lvl="1"/>
-            <a:r>
-              <a:rPr lang="en-US" sz="1200" dirty="0" err="1">
-                <a:solidFill>
-                  <a:schemeClr val="bg1"/>
-                </a:solidFill>
-                <a:effectLst/>
-                <a:latin typeface="+mn-lt"/>
-                <a:ea typeface="Calibri" panose="020F0502020204030204" pitchFamily="34" charset="0"/>
-                <a:cs typeface="Times New Roman" panose="02020603050405020304" pitchFamily="18" charset="0"/>
-              </a:rPr>
-              <a:t>hvplot</a:t>
-            </a:r>
-            <a:r>
-              <a:rPr lang="en-US" sz="1200" dirty="0">
-                <a:solidFill>
-                  <a:schemeClr val="bg1"/>
-                </a:solidFill>
-                <a:effectLst/>
-                <a:latin typeface="+mn-lt"/>
-                <a:ea typeface="Calibri" panose="020F0502020204030204" pitchFamily="34" charset="0"/>
-                <a:cs typeface="Times New Roman" panose="02020603050405020304" pitchFamily="18" charset="0"/>
-              </a:rPr>
-              <a:t>/</a:t>
-            </a:r>
-            <a:r>
-              <a:rPr lang="en-US" sz="1200" dirty="0" err="1">
-                <a:solidFill>
-                  <a:schemeClr val="bg1"/>
-                </a:solidFill>
-                <a:effectLst/>
-                <a:latin typeface="+mn-lt"/>
-                <a:ea typeface="Calibri" panose="020F0502020204030204" pitchFamily="34" charset="0"/>
-                <a:cs typeface="Times New Roman" panose="02020603050405020304" pitchFamily="18" charset="0"/>
-              </a:rPr>
-              <a:t>plotly</a:t>
-            </a:r>
-            <a:r>
-              <a:rPr lang="en-US" sz="1200" dirty="0">
-                <a:solidFill>
-                  <a:schemeClr val="bg1"/>
-                </a:solidFill>
-                <a:effectLst/>
-                <a:latin typeface="+mn-lt"/>
-                <a:ea typeface="Calibri" panose="020F0502020204030204" pitchFamily="34" charset="0"/>
-                <a:cs typeface="Times New Roman" panose="02020603050405020304" pitchFamily="18" charset="0"/>
-              </a:rPr>
-              <a:t> for visualizing the outputs of our classification model and results of our model</a:t>
-            </a:r>
-          </a:p>
-          <a:p>
-            <a:pPr lvl="1"/>
-            <a:r>
-              <a:rPr lang="en-US" sz="1200" dirty="0">
-                <a:solidFill>
-                  <a:schemeClr val="bg1"/>
-                </a:solidFill>
-                <a:effectLst/>
-                <a:latin typeface="+mn-lt"/>
-                <a:ea typeface="Calibri" panose="020F0502020204030204" pitchFamily="34" charset="0"/>
-                <a:cs typeface="Times New Roman" panose="02020603050405020304" pitchFamily="18" charset="0"/>
-              </a:rPr>
-              <a:t>Tableau Public for additional visualization support</a:t>
-            </a:r>
-          </a:p>
-          <a:p>
-            <a:pPr lvl="1"/>
-            <a:r>
-              <a:rPr lang="en-US" sz="1200" dirty="0">
-                <a:solidFill>
-                  <a:schemeClr val="bg1"/>
-                </a:solidFill>
-                <a:effectLst/>
-                <a:latin typeface="+mn-lt"/>
-                <a:ea typeface="Calibri" panose="020F0502020204030204" pitchFamily="34" charset="0"/>
-                <a:cs typeface="Times New Roman" panose="02020603050405020304" pitchFamily="18" charset="0"/>
-              </a:rPr>
-              <a:t>Heroku for hosting visualizations</a:t>
-            </a:r>
-          </a:p>
-          <a:p>
-            <a:pPr marL="146050" indent="0">
-              <a:buNone/>
-            </a:pPr>
-            <a:r>
-              <a:rPr lang="en-US" sz="1400" dirty="0">
-                <a:solidFill>
-                  <a:schemeClr val="bg1"/>
-                </a:solidFill>
-                <a:latin typeface="+mn-lt"/>
-                <a:ea typeface="Calibri" panose="020F0502020204030204" pitchFamily="34" charset="0"/>
-                <a:cs typeface="Times New Roman" panose="02020603050405020304" pitchFamily="18" charset="0"/>
-              </a:rPr>
-              <a:t>Other</a:t>
-            </a:r>
-          </a:p>
-          <a:p>
-            <a:pPr lvl="1"/>
-            <a:r>
-              <a:rPr lang="en-US" sz="1200" dirty="0">
-                <a:solidFill>
-                  <a:schemeClr val="bg1"/>
-                </a:solidFill>
-                <a:effectLst/>
-                <a:latin typeface="+mn-lt"/>
-                <a:ea typeface="Calibri" panose="020F0502020204030204" pitchFamily="34" charset="0"/>
-                <a:cs typeface="Times New Roman" panose="02020603050405020304" pitchFamily="18" charset="0"/>
-              </a:rPr>
-              <a:t>Flask for website Development</a:t>
-            </a:r>
-          </a:p>
-          <a:p>
-            <a:pPr lvl="1"/>
-            <a:r>
-              <a:rPr lang="en-US" sz="1200" dirty="0">
-                <a:solidFill>
-                  <a:schemeClr val="bg1"/>
-                </a:solidFill>
-                <a:latin typeface="+mn-lt"/>
-                <a:ea typeface="Calibri" panose="020F0502020204030204" pitchFamily="34" charset="0"/>
-                <a:cs typeface="Times New Roman" panose="02020603050405020304" pitchFamily="18" charset="0"/>
-              </a:rPr>
-              <a:t>VS Code and Spyder for coding</a:t>
-            </a:r>
-            <a:endParaRPr lang="en-US" sz="1200" dirty="0">
-              <a:solidFill>
-                <a:schemeClr val="bg1"/>
-              </a:solidFill>
-              <a:effectLst/>
-              <a:latin typeface="+mn-lt"/>
-              <a:ea typeface="Calibri" panose="020F0502020204030204" pitchFamily="34" charset="0"/>
-              <a:cs typeface="Times New Roman" panose="02020603050405020304" pitchFamily="18" charset="0"/>
-            </a:endParaRPr>
-          </a:p>
-          <a:p>
-            <a:pPr lvl="1"/>
-            <a:endParaRPr lang="en-US" sz="1200" dirty="0">
-              <a:solidFill>
-                <a:schemeClr val="bg1"/>
-              </a:solidFill>
-              <a:effectLst/>
-              <a:latin typeface="+mn-lt"/>
-              <a:ea typeface="Calibri" panose="020F0502020204030204" pitchFamily="34" charset="0"/>
-              <a:cs typeface="Times New Roman" panose="02020603050405020304" pitchFamily="18" charset="0"/>
-            </a:endParaRPr>
-          </a:p>
-          <a:p>
-            <a:endParaRPr lang="en-US" dirty="0"/>
-          </a:p>
-        </p:txBody>
-      </p:sp>
-    </p:spTree>
-    <p:extLst>
-      <p:ext uri="{BB962C8B-B14F-4D97-AF65-F5344CB8AC3E}">
-        <p14:creationId xmlns:p14="http://schemas.microsoft.com/office/powerpoint/2010/main" val="556788932"/>
-      </p:ext>
-    </p:extLst>
-  </p:cSld>
-  <p:clrMapOvr>
-    <a:masterClrMapping/>
-  </p:clrMapOvr>
-</p:sld>
-</file>
-
-<file path=ppt/slides/slide12.xml><?xml version="1.0" encoding="utf-8"?>
-<p:sld xmlns:a="http://schemas.openxmlformats.org/drawingml/2006/main" xmlns:r="http://schemas.openxmlformats.org/officeDocument/2006/relationships" xmlns:p="http://schemas.openxmlformats.org/presentationml/2006/main">
-  <p:cSld>
-    <p:spTree>
-      <p:nvGrpSpPr>
-        <p:cNvPr id="1" name=""/>
-        <p:cNvGrpSpPr/>
-        <p:nvPr/>
-      </p:nvGrpSpPr>
-      <p:grpSpPr>
-        <a:xfrm>
-          <a:off x="0" y="0"/>
-          <a:ext cx="0" cy="0"/>
-          <a:chOff x="0" y="0"/>
-          <a:chExt cx="0" cy="0"/>
-        </a:xfrm>
-      </p:grpSpPr>
-      <p:sp>
-        <p:nvSpPr>
-          <p:cNvPr id="2" name="Title 1">
-            <a:extLst>
-              <a:ext uri="{FF2B5EF4-FFF2-40B4-BE49-F238E27FC236}">
-                <a16:creationId xmlns:a16="http://schemas.microsoft.com/office/drawing/2014/main" id="{716E84BB-382F-4DFE-9C77-EAAC634D7ACC}"/>
-              </a:ext>
-            </a:extLst>
-          </p:cNvPr>
-          <p:cNvSpPr>
-            <a:spLocks noGrp="1"/>
-          </p:cNvSpPr>
-          <p:nvPr>
-            <p:ph type="title"/>
-          </p:nvPr>
-        </p:nvSpPr>
-        <p:spPr/>
-        <p:txBody>
-          <a:bodyPr/>
-          <a:lstStyle/>
-          <a:p>
-            <a:r>
-              <a:rPr lang="en-US" dirty="0"/>
-              <a:t>Results</a:t>
-            </a:r>
-          </a:p>
-        </p:txBody>
-      </p:sp>
-      <p:sp>
-        <p:nvSpPr>
-          <p:cNvPr id="3" name="Text Placeholder 2">
-            <a:extLst>
-              <a:ext uri="{FF2B5EF4-FFF2-40B4-BE49-F238E27FC236}">
-                <a16:creationId xmlns:a16="http://schemas.microsoft.com/office/drawing/2014/main" id="{D72EFCC1-F9DB-412D-A20B-93B8BC13B17E}"/>
-              </a:ext>
-            </a:extLst>
-          </p:cNvPr>
-          <p:cNvSpPr>
-            <a:spLocks noGrp="1"/>
-          </p:cNvSpPr>
-          <p:nvPr>
-            <p:ph type="body" idx="1"/>
-          </p:nvPr>
-        </p:nvSpPr>
-        <p:spPr/>
-        <p:txBody>
-          <a:bodyPr/>
-          <a:lstStyle/>
-          <a:p>
-            <a:r>
-              <a:rPr lang="en-US" sz="1400" dirty="0">
-                <a:solidFill>
-                  <a:schemeClr val="bg1"/>
-                </a:solidFill>
-                <a:effectLst/>
-                <a:latin typeface="+mn-lt"/>
-                <a:ea typeface="Calibri" panose="020F0502020204030204" pitchFamily="34" charset="0"/>
-                <a:cs typeface="Times New Roman" panose="02020603050405020304" pitchFamily="18" charset="0"/>
-              </a:rPr>
-              <a:t>Model accuracy: (insert Model charts here)</a:t>
-            </a:r>
-          </a:p>
-          <a:p>
-            <a:pPr marL="146050" indent="0">
-              <a:buNone/>
-            </a:pPr>
-            <a:endParaRPr lang="en-US" sz="1400" dirty="0">
-              <a:solidFill>
-                <a:schemeClr val="bg1"/>
-              </a:solidFill>
-              <a:effectLst/>
-              <a:latin typeface="+mn-lt"/>
-              <a:ea typeface="Calibri" panose="020F0502020204030204" pitchFamily="34" charset="0"/>
-              <a:cs typeface="Times New Roman" panose="02020603050405020304" pitchFamily="18" charset="0"/>
-            </a:endParaRPr>
-          </a:p>
-          <a:p>
-            <a:endParaRPr lang="en-US" sz="1400" dirty="0">
-              <a:solidFill>
-                <a:schemeClr val="bg1"/>
-              </a:solidFill>
-              <a:latin typeface="+mn-lt"/>
-              <a:ea typeface="Calibri" panose="020F0502020204030204" pitchFamily="34" charset="0"/>
-              <a:cs typeface="Times New Roman" panose="02020603050405020304" pitchFamily="18" charset="0"/>
-            </a:endParaRPr>
-          </a:p>
-          <a:p>
-            <a:r>
-              <a:rPr lang="en-US" sz="1400" dirty="0">
-                <a:solidFill>
-                  <a:schemeClr val="bg1"/>
-                </a:solidFill>
-                <a:effectLst/>
-                <a:latin typeface="+mn-lt"/>
-                <a:ea typeface="Calibri" panose="020F0502020204030204" pitchFamily="34" charset="0"/>
-                <a:cs typeface="Times New Roman" panose="02020603050405020304" pitchFamily="18" charset="0"/>
-              </a:rPr>
-              <a:t>Website Demo: </a:t>
-            </a:r>
-            <a:r>
-              <a:rPr lang="en-US" sz="1400" dirty="0">
-                <a:solidFill>
-                  <a:schemeClr val="bg1"/>
-                </a:solidFill>
-                <a:latin typeface="+mn-lt"/>
-                <a:ea typeface="Calibri" panose="020F0502020204030204" pitchFamily="34" charset="0"/>
-                <a:cs typeface="Times New Roman" panose="02020603050405020304" pitchFamily="18" charset="0"/>
-              </a:rPr>
-              <a:t>(</a:t>
-            </a:r>
-            <a:r>
-              <a:rPr lang="en-US" sz="1400" dirty="0">
-                <a:solidFill>
-                  <a:schemeClr val="bg1"/>
-                </a:solidFill>
-                <a:effectLst/>
-                <a:latin typeface="+mn-lt"/>
-                <a:ea typeface="Calibri" panose="020F0502020204030204" pitchFamily="34" charset="0"/>
-                <a:cs typeface="Times New Roman" panose="02020603050405020304" pitchFamily="18" charset="0"/>
-              </a:rPr>
-              <a:t>insert link here)</a:t>
-            </a:r>
-            <a:endParaRPr lang="en-US" dirty="0"/>
-          </a:p>
-        </p:txBody>
-      </p:sp>
-    </p:spTree>
-    <p:extLst>
-      <p:ext uri="{BB962C8B-B14F-4D97-AF65-F5344CB8AC3E}">
-        <p14:creationId xmlns:p14="http://schemas.microsoft.com/office/powerpoint/2010/main" val="3438400880"/>
-      </p:ext>
-    </p:extLst>
-  </p:cSld>
-  <p:clrMapOvr>
-    <a:masterClrMapping/>
-  </p:clrMapOvr>
-</p:sld>
-</file>
-
-<file path=ppt/slides/slide13.xml><?xml version="1.0" encoding="utf-8"?>
-<p:sld xmlns:a="http://schemas.openxmlformats.org/drawingml/2006/main" xmlns:r="http://schemas.openxmlformats.org/officeDocument/2006/relationships" xmlns:p="http://schemas.openxmlformats.org/presentationml/2006/main">
-  <p:cSld>
-    <p:spTree>
-      <p:nvGrpSpPr>
-        <p:cNvPr id="1" name="Shape 170"/>
-        <p:cNvGrpSpPr/>
-        <p:nvPr/>
-      </p:nvGrpSpPr>
-      <p:grpSpPr>
-        <a:xfrm>
-          <a:off x="0" y="0"/>
-          <a:ext cx="0" cy="0"/>
-          <a:chOff x="0" y="0"/>
-          <a:chExt cx="0" cy="0"/>
-        </a:xfrm>
-      </p:grpSpPr>
-      <p:sp>
-        <p:nvSpPr>
-          <p:cNvPr id="171" name="Google Shape;171;p19"/>
-          <p:cNvSpPr txBox="1">
-            <a:spLocks noGrp="1"/>
-          </p:cNvSpPr>
-          <p:nvPr>
-            <p:ph type="title"/>
-          </p:nvPr>
-        </p:nvSpPr>
-        <p:spPr>
-          <a:xfrm>
-            <a:off x="1297500" y="393750"/>
-            <a:ext cx="7038900" cy="914100"/>
-          </a:xfrm>
-          <a:prstGeom prst="rect">
-            <a:avLst/>
-          </a:prstGeom>
-        </p:spPr>
-        <p:txBody>
-          <a:bodyPr spcFirstLastPara="1" wrap="square" lIns="91425" tIns="91425" rIns="91425" bIns="91425" anchor="t" anchorCtr="0">
-            <a:normAutofit/>
-          </a:bodyPr>
-          <a:lstStyle/>
-          <a:p>
-            <a:pPr marL="0" lvl="0" indent="0" algn="l" rtl="0">
-              <a:spcBef>
-                <a:spcPts val="0"/>
-              </a:spcBef>
-              <a:spcAft>
-                <a:spcPts val="0"/>
-              </a:spcAft>
-              <a:buNone/>
-            </a:pPr>
-            <a:r>
-              <a:rPr lang="en"/>
-              <a:t>Beyond the Model</a:t>
-            </a:r>
-            <a:endParaRPr/>
-          </a:p>
-        </p:txBody>
-      </p:sp>
-      <p:sp>
-        <p:nvSpPr>
-          <p:cNvPr id="172" name="Google Shape;172;p19"/>
-          <p:cNvSpPr txBox="1">
-            <a:spLocks noGrp="1"/>
-          </p:cNvSpPr>
-          <p:nvPr>
-            <p:ph type="body" idx="1"/>
-          </p:nvPr>
-        </p:nvSpPr>
-        <p:spPr>
-          <a:xfrm>
-            <a:off x="1297500" y="1567550"/>
-            <a:ext cx="7038900" cy="2911200"/>
-          </a:xfrm>
-          <a:prstGeom prst="rect">
-            <a:avLst/>
-          </a:prstGeom>
-        </p:spPr>
-        <p:txBody>
-          <a:bodyPr spcFirstLastPara="1" wrap="square" lIns="91425" tIns="91425" rIns="91425" bIns="91425" anchor="t" anchorCtr="0">
-            <a:normAutofit/>
-          </a:bodyPr>
-          <a:lstStyle/>
-          <a:p>
-            <a:pPr marL="0" indent="0">
-              <a:buNone/>
-            </a:pPr>
-            <a:r>
-              <a:rPr lang="en-US" sz="1400" dirty="0">
-                <a:solidFill>
-                  <a:schemeClr val="bg1"/>
-                </a:solidFill>
-                <a:effectLst/>
-                <a:highlight>
-                  <a:srgbClr val="00FFFF"/>
-                </a:highlight>
-                <a:latin typeface="+mn-lt"/>
-                <a:ea typeface="Calibri" panose="020F0502020204030204" pitchFamily="34" charset="0"/>
-                <a:cs typeface="Times New Roman" panose="02020603050405020304" pitchFamily="18" charset="0"/>
-              </a:rPr>
-              <a:t>8 - Recommendation for future analysis</a:t>
-            </a:r>
-          </a:p>
-          <a:p>
-            <a:pPr marL="0" lvl="0" indent="0" algn="l" rtl="0">
-              <a:spcBef>
-                <a:spcPts val="0"/>
-              </a:spcBef>
-              <a:spcAft>
-                <a:spcPts val="0"/>
-              </a:spcAft>
-              <a:buNone/>
-            </a:pPr>
-            <a:endParaRPr lang="en" dirty="0"/>
-          </a:p>
-          <a:p>
-            <a:pPr marL="0" lvl="0" indent="0" algn="l" rtl="0">
-              <a:spcBef>
-                <a:spcPts val="0"/>
-              </a:spcBef>
-              <a:spcAft>
-                <a:spcPts val="0"/>
-              </a:spcAft>
-              <a:buNone/>
-            </a:pPr>
-            <a:r>
-              <a:rPr lang="en" dirty="0"/>
-              <a:t>Could this model be further applied to chest x-rays with diagnoses outside of pneumonia and be adapted to interpret the x-rays of patients with an array of diagnoses? </a:t>
-            </a:r>
-            <a:endParaRPr dirty="0"/>
-          </a:p>
-          <a:p>
-            <a:pPr marL="0" lvl="0" indent="0" algn="l" rtl="0">
-              <a:spcBef>
-                <a:spcPts val="1200"/>
-              </a:spcBef>
-              <a:spcAft>
-                <a:spcPts val="1200"/>
-              </a:spcAft>
-              <a:buNone/>
-            </a:pPr>
-            <a:r>
-              <a:rPr lang="en" dirty="0"/>
-              <a:t>If we set up our database is to take in new images can we use them to periodically update the model to improve the lifelong accuracy of the model? </a:t>
-            </a:r>
-          </a:p>
-          <a:p>
-            <a:pPr marL="0" lvl="0" indent="0" algn="l" rtl="0">
-              <a:spcBef>
-                <a:spcPts val="1200"/>
-              </a:spcBef>
-              <a:spcAft>
-                <a:spcPts val="1200"/>
-              </a:spcAft>
-              <a:buNone/>
-            </a:pPr>
-            <a:r>
-              <a:rPr lang="en" dirty="0"/>
-              <a:t>Building the ability to upload and analyze multi images at a time</a:t>
-            </a:r>
-          </a:p>
-          <a:p>
-            <a:pPr marL="0" lvl="0" indent="0" algn="l" rtl="0">
-              <a:spcBef>
-                <a:spcPts val="1200"/>
-              </a:spcBef>
-              <a:spcAft>
-                <a:spcPts val="1200"/>
-              </a:spcAft>
-              <a:buNone/>
-            </a:pPr>
-            <a:endParaRPr lang="en" dirty="0"/>
-          </a:p>
-          <a:p>
-            <a:pPr marL="0" lvl="0" indent="0" algn="l" rtl="0">
-              <a:spcBef>
-                <a:spcPts val="1200"/>
-              </a:spcBef>
-              <a:spcAft>
-                <a:spcPts val="1200"/>
-              </a:spcAft>
-              <a:buNone/>
-            </a:pPr>
-            <a:endParaRPr dirty="0"/>
-          </a:p>
-        </p:txBody>
-      </p:sp>
-    </p:spTree>
-  </p:cSld>
-  <p:clrMapOvr>
-    <a:masterClrMapping/>
-  </p:clrMapOvr>
-</p:sld>
-</file>
-
-<file path=ppt/slides/slide14.xml><?xml version="1.0" encoding="utf-8"?>
-<p:sld xmlns:a="http://schemas.openxmlformats.org/drawingml/2006/main" xmlns:r="http://schemas.openxmlformats.org/officeDocument/2006/relationships" xmlns:p="http://schemas.openxmlformats.org/presentationml/2006/main">
-  <p:cSld>
-    <p:spTree>
-      <p:nvGrpSpPr>
-        <p:cNvPr id="1" name=""/>
-        <p:cNvGrpSpPr/>
-        <p:nvPr/>
-      </p:nvGrpSpPr>
-      <p:grpSpPr>
-        <a:xfrm>
-          <a:off x="0" y="0"/>
-          <a:ext cx="0" cy="0"/>
-          <a:chOff x="0" y="0"/>
-          <a:chExt cx="0" cy="0"/>
-        </a:xfrm>
-      </p:grpSpPr>
-      <p:sp>
-        <p:nvSpPr>
-          <p:cNvPr id="2" name="Title 1">
-            <a:extLst>
-              <a:ext uri="{FF2B5EF4-FFF2-40B4-BE49-F238E27FC236}">
-                <a16:creationId xmlns:a16="http://schemas.microsoft.com/office/drawing/2014/main" id="{B95C793C-016C-4674-AC95-44904D67D848}"/>
-              </a:ext>
-            </a:extLst>
-          </p:cNvPr>
-          <p:cNvSpPr>
-            <a:spLocks noGrp="1"/>
-          </p:cNvSpPr>
-          <p:nvPr>
-            <p:ph type="title"/>
-          </p:nvPr>
-        </p:nvSpPr>
-        <p:spPr/>
-        <p:txBody>
-          <a:bodyPr/>
-          <a:lstStyle/>
-          <a:p>
-            <a:endParaRPr lang="en-US" dirty="0"/>
-          </a:p>
-        </p:txBody>
-      </p:sp>
-      <p:sp>
-        <p:nvSpPr>
-          <p:cNvPr id="3" name="Text Placeholder 2">
-            <a:extLst>
-              <a:ext uri="{FF2B5EF4-FFF2-40B4-BE49-F238E27FC236}">
-                <a16:creationId xmlns:a16="http://schemas.microsoft.com/office/drawing/2014/main" id="{8DA38305-3640-4AA3-8D98-3829390293FC}"/>
-              </a:ext>
-            </a:extLst>
-          </p:cNvPr>
-          <p:cNvSpPr>
-            <a:spLocks noGrp="1"/>
-          </p:cNvSpPr>
-          <p:nvPr>
-            <p:ph type="body" idx="1"/>
-          </p:nvPr>
-        </p:nvSpPr>
-        <p:spPr/>
-        <p:txBody>
-          <a:bodyPr/>
-          <a:lstStyle/>
-          <a:p>
-            <a:r>
-              <a:rPr lang="en-US" sz="1400" dirty="0">
-                <a:solidFill>
-                  <a:schemeClr val="bg1"/>
-                </a:solidFill>
-                <a:effectLst/>
-                <a:highlight>
-                  <a:srgbClr val="00FFFF"/>
-                </a:highlight>
-                <a:latin typeface="+mn-lt"/>
-                <a:ea typeface="Calibri" panose="020F0502020204030204" pitchFamily="34" charset="0"/>
-                <a:cs typeface="Times New Roman" panose="02020603050405020304" pitchFamily="18" charset="0"/>
-              </a:rPr>
-              <a:t>9 - Anything the team would have done differently</a:t>
-            </a:r>
-          </a:p>
-          <a:p>
-            <a:endParaRPr lang="en-US" dirty="0"/>
-          </a:p>
-        </p:txBody>
-      </p:sp>
-    </p:spTree>
-    <p:extLst>
-      <p:ext uri="{BB962C8B-B14F-4D97-AF65-F5344CB8AC3E}">
-        <p14:creationId xmlns:p14="http://schemas.microsoft.com/office/powerpoint/2010/main" val="3529849647"/>
-      </p:ext>
-    </p:extLst>
-  </p:cSld>
-  <p:clrMapOvr>
-    <a:masterClrMapping/>
-  </p:clrMapOvr>
-</p:sld>
-</file>
-
-<file path=ppt/slides/slide2.xml><?xml version="1.0" encoding="utf-8"?>
-<p:sld xmlns:a="http://schemas.openxmlformats.org/drawingml/2006/main" xmlns:r="http://schemas.openxmlformats.org/officeDocument/2006/relationships" xmlns:p="http://schemas.openxmlformats.org/presentationml/2006/main">
-  <p:cSld>
-    <p:spTree>
-      <p:nvGrpSpPr>
-        <p:cNvPr id="1" name="Shape 140"/>
-        <p:cNvGrpSpPr/>
-        <p:nvPr/>
-      </p:nvGrpSpPr>
-      <p:grpSpPr>
-        <a:xfrm>
-          <a:off x="0" y="0"/>
-          <a:ext cx="0" cy="0"/>
-          <a:chOff x="0" y="0"/>
-          <a:chExt cx="0" cy="0"/>
-        </a:xfrm>
-      </p:grpSpPr>
-      <p:sp>
-        <p:nvSpPr>
-          <p:cNvPr id="141" name="Google Shape;141;p14"/>
-          <p:cNvSpPr txBox="1">
-            <a:spLocks noGrp="1"/>
-          </p:cNvSpPr>
-          <p:nvPr>
-            <p:ph type="ctrTitle"/>
-          </p:nvPr>
-        </p:nvSpPr>
-        <p:spPr>
-          <a:xfrm>
-            <a:off x="3537150" y="1578400"/>
-            <a:ext cx="5017500" cy="1578900"/>
-          </a:xfrm>
-          <a:prstGeom prst="rect">
-            <a:avLst/>
-          </a:prstGeom>
-        </p:spPr>
-        <p:txBody>
-          <a:bodyPr spcFirstLastPara="1" wrap="square" lIns="91425" tIns="91425" rIns="91425" bIns="91425" anchor="t" anchorCtr="0">
-            <a:normAutofit fontScale="90000"/>
-          </a:bodyPr>
-          <a:lstStyle/>
-          <a:p>
-            <a:pPr marL="0" lvl="0" indent="0" algn="l" rtl="0">
-              <a:spcBef>
-                <a:spcPts val="0"/>
-              </a:spcBef>
-              <a:spcAft>
-                <a:spcPts val="0"/>
-              </a:spcAft>
-              <a:buNone/>
-            </a:pPr>
-            <a:r>
-              <a:rPr lang="en" dirty="0"/>
-              <a:t>Pneumonia Image </a:t>
-            </a:r>
-            <a:endParaRPr dirty="0"/>
-          </a:p>
-          <a:p>
-            <a:pPr marL="0" lvl="0" indent="0" algn="l" rtl="0">
-              <a:spcBef>
-                <a:spcPts val="0"/>
-              </a:spcBef>
-              <a:spcAft>
-                <a:spcPts val="0"/>
-              </a:spcAft>
-              <a:buNone/>
-            </a:pPr>
-            <a:r>
-              <a:rPr lang="en" dirty="0"/>
-              <a:t>				Analysis</a:t>
-            </a:r>
-            <a:endParaRPr dirty="0"/>
-          </a:p>
-        </p:txBody>
-      </p:sp>
-      <p:sp>
-        <p:nvSpPr>
-          <p:cNvPr id="142" name="Google Shape;142;p14"/>
-          <p:cNvSpPr txBox="1">
-            <a:spLocks noGrp="1"/>
-          </p:cNvSpPr>
-          <p:nvPr>
-            <p:ph type="subTitle" idx="1"/>
-          </p:nvPr>
-        </p:nvSpPr>
-        <p:spPr>
-          <a:xfrm>
-            <a:off x="5083950" y="3924924"/>
-            <a:ext cx="3470700" cy="883049"/>
-          </a:xfrm>
-          <a:prstGeom prst="rect">
-            <a:avLst/>
-          </a:prstGeom>
-        </p:spPr>
-        <p:txBody>
-          <a:bodyPr spcFirstLastPara="1" wrap="square" lIns="91425" tIns="91425" rIns="91425" bIns="91425" anchor="t" anchorCtr="0">
-            <a:normAutofit/>
-          </a:bodyPr>
-          <a:lstStyle/>
-          <a:p>
-            <a:pPr marL="0" lvl="0" indent="0" algn="l" rtl="0">
-              <a:spcBef>
-                <a:spcPts val="0"/>
-              </a:spcBef>
-              <a:spcAft>
-                <a:spcPts val="0"/>
-              </a:spcAft>
-              <a:buNone/>
-            </a:pPr>
-            <a:r>
-              <a:rPr lang="en" dirty="0"/>
-              <a:t>To sneeze or not to Sneeze</a:t>
-            </a:r>
-          </a:p>
-          <a:p>
-            <a:pPr marL="0" lvl="0" indent="0" algn="l" rtl="0">
-              <a:spcBef>
-                <a:spcPts val="0"/>
-              </a:spcBef>
-              <a:spcAft>
-                <a:spcPts val="0"/>
-              </a:spcAft>
-              <a:buNone/>
-            </a:pPr>
-            <a:endParaRPr lang="en" dirty="0"/>
-          </a:p>
-          <a:p>
-            <a:pPr marL="0" lvl="0" indent="0" algn="l" rtl="0">
-              <a:spcBef>
-                <a:spcPts val="0"/>
-              </a:spcBef>
-              <a:spcAft>
-                <a:spcPts val="0"/>
-              </a:spcAft>
-              <a:buNone/>
-            </a:pPr>
-            <a:r>
-              <a:rPr lang="en" dirty="0"/>
-              <a:t>Nothi</a:t>
-            </a:r>
-            <a:r>
-              <a:rPr lang="en-US" dirty="0"/>
-              <a:t>ng</a:t>
-            </a:r>
-            <a:r>
-              <a:rPr lang="en" dirty="0"/>
-              <a:t> to Sneeze at</a:t>
-            </a:r>
-            <a:endParaRPr dirty="0"/>
-          </a:p>
-        </p:txBody>
-      </p:sp>
-    </p:spTree>
-  </p:cSld>
-  <p:clrMapOvr>
-    <a:masterClrMapping/>
-  </p:clrMapOvr>
-</p:sld>
-</file>
-
-<file path=ppt/slides/slide3.xml><?xml version="1.0" encoding="utf-8"?>
-<p:sld xmlns:a="http://schemas.openxmlformats.org/drawingml/2006/main" xmlns:r="http://schemas.openxmlformats.org/officeDocument/2006/relationships" xmlns:p="http://schemas.openxmlformats.org/presentationml/2006/main">
-  <p:cSld>
-    <p:spTree>
-      <p:nvGrpSpPr>
-        <p:cNvPr id="1" name="Shape 146"/>
-        <p:cNvGrpSpPr/>
-        <p:nvPr/>
-      </p:nvGrpSpPr>
-      <p:grpSpPr>
-        <a:xfrm>
-          <a:off x="0" y="0"/>
-          <a:ext cx="0" cy="0"/>
-          <a:chOff x="0" y="0"/>
-          <a:chExt cx="0" cy="0"/>
-        </a:xfrm>
-      </p:grpSpPr>
-      <p:sp>
-        <p:nvSpPr>
-          <p:cNvPr id="147" name="Google Shape;147;p15"/>
-          <p:cNvSpPr txBox="1">
-            <a:spLocks noGrp="1"/>
-          </p:cNvSpPr>
-          <p:nvPr>
-            <p:ph type="title"/>
-          </p:nvPr>
-        </p:nvSpPr>
-        <p:spPr>
-          <a:xfrm>
-            <a:off x="1297500" y="393750"/>
-            <a:ext cx="7038900" cy="914100"/>
-          </a:xfrm>
-          <a:prstGeom prst="rect">
-            <a:avLst/>
-          </a:prstGeom>
-        </p:spPr>
-        <p:txBody>
-          <a:bodyPr spcFirstLastPara="1" wrap="square" lIns="91425" tIns="91425" rIns="91425" bIns="91425" anchor="t" anchorCtr="0">
-            <a:normAutofit/>
-          </a:bodyPr>
-          <a:lstStyle/>
-          <a:p>
-            <a:pPr marL="0" lvl="0" indent="0" algn="l" rtl="0">
-              <a:spcBef>
-                <a:spcPts val="0"/>
-              </a:spcBef>
-              <a:spcAft>
-                <a:spcPts val="0"/>
-              </a:spcAft>
-              <a:buNone/>
-            </a:pPr>
-            <a:r>
-              <a:rPr lang="en" dirty="0"/>
-              <a:t>Overview: Pneumonia Image Analysis</a:t>
-            </a:r>
-            <a:endParaRPr dirty="0"/>
-          </a:p>
-        </p:txBody>
-      </p:sp>
-      <p:sp>
-        <p:nvSpPr>
-          <p:cNvPr id="148" name="Google Shape;148;p15"/>
-          <p:cNvSpPr txBox="1">
-            <a:spLocks noGrp="1"/>
-          </p:cNvSpPr>
-          <p:nvPr>
-            <p:ph type="body" idx="1"/>
-          </p:nvPr>
-        </p:nvSpPr>
-        <p:spPr>
-          <a:xfrm>
-            <a:off x="299884" y="1518388"/>
-            <a:ext cx="8544232" cy="3505895"/>
-          </a:xfrm>
-          <a:prstGeom prst="rect">
-            <a:avLst/>
-          </a:prstGeom>
-        </p:spPr>
-        <p:txBody>
-          <a:bodyPr spcFirstLastPara="1" wrap="square" lIns="91425" tIns="91425" rIns="91425" bIns="91425" anchor="t" anchorCtr="0">
-            <a:normAutofit/>
-          </a:bodyPr>
-          <a:lstStyle/>
-          <a:p>
-            <a:pPr marL="146050" indent="0" algn="l">
-              <a:buNone/>
-            </a:pPr>
-            <a:r>
-              <a:rPr lang="en-US" sz="2000" b="0" i="0" dirty="0">
-                <a:solidFill>
-                  <a:schemeClr val="bg1"/>
-                </a:solidFill>
-                <a:effectLst/>
-                <a:latin typeface="+mn-lt"/>
-              </a:rPr>
-              <a:t>Goals:</a:t>
-            </a:r>
-          </a:p>
-          <a:p>
-            <a:pPr marL="146050" indent="0" algn="l">
-              <a:buNone/>
-            </a:pPr>
-            <a:endParaRPr lang="en-US" sz="1600" b="0" i="0" dirty="0">
-              <a:solidFill>
-                <a:schemeClr val="bg1"/>
-              </a:solidFill>
-              <a:effectLst/>
-              <a:latin typeface="+mn-lt"/>
-            </a:endParaRPr>
-          </a:p>
-          <a:p>
-            <a:pPr algn="l">
-              <a:buFont typeface="Arial" panose="020B0604020202020204" pitchFamily="34" charset="0"/>
-              <a:buChar char="•"/>
-            </a:pPr>
-            <a:r>
-              <a:rPr lang="en-US" sz="1600" b="0" i="0" dirty="0">
-                <a:solidFill>
-                  <a:schemeClr val="bg1"/>
-                </a:solidFill>
-                <a:effectLst/>
-                <a:latin typeface="+mn-lt"/>
-              </a:rPr>
-              <a:t>Build a machine learning model to find distinct differences in chest x-ray images and accurately classify them as pneumonia or normal</a:t>
-            </a:r>
-            <a:endParaRPr lang="en-US" sz="1600" dirty="0">
-              <a:solidFill>
-                <a:schemeClr val="bg1"/>
-              </a:solidFill>
-              <a:latin typeface="+mn-lt"/>
-            </a:endParaRPr>
-          </a:p>
-          <a:p>
-            <a:pPr>
-              <a:buFont typeface="Arial" panose="020B0604020202020204" pitchFamily="34" charset="0"/>
-              <a:buChar char="•"/>
-            </a:pPr>
-            <a:endParaRPr lang="en-US" sz="1600" dirty="0">
-              <a:solidFill>
-                <a:schemeClr val="bg1"/>
-              </a:solidFill>
-              <a:latin typeface="+mn-lt"/>
-            </a:endParaRPr>
-          </a:p>
-          <a:p>
-            <a:pPr>
-              <a:buFont typeface="Arial" panose="020B0604020202020204" pitchFamily="34" charset="0"/>
-              <a:buChar char="•"/>
-            </a:pPr>
-            <a:r>
-              <a:rPr lang="en-US" sz="1600" dirty="0">
-                <a:solidFill>
-                  <a:schemeClr val="bg1"/>
-                </a:solidFill>
-                <a:latin typeface="+mn-lt"/>
-              </a:rPr>
-              <a:t>Build a site where images can be uploaded and processed by our model and the results displayed for users to review</a:t>
-            </a:r>
-          </a:p>
-          <a:p>
-            <a:pPr marL="146050" indent="0">
-              <a:buNone/>
-            </a:pPr>
-            <a:endParaRPr lang="en-US" sz="1600" dirty="0">
-              <a:solidFill>
-                <a:schemeClr val="bg1"/>
-              </a:solidFill>
-              <a:latin typeface="+mn-lt"/>
-            </a:endParaRPr>
-          </a:p>
-          <a:p>
-            <a:pPr>
-              <a:buFont typeface="Arial" panose="020B0604020202020204" pitchFamily="34" charset="0"/>
-              <a:buChar char="•"/>
-            </a:pPr>
-            <a:r>
-              <a:rPr lang="en-US" sz="1600" dirty="0">
-                <a:solidFill>
-                  <a:schemeClr val="bg1"/>
-                </a:solidFill>
-                <a:latin typeface="+mn-lt"/>
-              </a:rPr>
-              <a:t>Provide a resource for doctors to speed up the interpretation of x-ray images</a:t>
-            </a:r>
-          </a:p>
-          <a:p>
-            <a:pPr>
-              <a:buFont typeface="Arial" panose="020B0604020202020204" pitchFamily="34" charset="0"/>
-              <a:buChar char="•"/>
-            </a:pPr>
-            <a:endParaRPr lang="en-US" sz="1600" dirty="0">
-              <a:solidFill>
-                <a:schemeClr val="bg1"/>
-              </a:solidFill>
-              <a:latin typeface="+mn-lt"/>
-            </a:endParaRPr>
-          </a:p>
-          <a:p>
-            <a:pPr>
-              <a:buFont typeface="Arial" panose="020B0604020202020204" pitchFamily="34" charset="0"/>
-              <a:buChar char="•"/>
-            </a:pPr>
-            <a:r>
-              <a:rPr lang="en-US" sz="1600" dirty="0">
-                <a:solidFill>
-                  <a:schemeClr val="bg1"/>
-                </a:solidFill>
-                <a:latin typeface="+mn-lt"/>
-              </a:rPr>
-              <a:t>Provide additional background information and context around the impact of Pneumonia </a:t>
-            </a:r>
-          </a:p>
-          <a:p>
-            <a:pPr algn="l">
-              <a:buFont typeface="Arial" panose="020B0604020202020204" pitchFamily="34" charset="0"/>
-              <a:buChar char="•"/>
-            </a:pPr>
-            <a:endParaRPr lang="en-US" sz="1600" b="0" i="0" dirty="0">
-              <a:solidFill>
-                <a:schemeClr val="bg1"/>
-              </a:solidFill>
-              <a:effectLst/>
-              <a:latin typeface="+mn-lt"/>
-            </a:endParaRPr>
-          </a:p>
-          <a:p>
-            <a:pPr marL="0" lvl="0" indent="0" algn="l" rtl="0">
-              <a:spcBef>
-                <a:spcPts val="1200"/>
-              </a:spcBef>
-              <a:spcAft>
-                <a:spcPts val="1200"/>
-              </a:spcAft>
-              <a:buNone/>
-            </a:pPr>
-            <a:endParaRPr dirty="0"/>
-          </a:p>
-        </p:txBody>
-      </p:sp>
-    </p:spTree>
-  </p:cSld>
-  <p:clrMapOvr>
-    <a:masterClrMapping/>
-  </p:clrMapOvr>
-</p:sld>
-</file>
-
-<file path=ppt/slides/slide4.xml><?xml version="1.0" encoding="utf-8"?>
-<p:sld xmlns:a="http://schemas.openxmlformats.org/drawingml/2006/main" xmlns:r="http://schemas.openxmlformats.org/officeDocument/2006/relationships" xmlns:p="http://schemas.openxmlformats.org/presentationml/2006/main">
-  <p:cSld>
-    <p:spTree>
-      <p:nvGrpSpPr>
-        <p:cNvPr id="1" name="Shape 152"/>
-        <p:cNvGrpSpPr/>
-        <p:nvPr/>
-      </p:nvGrpSpPr>
-      <p:grpSpPr>
-        <a:xfrm>
-          <a:off x="0" y="0"/>
-          <a:ext cx="0" cy="0"/>
-          <a:chOff x="0" y="0"/>
-          <a:chExt cx="0" cy="0"/>
-        </a:xfrm>
-      </p:grpSpPr>
-      <p:sp>
-        <p:nvSpPr>
-          <p:cNvPr id="153" name="Google Shape;153;p16"/>
-          <p:cNvSpPr txBox="1">
-            <a:spLocks noGrp="1"/>
-          </p:cNvSpPr>
-          <p:nvPr>
-            <p:ph type="title"/>
-          </p:nvPr>
-        </p:nvSpPr>
-        <p:spPr>
-          <a:xfrm>
-            <a:off x="1297500" y="393750"/>
-            <a:ext cx="7038900" cy="914100"/>
-          </a:xfrm>
-          <a:prstGeom prst="rect">
-            <a:avLst/>
-          </a:prstGeom>
-        </p:spPr>
-        <p:txBody>
-          <a:bodyPr spcFirstLastPara="1" wrap="square" lIns="91425" tIns="91425" rIns="91425" bIns="91425" anchor="t" anchorCtr="0">
-            <a:normAutofit/>
-          </a:bodyPr>
-          <a:lstStyle/>
-          <a:p>
-            <a:pPr marL="0" lvl="0" indent="0" algn="l" rtl="0">
-              <a:spcBef>
-                <a:spcPts val="0"/>
-              </a:spcBef>
-              <a:spcAft>
-                <a:spcPts val="0"/>
-              </a:spcAft>
-              <a:buNone/>
-            </a:pPr>
-            <a:r>
-              <a:rPr lang="en" dirty="0"/>
-              <a:t>Why Pneumonia – Global Statistics</a:t>
-            </a:r>
-            <a:endParaRPr dirty="0"/>
-          </a:p>
-        </p:txBody>
-      </p:sp>
-      <p:pic>
-        <p:nvPicPr>
-          <p:cNvPr id="2" name="Picture 1">
-            <a:extLst>
-              <a:ext uri="{FF2B5EF4-FFF2-40B4-BE49-F238E27FC236}">
-                <a16:creationId xmlns:a16="http://schemas.microsoft.com/office/drawing/2014/main" id="{2D2B37AC-A6C4-4752-8129-72871024CD54}"/>
-              </a:ext>
-            </a:extLst>
-          </p:cNvPr>
-          <p:cNvPicPr>
-            <a:picLocks noChangeAspect="1"/>
-          </p:cNvPicPr>
-          <p:nvPr/>
-        </p:nvPicPr>
-        <p:blipFill>
-          <a:blip r:embed="rId3"/>
-          <a:stretch>
-            <a:fillRect/>
-          </a:stretch>
-        </p:blipFill>
-        <p:spPr>
-          <a:xfrm>
-            <a:off x="2979174" y="1628855"/>
-            <a:ext cx="5538526" cy="2618212"/>
-          </a:xfrm>
-          <a:prstGeom prst="rect">
-            <a:avLst/>
-          </a:prstGeom>
-        </p:spPr>
-      </p:pic>
-      <p:sp>
-        <p:nvSpPr>
-          <p:cNvPr id="9" name="TextBox 8">
-            <a:extLst>
-              <a:ext uri="{FF2B5EF4-FFF2-40B4-BE49-F238E27FC236}">
-                <a16:creationId xmlns:a16="http://schemas.microsoft.com/office/drawing/2014/main" id="{0E844957-F0C2-40EA-8F94-C0D0FB513402}"/>
-              </a:ext>
-            </a:extLst>
-          </p:cNvPr>
-          <p:cNvSpPr txBox="1"/>
-          <p:nvPr/>
-        </p:nvSpPr>
-        <p:spPr>
-          <a:xfrm>
-            <a:off x="447367" y="1700357"/>
-            <a:ext cx="1991033" cy="2246769"/>
-          </a:xfrm>
-          <a:prstGeom prst="rect">
-            <a:avLst/>
-          </a:prstGeom>
-          <a:noFill/>
-        </p:spPr>
-        <p:txBody>
-          <a:bodyPr wrap="square">
-            <a:spAutoFit/>
-          </a:bodyPr>
-          <a:lstStyle/>
-          <a:p>
-            <a:r>
-              <a:rPr lang="en-US" dirty="0">
-                <a:solidFill>
-                  <a:schemeClr val="bg1"/>
-                </a:solidFill>
-              </a:rPr>
-              <a:t>Globally, Pneumonia accounts for more than 15% of all deaths of Children under 5</a:t>
-            </a:r>
-          </a:p>
-          <a:p>
-            <a:endParaRPr lang="en-US" dirty="0">
-              <a:solidFill>
-                <a:schemeClr val="bg1"/>
-              </a:solidFill>
-            </a:endParaRPr>
-          </a:p>
-          <a:p>
-            <a:r>
-              <a:rPr lang="en-US" dirty="0">
-                <a:solidFill>
-                  <a:schemeClr val="bg1"/>
-                </a:solidFill>
-              </a:rPr>
-              <a:t>Kills more children younger than 5 years old each year than any other infectious disease</a:t>
-            </a:r>
-          </a:p>
-        </p:txBody>
-      </p:sp>
-      <p:sp>
-        <p:nvSpPr>
-          <p:cNvPr id="7" name="TextBox 6">
-            <a:extLst>
-              <a:ext uri="{FF2B5EF4-FFF2-40B4-BE49-F238E27FC236}">
-                <a16:creationId xmlns:a16="http://schemas.microsoft.com/office/drawing/2014/main" id="{5B0EB738-2FFF-4078-899B-4E9BCE783A18}"/>
-              </a:ext>
-            </a:extLst>
-          </p:cNvPr>
-          <p:cNvSpPr txBox="1"/>
-          <p:nvPr/>
-        </p:nvSpPr>
-        <p:spPr>
-          <a:xfrm>
-            <a:off x="3913239" y="4463845"/>
-            <a:ext cx="4423161" cy="307777"/>
-          </a:xfrm>
-          <a:prstGeom prst="rect">
-            <a:avLst/>
-          </a:prstGeom>
-          <a:noFill/>
-        </p:spPr>
-        <p:txBody>
-          <a:bodyPr wrap="square" rtlCol="0">
-            <a:spAutoFit/>
-          </a:bodyPr>
-          <a:lstStyle/>
-          <a:p>
-            <a:r>
-              <a:rPr lang="en-US" dirty="0">
-                <a:highlight>
-                  <a:srgbClr val="00FFFF"/>
-                </a:highlight>
-              </a:rPr>
-              <a:t>Replace this chart with global chart once created</a:t>
-            </a:r>
-          </a:p>
-        </p:txBody>
-      </p:sp>
-    </p:spTree>
-  </p:cSld>
-  <p:clrMapOvr>
-    <a:masterClrMapping/>
-  </p:clrMapOvr>
-</p:sld>
-</file>
-
-<file path=ppt/slides/slide5.xml><?xml version="1.0" encoding="utf-8"?>
-<p:sld xmlns:a="http://schemas.openxmlformats.org/drawingml/2006/main" xmlns:r="http://schemas.openxmlformats.org/officeDocument/2006/relationships" xmlns:p="http://schemas.openxmlformats.org/presentationml/2006/main">
-  <p:cSld>
-    <p:spTree>
-      <p:nvGrpSpPr>
-        <p:cNvPr id="1" name=""/>
-        <p:cNvGrpSpPr/>
-        <p:nvPr/>
-      </p:nvGrpSpPr>
-      <p:grpSpPr>
-        <a:xfrm>
-          <a:off x="0" y="0"/>
-          <a:ext cx="0" cy="0"/>
-          <a:chOff x="0" y="0"/>
-          <a:chExt cx="0" cy="0"/>
-        </a:xfrm>
-      </p:grpSpPr>
-      <p:graphicFrame>
-        <p:nvGraphicFramePr>
-          <p:cNvPr id="6" name="Chart 5">
-            <a:extLst>
-              <a:ext uri="{FF2B5EF4-FFF2-40B4-BE49-F238E27FC236}">
-                <a16:creationId xmlns:a16="http://schemas.microsoft.com/office/drawing/2014/main" id="{11C4C547-5C6A-46DF-95EB-BE124D116672}"/>
-              </a:ext>
-            </a:extLst>
-          </p:cNvPr>
-          <p:cNvGraphicFramePr/>
-          <p:nvPr>
-            <p:extLst>
-              <p:ext uri="{D42A27DB-BD31-4B8C-83A1-F6EECF244321}">
-                <p14:modId xmlns:p14="http://schemas.microsoft.com/office/powerpoint/2010/main" val="2589108185"/>
-              </p:ext>
-            </p:extLst>
-          </p:nvPr>
-        </p:nvGraphicFramePr>
-        <p:xfrm>
-          <a:off x="245806" y="1682179"/>
-          <a:ext cx="6263149" cy="2794615"/>
-        </p:xfrm>
-        <a:graphic>
-          <a:graphicData uri="http://schemas.openxmlformats.org/drawingml/2006/chart">
-            <c:chart xmlns:c="http://schemas.openxmlformats.org/drawingml/2006/chart" xmlns:r="http://schemas.openxmlformats.org/officeDocument/2006/relationships" r:id="rId3"/>
-          </a:graphicData>
-        </a:graphic>
-      </p:graphicFrame>
-      <p:sp>
-        <p:nvSpPr>
-          <p:cNvPr id="7" name="TextBox 6">
-            <a:extLst>
-              <a:ext uri="{FF2B5EF4-FFF2-40B4-BE49-F238E27FC236}">
-                <a16:creationId xmlns:a16="http://schemas.microsoft.com/office/drawing/2014/main" id="{19E50DD5-FB8C-4F70-AAE5-4F0283D3E713}"/>
-              </a:ext>
-            </a:extLst>
-          </p:cNvPr>
-          <p:cNvSpPr txBox="1"/>
-          <p:nvPr/>
-        </p:nvSpPr>
-        <p:spPr>
-          <a:xfrm>
-            <a:off x="1296644" y="1074520"/>
-            <a:ext cx="7678994" cy="523220"/>
-          </a:xfrm>
-          <a:prstGeom prst="rect">
-            <a:avLst/>
-          </a:prstGeom>
-          <a:noFill/>
-        </p:spPr>
-        <p:txBody>
-          <a:bodyPr wrap="square" rtlCol="0">
-            <a:spAutoFit/>
-          </a:bodyPr>
-          <a:lstStyle/>
-          <a:p>
-            <a:r>
-              <a:rPr lang="en-US" dirty="0">
-                <a:solidFill>
-                  <a:schemeClr val="bg1"/>
-                </a:solidFill>
-              </a:rPr>
-              <a:t>2016 Mayo Clinic study* published in Academic Radiology outlines the increase in workload for radiologists</a:t>
-            </a:r>
-          </a:p>
-        </p:txBody>
-      </p:sp>
-      <p:sp>
-        <p:nvSpPr>
-          <p:cNvPr id="9" name="TextBox 8">
-            <a:extLst>
-              <a:ext uri="{FF2B5EF4-FFF2-40B4-BE49-F238E27FC236}">
-                <a16:creationId xmlns:a16="http://schemas.microsoft.com/office/drawing/2014/main" id="{C72A3CAF-4BCD-439D-8AB7-FB2B77D612CB}"/>
-              </a:ext>
-            </a:extLst>
-          </p:cNvPr>
-          <p:cNvSpPr txBox="1"/>
-          <p:nvPr/>
-        </p:nvSpPr>
-        <p:spPr>
-          <a:xfrm>
-            <a:off x="6656439" y="2198475"/>
-            <a:ext cx="2241755" cy="1600438"/>
-          </a:xfrm>
-          <a:prstGeom prst="rect">
-            <a:avLst/>
-          </a:prstGeom>
-          <a:noFill/>
-        </p:spPr>
-        <p:txBody>
-          <a:bodyPr wrap="square" rtlCol="0">
-            <a:spAutoFit/>
-          </a:bodyPr>
-          <a:lstStyle/>
-          <a:p>
-            <a:r>
-              <a:rPr lang="en-US" sz="1050" dirty="0">
-                <a:solidFill>
-                  <a:schemeClr val="bg1"/>
-                </a:solidFill>
-              </a:rPr>
-              <a:t>“Imaging volumes have grown at a disproportionate rate to imaging utilization increases at our institution. The average radiologist …must now interpret one image every 3–4 seconds in an 8-hour workday to meet workload demands.”</a:t>
-            </a:r>
-          </a:p>
-          <a:p>
-            <a:endParaRPr lang="en-US" dirty="0"/>
-          </a:p>
-        </p:txBody>
-      </p:sp>
-      <p:sp>
-        <p:nvSpPr>
-          <p:cNvPr id="11" name="TextBox 10">
-            <a:extLst>
-              <a:ext uri="{FF2B5EF4-FFF2-40B4-BE49-F238E27FC236}">
-                <a16:creationId xmlns:a16="http://schemas.microsoft.com/office/drawing/2014/main" id="{DA800A14-6A7E-4998-ABC2-AADB587D9E52}"/>
-              </a:ext>
-            </a:extLst>
-          </p:cNvPr>
-          <p:cNvSpPr txBox="1"/>
-          <p:nvPr/>
-        </p:nvSpPr>
-        <p:spPr>
-          <a:xfrm>
-            <a:off x="339213" y="4645672"/>
-            <a:ext cx="7841226" cy="253916"/>
-          </a:xfrm>
-          <a:prstGeom prst="rect">
-            <a:avLst/>
-          </a:prstGeom>
-          <a:noFill/>
-        </p:spPr>
-        <p:txBody>
-          <a:bodyPr wrap="square">
-            <a:spAutoFit/>
-          </a:bodyPr>
-          <a:lstStyle/>
-          <a:p>
-            <a:r>
-              <a:rPr lang="en-US" sz="1050" dirty="0">
-                <a:solidFill>
-                  <a:schemeClr val="bg1"/>
-                </a:solidFill>
-              </a:rPr>
-              <a:t>*https://www.academicradiology.org/article/S1076-6332(15)00245-7/fulltext</a:t>
-            </a:r>
-          </a:p>
-        </p:txBody>
-      </p:sp>
-      <p:sp>
-        <p:nvSpPr>
-          <p:cNvPr id="12" name="Title 11">
-            <a:extLst>
-              <a:ext uri="{FF2B5EF4-FFF2-40B4-BE49-F238E27FC236}">
-                <a16:creationId xmlns:a16="http://schemas.microsoft.com/office/drawing/2014/main" id="{A3A18A3E-4199-493F-8BB8-7FAA1C68EE6F}"/>
-              </a:ext>
-            </a:extLst>
-          </p:cNvPr>
-          <p:cNvSpPr>
-            <a:spLocks noGrp="1"/>
-          </p:cNvSpPr>
-          <p:nvPr>
-            <p:ph type="title"/>
-          </p:nvPr>
-        </p:nvSpPr>
-        <p:spPr/>
-        <p:txBody>
-          <a:bodyPr>
-            <a:normAutofit fontScale="90000"/>
-          </a:bodyPr>
-          <a:lstStyle/>
-          <a:p>
-            <a:r>
-              <a:rPr lang="en-US" dirty="0"/>
-              <a:t>Imaging Demands Outpace Radiologist Supply</a:t>
-            </a:r>
-          </a:p>
-        </p:txBody>
-      </p:sp>
-    </p:spTree>
-    <p:extLst>
-      <p:ext uri="{BB962C8B-B14F-4D97-AF65-F5344CB8AC3E}">
-        <p14:creationId xmlns:p14="http://schemas.microsoft.com/office/powerpoint/2010/main" val="3371477329"/>
-      </p:ext>
-    </p:extLst>
-  </p:cSld>
-  <p:clrMapOvr>
-    <a:masterClrMapping/>
-  </p:clrMapOvr>
-</p:sld>
-</file>
-
-<file path=ppt/slides/slide6.xml><?xml version="1.0" encoding="utf-8"?>
-<p:sld xmlns:a="http://schemas.openxmlformats.org/drawingml/2006/main" xmlns:r="http://schemas.openxmlformats.org/officeDocument/2006/relationships" xmlns:p="http://schemas.openxmlformats.org/presentationml/2006/main">
-  <p:cSld>
-    <p:spTree>
-      <p:nvGrpSpPr>
         <p:cNvPr id="1" name="Shape 158"/>
         <p:cNvGrpSpPr/>
         <p:nvPr/>
@@ -16162,90 +14510,7 @@
 </p:sld>
 </file>
 
-<file path=ppt/slides/slide7.xml><?xml version="1.0" encoding="utf-8"?>
-<p:sld xmlns:a="http://schemas.openxmlformats.org/drawingml/2006/main" xmlns:r="http://schemas.openxmlformats.org/officeDocument/2006/relationships" xmlns:p="http://schemas.openxmlformats.org/presentationml/2006/main">
-  <p:cSld>
-    <p:spTree>
-      <p:nvGrpSpPr>
-        <p:cNvPr id="1" name=""/>
-        <p:cNvGrpSpPr/>
-        <p:nvPr/>
-      </p:nvGrpSpPr>
-      <p:grpSpPr>
-        <a:xfrm>
-          <a:off x="0" y="0"/>
-          <a:ext cx="0" cy="0"/>
-          <a:chOff x="0" y="0"/>
-          <a:chExt cx="0" cy="0"/>
-        </a:xfrm>
-      </p:grpSpPr>
-      <p:sp>
-        <p:nvSpPr>
-          <p:cNvPr id="2" name="Title 1">
-            <a:extLst>
-              <a:ext uri="{FF2B5EF4-FFF2-40B4-BE49-F238E27FC236}">
-                <a16:creationId xmlns:a16="http://schemas.microsoft.com/office/drawing/2014/main" id="{A381E117-43EE-42BC-A2BD-117B7268AD33}"/>
-              </a:ext>
-            </a:extLst>
-          </p:cNvPr>
-          <p:cNvSpPr>
-            <a:spLocks noGrp="1"/>
-          </p:cNvSpPr>
-          <p:nvPr>
-            <p:ph type="title"/>
-          </p:nvPr>
-        </p:nvSpPr>
-        <p:spPr/>
-        <p:txBody>
-          <a:bodyPr/>
-          <a:lstStyle/>
-          <a:p>
-            <a:r>
-              <a:rPr lang="en-US" dirty="0"/>
-              <a:t>Data Sources – Pneumonia Statistics</a:t>
-            </a:r>
-          </a:p>
-        </p:txBody>
-      </p:sp>
-      <p:sp>
-        <p:nvSpPr>
-          <p:cNvPr id="3" name="Text Placeholder 2">
-            <a:extLst>
-              <a:ext uri="{FF2B5EF4-FFF2-40B4-BE49-F238E27FC236}">
-                <a16:creationId xmlns:a16="http://schemas.microsoft.com/office/drawing/2014/main" id="{03F85998-C576-4928-9DE1-0B0C97F64B40}"/>
-              </a:ext>
-            </a:extLst>
-          </p:cNvPr>
-          <p:cNvSpPr>
-            <a:spLocks noGrp="1"/>
-          </p:cNvSpPr>
-          <p:nvPr>
-            <p:ph type="body" idx="1"/>
-          </p:nvPr>
-        </p:nvSpPr>
-        <p:spPr/>
-        <p:txBody>
-          <a:bodyPr/>
-          <a:lstStyle/>
-          <a:p>
-            <a:endParaRPr lang="en-US" dirty="0"/>
-          </a:p>
-        </p:txBody>
-      </p:sp>
-    </p:spTree>
-    <p:extLst>
-      <p:ext uri="{BB962C8B-B14F-4D97-AF65-F5344CB8AC3E}">
-        <p14:creationId xmlns:p14="http://schemas.microsoft.com/office/powerpoint/2010/main" val="2394316844"/>
-      </p:ext>
-    </p:extLst>
-  </p:cSld>
-  <p:clrMapOvr>
-    <a:masterClrMapping/>
-  </p:clrMapOvr>
-</p:sld>
-</file>
-
-<file path=ppt/slides/slide8.xml><?xml version="1.0" encoding="utf-8"?>
+<file path=ppt/slides/slide11.xml><?xml version="1.0" encoding="utf-8"?>
 <p:sld xmlns:a="http://schemas.openxmlformats.org/drawingml/2006/main" xmlns:r="http://schemas.openxmlformats.org/officeDocument/2006/relationships" xmlns:p="http://schemas.openxmlformats.org/presentationml/2006/main">
   <p:cSld>
     <p:spTree>
@@ -16362,7 +14627,11 @@
               <a:buNone/>
             </a:pPr>
             <a:r>
-              <a:rPr lang="en-US" dirty="0"/>
+              <a:rPr lang="en-US" dirty="0">
+                <a:highlight>
+                  <a:srgbClr val="00FFFF"/>
+                </a:highlight>
+              </a:rPr>
               <a:t>NEED TO UPDATE Table structure images</a:t>
             </a:r>
           </a:p>
@@ -16456,7 +14725,7 @@
         </p:blipFill>
         <p:spPr bwMode="auto">
           <a:xfrm>
-            <a:off x="2020155" y="3601109"/>
+            <a:off x="2706575" y="3816477"/>
             <a:ext cx="2653445" cy="1185919"/>
           </a:xfrm>
           <a:prstGeom prst="rect">
@@ -16475,6 +14744,2987 @@
         </p:spPr>
       </p:pic>
     </p:spTree>
+  </p:cSld>
+  <p:clrMapOvr>
+    <a:masterClrMapping/>
+  </p:clrMapOvr>
+</p:sld>
+</file>
+
+<file path=ppt/slides/slide12.xml><?xml version="1.0" encoding="utf-8"?>
+<p:sld xmlns:a="http://schemas.openxmlformats.org/drawingml/2006/main" xmlns:r="http://schemas.openxmlformats.org/officeDocument/2006/relationships" xmlns:p="http://schemas.openxmlformats.org/presentationml/2006/main">
+  <p:cSld>
+    <p:spTree>
+      <p:nvGrpSpPr>
+        <p:cNvPr id="1" name=""/>
+        <p:cNvGrpSpPr/>
+        <p:nvPr/>
+      </p:nvGrpSpPr>
+      <p:grpSpPr>
+        <a:xfrm>
+          <a:off x="0" y="0"/>
+          <a:ext cx="0" cy="0"/>
+          <a:chOff x="0" y="0"/>
+          <a:chExt cx="0" cy="0"/>
+        </a:xfrm>
+      </p:grpSpPr>
+      <p:sp>
+        <p:nvSpPr>
+          <p:cNvPr id="2" name="Title 1">
+            <a:extLst>
+              <a:ext uri="{FF2B5EF4-FFF2-40B4-BE49-F238E27FC236}">
+                <a16:creationId xmlns:a16="http://schemas.microsoft.com/office/drawing/2014/main" id="{6A272A53-9024-45B7-9774-90F7F403D730}"/>
+              </a:ext>
+            </a:extLst>
+          </p:cNvPr>
+          <p:cNvSpPr>
+            <a:spLocks noGrp="1"/>
+          </p:cNvSpPr>
+          <p:nvPr>
+            <p:ph type="title"/>
+          </p:nvPr>
+        </p:nvSpPr>
+        <p:spPr/>
+        <p:txBody>
+          <a:bodyPr/>
+          <a:lstStyle/>
+          <a:p>
+            <a:r>
+              <a:rPr lang="en-US" dirty="0"/>
+              <a:t>Model explanation and analysis</a:t>
+            </a:r>
+          </a:p>
+        </p:txBody>
+      </p:sp>
+      <p:sp>
+        <p:nvSpPr>
+          <p:cNvPr id="3" name="Text Placeholder 2">
+            <a:extLst>
+              <a:ext uri="{FF2B5EF4-FFF2-40B4-BE49-F238E27FC236}">
+                <a16:creationId xmlns:a16="http://schemas.microsoft.com/office/drawing/2014/main" id="{EB5FE695-0256-4476-908E-39A1D4CB930D}"/>
+              </a:ext>
+            </a:extLst>
+          </p:cNvPr>
+          <p:cNvSpPr>
+            <a:spLocks noGrp="1"/>
+          </p:cNvSpPr>
+          <p:nvPr>
+            <p:ph type="body" idx="1"/>
+          </p:nvPr>
+        </p:nvSpPr>
+        <p:spPr>
+          <a:xfrm>
+            <a:off x="1431061" y="974966"/>
+            <a:ext cx="6771778" cy="2091544"/>
+          </a:xfrm>
+        </p:spPr>
+        <p:txBody>
+          <a:bodyPr/>
+          <a:lstStyle/>
+          <a:p>
+            <a:r>
+              <a:rPr lang="en-US" sz="1400" dirty="0">
+                <a:solidFill>
+                  <a:schemeClr val="bg1"/>
+                </a:solidFill>
+                <a:effectLst/>
+                <a:highlight>
+                  <a:srgbClr val="00FFFF"/>
+                </a:highlight>
+                <a:latin typeface="+mn-lt"/>
+                <a:ea typeface="Calibri" panose="020F0502020204030204" pitchFamily="34" charset="0"/>
+                <a:cs typeface="Times New Roman" panose="02020603050405020304" pitchFamily="18" charset="0"/>
+              </a:rPr>
+              <a:t>5 - Description of the analysis phase of the project</a:t>
+            </a:r>
+          </a:p>
+          <a:p>
+            <a:r>
+              <a:rPr lang="en-US" sz="1400" dirty="0">
+                <a:solidFill>
+                  <a:schemeClr val="bg1"/>
+                </a:solidFill>
+                <a:highlight>
+                  <a:srgbClr val="00FFFF"/>
+                </a:highlight>
+                <a:latin typeface="+mn-lt"/>
+                <a:ea typeface="Calibri" panose="020F0502020204030204" pitchFamily="34" charset="0"/>
+                <a:cs typeface="Times New Roman" panose="02020603050405020304" pitchFamily="18" charset="0"/>
+              </a:rPr>
+              <a:t>Replace/Update this Image</a:t>
+            </a:r>
+            <a:endParaRPr lang="en-US" sz="1400" dirty="0">
+              <a:solidFill>
+                <a:schemeClr val="bg1"/>
+              </a:solidFill>
+              <a:effectLst/>
+              <a:highlight>
+                <a:srgbClr val="00FFFF"/>
+              </a:highlight>
+              <a:latin typeface="+mn-lt"/>
+              <a:ea typeface="Calibri" panose="020F0502020204030204" pitchFamily="34" charset="0"/>
+              <a:cs typeface="Times New Roman" panose="02020603050405020304" pitchFamily="18" charset="0"/>
+            </a:endParaRPr>
+          </a:p>
+          <a:p>
+            <a:endParaRPr lang="en-US" dirty="0"/>
+          </a:p>
+        </p:txBody>
+      </p:sp>
+      <p:pic>
+        <p:nvPicPr>
+          <p:cNvPr id="1026" name="Picture 2">
+            <a:extLst>
+              <a:ext uri="{FF2B5EF4-FFF2-40B4-BE49-F238E27FC236}">
+                <a16:creationId xmlns:a16="http://schemas.microsoft.com/office/drawing/2014/main" id="{0C313D41-433F-4D59-A27F-F09CC7BBA048}"/>
+              </a:ext>
+            </a:extLst>
+          </p:cNvPr>
+          <p:cNvPicPr>
+            <a:picLocks noChangeAspect="1" noChangeArrowheads="1"/>
+          </p:cNvPicPr>
+          <p:nvPr/>
+        </p:nvPicPr>
+        <p:blipFill>
+          <a:blip r:embed="rId3">
+            <a:extLst>
+              <a:ext uri="{28A0092B-C50C-407E-A947-70E740481C1C}">
+                <a14:useLocalDpi xmlns:a14="http://schemas.microsoft.com/office/drawing/2010/main" val="0"/>
+              </a:ext>
+            </a:extLst>
+          </a:blip>
+          <a:srcRect/>
+          <a:stretch>
+            <a:fillRect/>
+          </a:stretch>
+        </p:blipFill>
+        <p:spPr bwMode="auto">
+          <a:xfrm>
+            <a:off x="1726723" y="2020738"/>
+            <a:ext cx="5690553" cy="3014802"/>
+          </a:xfrm>
+          <a:prstGeom prst="rect">
+            <a:avLst/>
+          </a:prstGeom>
+          <a:noFill/>
+          <a:extLst>
+            <a:ext uri="{909E8E84-426E-40DD-AFC4-6F175D3DCCD1}">
+              <a14:hiddenFill xmlns:a14="http://schemas.microsoft.com/office/drawing/2010/main">
+                <a:solidFill>
+                  <a:srgbClr val="FFFFFF"/>
+                </a:solidFill>
+              </a14:hiddenFill>
+            </a:ext>
+          </a:extLst>
+        </p:spPr>
+      </p:pic>
+    </p:spTree>
+    <p:extLst>
+      <p:ext uri="{BB962C8B-B14F-4D97-AF65-F5344CB8AC3E}">
+        <p14:creationId xmlns:p14="http://schemas.microsoft.com/office/powerpoint/2010/main" val="2332666801"/>
+      </p:ext>
+    </p:extLst>
+  </p:cSld>
+  <p:clrMapOvr>
+    <a:masterClrMapping/>
+  </p:clrMapOvr>
+</p:sld>
+</file>
+
+<file path=ppt/slides/slide13.xml><?xml version="1.0" encoding="utf-8"?>
+<p:sld xmlns:a="http://schemas.openxmlformats.org/drawingml/2006/main" xmlns:r="http://schemas.openxmlformats.org/officeDocument/2006/relationships" xmlns:p="http://schemas.openxmlformats.org/presentationml/2006/main">
+  <p:cSld>
+    <p:spTree>
+      <p:nvGrpSpPr>
+        <p:cNvPr id="1" name=""/>
+        <p:cNvGrpSpPr/>
+        <p:nvPr/>
+      </p:nvGrpSpPr>
+      <p:grpSpPr>
+        <a:xfrm>
+          <a:off x="0" y="0"/>
+          <a:ext cx="0" cy="0"/>
+          <a:chOff x="0" y="0"/>
+          <a:chExt cx="0" cy="0"/>
+        </a:xfrm>
+      </p:grpSpPr>
+      <p:sp>
+        <p:nvSpPr>
+          <p:cNvPr id="2" name="Title 1">
+            <a:extLst>
+              <a:ext uri="{FF2B5EF4-FFF2-40B4-BE49-F238E27FC236}">
+                <a16:creationId xmlns:a16="http://schemas.microsoft.com/office/drawing/2014/main" id="{EFAEDF6C-B940-4DBC-9CB3-7CF58FD1D127}"/>
+              </a:ext>
+            </a:extLst>
+          </p:cNvPr>
+          <p:cNvSpPr>
+            <a:spLocks noGrp="1"/>
+          </p:cNvSpPr>
+          <p:nvPr>
+            <p:ph type="title"/>
+          </p:nvPr>
+        </p:nvSpPr>
+        <p:spPr/>
+        <p:txBody>
+          <a:bodyPr/>
+          <a:lstStyle/>
+          <a:p>
+            <a:r>
+              <a:rPr lang="en-US" dirty="0"/>
+              <a:t>Technology</a:t>
+            </a:r>
+          </a:p>
+        </p:txBody>
+      </p:sp>
+      <p:sp>
+        <p:nvSpPr>
+          <p:cNvPr id="3" name="Text Placeholder 2">
+            <a:extLst>
+              <a:ext uri="{FF2B5EF4-FFF2-40B4-BE49-F238E27FC236}">
+                <a16:creationId xmlns:a16="http://schemas.microsoft.com/office/drawing/2014/main" id="{3DADFA7F-D26A-4821-8E37-7CF4E63374D1}"/>
+              </a:ext>
+            </a:extLst>
+          </p:cNvPr>
+          <p:cNvSpPr>
+            <a:spLocks noGrp="1"/>
+          </p:cNvSpPr>
+          <p:nvPr>
+            <p:ph type="body" idx="1"/>
+          </p:nvPr>
+        </p:nvSpPr>
+        <p:spPr>
+          <a:xfrm>
+            <a:off x="1297500" y="1567550"/>
+            <a:ext cx="7038900" cy="3182200"/>
+          </a:xfrm>
+        </p:spPr>
+        <p:txBody>
+          <a:bodyPr>
+            <a:normAutofit fontScale="92500" lnSpcReduction="20000"/>
+          </a:bodyPr>
+          <a:lstStyle/>
+          <a:p>
+            <a:r>
+              <a:rPr lang="en-US" sz="1400" dirty="0">
+                <a:solidFill>
+                  <a:schemeClr val="bg1"/>
+                </a:solidFill>
+                <a:effectLst/>
+                <a:highlight>
+                  <a:srgbClr val="00FFFF"/>
+                </a:highlight>
+                <a:latin typeface="+mn-lt"/>
+                <a:ea typeface="Calibri" panose="020F0502020204030204" pitchFamily="34" charset="0"/>
+                <a:cs typeface="Times New Roman" panose="02020603050405020304" pitchFamily="18" charset="0"/>
+              </a:rPr>
+              <a:t>6 - Technologies, languages, tools, and algorithms used throughout the project</a:t>
+            </a:r>
+          </a:p>
+          <a:p>
+            <a:r>
+              <a:rPr lang="en-US" sz="1400" dirty="0">
+                <a:solidFill>
+                  <a:schemeClr val="bg1"/>
+                </a:solidFill>
+                <a:highlight>
+                  <a:srgbClr val="00FFFF"/>
+                </a:highlight>
+                <a:latin typeface="+mn-lt"/>
+                <a:ea typeface="Calibri" panose="020F0502020204030204" pitchFamily="34" charset="0"/>
+                <a:cs typeface="Times New Roman" panose="02020603050405020304" pitchFamily="18" charset="0"/>
+              </a:rPr>
+              <a:t>Where in the presentation should we put this?</a:t>
+            </a:r>
+            <a:endParaRPr lang="en-US" sz="1400" dirty="0">
+              <a:solidFill>
+                <a:schemeClr val="bg1"/>
+              </a:solidFill>
+              <a:effectLst/>
+              <a:highlight>
+                <a:srgbClr val="00FFFF"/>
+              </a:highlight>
+              <a:latin typeface="+mn-lt"/>
+              <a:ea typeface="Calibri" panose="020F0502020204030204" pitchFamily="34" charset="0"/>
+              <a:cs typeface="Times New Roman" panose="02020603050405020304" pitchFamily="18" charset="0"/>
+            </a:endParaRPr>
+          </a:p>
+          <a:p>
+            <a:endParaRPr lang="en-US" sz="1400" dirty="0">
+              <a:solidFill>
+                <a:schemeClr val="bg1"/>
+              </a:solidFill>
+              <a:highlight>
+                <a:srgbClr val="00FFFF"/>
+              </a:highlight>
+              <a:latin typeface="+mn-lt"/>
+              <a:ea typeface="Calibri" panose="020F0502020204030204" pitchFamily="34" charset="0"/>
+              <a:cs typeface="Times New Roman" panose="02020603050405020304" pitchFamily="18" charset="0"/>
+            </a:endParaRPr>
+          </a:p>
+          <a:p>
+            <a:pPr marL="146050" indent="0">
+              <a:buNone/>
+            </a:pPr>
+            <a:r>
+              <a:rPr lang="en-US" sz="1400" dirty="0">
+                <a:solidFill>
+                  <a:schemeClr val="bg1"/>
+                </a:solidFill>
+                <a:effectLst/>
+                <a:latin typeface="+mn-lt"/>
+                <a:ea typeface="Calibri" panose="020F0502020204030204" pitchFamily="34" charset="0"/>
+                <a:cs typeface="Times New Roman" panose="02020603050405020304" pitchFamily="18" charset="0"/>
+              </a:rPr>
+              <a:t>Database</a:t>
+            </a:r>
+          </a:p>
+          <a:p>
+            <a:pPr lvl="1"/>
+            <a:r>
+              <a:rPr lang="en-US" sz="1200" dirty="0">
+                <a:solidFill>
+                  <a:schemeClr val="bg1"/>
+                </a:solidFill>
+                <a:effectLst/>
+                <a:latin typeface="+mn-lt"/>
+                <a:ea typeface="Calibri" panose="020F0502020204030204" pitchFamily="34" charset="0"/>
+                <a:cs typeface="Times New Roman" panose="02020603050405020304" pitchFamily="18" charset="0"/>
+              </a:rPr>
+              <a:t>AWS for data storage</a:t>
+            </a:r>
+          </a:p>
+          <a:p>
+            <a:pPr lvl="1"/>
+            <a:r>
+              <a:rPr lang="en-US" sz="1200" dirty="0" err="1">
+                <a:solidFill>
+                  <a:schemeClr val="bg1"/>
+                </a:solidFill>
+                <a:effectLst/>
+                <a:latin typeface="+mn-lt"/>
+                <a:ea typeface="Calibri" panose="020F0502020204030204" pitchFamily="34" charset="0"/>
+                <a:cs typeface="Times New Roman" panose="02020603050405020304" pitchFamily="18" charset="0"/>
+              </a:rPr>
+              <a:t>PGAdmin</a:t>
+            </a:r>
+            <a:r>
+              <a:rPr lang="en-US" sz="1200" dirty="0">
+                <a:solidFill>
+                  <a:schemeClr val="bg1"/>
+                </a:solidFill>
+                <a:effectLst/>
+                <a:latin typeface="+mn-lt"/>
+                <a:ea typeface="Calibri" panose="020F0502020204030204" pitchFamily="34" charset="0"/>
+                <a:cs typeface="Times New Roman" panose="02020603050405020304" pitchFamily="18" charset="0"/>
+              </a:rPr>
+              <a:t> and PostgreSQL for data table generation and manipulation</a:t>
+            </a:r>
+          </a:p>
+          <a:p>
+            <a:pPr marL="146050" indent="0">
+              <a:buNone/>
+            </a:pPr>
+            <a:r>
+              <a:rPr lang="en-US" sz="1400" dirty="0">
+                <a:solidFill>
+                  <a:schemeClr val="bg1"/>
+                </a:solidFill>
+                <a:effectLst/>
+                <a:latin typeface="+mn-lt"/>
+                <a:ea typeface="Calibri" panose="020F0502020204030204" pitchFamily="34" charset="0"/>
+                <a:cs typeface="Times New Roman" panose="02020603050405020304" pitchFamily="18" charset="0"/>
+              </a:rPr>
+              <a:t>Machine Learning</a:t>
+            </a:r>
+          </a:p>
+          <a:p>
+            <a:pPr lvl="1"/>
+            <a:r>
+              <a:rPr lang="en-US" sz="1200" dirty="0">
+                <a:solidFill>
+                  <a:schemeClr val="bg1"/>
+                </a:solidFill>
+                <a:effectLst/>
+                <a:latin typeface="+mn-lt"/>
+                <a:ea typeface="Calibri" panose="020F0502020204030204" pitchFamily="34" charset="0"/>
+                <a:cs typeface="Times New Roman" panose="02020603050405020304" pitchFamily="18" charset="0"/>
+              </a:rPr>
+              <a:t>Google Collab for machine learning model generation</a:t>
+            </a:r>
+          </a:p>
+          <a:p>
+            <a:pPr lvl="1"/>
+            <a:r>
+              <a:rPr lang="en-US" sz="1200" dirty="0">
+                <a:solidFill>
+                  <a:schemeClr val="bg1"/>
+                </a:solidFill>
+                <a:effectLst/>
+                <a:latin typeface="+mn-lt"/>
+                <a:ea typeface="Calibri" panose="020F0502020204030204" pitchFamily="34" charset="0"/>
+                <a:cs typeface="Times New Roman" panose="02020603050405020304" pitchFamily="18" charset="0"/>
+              </a:rPr>
+              <a:t>cv2 package for image analysis and preparation</a:t>
+            </a:r>
+          </a:p>
+          <a:p>
+            <a:pPr lvl="1"/>
+            <a:r>
+              <a:rPr lang="en-US" sz="1200" dirty="0">
+                <a:solidFill>
+                  <a:schemeClr val="bg1"/>
+                </a:solidFill>
+                <a:effectLst/>
+                <a:latin typeface="+mn-lt"/>
+                <a:ea typeface="Calibri" panose="020F0502020204030204" pitchFamily="34" charset="0"/>
+                <a:cs typeface="Times New Roman" panose="02020603050405020304" pitchFamily="18" charset="0"/>
+              </a:rPr>
+              <a:t>TensorFlow package for machine learning model generation</a:t>
+            </a:r>
+          </a:p>
+          <a:p>
+            <a:pPr marL="146050" indent="0">
+              <a:buNone/>
+            </a:pPr>
+            <a:r>
+              <a:rPr lang="en-US" sz="1400" dirty="0">
+                <a:solidFill>
+                  <a:schemeClr val="bg1"/>
+                </a:solidFill>
+                <a:effectLst/>
+                <a:latin typeface="+mn-lt"/>
+                <a:ea typeface="Calibri" panose="020F0502020204030204" pitchFamily="34" charset="0"/>
+                <a:cs typeface="Times New Roman" panose="02020603050405020304" pitchFamily="18" charset="0"/>
+              </a:rPr>
+              <a:t>Visualization Technologies</a:t>
+            </a:r>
+          </a:p>
+          <a:p>
+            <a:pPr lvl="1"/>
+            <a:r>
+              <a:rPr lang="en-US" sz="1200" dirty="0" err="1">
+                <a:solidFill>
+                  <a:schemeClr val="bg1"/>
+                </a:solidFill>
+                <a:effectLst/>
+                <a:latin typeface="+mn-lt"/>
+                <a:ea typeface="Calibri" panose="020F0502020204030204" pitchFamily="34" charset="0"/>
+                <a:cs typeface="Times New Roman" panose="02020603050405020304" pitchFamily="18" charset="0"/>
+              </a:rPr>
+              <a:t>hvplot</a:t>
+            </a:r>
+            <a:r>
+              <a:rPr lang="en-US" sz="1200" dirty="0">
+                <a:solidFill>
+                  <a:schemeClr val="bg1"/>
+                </a:solidFill>
+                <a:effectLst/>
+                <a:latin typeface="+mn-lt"/>
+                <a:ea typeface="Calibri" panose="020F0502020204030204" pitchFamily="34" charset="0"/>
+                <a:cs typeface="Times New Roman" panose="02020603050405020304" pitchFamily="18" charset="0"/>
+              </a:rPr>
+              <a:t>/</a:t>
+            </a:r>
+            <a:r>
+              <a:rPr lang="en-US" sz="1200" dirty="0" err="1">
+                <a:solidFill>
+                  <a:schemeClr val="bg1"/>
+                </a:solidFill>
+                <a:effectLst/>
+                <a:latin typeface="+mn-lt"/>
+                <a:ea typeface="Calibri" panose="020F0502020204030204" pitchFamily="34" charset="0"/>
+                <a:cs typeface="Times New Roman" panose="02020603050405020304" pitchFamily="18" charset="0"/>
+              </a:rPr>
+              <a:t>plotly</a:t>
+            </a:r>
+            <a:r>
+              <a:rPr lang="en-US" sz="1200" dirty="0">
+                <a:solidFill>
+                  <a:schemeClr val="bg1"/>
+                </a:solidFill>
+                <a:effectLst/>
+                <a:latin typeface="+mn-lt"/>
+                <a:ea typeface="Calibri" panose="020F0502020204030204" pitchFamily="34" charset="0"/>
+                <a:cs typeface="Times New Roman" panose="02020603050405020304" pitchFamily="18" charset="0"/>
+              </a:rPr>
+              <a:t> for visualizing the outputs of our classification model and results of our model</a:t>
+            </a:r>
+          </a:p>
+          <a:p>
+            <a:pPr lvl="1"/>
+            <a:r>
+              <a:rPr lang="en-US" sz="1200" dirty="0">
+                <a:solidFill>
+                  <a:schemeClr val="bg1"/>
+                </a:solidFill>
+                <a:effectLst/>
+                <a:latin typeface="+mn-lt"/>
+                <a:ea typeface="Calibri" panose="020F0502020204030204" pitchFamily="34" charset="0"/>
+                <a:cs typeface="Times New Roman" panose="02020603050405020304" pitchFamily="18" charset="0"/>
+              </a:rPr>
+              <a:t>Tableau Public for additional visualization support</a:t>
+            </a:r>
+          </a:p>
+          <a:p>
+            <a:pPr lvl="1"/>
+            <a:r>
+              <a:rPr lang="en-US" sz="1200" dirty="0">
+                <a:solidFill>
+                  <a:schemeClr val="bg1"/>
+                </a:solidFill>
+                <a:effectLst/>
+                <a:latin typeface="+mn-lt"/>
+                <a:ea typeface="Calibri" panose="020F0502020204030204" pitchFamily="34" charset="0"/>
+                <a:cs typeface="Times New Roman" panose="02020603050405020304" pitchFamily="18" charset="0"/>
+              </a:rPr>
+              <a:t>Heroku for hosting visualizations</a:t>
+            </a:r>
+          </a:p>
+          <a:p>
+            <a:pPr marL="146050" indent="0">
+              <a:buNone/>
+            </a:pPr>
+            <a:r>
+              <a:rPr lang="en-US" sz="1400" dirty="0">
+                <a:solidFill>
+                  <a:schemeClr val="bg1"/>
+                </a:solidFill>
+                <a:latin typeface="+mn-lt"/>
+                <a:ea typeface="Calibri" panose="020F0502020204030204" pitchFamily="34" charset="0"/>
+                <a:cs typeface="Times New Roman" panose="02020603050405020304" pitchFamily="18" charset="0"/>
+              </a:rPr>
+              <a:t>Other</a:t>
+            </a:r>
+          </a:p>
+          <a:p>
+            <a:pPr lvl="1"/>
+            <a:r>
+              <a:rPr lang="en-US" sz="1200" dirty="0">
+                <a:solidFill>
+                  <a:schemeClr val="bg1"/>
+                </a:solidFill>
+                <a:effectLst/>
+                <a:latin typeface="+mn-lt"/>
+                <a:ea typeface="Calibri" panose="020F0502020204030204" pitchFamily="34" charset="0"/>
+                <a:cs typeface="Times New Roman" panose="02020603050405020304" pitchFamily="18" charset="0"/>
+              </a:rPr>
+              <a:t>Flask for website Development</a:t>
+            </a:r>
+          </a:p>
+          <a:p>
+            <a:pPr lvl="1"/>
+            <a:r>
+              <a:rPr lang="en-US" sz="1200" dirty="0">
+                <a:solidFill>
+                  <a:schemeClr val="bg1"/>
+                </a:solidFill>
+                <a:latin typeface="+mn-lt"/>
+                <a:ea typeface="Calibri" panose="020F0502020204030204" pitchFamily="34" charset="0"/>
+                <a:cs typeface="Times New Roman" panose="02020603050405020304" pitchFamily="18" charset="0"/>
+              </a:rPr>
+              <a:t>VS Code and Spyder for coding</a:t>
+            </a:r>
+            <a:endParaRPr lang="en-US" sz="1200" dirty="0">
+              <a:solidFill>
+                <a:schemeClr val="bg1"/>
+              </a:solidFill>
+              <a:effectLst/>
+              <a:latin typeface="+mn-lt"/>
+              <a:ea typeface="Calibri" panose="020F0502020204030204" pitchFamily="34" charset="0"/>
+              <a:cs typeface="Times New Roman" panose="02020603050405020304" pitchFamily="18" charset="0"/>
+            </a:endParaRPr>
+          </a:p>
+          <a:p>
+            <a:pPr lvl="1"/>
+            <a:endParaRPr lang="en-US" sz="1200" dirty="0">
+              <a:solidFill>
+                <a:schemeClr val="bg1"/>
+              </a:solidFill>
+              <a:effectLst/>
+              <a:latin typeface="+mn-lt"/>
+              <a:ea typeface="Calibri" panose="020F0502020204030204" pitchFamily="34" charset="0"/>
+              <a:cs typeface="Times New Roman" panose="02020603050405020304" pitchFamily="18" charset="0"/>
+            </a:endParaRPr>
+          </a:p>
+          <a:p>
+            <a:endParaRPr lang="en-US" dirty="0"/>
+          </a:p>
+        </p:txBody>
+      </p:sp>
+    </p:spTree>
+    <p:extLst>
+      <p:ext uri="{BB962C8B-B14F-4D97-AF65-F5344CB8AC3E}">
+        <p14:creationId xmlns:p14="http://schemas.microsoft.com/office/powerpoint/2010/main" val="556788932"/>
+      </p:ext>
+    </p:extLst>
+  </p:cSld>
+  <p:clrMapOvr>
+    <a:masterClrMapping/>
+  </p:clrMapOvr>
+</p:sld>
+</file>
+
+<file path=ppt/slides/slide14.xml><?xml version="1.0" encoding="utf-8"?>
+<p:sld xmlns:a="http://schemas.openxmlformats.org/drawingml/2006/main" xmlns:r="http://schemas.openxmlformats.org/officeDocument/2006/relationships" xmlns:p="http://schemas.openxmlformats.org/presentationml/2006/main">
+  <p:cSld>
+    <p:spTree>
+      <p:nvGrpSpPr>
+        <p:cNvPr id="1" name=""/>
+        <p:cNvGrpSpPr/>
+        <p:nvPr/>
+      </p:nvGrpSpPr>
+      <p:grpSpPr>
+        <a:xfrm>
+          <a:off x="0" y="0"/>
+          <a:ext cx="0" cy="0"/>
+          <a:chOff x="0" y="0"/>
+          <a:chExt cx="0" cy="0"/>
+        </a:xfrm>
+      </p:grpSpPr>
+      <p:sp>
+        <p:nvSpPr>
+          <p:cNvPr id="2" name="Title 1">
+            <a:extLst>
+              <a:ext uri="{FF2B5EF4-FFF2-40B4-BE49-F238E27FC236}">
+                <a16:creationId xmlns:a16="http://schemas.microsoft.com/office/drawing/2014/main" id="{716E84BB-382F-4DFE-9C77-EAAC634D7ACC}"/>
+              </a:ext>
+            </a:extLst>
+          </p:cNvPr>
+          <p:cNvSpPr>
+            <a:spLocks noGrp="1"/>
+          </p:cNvSpPr>
+          <p:nvPr>
+            <p:ph type="title"/>
+          </p:nvPr>
+        </p:nvSpPr>
+        <p:spPr/>
+        <p:txBody>
+          <a:bodyPr/>
+          <a:lstStyle/>
+          <a:p>
+            <a:r>
+              <a:rPr lang="en-US" dirty="0"/>
+              <a:t>Results</a:t>
+            </a:r>
+          </a:p>
+        </p:txBody>
+      </p:sp>
+      <p:sp>
+        <p:nvSpPr>
+          <p:cNvPr id="3" name="Text Placeholder 2">
+            <a:extLst>
+              <a:ext uri="{FF2B5EF4-FFF2-40B4-BE49-F238E27FC236}">
+                <a16:creationId xmlns:a16="http://schemas.microsoft.com/office/drawing/2014/main" id="{D72EFCC1-F9DB-412D-A20B-93B8BC13B17E}"/>
+              </a:ext>
+            </a:extLst>
+          </p:cNvPr>
+          <p:cNvSpPr>
+            <a:spLocks noGrp="1"/>
+          </p:cNvSpPr>
+          <p:nvPr>
+            <p:ph type="body" idx="1"/>
+          </p:nvPr>
+        </p:nvSpPr>
+        <p:spPr/>
+        <p:txBody>
+          <a:bodyPr/>
+          <a:lstStyle/>
+          <a:p>
+            <a:r>
+              <a:rPr lang="en-US" sz="1400" dirty="0">
+                <a:solidFill>
+                  <a:schemeClr val="bg1"/>
+                </a:solidFill>
+                <a:effectLst/>
+                <a:highlight>
+                  <a:srgbClr val="00FFFF"/>
+                </a:highlight>
+                <a:latin typeface="+mn-lt"/>
+                <a:ea typeface="Calibri" panose="020F0502020204030204" pitchFamily="34" charset="0"/>
+                <a:cs typeface="Times New Roman" panose="02020603050405020304" pitchFamily="18" charset="0"/>
+              </a:rPr>
+              <a:t>Model accuracy: (insert Model charts here)</a:t>
+            </a:r>
+          </a:p>
+          <a:p>
+            <a:pPr marL="146050" indent="0">
+              <a:buNone/>
+            </a:pPr>
+            <a:endParaRPr lang="en-US" sz="1400" dirty="0">
+              <a:solidFill>
+                <a:schemeClr val="bg1"/>
+              </a:solidFill>
+              <a:effectLst/>
+              <a:latin typeface="+mn-lt"/>
+              <a:ea typeface="Calibri" panose="020F0502020204030204" pitchFamily="34" charset="0"/>
+              <a:cs typeface="Times New Roman" panose="02020603050405020304" pitchFamily="18" charset="0"/>
+            </a:endParaRPr>
+          </a:p>
+          <a:p>
+            <a:endParaRPr lang="en-US" sz="1400" dirty="0">
+              <a:solidFill>
+                <a:schemeClr val="bg1"/>
+              </a:solidFill>
+              <a:latin typeface="+mn-lt"/>
+              <a:ea typeface="Calibri" panose="020F0502020204030204" pitchFamily="34" charset="0"/>
+              <a:cs typeface="Times New Roman" panose="02020603050405020304" pitchFamily="18" charset="0"/>
+            </a:endParaRPr>
+          </a:p>
+          <a:p>
+            <a:r>
+              <a:rPr lang="en-US" sz="1400" dirty="0">
+                <a:solidFill>
+                  <a:schemeClr val="bg1"/>
+                </a:solidFill>
+                <a:effectLst/>
+                <a:highlight>
+                  <a:srgbClr val="00FFFF"/>
+                </a:highlight>
+                <a:latin typeface="+mn-lt"/>
+                <a:ea typeface="Calibri" panose="020F0502020204030204" pitchFamily="34" charset="0"/>
+                <a:cs typeface="Times New Roman" panose="02020603050405020304" pitchFamily="18" charset="0"/>
+              </a:rPr>
+              <a:t>Website Demo: </a:t>
+            </a:r>
+            <a:r>
+              <a:rPr lang="en-US" sz="1400" dirty="0">
+                <a:solidFill>
+                  <a:schemeClr val="bg1"/>
+                </a:solidFill>
+                <a:highlight>
+                  <a:srgbClr val="00FFFF"/>
+                </a:highlight>
+                <a:latin typeface="+mn-lt"/>
+                <a:ea typeface="Calibri" panose="020F0502020204030204" pitchFamily="34" charset="0"/>
+                <a:cs typeface="Times New Roman" panose="02020603050405020304" pitchFamily="18" charset="0"/>
+              </a:rPr>
+              <a:t>(</a:t>
+            </a:r>
+            <a:r>
+              <a:rPr lang="en-US" sz="1400" dirty="0">
+                <a:solidFill>
+                  <a:schemeClr val="bg1"/>
+                </a:solidFill>
+                <a:effectLst/>
+                <a:highlight>
+                  <a:srgbClr val="00FFFF"/>
+                </a:highlight>
+                <a:latin typeface="+mn-lt"/>
+                <a:ea typeface="Calibri" panose="020F0502020204030204" pitchFamily="34" charset="0"/>
+                <a:cs typeface="Times New Roman" panose="02020603050405020304" pitchFamily="18" charset="0"/>
+              </a:rPr>
+              <a:t>insert link here)</a:t>
+            </a:r>
+            <a:endParaRPr lang="en-US" dirty="0">
+              <a:highlight>
+                <a:srgbClr val="00FFFF"/>
+              </a:highlight>
+            </a:endParaRPr>
+          </a:p>
+        </p:txBody>
+      </p:sp>
+    </p:spTree>
+    <p:extLst>
+      <p:ext uri="{BB962C8B-B14F-4D97-AF65-F5344CB8AC3E}">
+        <p14:creationId xmlns:p14="http://schemas.microsoft.com/office/powerpoint/2010/main" val="3438400880"/>
+      </p:ext>
+    </p:extLst>
+  </p:cSld>
+  <p:clrMapOvr>
+    <a:masterClrMapping/>
+  </p:clrMapOvr>
+</p:sld>
+</file>
+
+<file path=ppt/slides/slide15.xml><?xml version="1.0" encoding="utf-8"?>
+<p:sld xmlns:a="http://schemas.openxmlformats.org/drawingml/2006/main" xmlns:r="http://schemas.openxmlformats.org/officeDocument/2006/relationships" xmlns:p="http://schemas.openxmlformats.org/presentationml/2006/main">
+  <p:cSld>
+    <p:spTree>
+      <p:nvGrpSpPr>
+        <p:cNvPr id="1" name="Shape 170"/>
+        <p:cNvGrpSpPr/>
+        <p:nvPr/>
+      </p:nvGrpSpPr>
+      <p:grpSpPr>
+        <a:xfrm>
+          <a:off x="0" y="0"/>
+          <a:ext cx="0" cy="0"/>
+          <a:chOff x="0" y="0"/>
+          <a:chExt cx="0" cy="0"/>
+        </a:xfrm>
+      </p:grpSpPr>
+      <p:sp>
+        <p:nvSpPr>
+          <p:cNvPr id="171" name="Google Shape;171;p19"/>
+          <p:cNvSpPr txBox="1">
+            <a:spLocks noGrp="1"/>
+          </p:cNvSpPr>
+          <p:nvPr>
+            <p:ph type="title"/>
+          </p:nvPr>
+        </p:nvSpPr>
+        <p:spPr>
+          <a:xfrm>
+            <a:off x="1297500" y="393750"/>
+            <a:ext cx="7038900" cy="914100"/>
+          </a:xfrm>
+          <a:prstGeom prst="rect">
+            <a:avLst/>
+          </a:prstGeom>
+        </p:spPr>
+        <p:txBody>
+          <a:bodyPr spcFirstLastPara="1" wrap="square" lIns="91425" tIns="91425" rIns="91425" bIns="91425" anchor="t" anchorCtr="0">
+            <a:normAutofit/>
+          </a:bodyPr>
+          <a:lstStyle/>
+          <a:p>
+            <a:pPr marL="0" lvl="0" indent="0" algn="l" rtl="0">
+              <a:spcBef>
+                <a:spcPts val="0"/>
+              </a:spcBef>
+              <a:spcAft>
+                <a:spcPts val="0"/>
+              </a:spcAft>
+              <a:buNone/>
+            </a:pPr>
+            <a:r>
+              <a:rPr lang="en"/>
+              <a:t>Beyond the Model</a:t>
+            </a:r>
+            <a:endParaRPr/>
+          </a:p>
+        </p:txBody>
+      </p:sp>
+      <p:sp>
+        <p:nvSpPr>
+          <p:cNvPr id="172" name="Google Shape;172;p19"/>
+          <p:cNvSpPr txBox="1">
+            <a:spLocks noGrp="1"/>
+          </p:cNvSpPr>
+          <p:nvPr>
+            <p:ph type="body" idx="1"/>
+          </p:nvPr>
+        </p:nvSpPr>
+        <p:spPr>
+          <a:xfrm>
+            <a:off x="1297500" y="1567550"/>
+            <a:ext cx="7038900" cy="2911200"/>
+          </a:xfrm>
+          <a:prstGeom prst="rect">
+            <a:avLst/>
+          </a:prstGeom>
+        </p:spPr>
+        <p:txBody>
+          <a:bodyPr spcFirstLastPara="1" wrap="square" lIns="91425" tIns="91425" rIns="91425" bIns="91425" anchor="t" anchorCtr="0">
+            <a:normAutofit/>
+          </a:bodyPr>
+          <a:lstStyle/>
+          <a:p>
+            <a:pPr marL="0" indent="0">
+              <a:buNone/>
+            </a:pPr>
+            <a:r>
+              <a:rPr lang="en-US" sz="1400" dirty="0">
+                <a:solidFill>
+                  <a:schemeClr val="bg1"/>
+                </a:solidFill>
+                <a:effectLst/>
+                <a:highlight>
+                  <a:srgbClr val="00FFFF"/>
+                </a:highlight>
+                <a:latin typeface="+mn-lt"/>
+                <a:ea typeface="Calibri" panose="020F0502020204030204" pitchFamily="34" charset="0"/>
+                <a:cs typeface="Times New Roman" panose="02020603050405020304" pitchFamily="18" charset="0"/>
+              </a:rPr>
+              <a:t>8 - Recommendation for future analysis</a:t>
+            </a:r>
+          </a:p>
+          <a:p>
+            <a:pPr marL="0" lvl="0" indent="0" algn="l" rtl="0">
+              <a:spcBef>
+                <a:spcPts val="0"/>
+              </a:spcBef>
+              <a:spcAft>
+                <a:spcPts val="0"/>
+              </a:spcAft>
+              <a:buNone/>
+            </a:pPr>
+            <a:endParaRPr lang="en" dirty="0"/>
+          </a:p>
+          <a:p>
+            <a:pPr marL="0" lvl="0" indent="0" algn="l" rtl="0">
+              <a:spcBef>
+                <a:spcPts val="0"/>
+              </a:spcBef>
+              <a:spcAft>
+                <a:spcPts val="0"/>
+              </a:spcAft>
+              <a:buNone/>
+            </a:pPr>
+            <a:r>
+              <a:rPr lang="en" dirty="0"/>
+              <a:t>Could this model be further applied to chest x-rays with diagnoses outside of pneumonia and be adapted to interpret the x-rays of patients with an array of diagnoses? </a:t>
+            </a:r>
+            <a:endParaRPr dirty="0"/>
+          </a:p>
+          <a:p>
+            <a:pPr marL="0" lvl="0" indent="0" algn="l" rtl="0">
+              <a:spcBef>
+                <a:spcPts val="1200"/>
+              </a:spcBef>
+              <a:spcAft>
+                <a:spcPts val="1200"/>
+              </a:spcAft>
+              <a:buNone/>
+            </a:pPr>
+            <a:r>
+              <a:rPr lang="en" dirty="0"/>
+              <a:t>If we set up our database is to take in new images can we use them to periodically update the model to improve the lifelong accuracy of the model? </a:t>
+            </a:r>
+          </a:p>
+          <a:p>
+            <a:pPr marL="0" lvl="0" indent="0" algn="l" rtl="0">
+              <a:spcBef>
+                <a:spcPts val="1200"/>
+              </a:spcBef>
+              <a:spcAft>
+                <a:spcPts val="1200"/>
+              </a:spcAft>
+              <a:buNone/>
+            </a:pPr>
+            <a:r>
+              <a:rPr lang="en" dirty="0"/>
+              <a:t>Building the ability to upload and analyze multi images at a time</a:t>
+            </a:r>
+          </a:p>
+          <a:p>
+            <a:pPr marL="0" lvl="0" indent="0" algn="l" rtl="0">
+              <a:spcBef>
+                <a:spcPts val="1200"/>
+              </a:spcBef>
+              <a:spcAft>
+                <a:spcPts val="1200"/>
+              </a:spcAft>
+              <a:buNone/>
+            </a:pPr>
+            <a:endParaRPr lang="en" dirty="0"/>
+          </a:p>
+          <a:p>
+            <a:pPr marL="0" lvl="0" indent="0" algn="l" rtl="0">
+              <a:spcBef>
+                <a:spcPts val="1200"/>
+              </a:spcBef>
+              <a:spcAft>
+                <a:spcPts val="1200"/>
+              </a:spcAft>
+              <a:buNone/>
+            </a:pPr>
+            <a:endParaRPr dirty="0"/>
+          </a:p>
+        </p:txBody>
+      </p:sp>
+    </p:spTree>
+  </p:cSld>
+  <p:clrMapOvr>
+    <a:masterClrMapping/>
+  </p:clrMapOvr>
+</p:sld>
+</file>
+
+<file path=ppt/slides/slide16.xml><?xml version="1.0" encoding="utf-8"?>
+<p:sld xmlns:a="http://schemas.openxmlformats.org/drawingml/2006/main" xmlns:r="http://schemas.openxmlformats.org/officeDocument/2006/relationships" xmlns:p="http://schemas.openxmlformats.org/presentationml/2006/main">
+  <p:cSld>
+    <p:spTree>
+      <p:nvGrpSpPr>
+        <p:cNvPr id="1" name=""/>
+        <p:cNvGrpSpPr/>
+        <p:nvPr/>
+      </p:nvGrpSpPr>
+      <p:grpSpPr>
+        <a:xfrm>
+          <a:off x="0" y="0"/>
+          <a:ext cx="0" cy="0"/>
+          <a:chOff x="0" y="0"/>
+          <a:chExt cx="0" cy="0"/>
+        </a:xfrm>
+      </p:grpSpPr>
+      <p:sp>
+        <p:nvSpPr>
+          <p:cNvPr id="2" name="Title 1">
+            <a:extLst>
+              <a:ext uri="{FF2B5EF4-FFF2-40B4-BE49-F238E27FC236}">
+                <a16:creationId xmlns:a16="http://schemas.microsoft.com/office/drawing/2014/main" id="{B95C793C-016C-4674-AC95-44904D67D848}"/>
+              </a:ext>
+            </a:extLst>
+          </p:cNvPr>
+          <p:cNvSpPr>
+            <a:spLocks noGrp="1"/>
+          </p:cNvSpPr>
+          <p:nvPr>
+            <p:ph type="title"/>
+          </p:nvPr>
+        </p:nvSpPr>
+        <p:spPr/>
+        <p:txBody>
+          <a:bodyPr/>
+          <a:lstStyle/>
+          <a:p>
+            <a:endParaRPr lang="en-US" dirty="0"/>
+          </a:p>
+        </p:txBody>
+      </p:sp>
+      <p:sp>
+        <p:nvSpPr>
+          <p:cNvPr id="3" name="Text Placeholder 2">
+            <a:extLst>
+              <a:ext uri="{FF2B5EF4-FFF2-40B4-BE49-F238E27FC236}">
+                <a16:creationId xmlns:a16="http://schemas.microsoft.com/office/drawing/2014/main" id="{8DA38305-3640-4AA3-8D98-3829390293FC}"/>
+              </a:ext>
+            </a:extLst>
+          </p:cNvPr>
+          <p:cNvSpPr>
+            <a:spLocks noGrp="1"/>
+          </p:cNvSpPr>
+          <p:nvPr>
+            <p:ph type="body" idx="1"/>
+          </p:nvPr>
+        </p:nvSpPr>
+        <p:spPr/>
+        <p:txBody>
+          <a:bodyPr/>
+          <a:lstStyle/>
+          <a:p>
+            <a:r>
+              <a:rPr lang="en-US" sz="1400" dirty="0">
+                <a:solidFill>
+                  <a:schemeClr val="bg1"/>
+                </a:solidFill>
+                <a:effectLst/>
+                <a:highlight>
+                  <a:srgbClr val="00FFFF"/>
+                </a:highlight>
+                <a:latin typeface="+mn-lt"/>
+                <a:ea typeface="Calibri" panose="020F0502020204030204" pitchFamily="34" charset="0"/>
+                <a:cs typeface="Times New Roman" panose="02020603050405020304" pitchFamily="18" charset="0"/>
+              </a:rPr>
+              <a:t>9 - Anything the team would have done differently</a:t>
+            </a:r>
+          </a:p>
+          <a:p>
+            <a:endParaRPr lang="en-US" dirty="0"/>
+          </a:p>
+        </p:txBody>
+      </p:sp>
+    </p:spTree>
+    <p:extLst>
+      <p:ext uri="{BB962C8B-B14F-4D97-AF65-F5344CB8AC3E}">
+        <p14:creationId xmlns:p14="http://schemas.microsoft.com/office/powerpoint/2010/main" val="3529849647"/>
+      </p:ext>
+    </p:extLst>
+  </p:cSld>
+  <p:clrMapOvr>
+    <a:masterClrMapping/>
+  </p:clrMapOvr>
+</p:sld>
+</file>
+
+<file path=ppt/slides/slide2.xml><?xml version="1.0" encoding="utf-8"?>
+<p:sld xmlns:a="http://schemas.openxmlformats.org/drawingml/2006/main" xmlns:r="http://schemas.openxmlformats.org/officeDocument/2006/relationships" xmlns:p="http://schemas.openxmlformats.org/presentationml/2006/main">
+  <p:cSld>
+    <p:spTree>
+      <p:nvGrpSpPr>
+        <p:cNvPr id="1" name="Shape 140"/>
+        <p:cNvGrpSpPr/>
+        <p:nvPr/>
+      </p:nvGrpSpPr>
+      <p:grpSpPr>
+        <a:xfrm>
+          <a:off x="0" y="0"/>
+          <a:ext cx="0" cy="0"/>
+          <a:chOff x="0" y="0"/>
+          <a:chExt cx="0" cy="0"/>
+        </a:xfrm>
+      </p:grpSpPr>
+      <p:sp>
+        <p:nvSpPr>
+          <p:cNvPr id="141" name="Google Shape;141;p14"/>
+          <p:cNvSpPr txBox="1">
+            <a:spLocks noGrp="1"/>
+          </p:cNvSpPr>
+          <p:nvPr>
+            <p:ph type="ctrTitle"/>
+          </p:nvPr>
+        </p:nvSpPr>
+        <p:spPr>
+          <a:xfrm>
+            <a:off x="3537150" y="1578400"/>
+            <a:ext cx="5017500" cy="1578900"/>
+          </a:xfrm>
+          <a:prstGeom prst="rect">
+            <a:avLst/>
+          </a:prstGeom>
+        </p:spPr>
+        <p:txBody>
+          <a:bodyPr spcFirstLastPara="1" wrap="square" lIns="91425" tIns="91425" rIns="91425" bIns="91425" anchor="t" anchorCtr="0">
+            <a:normAutofit fontScale="90000"/>
+          </a:bodyPr>
+          <a:lstStyle/>
+          <a:p>
+            <a:pPr marL="0" lvl="0" indent="0" algn="l" rtl="0">
+              <a:spcBef>
+                <a:spcPts val="0"/>
+              </a:spcBef>
+              <a:spcAft>
+                <a:spcPts val="0"/>
+              </a:spcAft>
+              <a:buNone/>
+            </a:pPr>
+            <a:r>
+              <a:rPr lang="en" dirty="0"/>
+              <a:t>Pneumonia Image </a:t>
+            </a:r>
+            <a:endParaRPr dirty="0"/>
+          </a:p>
+          <a:p>
+            <a:pPr marL="0" lvl="0" indent="0" algn="l" rtl="0">
+              <a:spcBef>
+                <a:spcPts val="0"/>
+              </a:spcBef>
+              <a:spcAft>
+                <a:spcPts val="0"/>
+              </a:spcAft>
+              <a:buNone/>
+            </a:pPr>
+            <a:r>
+              <a:rPr lang="en" dirty="0"/>
+              <a:t>				Analysis</a:t>
+            </a:r>
+            <a:endParaRPr dirty="0"/>
+          </a:p>
+        </p:txBody>
+      </p:sp>
+      <p:sp>
+        <p:nvSpPr>
+          <p:cNvPr id="142" name="Google Shape;142;p14"/>
+          <p:cNvSpPr txBox="1">
+            <a:spLocks noGrp="1"/>
+          </p:cNvSpPr>
+          <p:nvPr>
+            <p:ph type="subTitle" idx="1"/>
+          </p:nvPr>
+        </p:nvSpPr>
+        <p:spPr>
+          <a:xfrm>
+            <a:off x="5083950" y="3924924"/>
+            <a:ext cx="3470700" cy="883049"/>
+          </a:xfrm>
+          <a:prstGeom prst="rect">
+            <a:avLst/>
+          </a:prstGeom>
+        </p:spPr>
+        <p:txBody>
+          <a:bodyPr spcFirstLastPara="1" wrap="square" lIns="91425" tIns="91425" rIns="91425" bIns="91425" anchor="t" anchorCtr="0">
+            <a:normAutofit/>
+          </a:bodyPr>
+          <a:lstStyle/>
+          <a:p>
+            <a:pPr marL="0" lvl="0" indent="0" algn="l" rtl="0">
+              <a:spcBef>
+                <a:spcPts val="0"/>
+              </a:spcBef>
+              <a:spcAft>
+                <a:spcPts val="0"/>
+              </a:spcAft>
+              <a:buNone/>
+            </a:pPr>
+            <a:r>
+              <a:rPr lang="en" dirty="0"/>
+              <a:t>To sneeze or not to Sneeze</a:t>
+            </a:r>
+          </a:p>
+          <a:p>
+            <a:pPr marL="0" lvl="0" indent="0" algn="l" rtl="0">
+              <a:spcBef>
+                <a:spcPts val="0"/>
+              </a:spcBef>
+              <a:spcAft>
+                <a:spcPts val="0"/>
+              </a:spcAft>
+              <a:buNone/>
+            </a:pPr>
+            <a:endParaRPr lang="en" dirty="0"/>
+          </a:p>
+          <a:p>
+            <a:pPr marL="0" lvl="0" indent="0" algn="l" rtl="0">
+              <a:spcBef>
+                <a:spcPts val="0"/>
+              </a:spcBef>
+              <a:spcAft>
+                <a:spcPts val="0"/>
+              </a:spcAft>
+              <a:buNone/>
+            </a:pPr>
+            <a:r>
+              <a:rPr lang="en" dirty="0"/>
+              <a:t>Nothi</a:t>
+            </a:r>
+            <a:r>
+              <a:rPr lang="en-US" dirty="0"/>
+              <a:t>ng</a:t>
+            </a:r>
+            <a:r>
+              <a:rPr lang="en" dirty="0"/>
+              <a:t> to Sneeze at</a:t>
+            </a:r>
+            <a:endParaRPr dirty="0"/>
+          </a:p>
+        </p:txBody>
+      </p:sp>
+    </p:spTree>
+  </p:cSld>
+  <p:clrMapOvr>
+    <a:masterClrMapping/>
+  </p:clrMapOvr>
+</p:sld>
+</file>
+
+<file path=ppt/slides/slide3.xml><?xml version="1.0" encoding="utf-8"?>
+<p:sld xmlns:a="http://schemas.openxmlformats.org/drawingml/2006/main" xmlns:r="http://schemas.openxmlformats.org/officeDocument/2006/relationships" xmlns:p="http://schemas.openxmlformats.org/presentationml/2006/main">
+  <p:cSld>
+    <p:spTree>
+      <p:nvGrpSpPr>
+        <p:cNvPr id="1" name="Shape 146"/>
+        <p:cNvGrpSpPr/>
+        <p:nvPr/>
+      </p:nvGrpSpPr>
+      <p:grpSpPr>
+        <a:xfrm>
+          <a:off x="0" y="0"/>
+          <a:ext cx="0" cy="0"/>
+          <a:chOff x="0" y="0"/>
+          <a:chExt cx="0" cy="0"/>
+        </a:xfrm>
+      </p:grpSpPr>
+      <p:sp>
+        <p:nvSpPr>
+          <p:cNvPr id="147" name="Google Shape;147;p15"/>
+          <p:cNvSpPr txBox="1">
+            <a:spLocks noGrp="1"/>
+          </p:cNvSpPr>
+          <p:nvPr>
+            <p:ph type="title"/>
+          </p:nvPr>
+        </p:nvSpPr>
+        <p:spPr>
+          <a:xfrm>
+            <a:off x="1297500" y="393750"/>
+            <a:ext cx="7038900" cy="914100"/>
+          </a:xfrm>
+          <a:prstGeom prst="rect">
+            <a:avLst/>
+          </a:prstGeom>
+        </p:spPr>
+        <p:txBody>
+          <a:bodyPr spcFirstLastPara="1" wrap="square" lIns="91425" tIns="91425" rIns="91425" bIns="91425" anchor="t" anchorCtr="0">
+            <a:normAutofit/>
+          </a:bodyPr>
+          <a:lstStyle/>
+          <a:p>
+            <a:pPr marL="0" lvl="0" indent="0" algn="l" rtl="0">
+              <a:spcBef>
+                <a:spcPts val="0"/>
+              </a:spcBef>
+              <a:spcAft>
+                <a:spcPts val="0"/>
+              </a:spcAft>
+              <a:buNone/>
+            </a:pPr>
+            <a:r>
+              <a:rPr lang="en" dirty="0"/>
+              <a:t>Overview: Pneumonia Image Analysis</a:t>
+            </a:r>
+            <a:endParaRPr dirty="0"/>
+          </a:p>
+        </p:txBody>
+      </p:sp>
+      <p:sp>
+        <p:nvSpPr>
+          <p:cNvPr id="148" name="Google Shape;148;p15"/>
+          <p:cNvSpPr txBox="1">
+            <a:spLocks noGrp="1"/>
+          </p:cNvSpPr>
+          <p:nvPr>
+            <p:ph type="body" idx="1"/>
+          </p:nvPr>
+        </p:nvSpPr>
+        <p:spPr>
+          <a:xfrm>
+            <a:off x="299884" y="1518388"/>
+            <a:ext cx="8544232" cy="3505895"/>
+          </a:xfrm>
+          <a:prstGeom prst="rect">
+            <a:avLst/>
+          </a:prstGeom>
+        </p:spPr>
+        <p:txBody>
+          <a:bodyPr spcFirstLastPara="1" wrap="square" lIns="91425" tIns="91425" rIns="91425" bIns="91425" anchor="t" anchorCtr="0">
+            <a:normAutofit/>
+          </a:bodyPr>
+          <a:lstStyle/>
+          <a:p>
+            <a:pPr marL="146050" indent="0" algn="l">
+              <a:buNone/>
+            </a:pPr>
+            <a:r>
+              <a:rPr lang="en-US" sz="2000" b="0" i="0" dirty="0">
+                <a:solidFill>
+                  <a:schemeClr val="bg1"/>
+                </a:solidFill>
+                <a:effectLst/>
+                <a:latin typeface="+mn-lt"/>
+              </a:rPr>
+              <a:t>Goals:</a:t>
+            </a:r>
+          </a:p>
+          <a:p>
+            <a:pPr marL="146050" indent="0" algn="l">
+              <a:buNone/>
+            </a:pPr>
+            <a:endParaRPr lang="en-US" sz="1600" b="0" i="0" dirty="0">
+              <a:solidFill>
+                <a:schemeClr val="bg1"/>
+              </a:solidFill>
+              <a:effectLst/>
+              <a:latin typeface="+mn-lt"/>
+            </a:endParaRPr>
+          </a:p>
+          <a:p>
+            <a:pPr algn="l">
+              <a:buFont typeface="Arial" panose="020B0604020202020204" pitchFamily="34" charset="0"/>
+              <a:buChar char="•"/>
+            </a:pPr>
+            <a:r>
+              <a:rPr lang="en-US" sz="1600" b="0" i="0" dirty="0">
+                <a:solidFill>
+                  <a:schemeClr val="bg1"/>
+                </a:solidFill>
+                <a:effectLst/>
+                <a:latin typeface="+mn-lt"/>
+              </a:rPr>
+              <a:t>Build a machine learning model to find distinct differences in chest x-ray images and accurately classify them as pneumonia or normal</a:t>
+            </a:r>
+            <a:endParaRPr lang="en-US" sz="1600" dirty="0">
+              <a:solidFill>
+                <a:schemeClr val="bg1"/>
+              </a:solidFill>
+              <a:latin typeface="+mn-lt"/>
+            </a:endParaRPr>
+          </a:p>
+          <a:p>
+            <a:pPr>
+              <a:buFont typeface="Arial" panose="020B0604020202020204" pitchFamily="34" charset="0"/>
+              <a:buChar char="•"/>
+            </a:pPr>
+            <a:endParaRPr lang="en-US" sz="1600" dirty="0">
+              <a:solidFill>
+                <a:schemeClr val="bg1"/>
+              </a:solidFill>
+              <a:latin typeface="+mn-lt"/>
+            </a:endParaRPr>
+          </a:p>
+          <a:p>
+            <a:pPr>
+              <a:buFont typeface="Arial" panose="020B0604020202020204" pitchFamily="34" charset="0"/>
+              <a:buChar char="•"/>
+            </a:pPr>
+            <a:r>
+              <a:rPr lang="en-US" sz="1600" dirty="0">
+                <a:solidFill>
+                  <a:schemeClr val="bg1"/>
+                </a:solidFill>
+                <a:latin typeface="+mn-lt"/>
+              </a:rPr>
+              <a:t>Build a site where images can be uploaded and processed by our model and the results displayed for users to review</a:t>
+            </a:r>
+          </a:p>
+          <a:p>
+            <a:pPr marL="146050" indent="0">
+              <a:buNone/>
+            </a:pPr>
+            <a:endParaRPr lang="en-US" sz="1600" dirty="0">
+              <a:solidFill>
+                <a:schemeClr val="bg1"/>
+              </a:solidFill>
+              <a:latin typeface="+mn-lt"/>
+            </a:endParaRPr>
+          </a:p>
+          <a:p>
+            <a:pPr>
+              <a:buFont typeface="Arial" panose="020B0604020202020204" pitchFamily="34" charset="0"/>
+              <a:buChar char="•"/>
+            </a:pPr>
+            <a:r>
+              <a:rPr lang="en-US" sz="1600" dirty="0">
+                <a:solidFill>
+                  <a:schemeClr val="bg1"/>
+                </a:solidFill>
+                <a:latin typeface="+mn-lt"/>
+              </a:rPr>
+              <a:t>Provide a resource for doctors to speed up the interpretation of x-ray images</a:t>
+            </a:r>
+          </a:p>
+          <a:p>
+            <a:pPr>
+              <a:buFont typeface="Arial" panose="020B0604020202020204" pitchFamily="34" charset="0"/>
+              <a:buChar char="•"/>
+            </a:pPr>
+            <a:endParaRPr lang="en-US" sz="1600" dirty="0">
+              <a:solidFill>
+                <a:schemeClr val="bg1"/>
+              </a:solidFill>
+              <a:latin typeface="+mn-lt"/>
+            </a:endParaRPr>
+          </a:p>
+          <a:p>
+            <a:pPr>
+              <a:buFont typeface="Arial" panose="020B0604020202020204" pitchFamily="34" charset="0"/>
+              <a:buChar char="•"/>
+            </a:pPr>
+            <a:r>
+              <a:rPr lang="en-US" sz="1600" dirty="0">
+                <a:solidFill>
+                  <a:schemeClr val="bg1"/>
+                </a:solidFill>
+                <a:latin typeface="+mn-lt"/>
+              </a:rPr>
+              <a:t>Provide additional background information and context around the impact of Pneumonia </a:t>
+            </a:r>
+          </a:p>
+          <a:p>
+            <a:pPr algn="l">
+              <a:buFont typeface="Arial" panose="020B0604020202020204" pitchFamily="34" charset="0"/>
+              <a:buChar char="•"/>
+            </a:pPr>
+            <a:endParaRPr lang="en-US" sz="1600" b="0" i="0" dirty="0">
+              <a:solidFill>
+                <a:schemeClr val="bg1"/>
+              </a:solidFill>
+              <a:effectLst/>
+              <a:latin typeface="+mn-lt"/>
+            </a:endParaRPr>
+          </a:p>
+          <a:p>
+            <a:pPr marL="0" lvl="0" indent="0" algn="l" rtl="0">
+              <a:spcBef>
+                <a:spcPts val="1200"/>
+              </a:spcBef>
+              <a:spcAft>
+                <a:spcPts val="1200"/>
+              </a:spcAft>
+              <a:buNone/>
+            </a:pPr>
+            <a:endParaRPr dirty="0"/>
+          </a:p>
+        </p:txBody>
+      </p:sp>
+    </p:spTree>
+  </p:cSld>
+  <p:clrMapOvr>
+    <a:masterClrMapping/>
+  </p:clrMapOvr>
+</p:sld>
+</file>
+
+<file path=ppt/slides/slide4.xml><?xml version="1.0" encoding="utf-8"?>
+<p:sld xmlns:a="http://schemas.openxmlformats.org/drawingml/2006/main" xmlns:r="http://schemas.openxmlformats.org/officeDocument/2006/relationships" xmlns:p="http://schemas.openxmlformats.org/presentationml/2006/main">
+  <p:cSld>
+    <p:spTree>
+      <p:nvGrpSpPr>
+        <p:cNvPr id="1" name="Shape 152"/>
+        <p:cNvGrpSpPr/>
+        <p:nvPr/>
+      </p:nvGrpSpPr>
+      <p:grpSpPr>
+        <a:xfrm>
+          <a:off x="0" y="0"/>
+          <a:ext cx="0" cy="0"/>
+          <a:chOff x="0" y="0"/>
+          <a:chExt cx="0" cy="0"/>
+        </a:xfrm>
+      </p:grpSpPr>
+      <p:sp>
+        <p:nvSpPr>
+          <p:cNvPr id="153" name="Google Shape;153;p16"/>
+          <p:cNvSpPr txBox="1">
+            <a:spLocks noGrp="1"/>
+          </p:cNvSpPr>
+          <p:nvPr>
+            <p:ph type="title"/>
+          </p:nvPr>
+        </p:nvSpPr>
+        <p:spPr>
+          <a:xfrm>
+            <a:off x="1297500" y="393750"/>
+            <a:ext cx="7038900" cy="914100"/>
+          </a:xfrm>
+          <a:prstGeom prst="rect">
+            <a:avLst/>
+          </a:prstGeom>
+        </p:spPr>
+        <p:txBody>
+          <a:bodyPr spcFirstLastPara="1" wrap="square" lIns="91425" tIns="91425" rIns="91425" bIns="91425" anchor="t" anchorCtr="0">
+            <a:normAutofit/>
+          </a:bodyPr>
+          <a:lstStyle/>
+          <a:p>
+            <a:pPr marL="0" lvl="0" indent="0" algn="l" rtl="0">
+              <a:spcBef>
+                <a:spcPts val="0"/>
+              </a:spcBef>
+              <a:spcAft>
+                <a:spcPts val="0"/>
+              </a:spcAft>
+              <a:buNone/>
+            </a:pPr>
+            <a:r>
+              <a:rPr lang="en" dirty="0"/>
+              <a:t>Why Pneumonia – Global Statistics</a:t>
+            </a:r>
+            <a:endParaRPr dirty="0"/>
+          </a:p>
+        </p:txBody>
+      </p:sp>
+      <p:pic>
+        <p:nvPicPr>
+          <p:cNvPr id="2" name="Picture 1">
+            <a:extLst>
+              <a:ext uri="{FF2B5EF4-FFF2-40B4-BE49-F238E27FC236}">
+                <a16:creationId xmlns:a16="http://schemas.microsoft.com/office/drawing/2014/main" id="{2D2B37AC-A6C4-4752-8129-72871024CD54}"/>
+              </a:ext>
+            </a:extLst>
+          </p:cNvPr>
+          <p:cNvPicPr>
+            <a:picLocks noChangeAspect="1"/>
+          </p:cNvPicPr>
+          <p:nvPr/>
+        </p:nvPicPr>
+        <p:blipFill>
+          <a:blip r:embed="rId3"/>
+          <a:stretch>
+            <a:fillRect/>
+          </a:stretch>
+        </p:blipFill>
+        <p:spPr>
+          <a:xfrm>
+            <a:off x="2979174" y="1628855"/>
+            <a:ext cx="5538526" cy="2618212"/>
+          </a:xfrm>
+          <a:prstGeom prst="rect">
+            <a:avLst/>
+          </a:prstGeom>
+        </p:spPr>
+      </p:pic>
+      <p:sp>
+        <p:nvSpPr>
+          <p:cNvPr id="9" name="TextBox 8">
+            <a:extLst>
+              <a:ext uri="{FF2B5EF4-FFF2-40B4-BE49-F238E27FC236}">
+                <a16:creationId xmlns:a16="http://schemas.microsoft.com/office/drawing/2014/main" id="{0E844957-F0C2-40EA-8F94-C0D0FB513402}"/>
+              </a:ext>
+            </a:extLst>
+          </p:cNvPr>
+          <p:cNvSpPr txBox="1"/>
+          <p:nvPr/>
+        </p:nvSpPr>
+        <p:spPr>
+          <a:xfrm>
+            <a:off x="447367" y="1700357"/>
+            <a:ext cx="1991033" cy="2246769"/>
+          </a:xfrm>
+          <a:prstGeom prst="rect">
+            <a:avLst/>
+          </a:prstGeom>
+          <a:noFill/>
+        </p:spPr>
+        <p:txBody>
+          <a:bodyPr wrap="square">
+            <a:spAutoFit/>
+          </a:bodyPr>
+          <a:lstStyle/>
+          <a:p>
+            <a:r>
+              <a:rPr lang="en-US" dirty="0">
+                <a:solidFill>
+                  <a:schemeClr val="bg1"/>
+                </a:solidFill>
+              </a:rPr>
+              <a:t>Globally, Pneumonia accounts for more than 15% of all deaths of Children under 5</a:t>
+            </a:r>
+          </a:p>
+          <a:p>
+            <a:endParaRPr lang="en-US" dirty="0">
+              <a:solidFill>
+                <a:schemeClr val="bg1"/>
+              </a:solidFill>
+            </a:endParaRPr>
+          </a:p>
+          <a:p>
+            <a:r>
+              <a:rPr lang="en-US" dirty="0">
+                <a:solidFill>
+                  <a:schemeClr val="bg1"/>
+                </a:solidFill>
+              </a:rPr>
+              <a:t>Kills more children younger than 5 years old each year than any other infectious disease</a:t>
+            </a:r>
+          </a:p>
+        </p:txBody>
+      </p:sp>
+      <p:sp>
+        <p:nvSpPr>
+          <p:cNvPr id="7" name="TextBox 6">
+            <a:extLst>
+              <a:ext uri="{FF2B5EF4-FFF2-40B4-BE49-F238E27FC236}">
+                <a16:creationId xmlns:a16="http://schemas.microsoft.com/office/drawing/2014/main" id="{5B0EB738-2FFF-4078-899B-4E9BCE783A18}"/>
+              </a:ext>
+            </a:extLst>
+          </p:cNvPr>
+          <p:cNvSpPr txBox="1"/>
+          <p:nvPr/>
+        </p:nvSpPr>
+        <p:spPr>
+          <a:xfrm>
+            <a:off x="3913239" y="4463845"/>
+            <a:ext cx="4423161" cy="307777"/>
+          </a:xfrm>
+          <a:prstGeom prst="rect">
+            <a:avLst/>
+          </a:prstGeom>
+          <a:noFill/>
+        </p:spPr>
+        <p:txBody>
+          <a:bodyPr wrap="square" rtlCol="0">
+            <a:spAutoFit/>
+          </a:bodyPr>
+          <a:lstStyle/>
+          <a:p>
+            <a:r>
+              <a:rPr lang="en-US" dirty="0">
+                <a:highlight>
+                  <a:srgbClr val="00FFFF"/>
+                </a:highlight>
+              </a:rPr>
+              <a:t>Replace this chart with global chart once created</a:t>
+            </a:r>
+          </a:p>
+        </p:txBody>
+      </p:sp>
+    </p:spTree>
+  </p:cSld>
+  <p:clrMapOvr>
+    <a:masterClrMapping/>
+  </p:clrMapOvr>
+</p:sld>
+</file>
+
+<file path=ppt/slides/slide5.xml><?xml version="1.0" encoding="utf-8"?>
+<p:sld xmlns:a="http://schemas.openxmlformats.org/drawingml/2006/main" xmlns:r="http://schemas.openxmlformats.org/officeDocument/2006/relationships" xmlns:p="http://schemas.openxmlformats.org/presentationml/2006/main">
+  <p:cSld>
+    <p:spTree>
+      <p:nvGrpSpPr>
+        <p:cNvPr id="1" name=""/>
+        <p:cNvGrpSpPr/>
+        <p:nvPr/>
+      </p:nvGrpSpPr>
+      <p:grpSpPr>
+        <a:xfrm>
+          <a:off x="0" y="0"/>
+          <a:ext cx="0" cy="0"/>
+          <a:chOff x="0" y="0"/>
+          <a:chExt cx="0" cy="0"/>
+        </a:xfrm>
+      </p:grpSpPr>
+      <p:graphicFrame>
+        <p:nvGraphicFramePr>
+          <p:cNvPr id="6" name="Chart 5">
+            <a:extLst>
+              <a:ext uri="{FF2B5EF4-FFF2-40B4-BE49-F238E27FC236}">
+                <a16:creationId xmlns:a16="http://schemas.microsoft.com/office/drawing/2014/main" id="{11C4C547-5C6A-46DF-95EB-BE124D116672}"/>
+              </a:ext>
+            </a:extLst>
+          </p:cNvPr>
+          <p:cNvGraphicFramePr/>
+          <p:nvPr>
+            <p:extLst>
+              <p:ext uri="{D42A27DB-BD31-4B8C-83A1-F6EECF244321}">
+                <p14:modId xmlns:p14="http://schemas.microsoft.com/office/powerpoint/2010/main" val="2589108185"/>
+              </p:ext>
+            </p:extLst>
+          </p:nvPr>
+        </p:nvGraphicFramePr>
+        <p:xfrm>
+          <a:off x="245806" y="1682179"/>
+          <a:ext cx="6263149" cy="2794615"/>
+        </p:xfrm>
+        <a:graphic>
+          <a:graphicData uri="http://schemas.openxmlformats.org/drawingml/2006/chart">
+            <c:chart xmlns:c="http://schemas.openxmlformats.org/drawingml/2006/chart" xmlns:r="http://schemas.openxmlformats.org/officeDocument/2006/relationships" r:id="rId3"/>
+          </a:graphicData>
+        </a:graphic>
+      </p:graphicFrame>
+      <p:sp>
+        <p:nvSpPr>
+          <p:cNvPr id="7" name="TextBox 6">
+            <a:extLst>
+              <a:ext uri="{FF2B5EF4-FFF2-40B4-BE49-F238E27FC236}">
+                <a16:creationId xmlns:a16="http://schemas.microsoft.com/office/drawing/2014/main" id="{19E50DD5-FB8C-4F70-AAE5-4F0283D3E713}"/>
+              </a:ext>
+            </a:extLst>
+          </p:cNvPr>
+          <p:cNvSpPr txBox="1"/>
+          <p:nvPr/>
+        </p:nvSpPr>
+        <p:spPr>
+          <a:xfrm>
+            <a:off x="1296644" y="1074520"/>
+            <a:ext cx="7678994" cy="523220"/>
+          </a:xfrm>
+          <a:prstGeom prst="rect">
+            <a:avLst/>
+          </a:prstGeom>
+          <a:noFill/>
+        </p:spPr>
+        <p:txBody>
+          <a:bodyPr wrap="square" rtlCol="0">
+            <a:spAutoFit/>
+          </a:bodyPr>
+          <a:lstStyle/>
+          <a:p>
+            <a:r>
+              <a:rPr lang="en-US" dirty="0">
+                <a:solidFill>
+                  <a:schemeClr val="bg1"/>
+                </a:solidFill>
+              </a:rPr>
+              <a:t>2016 Mayo Clinic study* published in Academic Radiology outlines the increase in workload for radiologists</a:t>
+            </a:r>
+          </a:p>
+        </p:txBody>
+      </p:sp>
+      <p:sp>
+        <p:nvSpPr>
+          <p:cNvPr id="9" name="TextBox 8">
+            <a:extLst>
+              <a:ext uri="{FF2B5EF4-FFF2-40B4-BE49-F238E27FC236}">
+                <a16:creationId xmlns:a16="http://schemas.microsoft.com/office/drawing/2014/main" id="{C72A3CAF-4BCD-439D-8AB7-FB2B77D612CB}"/>
+              </a:ext>
+            </a:extLst>
+          </p:cNvPr>
+          <p:cNvSpPr txBox="1"/>
+          <p:nvPr/>
+        </p:nvSpPr>
+        <p:spPr>
+          <a:xfrm>
+            <a:off x="6656439" y="2198475"/>
+            <a:ext cx="2241755" cy="1600438"/>
+          </a:xfrm>
+          <a:prstGeom prst="rect">
+            <a:avLst/>
+          </a:prstGeom>
+          <a:noFill/>
+        </p:spPr>
+        <p:txBody>
+          <a:bodyPr wrap="square" rtlCol="0">
+            <a:spAutoFit/>
+          </a:bodyPr>
+          <a:lstStyle/>
+          <a:p>
+            <a:r>
+              <a:rPr lang="en-US" sz="1050" dirty="0">
+                <a:solidFill>
+                  <a:schemeClr val="bg1"/>
+                </a:solidFill>
+              </a:rPr>
+              <a:t>“Imaging volumes have grown at a disproportionate rate to imaging utilization increases at our institution. The average radiologist …must now interpret one image every 3–4 seconds in an 8-hour workday to meet workload demands.”</a:t>
+            </a:r>
+          </a:p>
+          <a:p>
+            <a:endParaRPr lang="en-US" dirty="0"/>
+          </a:p>
+        </p:txBody>
+      </p:sp>
+      <p:sp>
+        <p:nvSpPr>
+          <p:cNvPr id="11" name="TextBox 10">
+            <a:extLst>
+              <a:ext uri="{FF2B5EF4-FFF2-40B4-BE49-F238E27FC236}">
+                <a16:creationId xmlns:a16="http://schemas.microsoft.com/office/drawing/2014/main" id="{DA800A14-6A7E-4998-ABC2-AADB587D9E52}"/>
+              </a:ext>
+            </a:extLst>
+          </p:cNvPr>
+          <p:cNvSpPr txBox="1"/>
+          <p:nvPr/>
+        </p:nvSpPr>
+        <p:spPr>
+          <a:xfrm>
+            <a:off x="339213" y="4645672"/>
+            <a:ext cx="7841226" cy="253916"/>
+          </a:xfrm>
+          <a:prstGeom prst="rect">
+            <a:avLst/>
+          </a:prstGeom>
+          <a:noFill/>
+        </p:spPr>
+        <p:txBody>
+          <a:bodyPr wrap="square">
+            <a:spAutoFit/>
+          </a:bodyPr>
+          <a:lstStyle/>
+          <a:p>
+            <a:r>
+              <a:rPr lang="en-US" sz="1050" dirty="0">
+                <a:solidFill>
+                  <a:schemeClr val="bg1"/>
+                </a:solidFill>
+              </a:rPr>
+              <a:t>*https://www.academicradiology.org/article/S1076-6332(15)00245-7/fulltext</a:t>
+            </a:r>
+          </a:p>
+        </p:txBody>
+      </p:sp>
+      <p:sp>
+        <p:nvSpPr>
+          <p:cNvPr id="12" name="Title 11">
+            <a:extLst>
+              <a:ext uri="{FF2B5EF4-FFF2-40B4-BE49-F238E27FC236}">
+                <a16:creationId xmlns:a16="http://schemas.microsoft.com/office/drawing/2014/main" id="{A3A18A3E-4199-493F-8BB8-7FAA1C68EE6F}"/>
+              </a:ext>
+            </a:extLst>
+          </p:cNvPr>
+          <p:cNvSpPr>
+            <a:spLocks noGrp="1"/>
+          </p:cNvSpPr>
+          <p:nvPr>
+            <p:ph type="title"/>
+          </p:nvPr>
+        </p:nvSpPr>
+        <p:spPr/>
+        <p:txBody>
+          <a:bodyPr>
+            <a:normAutofit fontScale="90000"/>
+          </a:bodyPr>
+          <a:lstStyle/>
+          <a:p>
+            <a:r>
+              <a:rPr lang="en-US" dirty="0"/>
+              <a:t>Imaging Demands Outpace Radiologist Supply</a:t>
+            </a:r>
+          </a:p>
+        </p:txBody>
+      </p:sp>
+    </p:spTree>
+    <p:extLst>
+      <p:ext uri="{BB962C8B-B14F-4D97-AF65-F5344CB8AC3E}">
+        <p14:creationId xmlns:p14="http://schemas.microsoft.com/office/powerpoint/2010/main" val="3371477329"/>
+      </p:ext>
+    </p:extLst>
+  </p:cSld>
+  <p:clrMapOvr>
+    <a:masterClrMapping/>
+  </p:clrMapOvr>
+</p:sld>
+</file>
+
+<file path=ppt/slides/slide6.xml><?xml version="1.0" encoding="utf-8"?>
+<p:sld xmlns:a="http://schemas.openxmlformats.org/drawingml/2006/main" xmlns:r="http://schemas.openxmlformats.org/officeDocument/2006/relationships" xmlns:p="http://schemas.openxmlformats.org/presentationml/2006/main">
+  <p:cSld>
+    <p:spTree>
+      <p:nvGrpSpPr>
+        <p:cNvPr id="1" name=""/>
+        <p:cNvGrpSpPr/>
+        <p:nvPr/>
+      </p:nvGrpSpPr>
+      <p:grpSpPr>
+        <a:xfrm>
+          <a:off x="0" y="0"/>
+          <a:ext cx="0" cy="0"/>
+          <a:chOff x="0" y="0"/>
+          <a:chExt cx="0" cy="0"/>
+        </a:xfrm>
+      </p:grpSpPr>
+      <p:sp>
+        <p:nvSpPr>
+          <p:cNvPr id="2" name="Title 1">
+            <a:extLst>
+              <a:ext uri="{FF2B5EF4-FFF2-40B4-BE49-F238E27FC236}">
+                <a16:creationId xmlns:a16="http://schemas.microsoft.com/office/drawing/2014/main" id="{D8F71AA6-988A-472E-A617-17D7554B4230}"/>
+              </a:ext>
+            </a:extLst>
+          </p:cNvPr>
+          <p:cNvSpPr>
+            <a:spLocks noGrp="1"/>
+          </p:cNvSpPr>
+          <p:nvPr>
+            <p:ph type="title"/>
+          </p:nvPr>
+        </p:nvSpPr>
+        <p:spPr/>
+        <p:txBody>
+          <a:bodyPr/>
+          <a:lstStyle/>
+          <a:p>
+            <a:r>
+              <a:rPr lang="en-US" dirty="0"/>
+              <a:t>Can you spot the Pneumonia?</a:t>
+            </a:r>
+          </a:p>
+        </p:txBody>
+      </p:sp>
+      <p:pic>
+        <p:nvPicPr>
+          <p:cNvPr id="4" name="Picture 3" descr="X-ray of a person's chest&#10;&#10;Description automatically generated with medium confidence">
+            <a:extLst>
+              <a:ext uri="{FF2B5EF4-FFF2-40B4-BE49-F238E27FC236}">
+                <a16:creationId xmlns:a16="http://schemas.microsoft.com/office/drawing/2014/main" id="{113D06D4-F626-4D09-8AA3-2208BEDA37FA}"/>
+              </a:ext>
+            </a:extLst>
+          </p:cNvPr>
+          <p:cNvPicPr>
+            <a:picLocks noChangeAspect="1"/>
+          </p:cNvPicPr>
+          <p:nvPr/>
+        </p:nvPicPr>
+        <p:blipFill>
+          <a:blip r:embed="rId3"/>
+          <a:stretch>
+            <a:fillRect/>
+          </a:stretch>
+        </p:blipFill>
+        <p:spPr>
+          <a:xfrm>
+            <a:off x="3555318" y="1493520"/>
+            <a:ext cx="1432560" cy="1432560"/>
+          </a:xfrm>
+          <a:prstGeom prst="rect">
+            <a:avLst/>
+          </a:prstGeom>
+        </p:spPr>
+      </p:pic>
+      <p:pic>
+        <p:nvPicPr>
+          <p:cNvPr id="6" name="Picture 5" descr="X-ray of a person's chest&#10;&#10;Description automatically generated with medium confidence">
+            <a:extLst>
+              <a:ext uri="{FF2B5EF4-FFF2-40B4-BE49-F238E27FC236}">
+                <a16:creationId xmlns:a16="http://schemas.microsoft.com/office/drawing/2014/main" id="{AA1EE58A-89B0-4195-BF50-8DA076779E8C}"/>
+              </a:ext>
+            </a:extLst>
+          </p:cNvPr>
+          <p:cNvPicPr>
+            <a:picLocks noChangeAspect="1"/>
+          </p:cNvPicPr>
+          <p:nvPr/>
+        </p:nvPicPr>
+        <p:blipFill>
+          <a:blip r:embed="rId4"/>
+          <a:stretch>
+            <a:fillRect/>
+          </a:stretch>
+        </p:blipFill>
+        <p:spPr>
+          <a:xfrm>
+            <a:off x="6292850" y="1493520"/>
+            <a:ext cx="1432560" cy="1432560"/>
+          </a:xfrm>
+          <a:prstGeom prst="rect">
+            <a:avLst/>
+          </a:prstGeom>
+        </p:spPr>
+      </p:pic>
+      <p:pic>
+        <p:nvPicPr>
+          <p:cNvPr id="10" name="Picture 9" descr="X-ray of a person's chest&#10;&#10;Description automatically generated with medium confidence">
+            <a:extLst>
+              <a:ext uri="{FF2B5EF4-FFF2-40B4-BE49-F238E27FC236}">
+                <a16:creationId xmlns:a16="http://schemas.microsoft.com/office/drawing/2014/main" id="{C808B3C4-F49F-48FB-8FD0-EC492C014EF5}"/>
+              </a:ext>
+            </a:extLst>
+          </p:cNvPr>
+          <p:cNvPicPr>
+            <a:picLocks noChangeAspect="1"/>
+          </p:cNvPicPr>
+          <p:nvPr/>
+        </p:nvPicPr>
+        <p:blipFill>
+          <a:blip r:embed="rId5"/>
+          <a:stretch>
+            <a:fillRect/>
+          </a:stretch>
+        </p:blipFill>
+        <p:spPr>
+          <a:xfrm>
+            <a:off x="648970" y="1493520"/>
+            <a:ext cx="1929812" cy="1432560"/>
+          </a:xfrm>
+          <a:prstGeom prst="rect">
+            <a:avLst/>
+          </a:prstGeom>
+        </p:spPr>
+      </p:pic>
+      <p:pic>
+        <p:nvPicPr>
+          <p:cNvPr id="12" name="Picture 11" descr="A close-up of a fetus&#10;&#10;Description automatically generated with low confidence">
+            <a:extLst>
+              <a:ext uri="{FF2B5EF4-FFF2-40B4-BE49-F238E27FC236}">
+                <a16:creationId xmlns:a16="http://schemas.microsoft.com/office/drawing/2014/main" id="{04D408B8-E156-4F00-A454-A5E6A4CF447D}"/>
+              </a:ext>
+            </a:extLst>
+          </p:cNvPr>
+          <p:cNvPicPr>
+            <a:picLocks noChangeAspect="1"/>
+          </p:cNvPicPr>
+          <p:nvPr/>
+        </p:nvPicPr>
+        <p:blipFill>
+          <a:blip r:embed="rId6"/>
+          <a:stretch>
+            <a:fillRect/>
+          </a:stretch>
+        </p:blipFill>
+        <p:spPr>
+          <a:xfrm>
+            <a:off x="714716" y="3159760"/>
+            <a:ext cx="1798320" cy="1798320"/>
+          </a:xfrm>
+          <a:prstGeom prst="rect">
+            <a:avLst/>
+          </a:prstGeom>
+        </p:spPr>
+      </p:pic>
+      <p:pic>
+        <p:nvPicPr>
+          <p:cNvPr id="14" name="Picture 13" descr="X-ray of a person's chest&#10;&#10;Description automatically generated with medium confidence">
+            <a:extLst>
+              <a:ext uri="{FF2B5EF4-FFF2-40B4-BE49-F238E27FC236}">
+                <a16:creationId xmlns:a16="http://schemas.microsoft.com/office/drawing/2014/main" id="{6A70E98A-3EA3-48ED-9A99-C7AB4EB464A6}"/>
+              </a:ext>
+            </a:extLst>
+          </p:cNvPr>
+          <p:cNvPicPr>
+            <a:picLocks noChangeAspect="1"/>
+          </p:cNvPicPr>
+          <p:nvPr/>
+        </p:nvPicPr>
+        <p:blipFill>
+          <a:blip r:embed="rId7"/>
+          <a:stretch>
+            <a:fillRect/>
+          </a:stretch>
+        </p:blipFill>
+        <p:spPr>
+          <a:xfrm>
+            <a:off x="3336243" y="3111750"/>
+            <a:ext cx="1870710" cy="1870710"/>
+          </a:xfrm>
+          <a:prstGeom prst="rect">
+            <a:avLst/>
+          </a:prstGeom>
+        </p:spPr>
+      </p:pic>
+      <p:pic>
+        <p:nvPicPr>
+          <p:cNvPr id="16" name="Picture 15" descr="A close-up of a fetus&#10;&#10;Description automatically generated with low confidence">
+            <a:extLst>
+              <a:ext uri="{FF2B5EF4-FFF2-40B4-BE49-F238E27FC236}">
+                <a16:creationId xmlns:a16="http://schemas.microsoft.com/office/drawing/2014/main" id="{42B3D52F-6D73-4543-BBA0-88AD67801C04}"/>
+              </a:ext>
+            </a:extLst>
+          </p:cNvPr>
+          <p:cNvPicPr>
+            <a:picLocks noChangeAspect="1"/>
+          </p:cNvPicPr>
+          <p:nvPr/>
+        </p:nvPicPr>
+        <p:blipFill>
+          <a:blip r:embed="rId8"/>
+          <a:stretch>
+            <a:fillRect/>
+          </a:stretch>
+        </p:blipFill>
+        <p:spPr>
+          <a:xfrm>
+            <a:off x="6030160" y="3055235"/>
+            <a:ext cx="1983740" cy="1983740"/>
+          </a:xfrm>
+          <a:prstGeom prst="rect">
+            <a:avLst/>
+          </a:prstGeom>
+        </p:spPr>
+      </p:pic>
+    </p:spTree>
+    <p:extLst>
+      <p:ext uri="{BB962C8B-B14F-4D97-AF65-F5344CB8AC3E}">
+        <p14:creationId xmlns:p14="http://schemas.microsoft.com/office/powerpoint/2010/main" val="79686409"/>
+      </p:ext>
+    </p:extLst>
+  </p:cSld>
+  <p:clrMapOvr>
+    <a:masterClrMapping/>
+  </p:clrMapOvr>
+  <p:timing>
+    <p:tnLst>
+      <p:par>
+        <p:cTn id="1" dur="indefinite" restart="never" nodeType="tmRoot">
+          <p:childTnLst>
+            <p:seq concurrent="1" nextAc="seek">
+              <p:cTn id="2" dur="indefinite" nodeType="mainSeq">
+                <p:childTnLst>
+                  <p:par>
+                    <p:cTn id="3" fill="hold">
+                      <p:stCondLst>
+                        <p:cond delay="indefinite"/>
+                      </p:stCondLst>
+                      <p:childTnLst>
+                        <p:par>
+                          <p:cTn id="4" fill="hold">
+                            <p:stCondLst>
+                              <p:cond delay="0"/>
+                            </p:stCondLst>
+                            <p:childTnLst>
+                              <p:par>
+                                <p:cTn id="5" presetID="6" presetClass="emph" presetSubtype="0" fill="hold" nodeType="clickEffect">
+                                  <p:stCondLst>
+                                    <p:cond delay="0"/>
+                                  </p:stCondLst>
+                                  <p:childTnLst>
+                                    <p:animScale>
+                                      <p:cBhvr>
+                                        <p:cTn id="6" dur="2000" fill="hold"/>
+                                        <p:tgtEl>
+                                          <p:spTgt spid="10"/>
+                                        </p:tgtEl>
+                                      </p:cBhvr>
+                                      <p:by x="150000" y="150000"/>
+                                    </p:animScale>
+                                  </p:childTnLst>
+                                </p:cTn>
+                              </p:par>
+                            </p:childTnLst>
+                          </p:cTn>
+                        </p:par>
+                      </p:childTnLst>
+                    </p:cTn>
+                  </p:par>
+                </p:childTnLst>
+              </p:cTn>
+              <p:prevCondLst>
+                <p:cond evt="onPrev" delay="0">
+                  <p:tgtEl>
+                    <p:sldTgt/>
+                  </p:tgtEl>
+                </p:cond>
+              </p:prevCondLst>
+              <p:nextCondLst>
+                <p:cond evt="onNext" delay="0">
+                  <p:tgtEl>
+                    <p:sldTgt/>
+                  </p:tgtEl>
+                </p:cond>
+              </p:nextCondLst>
+            </p:seq>
+            <p:seq concurrent="1" nextAc="seek">
+              <p:cTn id="7" restart="whenNotActive" fill="hold" evtFilter="cancelBubble" nodeType="interactiveSeq">
+                <p:stCondLst>
+                  <p:cond evt="onClick" delay="0">
+                    <p:tgtEl>
+                      <p:spTgt spid="2"/>
+                    </p:tgtEl>
+                  </p:cond>
+                </p:stCondLst>
+                <p:endSync evt="end" delay="0">
+                  <p:rtn val="all"/>
+                </p:endSync>
+                <p:childTnLst>
+                  <p:par>
+                    <p:cTn id="8" fill="hold">
+                      <p:stCondLst>
+                        <p:cond delay="0"/>
+                      </p:stCondLst>
+                      <p:childTnLst>
+                        <p:par>
+                          <p:cTn id="9" fill="hold">
+                            <p:stCondLst>
+                              <p:cond delay="0"/>
+                            </p:stCondLst>
+                            <p:childTnLst>
+                              <p:par>
+                                <p:cTn id="10" presetID="1" presetClass="entr" presetSubtype="0" fill="hold" nodeType="clickEffect">
+                                  <p:stCondLst>
+                                    <p:cond delay="0"/>
+                                  </p:stCondLst>
+                                  <p:childTnLst>
+                                    <p:set>
+                                      <p:cBhvr>
+                                        <p:cTn id="11" dur="1" fill="hold">
+                                          <p:stCondLst>
+                                            <p:cond delay="0"/>
+                                          </p:stCondLst>
+                                        </p:cTn>
+                                        <p:tgtEl>
+                                          <p:spTgt spid="10"/>
+                                        </p:tgtEl>
+                                        <p:attrNameLst>
+                                          <p:attrName>style.visibility</p:attrName>
+                                        </p:attrNameLst>
+                                      </p:cBhvr>
+                                      <p:to>
+                                        <p:strVal val="visible"/>
+                                      </p:to>
+                                    </p:set>
+                                  </p:childTnLst>
+                                </p:cTn>
+                              </p:par>
+                            </p:childTnLst>
+                          </p:cTn>
+                        </p:par>
+                        <p:par>
+                          <p:cTn id="12" fill="hold">
+                            <p:stCondLst>
+                              <p:cond delay="0"/>
+                            </p:stCondLst>
+                            <p:childTnLst>
+                              <p:par>
+                                <p:cTn id="13" presetID="1" presetClass="exit" presetSubtype="0" fill="hold" nodeType="afterEffect">
+                                  <p:stCondLst>
+                                    <p:cond delay="3000"/>
+                                  </p:stCondLst>
+                                  <p:childTnLst>
+                                    <p:set>
+                                      <p:cBhvr>
+                                        <p:cTn id="14" dur="1" fill="hold">
+                                          <p:stCondLst>
+                                            <p:cond delay="9"/>
+                                          </p:stCondLst>
+                                        </p:cTn>
+                                        <p:tgtEl>
+                                          <p:spTgt spid="10"/>
+                                        </p:tgtEl>
+                                        <p:attrNameLst>
+                                          <p:attrName>style.visibility</p:attrName>
+                                        </p:attrNameLst>
+                                      </p:cBhvr>
+                                      <p:to>
+                                        <p:strVal val="hidden"/>
+                                      </p:to>
+                                    </p:set>
+                                  </p:childTnLst>
+                                </p:cTn>
+                              </p:par>
+                            </p:childTnLst>
+                          </p:cTn>
+                        </p:par>
+                        <p:par>
+                          <p:cTn id="15" fill="hold">
+                            <p:stCondLst>
+                              <p:cond delay="3010"/>
+                            </p:stCondLst>
+                            <p:childTnLst>
+                              <p:par>
+                                <p:cTn id="16" presetID="1" presetClass="entr" presetSubtype="0" fill="hold" nodeType="afterEffect">
+                                  <p:stCondLst>
+                                    <p:cond delay="0"/>
+                                  </p:stCondLst>
+                                  <p:childTnLst>
+                                    <p:set>
+                                      <p:cBhvr>
+                                        <p:cTn id="17" dur="1" fill="hold">
+                                          <p:stCondLst>
+                                            <p:cond delay="0"/>
+                                          </p:stCondLst>
+                                        </p:cTn>
+                                        <p:tgtEl>
+                                          <p:spTgt spid="4"/>
+                                        </p:tgtEl>
+                                        <p:attrNameLst>
+                                          <p:attrName>style.visibility</p:attrName>
+                                        </p:attrNameLst>
+                                      </p:cBhvr>
+                                      <p:to>
+                                        <p:strVal val="visible"/>
+                                      </p:to>
+                                    </p:set>
+                                  </p:childTnLst>
+                                </p:cTn>
+                              </p:par>
+                            </p:childTnLst>
+                          </p:cTn>
+                        </p:par>
+                        <p:par>
+                          <p:cTn id="18" fill="hold">
+                            <p:stCondLst>
+                              <p:cond delay="3010"/>
+                            </p:stCondLst>
+                            <p:childTnLst>
+                              <p:par>
+                                <p:cTn id="19" presetID="1" presetClass="exit" presetSubtype="0" fill="hold" nodeType="afterEffect">
+                                  <p:stCondLst>
+                                    <p:cond delay="3000"/>
+                                  </p:stCondLst>
+                                  <p:childTnLst>
+                                    <p:set>
+                                      <p:cBhvr>
+                                        <p:cTn id="20" dur="1" fill="hold">
+                                          <p:stCondLst>
+                                            <p:cond delay="0"/>
+                                          </p:stCondLst>
+                                        </p:cTn>
+                                        <p:tgtEl>
+                                          <p:spTgt spid="4"/>
+                                        </p:tgtEl>
+                                        <p:attrNameLst>
+                                          <p:attrName>style.visibility</p:attrName>
+                                        </p:attrNameLst>
+                                      </p:cBhvr>
+                                      <p:to>
+                                        <p:strVal val="hidden"/>
+                                      </p:to>
+                                    </p:set>
+                                  </p:childTnLst>
+                                </p:cTn>
+                              </p:par>
+                            </p:childTnLst>
+                          </p:cTn>
+                        </p:par>
+                        <p:par>
+                          <p:cTn id="21" fill="hold">
+                            <p:stCondLst>
+                              <p:cond delay="6010"/>
+                            </p:stCondLst>
+                            <p:childTnLst>
+                              <p:par>
+                                <p:cTn id="22" presetID="1" presetClass="entr" presetSubtype="0" fill="hold" nodeType="afterEffect">
+                                  <p:stCondLst>
+                                    <p:cond delay="0"/>
+                                  </p:stCondLst>
+                                  <p:childTnLst>
+                                    <p:set>
+                                      <p:cBhvr>
+                                        <p:cTn id="23" dur="1" fill="hold">
+                                          <p:stCondLst>
+                                            <p:cond delay="0"/>
+                                          </p:stCondLst>
+                                        </p:cTn>
+                                        <p:tgtEl>
+                                          <p:spTgt spid="6"/>
+                                        </p:tgtEl>
+                                        <p:attrNameLst>
+                                          <p:attrName>style.visibility</p:attrName>
+                                        </p:attrNameLst>
+                                      </p:cBhvr>
+                                      <p:to>
+                                        <p:strVal val="visible"/>
+                                      </p:to>
+                                    </p:set>
+                                  </p:childTnLst>
+                                </p:cTn>
+                              </p:par>
+                            </p:childTnLst>
+                          </p:cTn>
+                        </p:par>
+                        <p:par>
+                          <p:cTn id="24" fill="hold">
+                            <p:stCondLst>
+                              <p:cond delay="6010"/>
+                            </p:stCondLst>
+                            <p:childTnLst>
+                              <p:par>
+                                <p:cTn id="25" presetID="1" presetClass="exit" presetSubtype="0" fill="hold" nodeType="afterEffect">
+                                  <p:stCondLst>
+                                    <p:cond delay="3000"/>
+                                  </p:stCondLst>
+                                  <p:childTnLst>
+                                    <p:set>
+                                      <p:cBhvr>
+                                        <p:cTn id="26" dur="1" fill="hold">
+                                          <p:stCondLst>
+                                            <p:cond delay="0"/>
+                                          </p:stCondLst>
+                                        </p:cTn>
+                                        <p:tgtEl>
+                                          <p:spTgt spid="6"/>
+                                        </p:tgtEl>
+                                        <p:attrNameLst>
+                                          <p:attrName>style.visibility</p:attrName>
+                                        </p:attrNameLst>
+                                      </p:cBhvr>
+                                      <p:to>
+                                        <p:strVal val="hidden"/>
+                                      </p:to>
+                                    </p:set>
+                                  </p:childTnLst>
+                                </p:cTn>
+                              </p:par>
+                            </p:childTnLst>
+                          </p:cTn>
+                        </p:par>
+                        <p:par>
+                          <p:cTn id="27" fill="hold">
+                            <p:stCondLst>
+                              <p:cond delay="9010"/>
+                            </p:stCondLst>
+                            <p:childTnLst>
+                              <p:par>
+                                <p:cTn id="28" presetID="1" presetClass="entr" presetSubtype="0" fill="hold" nodeType="afterEffect">
+                                  <p:stCondLst>
+                                    <p:cond delay="0"/>
+                                  </p:stCondLst>
+                                  <p:childTnLst>
+                                    <p:set>
+                                      <p:cBhvr>
+                                        <p:cTn id="29" dur="1" fill="hold">
+                                          <p:stCondLst>
+                                            <p:cond delay="0"/>
+                                          </p:stCondLst>
+                                        </p:cTn>
+                                        <p:tgtEl>
+                                          <p:spTgt spid="12"/>
+                                        </p:tgtEl>
+                                        <p:attrNameLst>
+                                          <p:attrName>style.visibility</p:attrName>
+                                        </p:attrNameLst>
+                                      </p:cBhvr>
+                                      <p:to>
+                                        <p:strVal val="visible"/>
+                                      </p:to>
+                                    </p:set>
+                                  </p:childTnLst>
+                                </p:cTn>
+                              </p:par>
+                            </p:childTnLst>
+                          </p:cTn>
+                        </p:par>
+                        <p:par>
+                          <p:cTn id="30" fill="hold">
+                            <p:stCondLst>
+                              <p:cond delay="9010"/>
+                            </p:stCondLst>
+                            <p:childTnLst>
+                              <p:par>
+                                <p:cTn id="31" presetID="1" presetClass="exit" presetSubtype="0" fill="hold" nodeType="afterEffect">
+                                  <p:stCondLst>
+                                    <p:cond delay="3000"/>
+                                  </p:stCondLst>
+                                  <p:childTnLst>
+                                    <p:set>
+                                      <p:cBhvr>
+                                        <p:cTn id="32" dur="1" fill="hold">
+                                          <p:stCondLst>
+                                            <p:cond delay="0"/>
+                                          </p:stCondLst>
+                                        </p:cTn>
+                                        <p:tgtEl>
+                                          <p:spTgt spid="12"/>
+                                        </p:tgtEl>
+                                        <p:attrNameLst>
+                                          <p:attrName>style.visibility</p:attrName>
+                                        </p:attrNameLst>
+                                      </p:cBhvr>
+                                      <p:to>
+                                        <p:strVal val="hidden"/>
+                                      </p:to>
+                                    </p:set>
+                                  </p:childTnLst>
+                                </p:cTn>
+                              </p:par>
+                            </p:childTnLst>
+                          </p:cTn>
+                        </p:par>
+                        <p:par>
+                          <p:cTn id="33" fill="hold">
+                            <p:stCondLst>
+                              <p:cond delay="12010"/>
+                            </p:stCondLst>
+                            <p:childTnLst>
+                              <p:par>
+                                <p:cTn id="34" presetID="1" presetClass="entr" presetSubtype="0" fill="hold" nodeType="afterEffect">
+                                  <p:stCondLst>
+                                    <p:cond delay="0"/>
+                                  </p:stCondLst>
+                                  <p:childTnLst>
+                                    <p:set>
+                                      <p:cBhvr>
+                                        <p:cTn id="35" dur="1" fill="hold">
+                                          <p:stCondLst>
+                                            <p:cond delay="0"/>
+                                          </p:stCondLst>
+                                        </p:cTn>
+                                        <p:tgtEl>
+                                          <p:spTgt spid="14"/>
+                                        </p:tgtEl>
+                                        <p:attrNameLst>
+                                          <p:attrName>style.visibility</p:attrName>
+                                        </p:attrNameLst>
+                                      </p:cBhvr>
+                                      <p:to>
+                                        <p:strVal val="visible"/>
+                                      </p:to>
+                                    </p:set>
+                                  </p:childTnLst>
+                                </p:cTn>
+                              </p:par>
+                            </p:childTnLst>
+                          </p:cTn>
+                        </p:par>
+                        <p:par>
+                          <p:cTn id="36" fill="hold">
+                            <p:stCondLst>
+                              <p:cond delay="12010"/>
+                            </p:stCondLst>
+                            <p:childTnLst>
+                              <p:par>
+                                <p:cTn id="37" presetID="1" presetClass="exit" presetSubtype="0" fill="hold" nodeType="afterEffect">
+                                  <p:stCondLst>
+                                    <p:cond delay="3000"/>
+                                  </p:stCondLst>
+                                  <p:childTnLst>
+                                    <p:set>
+                                      <p:cBhvr>
+                                        <p:cTn id="38" dur="1" fill="hold">
+                                          <p:stCondLst>
+                                            <p:cond delay="0"/>
+                                          </p:stCondLst>
+                                        </p:cTn>
+                                        <p:tgtEl>
+                                          <p:spTgt spid="14"/>
+                                        </p:tgtEl>
+                                        <p:attrNameLst>
+                                          <p:attrName>style.visibility</p:attrName>
+                                        </p:attrNameLst>
+                                      </p:cBhvr>
+                                      <p:to>
+                                        <p:strVal val="hidden"/>
+                                      </p:to>
+                                    </p:set>
+                                  </p:childTnLst>
+                                </p:cTn>
+                              </p:par>
+                            </p:childTnLst>
+                          </p:cTn>
+                        </p:par>
+                        <p:par>
+                          <p:cTn id="39" fill="hold">
+                            <p:stCondLst>
+                              <p:cond delay="15010"/>
+                            </p:stCondLst>
+                            <p:childTnLst>
+                              <p:par>
+                                <p:cTn id="40" presetID="1" presetClass="entr" presetSubtype="0" fill="hold" nodeType="afterEffect">
+                                  <p:stCondLst>
+                                    <p:cond delay="0"/>
+                                  </p:stCondLst>
+                                  <p:childTnLst>
+                                    <p:set>
+                                      <p:cBhvr>
+                                        <p:cTn id="41" dur="1" fill="hold">
+                                          <p:stCondLst>
+                                            <p:cond delay="0"/>
+                                          </p:stCondLst>
+                                        </p:cTn>
+                                        <p:tgtEl>
+                                          <p:spTgt spid="16"/>
+                                        </p:tgtEl>
+                                        <p:attrNameLst>
+                                          <p:attrName>style.visibility</p:attrName>
+                                        </p:attrNameLst>
+                                      </p:cBhvr>
+                                      <p:to>
+                                        <p:strVal val="visible"/>
+                                      </p:to>
+                                    </p:set>
+                                  </p:childTnLst>
+                                </p:cTn>
+                              </p:par>
+                            </p:childTnLst>
+                          </p:cTn>
+                        </p:par>
+                        <p:par>
+                          <p:cTn id="42" fill="hold">
+                            <p:stCondLst>
+                              <p:cond delay="15010"/>
+                            </p:stCondLst>
+                            <p:childTnLst>
+                              <p:par>
+                                <p:cTn id="43" presetID="1" presetClass="exit" presetSubtype="0" fill="hold" nodeType="afterEffect">
+                                  <p:stCondLst>
+                                    <p:cond delay="3000"/>
+                                  </p:stCondLst>
+                                  <p:childTnLst>
+                                    <p:set>
+                                      <p:cBhvr>
+                                        <p:cTn id="44" dur="1" fill="hold">
+                                          <p:stCondLst>
+                                            <p:cond delay="0"/>
+                                          </p:stCondLst>
+                                        </p:cTn>
+                                        <p:tgtEl>
+                                          <p:spTgt spid="16"/>
+                                        </p:tgtEl>
+                                        <p:attrNameLst>
+                                          <p:attrName>style.visibility</p:attrName>
+                                        </p:attrNameLst>
+                                      </p:cBhvr>
+                                      <p:to>
+                                        <p:strVal val="hidden"/>
+                                      </p:to>
+                                    </p:set>
+                                  </p:childTnLst>
+                                </p:cTn>
+                              </p:par>
+                            </p:childTnLst>
+                          </p:cTn>
+                        </p:par>
+                      </p:childTnLst>
+                    </p:cTn>
+                  </p:par>
+                </p:childTnLst>
+              </p:cTn>
+              <p:nextCondLst>
+                <p:cond evt="onClick" delay="0">
+                  <p:tgtEl>
+                    <p:spTgt spid="2"/>
+                  </p:tgtEl>
+                </p:cond>
+              </p:nextCondLst>
+            </p:seq>
+          </p:childTnLst>
+        </p:cTn>
+      </p:par>
+    </p:tnLst>
+  </p:timing>
+</p:sld>
+</file>
+
+<file path=ppt/slides/slide7.xml><?xml version="1.0" encoding="utf-8"?>
+<p:sld xmlns:a="http://schemas.openxmlformats.org/drawingml/2006/main" xmlns:r="http://schemas.openxmlformats.org/officeDocument/2006/relationships" xmlns:p="http://schemas.openxmlformats.org/presentationml/2006/main">
+  <p:cSld>
+    <p:spTree>
+      <p:nvGrpSpPr>
+        <p:cNvPr id="1" name=""/>
+        <p:cNvGrpSpPr/>
+        <p:nvPr/>
+      </p:nvGrpSpPr>
+      <p:grpSpPr>
+        <a:xfrm>
+          <a:off x="0" y="0"/>
+          <a:ext cx="0" cy="0"/>
+          <a:chOff x="0" y="0"/>
+          <a:chExt cx="0" cy="0"/>
+        </a:xfrm>
+      </p:grpSpPr>
+      <p:sp>
+        <p:nvSpPr>
+          <p:cNvPr id="2" name="Title 1">
+            <a:extLst>
+              <a:ext uri="{FF2B5EF4-FFF2-40B4-BE49-F238E27FC236}">
+                <a16:creationId xmlns:a16="http://schemas.microsoft.com/office/drawing/2014/main" id="{9890AC3F-1E66-47A7-9737-AF5BDD07CDEA}"/>
+              </a:ext>
+            </a:extLst>
+          </p:cNvPr>
+          <p:cNvSpPr>
+            <a:spLocks noGrp="1"/>
+          </p:cNvSpPr>
+          <p:nvPr>
+            <p:ph type="title"/>
+          </p:nvPr>
+        </p:nvSpPr>
+        <p:spPr/>
+        <p:txBody>
+          <a:bodyPr/>
+          <a:lstStyle/>
+          <a:p>
+            <a:r>
+              <a:rPr lang="en-US" dirty="0"/>
+              <a:t>Data Sources</a:t>
+            </a:r>
+          </a:p>
+        </p:txBody>
+      </p:sp>
+      <p:sp>
+        <p:nvSpPr>
+          <p:cNvPr id="3" name="Text Placeholder 2">
+            <a:extLst>
+              <a:ext uri="{FF2B5EF4-FFF2-40B4-BE49-F238E27FC236}">
+                <a16:creationId xmlns:a16="http://schemas.microsoft.com/office/drawing/2014/main" id="{F0F05067-B9A2-4FA0-AF48-6318718274A3}"/>
+              </a:ext>
+            </a:extLst>
+          </p:cNvPr>
+          <p:cNvSpPr>
+            <a:spLocks noGrp="1"/>
+          </p:cNvSpPr>
+          <p:nvPr>
+            <p:ph type="body" idx="1"/>
+          </p:nvPr>
+        </p:nvSpPr>
+        <p:spPr/>
+        <p:txBody>
+          <a:bodyPr/>
+          <a:lstStyle/>
+          <a:p>
+            <a:r>
+              <a:rPr lang="en-US" dirty="0"/>
+              <a:t>Two sets</a:t>
+            </a:r>
+          </a:p>
+          <a:p>
+            <a:endParaRPr lang="en-US" dirty="0"/>
+          </a:p>
+          <a:p>
+            <a:r>
+              <a:rPr lang="en-US" dirty="0"/>
+              <a:t>One focused on Statistics </a:t>
+            </a:r>
+          </a:p>
+          <a:p>
+            <a:endParaRPr lang="en-US" dirty="0"/>
+          </a:p>
+          <a:p>
+            <a:r>
+              <a:rPr lang="en-US" dirty="0"/>
+              <a:t>The other on Machine Learning Model images</a:t>
+            </a:r>
+          </a:p>
+        </p:txBody>
+      </p:sp>
+    </p:spTree>
+    <p:extLst>
+      <p:ext uri="{BB962C8B-B14F-4D97-AF65-F5344CB8AC3E}">
+        <p14:creationId xmlns:p14="http://schemas.microsoft.com/office/powerpoint/2010/main" val="717650568"/>
+      </p:ext>
+    </p:extLst>
+  </p:cSld>
+  <p:clrMapOvr>
+    <a:masterClrMapping/>
+  </p:clrMapOvr>
+</p:sld>
+</file>
+
+<file path=ppt/slides/slide8.xml><?xml version="1.0" encoding="utf-8"?>
+<p:sld xmlns:a="http://schemas.openxmlformats.org/drawingml/2006/main" xmlns:r="http://schemas.openxmlformats.org/officeDocument/2006/relationships" xmlns:p="http://schemas.openxmlformats.org/presentationml/2006/main">
+  <p:cSld>
+    <p:spTree>
+      <p:nvGrpSpPr>
+        <p:cNvPr id="1" name=""/>
+        <p:cNvGrpSpPr/>
+        <p:nvPr/>
+      </p:nvGrpSpPr>
+      <p:grpSpPr>
+        <a:xfrm>
+          <a:off x="0" y="0"/>
+          <a:ext cx="0" cy="0"/>
+          <a:chOff x="0" y="0"/>
+          <a:chExt cx="0" cy="0"/>
+        </a:xfrm>
+      </p:grpSpPr>
+      <p:sp>
+        <p:nvSpPr>
+          <p:cNvPr id="2" name="Title 1">
+            <a:extLst>
+              <a:ext uri="{FF2B5EF4-FFF2-40B4-BE49-F238E27FC236}">
+                <a16:creationId xmlns:a16="http://schemas.microsoft.com/office/drawing/2014/main" id="{A381E117-43EE-42BC-A2BD-117B7268AD33}"/>
+              </a:ext>
+            </a:extLst>
+          </p:cNvPr>
+          <p:cNvSpPr>
+            <a:spLocks noGrp="1"/>
+          </p:cNvSpPr>
+          <p:nvPr>
+            <p:ph type="title"/>
+          </p:nvPr>
+        </p:nvSpPr>
+        <p:spPr/>
+        <p:txBody>
+          <a:bodyPr/>
+          <a:lstStyle/>
+          <a:p>
+            <a:r>
+              <a:rPr lang="en-US" dirty="0"/>
+              <a:t>Data Sources – Pneumonia Statistics</a:t>
+            </a:r>
+          </a:p>
+        </p:txBody>
+      </p:sp>
+      <p:pic>
+        <p:nvPicPr>
+          <p:cNvPr id="8" name="Picture 7" descr="Text&#10;&#10;Description automatically generated">
+            <a:extLst>
+              <a:ext uri="{FF2B5EF4-FFF2-40B4-BE49-F238E27FC236}">
+                <a16:creationId xmlns:a16="http://schemas.microsoft.com/office/drawing/2014/main" id="{FA67C39E-9823-4813-9801-B390ADABCDF1}"/>
+              </a:ext>
+            </a:extLst>
+          </p:cNvPr>
+          <p:cNvPicPr>
+            <a:picLocks noChangeAspect="1"/>
+          </p:cNvPicPr>
+          <p:nvPr/>
+        </p:nvPicPr>
+        <p:blipFill>
+          <a:blip r:embed="rId3"/>
+          <a:stretch>
+            <a:fillRect/>
+          </a:stretch>
+        </p:blipFill>
+        <p:spPr>
+          <a:xfrm>
+            <a:off x="5603240" y="3514533"/>
+            <a:ext cx="2566035" cy="1184324"/>
+          </a:xfrm>
+          <a:prstGeom prst="rect">
+            <a:avLst/>
+          </a:prstGeom>
+        </p:spPr>
+      </p:pic>
+      <p:pic>
+        <p:nvPicPr>
+          <p:cNvPr id="10" name="Picture 9" descr="Text, logo&#10;&#10;Description automatically generated">
+            <a:extLst>
+              <a:ext uri="{FF2B5EF4-FFF2-40B4-BE49-F238E27FC236}">
+                <a16:creationId xmlns:a16="http://schemas.microsoft.com/office/drawing/2014/main" id="{538F367F-8F1A-4385-927F-78343669BA8B}"/>
+              </a:ext>
+            </a:extLst>
+          </p:cNvPr>
+          <p:cNvPicPr>
+            <a:picLocks noChangeAspect="1"/>
+          </p:cNvPicPr>
+          <p:nvPr/>
+        </p:nvPicPr>
+        <p:blipFill>
+          <a:blip r:embed="rId4"/>
+          <a:stretch>
+            <a:fillRect/>
+          </a:stretch>
+        </p:blipFill>
+        <p:spPr>
+          <a:xfrm>
+            <a:off x="285272" y="1922738"/>
+            <a:ext cx="1501140" cy="1501140"/>
+          </a:xfrm>
+          <a:prstGeom prst="rect">
+            <a:avLst/>
+          </a:prstGeom>
+        </p:spPr>
+      </p:pic>
+      <p:pic>
+        <p:nvPicPr>
+          <p:cNvPr id="12" name="Picture 11" descr="A picture containing text&#10;&#10;Description automatically generated">
+            <a:extLst>
+              <a:ext uri="{FF2B5EF4-FFF2-40B4-BE49-F238E27FC236}">
+                <a16:creationId xmlns:a16="http://schemas.microsoft.com/office/drawing/2014/main" id="{28222FF5-1295-4C3A-9B55-0360825DABF9}"/>
+              </a:ext>
+            </a:extLst>
+          </p:cNvPr>
+          <p:cNvPicPr>
+            <a:picLocks noChangeAspect="1"/>
+          </p:cNvPicPr>
+          <p:nvPr/>
+        </p:nvPicPr>
+        <p:blipFill>
+          <a:blip r:embed="rId5"/>
+          <a:stretch>
+            <a:fillRect/>
+          </a:stretch>
+        </p:blipFill>
+        <p:spPr>
+          <a:xfrm>
+            <a:off x="2418079" y="1036805"/>
+            <a:ext cx="3204845" cy="1831340"/>
+          </a:xfrm>
+          <a:prstGeom prst="rect">
+            <a:avLst/>
+          </a:prstGeom>
+        </p:spPr>
+      </p:pic>
+      <p:pic>
+        <p:nvPicPr>
+          <p:cNvPr id="14" name="Picture 13" descr="Logo, company name&#10;&#10;Description automatically generated">
+            <a:extLst>
+              <a:ext uri="{FF2B5EF4-FFF2-40B4-BE49-F238E27FC236}">
+                <a16:creationId xmlns:a16="http://schemas.microsoft.com/office/drawing/2014/main" id="{F35BA67E-2C0A-44FF-8404-2635BE456142}"/>
+              </a:ext>
+            </a:extLst>
+          </p:cNvPr>
+          <p:cNvPicPr>
+            <a:picLocks noChangeAspect="1"/>
+          </p:cNvPicPr>
+          <p:nvPr/>
+        </p:nvPicPr>
+        <p:blipFill>
+          <a:blip r:embed="rId6"/>
+          <a:stretch>
+            <a:fillRect/>
+          </a:stretch>
+        </p:blipFill>
+        <p:spPr>
+          <a:xfrm>
+            <a:off x="6254591" y="1038689"/>
+            <a:ext cx="2124075" cy="2152650"/>
+          </a:xfrm>
+          <a:prstGeom prst="rect">
+            <a:avLst/>
+          </a:prstGeom>
+        </p:spPr>
+      </p:pic>
+      <p:pic>
+        <p:nvPicPr>
+          <p:cNvPr id="1028" name="Picture 4" descr="data:image/png;base64,iVBORw0KGgoAAAANSUhEUgAAASwAAACoCAMAAABt9SM9AAAAY1BMVEX///8AsPIArPEAqvEArvIAqfG24frq9v2s3fkltfNDu/S95PqGzveb1/j2/P+O0fej2fji8/14yvYAo/Dg8v3G5/v3/P7X7vxVwPRqxvVewvUwt/NMvfSn2/nK6ft9zPYAofBvBoG4AAAPA0lEQVR4nO1cV4KrOhZUJOdowMaz/1WOjoRABGO3x+439z7VRzsJheJkiUbIwsLCwsLCwsLCwsLCwsLCwsLCwsLCwsLCwsLCwsLCwsLCwsLCwsLCwsLCwsLCwsLCwsLCwsLCwuJfjMqJo6LrivQ2Jv/0XH4RYXTxMfMvqVO9eIWbBSXpB8IYI+K1JEX91Rn+v8DtKCEMC4h105cuCQPeO01+JR3xfdzxGFWpTyL3yzN9CDFxCZp+eaCUS6I0XrjCITjjLeoFR9gJav/mXriD+su97P4huvTkyZfJ6gnGPyKr8rHQuJaTu7j4gobaLSvU+uSKUBOV3761x/glsu4brp6SlZY3eCkw7pOQIEGWkDQUsoC04ms3YPlX53uM3yFr5PhnZA1Dol4adOckStAwohwTIWxh6cEvHve+OeFj/A5ZwUzSZCLJvk27vHXpXb108BIFQVliUtKCg63Ky1j89SiJji/+In6FrFwLFvHjusrztnZ2bYJxfuvym3rTyE+lELJk8MSH9Kp+ztCV5A3ulqu72xenP+NXyMomR0jih02uZaPfuqWg0umCoLuBLl6lBA0yvuJSglxOCjn3+3y5V+7p/zwYxHsQ8n2TrE6RxbrHLcgwvycZCmVExgjvEtRLFhVZcSD+ZCSgMnZoRMsJOeUj+joKjW/emclkkYeWxaHLzboWIibTAs/INC9FFuJeVwqFzZj85JZzj6L3Bv0V8NXK6cPlEMx1KHDDyDF9J49QUlfu4OSjdx8ojqVQBUoDvdlRpOREbv8oaLIe/R4zDPoFCWNSumgdk4nc4kI4o8Tv07At1RVJCY1TPkiGRrBjmP9jadBHcUpWAjpEa7AI4tMlhTRnBWnVh8kkDZNaCusVksFFUhEvBdhF0OS/oCxxSlYg4il2RS4GYWn57A5msAuabRa6XafLiM9C8ZKBY6i5nyRUSGf9KxHEd3FGVlK2LSFNRRhoYnAzI1gtWmghK/mPNHwO0e6TgshhxhqPYlRcj4b4s3BGlsPjvGwTgmHVOfCyI4smC1mo06WwQb3JgJ+b0FyRRyLJ6x+OM7Ii0qMQDZjBou8QgF42aojB5SmblYDPDNOuS8MpvkdNCXZdNCqQ0/DH0ckfgzOyBDWydCVjB/nnvrVZ4PGC4DqQEicoFokllE1JNAUiPaQFIQFnKPT5fw8Xcyfq+u6e1T90Fm6dpfciip0n9ZDWS6MiSr1HNfIzsnxQnUGlW62MNXfeEERniMK6dUWOOP9ISCg7CKXxuoIzFJZMJlS3TCI+iutG9VumRbCKVdtJuzMf6rmyis2HeBOMJGkssXcjVYQpYeouUnZ/VDVvsoDrm024n5q8Np4DCCeyiKNhFNIFh27CsVxxqooNa7KYXL8vL3GZKXVcZo2NzCpdcIZC6mQigFUOx4/uXczVb3rBzvRZiuSNrMaW6ZYBl6uSybDpsw3o6jrGL0cxX3NfNxP9XxezkZSq80UYJhhOC7IgoT5JLlgOpKw0dE2WbFbD6M3WmHWaxxCFnAj7p8jSknxIlpoN0eWwSY5Bf5tgW6LEjJp67U4zC9ZdFrtqnaArQ1s4ZNe9uOFz3rFZ9tLVZenCx2QcyyrhQnSlrdbLWZMlCdt1JLkphOhFV5SWqGBKDd8jK8FbzyJXY1QYDsly/QMOxODFZuDimAyC3dfJujBSty0Cy+TKXCbdXKSymKjoD2+MEONM3JyM31GM+invfo8sX3ElRd+gjS4yckSWa+gNpdRQozVbF/0D27TDxH2ZrFga6h5qp63wizXb3F4ujWVSbr+fMMCGmbiMcKGMPVO1m3fIqjt4w2iQOmHo3f1l6nw21wdkzZaB4HR0m6TyAn3lSoO7iRxGOydPEneMh2WERi2RSugv6QQ+j+a5FRVk1RT4qwPUbenV5q0/ph3TVnIsXAQDyn0ELvANsphcDb/Phrm6zvd+nu0BWcF0Dw35G/VtJcv43nQl6RfL32r9ZWqNicQy+Rn6ggyjQCTRwnBlICKmhQUPKzpX3jV9wBVmd1TJoBXKsB33cihCn5WEHpAF9orhVYiU6slQ7bL2ZGVTG2IGC1ozyVzJdScXsDH7vWbalMHHcVbGs7zMW4ppLiNLA2Ob9UOx7uEAPqrotDJBKRp48pZkAV3biEDv3zE9ix1ZyfTFpkw70s3dmpKSXVn9qoXwJbI8Yati4fLFmtdkrcvcDwULsuwK/GVFRQgSug6hb5O1357b/rIja6KTbT3fFa8GaZVgmaZaodEyGL5CVigjowCzDLloNCXLrB+4+0BmBk1GQbQrxmA3GeKiN8mi+yK+DmKoe0xWs5WgZVmKnV59nNSN7iNVPYKx2sdktQTSZCEfjQPGxyTBaJWt9HNDluuIkQjIqKwb+u+SFezbanJ0er4l6/ZAsGYWVYyYTIJ1UPee9Xih+yQ3pGDaISYhF9SYAkQWY3smWEINRZKUcNGBIGtQM3qHLHK0w63nUh+TpTdi9jK5msHE6UGzRWHD3aUHjWE8FHA3Fl5/sRHGBBEEUSdkYdR7QiZFD9wDw+W9SdaBjgjDvF7KhqxJYvDB9vqFyxhJ7hTMvRwMME9n2V4/IUuwTtq0gE2KdUGZGF72MA9REJJEK6HNIoSg7p1hmTy/EzocLqVgZ2SFe4NzCHrSTPex2P6zEg0RKu9K4QHfaLCwbDej5Dj9UuuAJGkE09dCX5053k8k68BkiSTrlKxoJxWHaMluQbsfDVd8RlYsTXwkyVoZp5WfLR6xxVDWKz/RAuP83XTneNdR03FM1iZAeASdUB2eXci1FZi/Od3dgbIDmC4ICQeDBn/VKj1mS0zUFysRflS800WHt8g6vO/nZOk5PDnmmuo4YqpJrqDXtZiME7IqlIAbw0qlTT3cGJHdNoZsc0FVqVYBnZAeuabN+kkifahL52Rp+/6k7q8tMSNHmFay+JcTsmrsJoInqQcjMjejdbqVqArwttgshxez7iI4ncWFlDdlhxxujvcTsg4PxpySpWMk8qTovtuAOcJLZCEuIudIyI2YbemutI0Ut7B2a0J6qKCOe7LgrBuc3op7qLd6rofu/F0D/wZZ+tNh0GHgUCfeI6tjPAS9Js4oVtqYlKi6PshvZLiNmUu53l7YGpFfXrEIIKAqVpvj/SB0eIMsnXD8IlktxYKtlpIqE5HltqaM58manpJRyge5d9OWjUiGaJLChlpPJg/8O5KV/5CsY5s1oXyJLHDAXLhDiu7SmW2KMbJASoxO4Lso0V1DGRlMbM09CC+mbcMzstKPq+Ezm6WTohfPYZySVXG4OVUnvcZ0/pQFVD3KQPqOcFwZq8QYLzup3VWKplA+X4qMvx7viKxpC/eTBv6JN+w3Iz7B+fksOSMkXSzUJKECG6Axhk1bKUDJapXYCO9uVF0OlqrmS7X8jKzuY2TNocOTOGvKmdhHyEIDk2VoITpqa+twE96s30wCVJegAOrewjpmEs/I0krxAbLwpqsH0Ir/+PTxCk/IalRXMG1Z2e03VdomjK7GbotOskd5kK2i8kySr7dczfGOLO+2IvM/kKWrCU9yw9McYY9nxyRdzDDPoeLBG+CpHxan33hXTrZhHWy2O8CV63oMgn+Qyn47Hjk4cjBb5Q+QFT2uOlTqUEQMGqqDnsNUfY9nZMmN8wEsIaljP4Hd22mdbUePYglM7ynUisLSBUtXw4lSY7WarINqW/hByZr72l94U6ci1G4OfdhMRDKRwmJ4npIlLqLccSFpGSl4F68sMi8u8E6mZrbg4Z6UEySTniv3TZc02SW2P28wu4lPkDUX//Y3RftcafsvD5tBQK3c/mL3npHVBGkOR2o9znrhY+AZJtfn5CFTmEk5uhB2gbp0UgU1qrvFdJw8pKB7+ARZukiyr8HrFatzPLfH08l1ylRtL30sWSGngzxOy32YAYV13x5zRa/CdDcD1GVyLh+mi1fPTsUP9WOuUH+ELL2RsnO7mgO1E6kl8GR3x9iGe66GIlMhWOjtGMjyvnJs8dFREDjUBPIMTkH4gzxoUBMJw8aNaEcn3eZ23GomHyJr3sTZnZiZZGmKFqawlPVoCz0bw6G+YLPkJb7UapggUXVSZ+MJRXrFIimxMjFTk5SckpVjnknejGIEtp8ga/aHfB2XtlqUJqdeaeO2zXjSaT7m8w4vkKXOB1A4MScPUejd28S5D5ROVpBd4tZsDicvaizJXbvv2YyvzQSs7YMGftlRXqc8rh5jlhd9qGHzRKmj/aQpmS+QJSJ06JDBaRRZcDfX6bZjXbeVEXypoUfU9HK8DVdLicIIvlAeSAX/XLqDltMxmC7x+WwXl2N4yVwQ7YxF3PXFq2e0XiFLn62FdcdcvKUnWUQgEiSCW9gCk6ztYuh5g4ORtJVnTp0Ll7dg/FjVQWJ+UF6ez0rcNpuPCHND2mp99xjtwioR7ZwlglwnLC+RJW6TPGZEcILcNGBHjwZPGAWZvQMxKRwr5teDSB3PgNoFEZosBXfQkeSnyELLKSl1om+2inyV4GbGU4Hq5N+Dhq+SJVhIu0s//1OQJDl85m75WrS+FLfD2ltu5pLzcgb0cbKW849rbCgQMeRhMyFqm6LFy2QpjFlxxWQ6NBgU85H1pk77Yfqe+H10ejy/2odp8vn0j5MFh8X3twXvpL3FR6zKkHGFH5AVFiJ0N8+P8qgjpdA5Nx5K/27cRnk+P0gf/leb5LoWLoLlksMpa1vOwZ/8x5S7csNck3V8Dt7t+YoHRo7LMfE2JxHz39fCpgPw5XOuUOPBMwjGuGD88lSsZnBA++7LbQS2urMno+tA8S4fl7hOC65SBX1hO33exa+AcPpxku1kqiXsXI+4k3wup/PLw2dinJ4uZXc+HN7pOlQ4WZgBKF+BRSZ6VwIlHfXJlBa3BebyN9zHT59qcp17HwSXIq6//gB1MnpxGkWx82RSVZiJZqlo97kpNW6Va232OI9RcuF+vv/NYg0RIEmWbpz/BQ+qfhWucBjT25bwv+QJ+y+hInQhyN3lNRYGcrJKMhNMXqxk/wvhkk3dIFmlxhYmIr5VO5eUf/5j0F+CswtG2lf/EaWFhYWFhYWFhYWFhYWFhYWFhYWFhYWFhYWFhYWFhYWFhYWFhYWFhYWFhYWFhYWFhYWFhYWFhYXFvxj/BX+WraL9+xMHAAAAAElFTkSuQmCC">
+            <a:extLst>
+              <a:ext uri="{FF2B5EF4-FFF2-40B4-BE49-F238E27FC236}">
+                <a16:creationId xmlns:a16="http://schemas.microsoft.com/office/drawing/2014/main" id="{CB752285-4405-4C7E-956C-6C6D74652CCE}"/>
+              </a:ext>
+            </a:extLst>
+          </p:cNvPr>
+          <p:cNvPicPr>
+            <a:picLocks noChangeAspect="1" noChangeArrowheads="1"/>
+          </p:cNvPicPr>
+          <p:nvPr/>
+        </p:nvPicPr>
+        <p:blipFill>
+          <a:blip r:embed="rId7">
+            <a:extLst>
+              <a:ext uri="{28A0092B-C50C-407E-A947-70E740481C1C}">
+                <a14:useLocalDpi xmlns:a14="http://schemas.microsoft.com/office/drawing/2010/main" val="0"/>
+              </a:ext>
+            </a:extLst>
+          </a:blip>
+          <a:srcRect/>
+          <a:stretch>
+            <a:fillRect/>
+          </a:stretch>
+        </p:blipFill>
+        <p:spPr bwMode="auto">
+          <a:xfrm>
+            <a:off x="2084388" y="3306595"/>
+            <a:ext cx="2857500" cy="1600200"/>
+          </a:xfrm>
+          <a:prstGeom prst="rect">
+            <a:avLst/>
+          </a:prstGeom>
+          <a:noFill/>
+          <a:extLst>
+            <a:ext uri="{909E8E84-426E-40DD-AFC4-6F175D3DCCD1}">
+              <a14:hiddenFill xmlns:a14="http://schemas.microsoft.com/office/drawing/2010/main">
+                <a:solidFill>
+                  <a:srgbClr val="FFFFFF"/>
+                </a:solidFill>
+              </a14:hiddenFill>
+            </a:ext>
+          </a:extLst>
+        </p:spPr>
+      </p:pic>
+    </p:spTree>
+    <p:extLst>
+      <p:ext uri="{BB962C8B-B14F-4D97-AF65-F5344CB8AC3E}">
+        <p14:creationId xmlns:p14="http://schemas.microsoft.com/office/powerpoint/2010/main" val="2394316844"/>
+      </p:ext>
+    </p:extLst>
   </p:cSld>
   <p:clrMapOvr>
     <a:masterClrMapping/>
@@ -16522,12 +17772,24 @@
           </a:xfrm>
         </p:spPr>
         <p:txBody>
-          <a:bodyPr/>
+          <a:bodyPr>
+            <a:normAutofit fontScale="90000"/>
+          </a:bodyPr>
           <a:lstStyle/>
           <a:p>
             <a:r>
               <a:rPr lang="en-US" dirty="0"/>
-              <a:t>Data Exploration Phase - Statistics</a:t>
+              <a:t>Data Exploration Phase – Statistics</a:t>
+            </a:r>
+            <a:br>
+              <a:rPr lang="en-US" dirty="0"/>
+            </a:br>
+            <a:br>
+              <a:rPr lang="en-US" dirty="0"/>
+            </a:br>
+            <a:r>
+              <a:rPr lang="en-US" dirty="0"/>
+              <a:t>ETL Process and Database Tables</a:t>
             </a:r>
           </a:p>
         </p:txBody>
